--- a/orientation_2017/orientation_4_4.pptx
+++ b/orientation_2017/orientation_4_4.pptx
@@ -1,20 +1,21 @@
 
 <file path=ppt/presentation.xml><?xml version="1.0" encoding="utf-8"?>
-<p:presentation xmlns:a="http://schemas.openxmlformats.org/drawingml/2006/main" xmlns:r="http://schemas.openxmlformats.org/officeDocument/2006/relationships" xmlns:p="http://schemas.openxmlformats.org/presentationml/2006/main" saveSubsetFonts="1">
+<p:presentation xmlns:a="http://schemas.openxmlformats.org/drawingml/2006/main" xmlns:r="http://schemas.openxmlformats.org/officeDocument/2006/relationships" xmlns:p="http://schemas.openxmlformats.org/presentationml/2006/main" autoCompressPictures="0">
   <p:sldMasterIdLst>
-    <p:sldMasterId id="2147483648" r:id="rId1"/>
+    <p:sldMasterId id="2147483686" r:id="rId1"/>
   </p:sldMasterIdLst>
   <p:sldIdLst>
     <p:sldId id="256" r:id="rId2"/>
+    <p:sldId id="257" r:id="rId3"/>
   </p:sldIdLst>
   <p:sldSz cx="12192000" cy="6858000"/>
   <p:notesSz cx="6858000" cy="9144000"/>
   <p:defaultTextStyle>
     <a:defPPr>
-      <a:defRPr lang="ja-JP"/>
+      <a:defRPr lang="en-US"/>
     </a:defPPr>
-    <a:lvl1pPr marL="0" algn="l" defTabSz="914400" rtl="0" eaLnBrk="1" latinLnBrk="0" hangingPunct="1">
-      <a:defRPr kumimoji="1" sz="1800" kern="1200">
+    <a:lvl1pPr marL="0" algn="l" defTabSz="457200" rtl="0" eaLnBrk="1" latinLnBrk="0" hangingPunct="1">
+      <a:defRPr sz="1800" kern="1200">
         <a:solidFill>
           <a:schemeClr val="tx1"/>
         </a:solidFill>
@@ -23,8 +24,8 @@
         <a:cs typeface="+mn-cs"/>
       </a:defRPr>
     </a:lvl1pPr>
-    <a:lvl2pPr marL="457200" algn="l" defTabSz="914400" rtl="0" eaLnBrk="1" latinLnBrk="0" hangingPunct="1">
-      <a:defRPr kumimoji="1" sz="1800" kern="1200">
+    <a:lvl2pPr marL="457200" algn="l" defTabSz="457200" rtl="0" eaLnBrk="1" latinLnBrk="0" hangingPunct="1">
+      <a:defRPr sz="1800" kern="1200">
         <a:solidFill>
           <a:schemeClr val="tx1"/>
         </a:solidFill>
@@ -33,8 +34,8 @@
         <a:cs typeface="+mn-cs"/>
       </a:defRPr>
     </a:lvl2pPr>
-    <a:lvl3pPr marL="914400" algn="l" defTabSz="914400" rtl="0" eaLnBrk="1" latinLnBrk="0" hangingPunct="1">
-      <a:defRPr kumimoji="1" sz="1800" kern="1200">
+    <a:lvl3pPr marL="914400" algn="l" defTabSz="457200" rtl="0" eaLnBrk="1" latinLnBrk="0" hangingPunct="1">
+      <a:defRPr sz="1800" kern="1200">
         <a:solidFill>
           <a:schemeClr val="tx1"/>
         </a:solidFill>
@@ -43,8 +44,8 @@
         <a:cs typeface="+mn-cs"/>
       </a:defRPr>
     </a:lvl3pPr>
-    <a:lvl4pPr marL="1371600" algn="l" defTabSz="914400" rtl="0" eaLnBrk="1" latinLnBrk="0" hangingPunct="1">
-      <a:defRPr kumimoji="1" sz="1800" kern="1200">
+    <a:lvl4pPr marL="1371600" algn="l" defTabSz="457200" rtl="0" eaLnBrk="1" latinLnBrk="0" hangingPunct="1">
+      <a:defRPr sz="1800" kern="1200">
         <a:solidFill>
           <a:schemeClr val="tx1"/>
         </a:solidFill>
@@ -53,8 +54,8 @@
         <a:cs typeface="+mn-cs"/>
       </a:defRPr>
     </a:lvl4pPr>
-    <a:lvl5pPr marL="1828800" algn="l" defTabSz="914400" rtl="0" eaLnBrk="1" latinLnBrk="0" hangingPunct="1">
-      <a:defRPr kumimoji="1" sz="1800" kern="1200">
+    <a:lvl5pPr marL="1828800" algn="l" defTabSz="457200" rtl="0" eaLnBrk="1" latinLnBrk="0" hangingPunct="1">
+      <a:defRPr sz="1800" kern="1200">
         <a:solidFill>
           <a:schemeClr val="tx1"/>
         </a:solidFill>
@@ -63,8 +64,8 @@
         <a:cs typeface="+mn-cs"/>
       </a:defRPr>
     </a:lvl5pPr>
-    <a:lvl6pPr marL="2286000" algn="l" defTabSz="914400" rtl="0" eaLnBrk="1" latinLnBrk="0" hangingPunct="1">
-      <a:defRPr kumimoji="1" sz="1800" kern="1200">
+    <a:lvl6pPr marL="2286000" algn="l" defTabSz="457200" rtl="0" eaLnBrk="1" latinLnBrk="0" hangingPunct="1">
+      <a:defRPr sz="1800" kern="1200">
         <a:solidFill>
           <a:schemeClr val="tx1"/>
         </a:solidFill>
@@ -73,8 +74,8 @@
         <a:cs typeface="+mn-cs"/>
       </a:defRPr>
     </a:lvl6pPr>
-    <a:lvl7pPr marL="2743200" algn="l" defTabSz="914400" rtl="0" eaLnBrk="1" latinLnBrk="0" hangingPunct="1">
-      <a:defRPr kumimoji="1" sz="1800" kern="1200">
+    <a:lvl7pPr marL="2743200" algn="l" defTabSz="457200" rtl="0" eaLnBrk="1" latinLnBrk="0" hangingPunct="1">
+      <a:defRPr sz="1800" kern="1200">
         <a:solidFill>
           <a:schemeClr val="tx1"/>
         </a:solidFill>
@@ -83,8 +84,8 @@
         <a:cs typeface="+mn-cs"/>
       </a:defRPr>
     </a:lvl7pPr>
-    <a:lvl8pPr marL="3200400" algn="l" defTabSz="914400" rtl="0" eaLnBrk="1" latinLnBrk="0" hangingPunct="1">
-      <a:defRPr kumimoji="1" sz="1800" kern="1200">
+    <a:lvl8pPr marL="3200400" algn="l" defTabSz="457200" rtl="0" eaLnBrk="1" latinLnBrk="0" hangingPunct="1">
+      <a:defRPr sz="1800" kern="1200">
         <a:solidFill>
           <a:schemeClr val="tx1"/>
         </a:solidFill>
@@ -93,8 +94,8 @@
         <a:cs typeface="+mn-cs"/>
       </a:defRPr>
     </a:lvl8pPr>
-    <a:lvl9pPr marL="3657600" algn="l" defTabSz="914400" rtl="0" eaLnBrk="1" latinLnBrk="0" hangingPunct="1">
-      <a:defRPr kumimoji="1" sz="1800" kern="1200">
+    <a:lvl9pPr marL="3657600" algn="l" defTabSz="457200" rtl="0" eaLnBrk="1" latinLnBrk="0" hangingPunct="1">
+      <a:defRPr sz="1800" kern="1200">
         <a:solidFill>
           <a:schemeClr val="tx1"/>
         </a:solidFill>
@@ -126,7 +127,7 @@
       </p:grpSpPr>
       <p:sp>
         <p:nvSpPr>
-          <p:cNvPr id="2" name="タイトル 1"/>
+          <p:cNvPr id="2" name="Title 1"/>
           <p:cNvSpPr>
             <a:spLocks noGrp="1"/>
           </p:cNvSpPr>
@@ -136,29 +137,31 @@
         </p:nvSpPr>
         <p:spPr>
           <a:xfrm>
-            <a:off x="1524000" y="1122363"/>
-            <a:ext cx="9144000" cy="2387600"/>
+            <a:off x="1370693" y="1769540"/>
+            <a:ext cx="9440034" cy="1828801"/>
           </a:xfrm>
         </p:spPr>
         <p:txBody>
-          <a:bodyPr anchor="b"/>
+          <a:bodyPr anchor="b">
+            <a:normAutofit/>
+          </a:bodyPr>
           <a:lstStyle>
             <a:lvl1pPr algn="ctr">
-              <a:defRPr sz="6000"/>
+              <a:defRPr sz="5400"/>
             </a:lvl1pPr>
           </a:lstStyle>
           <a:p>
             <a:r>
-              <a:rPr kumimoji="1" lang="ja-JP" altLang="en-US" smtClean="0"/>
+              <a:rPr lang="ja-JP" altLang="en-US" smtClean="0"/>
               <a:t>マスター タイトルの書式設定</a:t>
             </a:r>
-            <a:endParaRPr kumimoji="1" lang="ja-JP" altLang="en-US"/>
-          </a:p>
-        </p:txBody>
-      </p:sp>
-      <p:sp>
-        <p:nvSpPr>
-          <p:cNvPr id="3" name="サブタイトル 2"/>
+            <a:endParaRPr lang="en-US" dirty="0"/>
+          </a:p>
+        </p:txBody>
+      </p:sp>
+      <p:sp>
+        <p:nvSpPr>
+          <p:cNvPr id="3" name="Subtitle 2"/>
           <p:cNvSpPr>
             <a:spLocks noGrp="1"/>
           </p:cNvSpPr>
@@ -168,62 +171,114 @@
         </p:nvSpPr>
         <p:spPr>
           <a:xfrm>
-            <a:off x="1524000" y="3602038"/>
-            <a:ext cx="9144000" cy="1655762"/>
+            <a:off x="1370693" y="3598339"/>
+            <a:ext cx="9440034" cy="1049867"/>
           </a:xfrm>
         </p:spPr>
         <p:txBody>
-          <a:bodyPr/>
+          <a:bodyPr anchor="t"/>
           <a:lstStyle>
             <a:lvl1pPr marL="0" indent="0" algn="ctr">
               <a:buNone/>
-              <a:defRPr sz="2400"/>
+              <a:defRPr>
+                <a:solidFill>
+                  <a:schemeClr val="tx1"/>
+                </a:solidFill>
+              </a:defRPr>
             </a:lvl1pPr>
             <a:lvl2pPr marL="457200" indent="0" algn="ctr">
               <a:buNone/>
-              <a:defRPr sz="2000"/>
+              <a:defRPr>
+                <a:solidFill>
+                  <a:schemeClr val="tx1">
+                    <a:tint val="75000"/>
+                  </a:schemeClr>
+                </a:solidFill>
+              </a:defRPr>
             </a:lvl2pPr>
             <a:lvl3pPr marL="914400" indent="0" algn="ctr">
               <a:buNone/>
-              <a:defRPr sz="1800"/>
+              <a:defRPr>
+                <a:solidFill>
+                  <a:schemeClr val="tx1">
+                    <a:tint val="75000"/>
+                  </a:schemeClr>
+                </a:solidFill>
+              </a:defRPr>
             </a:lvl3pPr>
             <a:lvl4pPr marL="1371600" indent="0" algn="ctr">
               <a:buNone/>
-              <a:defRPr sz="1600"/>
+              <a:defRPr>
+                <a:solidFill>
+                  <a:schemeClr val="tx1">
+                    <a:tint val="75000"/>
+                  </a:schemeClr>
+                </a:solidFill>
+              </a:defRPr>
             </a:lvl4pPr>
             <a:lvl5pPr marL="1828800" indent="0" algn="ctr">
               <a:buNone/>
-              <a:defRPr sz="1600"/>
+              <a:defRPr>
+                <a:solidFill>
+                  <a:schemeClr val="tx1">
+                    <a:tint val="75000"/>
+                  </a:schemeClr>
+                </a:solidFill>
+              </a:defRPr>
             </a:lvl5pPr>
             <a:lvl6pPr marL="2286000" indent="0" algn="ctr">
               <a:buNone/>
-              <a:defRPr sz="1600"/>
+              <a:defRPr>
+                <a:solidFill>
+                  <a:schemeClr val="tx1">
+                    <a:tint val="75000"/>
+                  </a:schemeClr>
+                </a:solidFill>
+              </a:defRPr>
             </a:lvl6pPr>
             <a:lvl7pPr marL="2743200" indent="0" algn="ctr">
               <a:buNone/>
-              <a:defRPr sz="1600"/>
+              <a:defRPr>
+                <a:solidFill>
+                  <a:schemeClr val="tx1">
+                    <a:tint val="75000"/>
+                  </a:schemeClr>
+                </a:solidFill>
+              </a:defRPr>
             </a:lvl7pPr>
             <a:lvl8pPr marL="3200400" indent="0" algn="ctr">
               <a:buNone/>
-              <a:defRPr sz="1600"/>
+              <a:defRPr>
+                <a:solidFill>
+                  <a:schemeClr val="tx1">
+                    <a:tint val="75000"/>
+                  </a:schemeClr>
+                </a:solidFill>
+              </a:defRPr>
             </a:lvl8pPr>
             <a:lvl9pPr marL="3657600" indent="0" algn="ctr">
               <a:buNone/>
-              <a:defRPr sz="1600"/>
+              <a:defRPr>
+                <a:solidFill>
+                  <a:schemeClr val="tx1">
+                    <a:tint val="75000"/>
+                  </a:schemeClr>
+                </a:solidFill>
+              </a:defRPr>
             </a:lvl9pPr>
           </a:lstStyle>
           <a:p>
             <a:r>
-              <a:rPr kumimoji="1" lang="ja-JP" altLang="en-US" smtClean="0"/>
+              <a:rPr lang="ja-JP" altLang="en-US" smtClean="0"/>
               <a:t>マスター サブタイトルの書式設定</a:t>
             </a:r>
-            <a:endParaRPr kumimoji="1" lang="ja-JP" altLang="en-US"/>
-          </a:p>
-        </p:txBody>
-      </p:sp>
-      <p:sp>
-        <p:nvSpPr>
-          <p:cNvPr id="4" name="日付プレースホルダー 3"/>
+            <a:endParaRPr lang="en-US" dirty="0"/>
+          </a:p>
+        </p:txBody>
+      </p:sp>
+      <p:sp>
+        <p:nvSpPr>
+          <p:cNvPr id="4" name="Date Placeholder 3"/>
           <p:cNvSpPr>
             <a:spLocks noGrp="1"/>
           </p:cNvSpPr>
@@ -236,17 +291,18 @@
           <a:bodyPr/>
           <a:lstStyle/>
           <a:p>
-            <a:fld id="{B2B5BDEE-E98D-4F93-A903-1F03703468CC}" type="datetimeFigureOut">
-              <a:rPr kumimoji="1" lang="ja-JP" altLang="en-US" smtClean="0"/>
-              <a:t>2017/3/30</a:t>
+            <a:fld id="{B61BEF0D-F0BB-DE4B-95CE-6DB70DBA9567}" type="datetimeFigureOut">
+              <a:rPr lang="en-US" smtClean="0"/>
+              <a:pPr/>
+              <a:t>4/1/2017</a:t>
             </a:fld>
-            <a:endParaRPr kumimoji="1" lang="ja-JP" altLang="en-US"/>
-          </a:p>
-        </p:txBody>
-      </p:sp>
-      <p:sp>
-        <p:nvSpPr>
-          <p:cNvPr id="5" name="フッター プレースホルダー 4"/>
+            <a:endParaRPr lang="en-US" dirty="0"/>
+          </a:p>
+        </p:txBody>
+      </p:sp>
+      <p:sp>
+        <p:nvSpPr>
+          <p:cNvPr id="5" name="Footer Placeholder 4"/>
           <p:cNvSpPr>
             <a:spLocks noGrp="1"/>
           </p:cNvSpPr>
@@ -259,13 +315,13 @@
           <a:bodyPr/>
           <a:lstStyle/>
           <a:p>
-            <a:endParaRPr kumimoji="1" lang="ja-JP" altLang="en-US"/>
-          </a:p>
-        </p:txBody>
-      </p:sp>
-      <p:sp>
-        <p:nvSpPr>
-          <p:cNvPr id="6" name="スライド番号プレースホルダー 5"/>
+            <a:endParaRPr lang="en-US" dirty="0"/>
+          </a:p>
+        </p:txBody>
+      </p:sp>
+      <p:sp>
+        <p:nvSpPr>
+          <p:cNvPr id="6" name="Slide Number Placeholder 5"/>
           <p:cNvSpPr>
             <a:spLocks noGrp="1"/>
           </p:cNvSpPr>
@@ -278,18 +334,19 @@
           <a:bodyPr/>
           <a:lstStyle/>
           <a:p>
-            <a:fld id="{627861DF-5698-4D56-8CEB-FFA5C4BAE208}" type="slidenum">
-              <a:rPr kumimoji="1" lang="ja-JP" altLang="en-US" smtClean="0"/>
+            <a:fld id="{D57F1E4F-1CFF-5643-939E-217C01CDF565}" type="slidenum">
+              <a:rPr lang="en-US" smtClean="0"/>
+              <a:pPr/>
               <a:t>‹#›</a:t>
             </a:fld>
-            <a:endParaRPr kumimoji="1" lang="ja-JP" altLang="en-US"/>
+            <a:endParaRPr lang="en-US" dirty="0"/>
           </a:p>
         </p:txBody>
       </p:sp>
     </p:spTree>
     <p:extLst>
       <p:ext uri="{BB962C8B-B14F-4D97-AF65-F5344CB8AC3E}">
-        <p14:creationId xmlns:p14="http://schemas.microsoft.com/office/powerpoint/2010/main" val="3212883625"/>
+        <p14:creationId xmlns:p14="http://schemas.microsoft.com/office/powerpoint/2010/main" val="3430589280"/>
       </p:ext>
     </p:extLst>
   </p:cSld>
@@ -300,6 +357,2594 @@
 </file>
 
 <file path=ppt/slideLayouts/slideLayout10.xml><?xml version="1.0" encoding="utf-8"?>
+<p:sldLayout xmlns:a="http://schemas.openxmlformats.org/drawingml/2006/main" xmlns:r="http://schemas.openxmlformats.org/officeDocument/2006/relationships" xmlns:p="http://schemas.openxmlformats.org/presentationml/2006/main" preserve="1">
+  <p:cSld name="パノラマ写真 (キャプション付き)">
+    <p:spTree>
+      <p:nvGrpSpPr>
+        <p:cNvPr id="1" name=""/>
+        <p:cNvGrpSpPr/>
+        <p:nvPr/>
+      </p:nvGrpSpPr>
+      <p:grpSpPr>
+        <a:xfrm>
+          <a:off x="0" y="0"/>
+          <a:ext cx="0" cy="0"/>
+          <a:chOff x="0" y="0"/>
+          <a:chExt cx="0" cy="0"/>
+        </a:xfrm>
+      </p:grpSpPr>
+      <p:pic>
+        <p:nvPicPr>
+          <p:cNvPr id="16" name="Picture 15" descr="Slate-V2-HD-panoPhotoInset.png"/>
+          <p:cNvPicPr>
+            <a:picLocks noChangeAspect="1"/>
+          </p:cNvPicPr>
+          <p:nvPr/>
+        </p:nvPicPr>
+        <p:blipFill>
+          <a:blip r:embed="rId2">
+            <a:extLst>
+              <a:ext uri="{28A0092B-C50C-407E-A947-70E740481C1C}">
+                <a14:useLocalDpi xmlns:a14="http://schemas.microsoft.com/office/drawing/2010/main" val="0"/>
+              </a:ext>
+            </a:extLst>
+          </a:blip>
+          <a:stretch>
+            <a:fillRect/>
+          </a:stretch>
+        </p:blipFill>
+        <p:spPr>
+          <a:xfrm>
+            <a:off x="1013883" y="547807"/>
+            <a:ext cx="10141799" cy="3816806"/>
+          </a:xfrm>
+          <a:prstGeom prst="rect">
+            <a:avLst/>
+          </a:prstGeom>
+        </p:spPr>
+      </p:pic>
+      <p:sp>
+        <p:nvSpPr>
+          <p:cNvPr id="2" name="Title 1"/>
+          <p:cNvSpPr>
+            <a:spLocks noGrp="1"/>
+          </p:cNvSpPr>
+          <p:nvPr>
+            <p:ph type="title"/>
+          </p:nvPr>
+        </p:nvSpPr>
+        <p:spPr>
+          <a:xfrm>
+            <a:off x="913806" y="4565255"/>
+            <a:ext cx="10355326" cy="543472"/>
+          </a:xfrm>
+        </p:spPr>
+        <p:txBody>
+          <a:bodyPr anchor="b">
+            <a:normAutofit/>
+          </a:bodyPr>
+          <a:lstStyle>
+            <a:lvl1pPr algn="ctr">
+              <a:defRPr sz="2800"/>
+            </a:lvl1pPr>
+          </a:lstStyle>
+          <a:p>
+            <a:r>
+              <a:rPr lang="ja-JP" altLang="en-US" smtClean="0"/>
+              <a:t>マスター タイトルの書式設定</a:t>
+            </a:r>
+            <a:endParaRPr lang="en-US" dirty="0"/>
+          </a:p>
+        </p:txBody>
+      </p:sp>
+      <p:sp>
+        <p:nvSpPr>
+          <p:cNvPr id="3" name="Picture Placeholder 2"/>
+          <p:cNvSpPr>
+            <a:spLocks noGrp="1" noChangeAspect="1"/>
+          </p:cNvSpPr>
+          <p:nvPr>
+            <p:ph type="pic" idx="1"/>
+          </p:nvPr>
+        </p:nvSpPr>
+        <p:spPr>
+          <a:xfrm>
+            <a:off x="1169349" y="695009"/>
+            <a:ext cx="9845346" cy="3525671"/>
+          </a:xfrm>
+          <a:effectLst>
+            <a:outerShdw blurRad="38100" dist="25400" dir="4440000">
+              <a:srgbClr val="000000">
+                <a:alpha val="36000"/>
+              </a:srgbClr>
+            </a:outerShdw>
+          </a:effectLst>
+        </p:spPr>
+        <p:txBody>
+          <a:bodyPr anchor="t">
+            <a:normAutofit/>
+          </a:bodyPr>
+          <a:lstStyle>
+            <a:lvl1pPr marL="0" indent="0" algn="ctr">
+              <a:buNone/>
+              <a:defRPr sz="2000"/>
+            </a:lvl1pPr>
+            <a:lvl2pPr marL="457200" indent="0">
+              <a:buNone/>
+              <a:defRPr sz="2000"/>
+            </a:lvl2pPr>
+            <a:lvl3pPr marL="914400" indent="0">
+              <a:buNone/>
+              <a:defRPr sz="2000"/>
+            </a:lvl3pPr>
+            <a:lvl4pPr marL="1371600" indent="0">
+              <a:buNone/>
+              <a:defRPr sz="2000"/>
+            </a:lvl4pPr>
+            <a:lvl5pPr marL="1828800" indent="0">
+              <a:buNone/>
+              <a:defRPr sz="2000"/>
+            </a:lvl5pPr>
+            <a:lvl6pPr marL="2286000" indent="0">
+              <a:buNone/>
+              <a:defRPr sz="2000"/>
+            </a:lvl6pPr>
+            <a:lvl7pPr marL="2743200" indent="0">
+              <a:buNone/>
+              <a:defRPr sz="2000"/>
+            </a:lvl7pPr>
+            <a:lvl8pPr marL="3200400" indent="0">
+              <a:buNone/>
+              <a:defRPr sz="2000"/>
+            </a:lvl8pPr>
+            <a:lvl9pPr marL="3657600" indent="0">
+              <a:buNone/>
+              <a:defRPr sz="2000"/>
+            </a:lvl9pPr>
+          </a:lstStyle>
+          <a:p>
+            <a:r>
+              <a:rPr lang="ja-JP" altLang="en-US" smtClean="0"/>
+              <a:t>図を追加</a:t>
+            </a:r>
+            <a:endParaRPr lang="en-US" dirty="0"/>
+          </a:p>
+        </p:txBody>
+      </p:sp>
+      <p:sp>
+        <p:nvSpPr>
+          <p:cNvPr id="4" name="Text Placeholder 3"/>
+          <p:cNvSpPr>
+            <a:spLocks noGrp="1"/>
+          </p:cNvSpPr>
+          <p:nvPr>
+            <p:ph type="body" sz="half" idx="2"/>
+          </p:nvPr>
+        </p:nvSpPr>
+        <p:spPr>
+          <a:xfrm>
+            <a:off x="913795" y="5108728"/>
+            <a:ext cx="10353762" cy="682472"/>
+          </a:xfrm>
+        </p:spPr>
+        <p:txBody>
+          <a:bodyPr anchor="t"/>
+          <a:lstStyle>
+            <a:lvl1pPr marL="0" indent="0" algn="ctr">
+              <a:buNone/>
+              <a:defRPr sz="1600"/>
+            </a:lvl1pPr>
+            <a:lvl2pPr marL="457200" indent="0">
+              <a:buNone/>
+              <a:defRPr sz="1400"/>
+            </a:lvl2pPr>
+            <a:lvl3pPr marL="914400" indent="0">
+              <a:buNone/>
+              <a:defRPr sz="1200"/>
+            </a:lvl3pPr>
+            <a:lvl4pPr marL="1371600" indent="0">
+              <a:buNone/>
+              <a:defRPr sz="1000"/>
+            </a:lvl4pPr>
+            <a:lvl5pPr marL="1828800" indent="0">
+              <a:buNone/>
+              <a:defRPr sz="1000"/>
+            </a:lvl5pPr>
+            <a:lvl6pPr marL="2286000" indent="0">
+              <a:buNone/>
+              <a:defRPr sz="1000"/>
+            </a:lvl6pPr>
+            <a:lvl7pPr marL="2743200" indent="0">
+              <a:buNone/>
+              <a:defRPr sz="1000"/>
+            </a:lvl7pPr>
+            <a:lvl8pPr marL="3200400" indent="0">
+              <a:buNone/>
+              <a:defRPr sz="1000"/>
+            </a:lvl8pPr>
+            <a:lvl9pPr marL="3657600" indent="0">
+              <a:buNone/>
+              <a:defRPr sz="1000"/>
+            </a:lvl9pPr>
+          </a:lstStyle>
+          <a:p>
+            <a:pPr lvl="0"/>
+            <a:r>
+              <a:rPr lang="ja-JP" altLang="en-US" smtClean="0"/>
+              <a:t>マスター テキストの書式設定</a:t>
+            </a:r>
+          </a:p>
+        </p:txBody>
+      </p:sp>
+      <p:sp>
+        <p:nvSpPr>
+          <p:cNvPr id="5" name="Date Placeholder 4"/>
+          <p:cNvSpPr>
+            <a:spLocks noGrp="1"/>
+          </p:cNvSpPr>
+          <p:nvPr>
+            <p:ph type="dt" sz="half" idx="10"/>
+          </p:nvPr>
+        </p:nvSpPr>
+        <p:spPr/>
+        <p:txBody>
+          <a:bodyPr/>
+          <a:lstStyle/>
+          <a:p>
+            <a:fld id="{B61BEF0D-F0BB-DE4B-95CE-6DB70DBA9567}" type="datetimeFigureOut">
+              <a:rPr lang="en-US" smtClean="0"/>
+              <a:pPr/>
+              <a:t>4/1/2017</a:t>
+            </a:fld>
+            <a:endParaRPr lang="en-US" dirty="0"/>
+          </a:p>
+        </p:txBody>
+      </p:sp>
+      <p:sp>
+        <p:nvSpPr>
+          <p:cNvPr id="6" name="Footer Placeholder 5"/>
+          <p:cNvSpPr>
+            <a:spLocks noGrp="1"/>
+          </p:cNvSpPr>
+          <p:nvPr>
+            <p:ph type="ftr" sz="quarter" idx="11"/>
+          </p:nvPr>
+        </p:nvSpPr>
+        <p:spPr/>
+        <p:txBody>
+          <a:bodyPr/>
+          <a:lstStyle/>
+          <a:p>
+            <a:endParaRPr lang="en-US" dirty="0"/>
+          </a:p>
+        </p:txBody>
+      </p:sp>
+      <p:sp>
+        <p:nvSpPr>
+          <p:cNvPr id="7" name="Slide Number Placeholder 6"/>
+          <p:cNvSpPr>
+            <a:spLocks noGrp="1"/>
+          </p:cNvSpPr>
+          <p:nvPr>
+            <p:ph type="sldNum" sz="quarter" idx="12"/>
+          </p:nvPr>
+        </p:nvSpPr>
+        <p:spPr/>
+        <p:txBody>
+          <a:bodyPr/>
+          <a:lstStyle/>
+          <a:p>
+            <a:fld id="{D57F1E4F-1CFF-5643-939E-217C01CDF565}" type="slidenum">
+              <a:rPr lang="en-US" smtClean="0"/>
+              <a:pPr/>
+              <a:t>‹#›</a:t>
+            </a:fld>
+            <a:endParaRPr lang="en-US" dirty="0"/>
+          </a:p>
+        </p:txBody>
+      </p:sp>
+    </p:spTree>
+    <p:extLst>
+      <p:ext uri="{BB962C8B-B14F-4D97-AF65-F5344CB8AC3E}">
+        <p14:creationId xmlns:p14="http://schemas.microsoft.com/office/powerpoint/2010/main" val="4108978561"/>
+      </p:ext>
+    </p:extLst>
+  </p:cSld>
+  <p:clrMapOvr>
+    <a:masterClrMapping/>
+  </p:clrMapOvr>
+</p:sldLayout>
+</file>
+
+<file path=ppt/slideLayouts/slideLayout11.xml><?xml version="1.0" encoding="utf-8"?>
+<p:sldLayout xmlns:a="http://schemas.openxmlformats.org/drawingml/2006/main" xmlns:r="http://schemas.openxmlformats.org/officeDocument/2006/relationships" xmlns:p="http://schemas.openxmlformats.org/presentationml/2006/main" preserve="1">
+  <p:cSld name="タイトルとキャプション">
+    <p:spTree>
+      <p:nvGrpSpPr>
+        <p:cNvPr id="1" name=""/>
+        <p:cNvGrpSpPr/>
+        <p:nvPr/>
+      </p:nvGrpSpPr>
+      <p:grpSpPr>
+        <a:xfrm>
+          <a:off x="0" y="0"/>
+          <a:ext cx="0" cy="0"/>
+          <a:chOff x="0" y="0"/>
+          <a:chExt cx="0" cy="0"/>
+        </a:xfrm>
+      </p:grpSpPr>
+      <p:sp>
+        <p:nvSpPr>
+          <p:cNvPr id="2" name="Title 1"/>
+          <p:cNvSpPr>
+            <a:spLocks noGrp="1"/>
+          </p:cNvSpPr>
+          <p:nvPr>
+            <p:ph type="title"/>
+          </p:nvPr>
+        </p:nvSpPr>
+        <p:spPr>
+          <a:xfrm>
+            <a:off x="913795" y="608437"/>
+            <a:ext cx="10353762" cy="3534344"/>
+          </a:xfrm>
+        </p:spPr>
+        <p:txBody>
+          <a:bodyPr anchor="ctr"/>
+          <a:lstStyle>
+            <a:lvl1pPr>
+              <a:defRPr sz="3200"/>
+            </a:lvl1pPr>
+          </a:lstStyle>
+          <a:p>
+            <a:r>
+              <a:rPr lang="ja-JP" altLang="en-US" smtClean="0"/>
+              <a:t>マスター タイトルの書式設定</a:t>
+            </a:r>
+            <a:endParaRPr lang="en-US" dirty="0"/>
+          </a:p>
+        </p:txBody>
+      </p:sp>
+      <p:sp>
+        <p:nvSpPr>
+          <p:cNvPr id="4" name="Text Placeholder 3"/>
+          <p:cNvSpPr>
+            <a:spLocks noGrp="1"/>
+          </p:cNvSpPr>
+          <p:nvPr>
+            <p:ph type="body" sz="half" idx="2"/>
+          </p:nvPr>
+        </p:nvSpPr>
+        <p:spPr>
+          <a:xfrm>
+            <a:off x="913794" y="4295180"/>
+            <a:ext cx="10353763" cy="1501826"/>
+          </a:xfrm>
+        </p:spPr>
+        <p:txBody>
+          <a:bodyPr anchor="ctr"/>
+          <a:lstStyle>
+            <a:lvl1pPr marL="0" indent="0" algn="ctr">
+              <a:buNone/>
+              <a:defRPr sz="1600"/>
+            </a:lvl1pPr>
+            <a:lvl2pPr marL="457200" indent="0">
+              <a:buNone/>
+              <a:defRPr sz="1400"/>
+            </a:lvl2pPr>
+            <a:lvl3pPr marL="914400" indent="0">
+              <a:buNone/>
+              <a:defRPr sz="1200"/>
+            </a:lvl3pPr>
+            <a:lvl4pPr marL="1371600" indent="0">
+              <a:buNone/>
+              <a:defRPr sz="1000"/>
+            </a:lvl4pPr>
+            <a:lvl5pPr marL="1828800" indent="0">
+              <a:buNone/>
+              <a:defRPr sz="1000"/>
+            </a:lvl5pPr>
+            <a:lvl6pPr marL="2286000" indent="0">
+              <a:buNone/>
+              <a:defRPr sz="1000"/>
+            </a:lvl6pPr>
+            <a:lvl7pPr marL="2743200" indent="0">
+              <a:buNone/>
+              <a:defRPr sz="1000"/>
+            </a:lvl7pPr>
+            <a:lvl8pPr marL="3200400" indent="0">
+              <a:buNone/>
+              <a:defRPr sz="1000"/>
+            </a:lvl8pPr>
+            <a:lvl9pPr marL="3657600" indent="0">
+              <a:buNone/>
+              <a:defRPr sz="1000"/>
+            </a:lvl9pPr>
+          </a:lstStyle>
+          <a:p>
+            <a:pPr lvl="0"/>
+            <a:r>
+              <a:rPr lang="ja-JP" altLang="en-US" smtClean="0"/>
+              <a:t>マスター テキストの書式設定</a:t>
+            </a:r>
+          </a:p>
+        </p:txBody>
+      </p:sp>
+      <p:sp>
+        <p:nvSpPr>
+          <p:cNvPr id="5" name="Date Placeholder 4"/>
+          <p:cNvSpPr>
+            <a:spLocks noGrp="1"/>
+          </p:cNvSpPr>
+          <p:nvPr>
+            <p:ph type="dt" sz="half" idx="10"/>
+          </p:nvPr>
+        </p:nvSpPr>
+        <p:spPr/>
+        <p:txBody>
+          <a:bodyPr/>
+          <a:lstStyle/>
+          <a:p>
+            <a:fld id="{B61BEF0D-F0BB-DE4B-95CE-6DB70DBA9567}" type="datetimeFigureOut">
+              <a:rPr lang="en-US" smtClean="0"/>
+              <a:pPr/>
+              <a:t>4/1/2017</a:t>
+            </a:fld>
+            <a:endParaRPr lang="en-US" dirty="0"/>
+          </a:p>
+        </p:txBody>
+      </p:sp>
+      <p:sp>
+        <p:nvSpPr>
+          <p:cNvPr id="6" name="Footer Placeholder 5"/>
+          <p:cNvSpPr>
+            <a:spLocks noGrp="1"/>
+          </p:cNvSpPr>
+          <p:nvPr>
+            <p:ph type="ftr" sz="quarter" idx="11"/>
+          </p:nvPr>
+        </p:nvSpPr>
+        <p:spPr/>
+        <p:txBody>
+          <a:bodyPr/>
+          <a:lstStyle/>
+          <a:p>
+            <a:endParaRPr lang="en-US" dirty="0"/>
+          </a:p>
+        </p:txBody>
+      </p:sp>
+      <p:sp>
+        <p:nvSpPr>
+          <p:cNvPr id="7" name="Slide Number Placeholder 6"/>
+          <p:cNvSpPr>
+            <a:spLocks noGrp="1"/>
+          </p:cNvSpPr>
+          <p:nvPr>
+            <p:ph type="sldNum" sz="quarter" idx="12"/>
+          </p:nvPr>
+        </p:nvSpPr>
+        <p:spPr/>
+        <p:txBody>
+          <a:bodyPr/>
+          <a:lstStyle/>
+          <a:p>
+            <a:fld id="{D57F1E4F-1CFF-5643-939E-217C01CDF565}" type="slidenum">
+              <a:rPr lang="en-US" smtClean="0"/>
+              <a:pPr/>
+              <a:t>‹#›</a:t>
+            </a:fld>
+            <a:endParaRPr lang="en-US" dirty="0"/>
+          </a:p>
+        </p:txBody>
+      </p:sp>
+    </p:spTree>
+    <p:extLst>
+      <p:ext uri="{BB962C8B-B14F-4D97-AF65-F5344CB8AC3E}">
+        <p14:creationId xmlns:p14="http://schemas.microsoft.com/office/powerpoint/2010/main" val="25213037"/>
+      </p:ext>
+    </p:extLst>
+  </p:cSld>
+  <p:clrMapOvr>
+    <a:masterClrMapping/>
+  </p:clrMapOvr>
+</p:sldLayout>
+</file>
+
+<file path=ppt/slideLayouts/slideLayout12.xml><?xml version="1.0" encoding="utf-8"?>
+<p:sldLayout xmlns:a="http://schemas.openxmlformats.org/drawingml/2006/main" xmlns:r="http://schemas.openxmlformats.org/officeDocument/2006/relationships" xmlns:p="http://schemas.openxmlformats.org/presentationml/2006/main" preserve="1">
+  <p:cSld name="引用 (キャプション付き)">
+    <p:spTree>
+      <p:nvGrpSpPr>
+        <p:cNvPr id="1" name=""/>
+        <p:cNvGrpSpPr/>
+        <p:nvPr/>
+      </p:nvGrpSpPr>
+      <p:grpSpPr>
+        <a:xfrm>
+          <a:off x="0" y="0"/>
+          <a:ext cx="0" cy="0"/>
+          <a:chOff x="0" y="0"/>
+          <a:chExt cx="0" cy="0"/>
+        </a:xfrm>
+      </p:grpSpPr>
+      <p:sp>
+        <p:nvSpPr>
+          <p:cNvPr id="2" name="Title 1"/>
+          <p:cNvSpPr>
+            <a:spLocks noGrp="1"/>
+          </p:cNvSpPr>
+          <p:nvPr>
+            <p:ph type="title"/>
+          </p:nvPr>
+        </p:nvSpPr>
+        <p:spPr>
+          <a:xfrm>
+            <a:off x="1446212" y="609600"/>
+            <a:ext cx="9302752" cy="2992904"/>
+          </a:xfrm>
+        </p:spPr>
+        <p:txBody>
+          <a:bodyPr anchor="ctr"/>
+          <a:lstStyle>
+            <a:lvl1pPr>
+              <a:defRPr sz="3200"/>
+            </a:lvl1pPr>
+          </a:lstStyle>
+          <a:p>
+            <a:r>
+              <a:rPr lang="ja-JP" altLang="en-US" smtClean="0"/>
+              <a:t>マスター タイトルの書式設定</a:t>
+            </a:r>
+            <a:endParaRPr lang="en-US" dirty="0"/>
+          </a:p>
+        </p:txBody>
+      </p:sp>
+      <p:sp>
+        <p:nvSpPr>
+          <p:cNvPr id="12" name="Text Placeholder 3"/>
+          <p:cNvSpPr>
+            <a:spLocks noGrp="1"/>
+          </p:cNvSpPr>
+          <p:nvPr>
+            <p:ph type="body" sz="half" idx="13"/>
+          </p:nvPr>
+        </p:nvSpPr>
+        <p:spPr>
+          <a:xfrm>
+            <a:off x="1720644" y="3610032"/>
+            <a:ext cx="8752299" cy="532749"/>
+          </a:xfrm>
+        </p:spPr>
+        <p:txBody>
+          <a:bodyPr anchor="t">
+            <a:normAutofit/>
+          </a:bodyPr>
+          <a:lstStyle>
+            <a:lvl1pPr marL="0" indent="0" algn="r">
+              <a:buNone/>
+              <a:defRPr sz="1400"/>
+            </a:lvl1pPr>
+            <a:lvl2pPr marL="457200" indent="0">
+              <a:buNone/>
+              <a:defRPr sz="1400"/>
+            </a:lvl2pPr>
+            <a:lvl3pPr marL="914400" indent="0">
+              <a:buNone/>
+              <a:defRPr sz="1200"/>
+            </a:lvl3pPr>
+            <a:lvl4pPr marL="1371600" indent="0">
+              <a:buNone/>
+              <a:defRPr sz="1000"/>
+            </a:lvl4pPr>
+            <a:lvl5pPr marL="1828800" indent="0">
+              <a:buNone/>
+              <a:defRPr sz="1000"/>
+            </a:lvl5pPr>
+            <a:lvl6pPr marL="2286000" indent="0">
+              <a:buNone/>
+              <a:defRPr sz="1000"/>
+            </a:lvl6pPr>
+            <a:lvl7pPr marL="2743200" indent="0">
+              <a:buNone/>
+              <a:defRPr sz="1000"/>
+            </a:lvl7pPr>
+            <a:lvl8pPr marL="3200400" indent="0">
+              <a:buNone/>
+              <a:defRPr sz="1000"/>
+            </a:lvl8pPr>
+            <a:lvl9pPr marL="3657600" indent="0">
+              <a:buNone/>
+              <a:defRPr sz="1000"/>
+            </a:lvl9pPr>
+          </a:lstStyle>
+          <a:p>
+            <a:pPr lvl="0"/>
+            <a:r>
+              <a:rPr lang="ja-JP" altLang="en-US" smtClean="0"/>
+              <a:t>マスター テキストの書式設定</a:t>
+            </a:r>
+          </a:p>
+        </p:txBody>
+      </p:sp>
+      <p:sp>
+        <p:nvSpPr>
+          <p:cNvPr id="4" name="Text Placeholder 3"/>
+          <p:cNvSpPr>
+            <a:spLocks noGrp="1"/>
+          </p:cNvSpPr>
+          <p:nvPr>
+            <p:ph type="body" sz="half" idx="2"/>
+          </p:nvPr>
+        </p:nvSpPr>
+        <p:spPr>
+          <a:xfrm>
+            <a:off x="913794" y="4304353"/>
+            <a:ext cx="10353763" cy="1489496"/>
+          </a:xfrm>
+        </p:spPr>
+        <p:txBody>
+          <a:bodyPr anchor="ctr">
+            <a:normAutofit/>
+          </a:bodyPr>
+          <a:lstStyle>
+            <a:lvl1pPr marL="0" indent="0" algn="ctr">
+              <a:buNone/>
+              <a:defRPr sz="1600"/>
+            </a:lvl1pPr>
+            <a:lvl2pPr marL="457200" indent="0">
+              <a:buNone/>
+              <a:defRPr sz="1400"/>
+            </a:lvl2pPr>
+            <a:lvl3pPr marL="914400" indent="0">
+              <a:buNone/>
+              <a:defRPr sz="1200"/>
+            </a:lvl3pPr>
+            <a:lvl4pPr marL="1371600" indent="0">
+              <a:buNone/>
+              <a:defRPr sz="1000"/>
+            </a:lvl4pPr>
+            <a:lvl5pPr marL="1828800" indent="0">
+              <a:buNone/>
+              <a:defRPr sz="1000"/>
+            </a:lvl5pPr>
+            <a:lvl6pPr marL="2286000" indent="0">
+              <a:buNone/>
+              <a:defRPr sz="1000"/>
+            </a:lvl6pPr>
+            <a:lvl7pPr marL="2743200" indent="0">
+              <a:buNone/>
+              <a:defRPr sz="1000"/>
+            </a:lvl7pPr>
+            <a:lvl8pPr marL="3200400" indent="0">
+              <a:buNone/>
+              <a:defRPr sz="1000"/>
+            </a:lvl8pPr>
+            <a:lvl9pPr marL="3657600" indent="0">
+              <a:buNone/>
+              <a:defRPr sz="1000"/>
+            </a:lvl9pPr>
+          </a:lstStyle>
+          <a:p>
+            <a:pPr lvl="0"/>
+            <a:r>
+              <a:rPr lang="ja-JP" altLang="en-US" smtClean="0"/>
+              <a:t>マスター テキストの書式設定</a:t>
+            </a:r>
+          </a:p>
+        </p:txBody>
+      </p:sp>
+      <p:sp>
+        <p:nvSpPr>
+          <p:cNvPr id="5" name="Date Placeholder 4"/>
+          <p:cNvSpPr>
+            <a:spLocks noGrp="1"/>
+          </p:cNvSpPr>
+          <p:nvPr>
+            <p:ph type="dt" sz="half" idx="10"/>
+          </p:nvPr>
+        </p:nvSpPr>
+        <p:spPr/>
+        <p:txBody>
+          <a:bodyPr/>
+          <a:lstStyle/>
+          <a:p>
+            <a:fld id="{B61BEF0D-F0BB-DE4B-95CE-6DB70DBA9567}" type="datetimeFigureOut">
+              <a:rPr lang="en-US" smtClean="0"/>
+              <a:pPr/>
+              <a:t>4/1/2017</a:t>
+            </a:fld>
+            <a:endParaRPr lang="en-US" dirty="0"/>
+          </a:p>
+        </p:txBody>
+      </p:sp>
+      <p:sp>
+        <p:nvSpPr>
+          <p:cNvPr id="6" name="Footer Placeholder 5"/>
+          <p:cNvSpPr>
+            <a:spLocks noGrp="1"/>
+          </p:cNvSpPr>
+          <p:nvPr>
+            <p:ph type="ftr" sz="quarter" idx="11"/>
+          </p:nvPr>
+        </p:nvSpPr>
+        <p:spPr/>
+        <p:txBody>
+          <a:bodyPr/>
+          <a:lstStyle/>
+          <a:p>
+            <a:endParaRPr lang="en-US" dirty="0"/>
+          </a:p>
+        </p:txBody>
+      </p:sp>
+      <p:sp>
+        <p:nvSpPr>
+          <p:cNvPr id="7" name="Slide Number Placeholder 6"/>
+          <p:cNvSpPr>
+            <a:spLocks noGrp="1"/>
+          </p:cNvSpPr>
+          <p:nvPr>
+            <p:ph type="sldNum" sz="quarter" idx="12"/>
+          </p:nvPr>
+        </p:nvSpPr>
+        <p:spPr/>
+        <p:txBody>
+          <a:bodyPr/>
+          <a:lstStyle/>
+          <a:p>
+            <a:fld id="{D57F1E4F-1CFF-5643-939E-217C01CDF565}" type="slidenum">
+              <a:rPr lang="en-US" smtClean="0"/>
+              <a:pPr/>
+              <a:t>‹#›</a:t>
+            </a:fld>
+            <a:endParaRPr lang="en-US" dirty="0"/>
+          </a:p>
+        </p:txBody>
+      </p:sp>
+      <p:sp>
+        <p:nvSpPr>
+          <p:cNvPr id="11" name="TextBox 10"/>
+          <p:cNvSpPr txBox="1"/>
+          <p:nvPr/>
+        </p:nvSpPr>
+        <p:spPr>
+          <a:xfrm>
+            <a:off x="990600" y="884796"/>
+            <a:ext cx="609600" cy="584776"/>
+          </a:xfrm>
+          <a:prstGeom prst="rect">
+            <a:avLst/>
+          </a:prstGeom>
+        </p:spPr>
+        <p:txBody>
+          <a:bodyPr vert="horz" lIns="91440" tIns="45720" rIns="91440" bIns="45720" rtlCol="0" anchor="ctr">
+            <a:noAutofit/>
+          </a:bodyPr>
+          <a:lstStyle>
+            <a:lvl1pPr>
+              <a:spcBef>
+                <a:spcPct val="0"/>
+              </a:spcBef>
+              <a:buNone/>
+              <a:defRPr sz="3200" b="0" cap="all">
+                <a:ln w="3175" cmpd="sng">
+                  <a:noFill/>
+                </a:ln>
+                <a:effectLst>
+                  <a:glow rad="38100">
+                    <a:schemeClr val="bg1">
+                      <a:lumMod val="65000"/>
+                      <a:lumOff val="35000"/>
+                      <a:alpha val="40000"/>
+                    </a:schemeClr>
+                  </a:glow>
+                  <a:outerShdw blurRad="28575" dist="38100" dir="14040000" algn="tl" rotWithShape="0">
+                    <a:srgbClr val="000000">
+                      <a:alpha val="25000"/>
+                    </a:srgbClr>
+                  </a:outerShdw>
+                </a:effectLst>
+              </a:defRPr>
+            </a:lvl1pPr>
+            <a:lvl2pPr>
+              <a:defRPr>
+                <a:solidFill>
+                  <a:schemeClr val="tx2"/>
+                </a:solidFill>
+              </a:defRPr>
+            </a:lvl2pPr>
+            <a:lvl3pPr>
+              <a:defRPr>
+                <a:solidFill>
+                  <a:schemeClr val="tx2"/>
+                </a:solidFill>
+              </a:defRPr>
+            </a:lvl3pPr>
+            <a:lvl4pPr>
+              <a:defRPr>
+                <a:solidFill>
+                  <a:schemeClr val="tx2"/>
+                </a:solidFill>
+              </a:defRPr>
+            </a:lvl4pPr>
+            <a:lvl5pPr>
+              <a:defRPr>
+                <a:solidFill>
+                  <a:schemeClr val="tx2"/>
+                </a:solidFill>
+              </a:defRPr>
+            </a:lvl5pPr>
+            <a:lvl6pPr>
+              <a:defRPr>
+                <a:solidFill>
+                  <a:schemeClr val="tx2"/>
+                </a:solidFill>
+              </a:defRPr>
+            </a:lvl6pPr>
+            <a:lvl7pPr>
+              <a:defRPr>
+                <a:solidFill>
+                  <a:schemeClr val="tx2"/>
+                </a:solidFill>
+              </a:defRPr>
+            </a:lvl7pPr>
+            <a:lvl8pPr>
+              <a:defRPr>
+                <a:solidFill>
+                  <a:schemeClr val="tx2"/>
+                </a:solidFill>
+              </a:defRPr>
+            </a:lvl8pPr>
+            <a:lvl9pPr>
+              <a:defRPr>
+                <a:solidFill>
+                  <a:schemeClr val="tx2"/>
+                </a:solidFill>
+              </a:defRPr>
+            </a:lvl9pPr>
+          </a:lstStyle>
+          <a:p>
+            <a:pPr lvl="0"/>
+            <a:r>
+              <a:rPr lang="en-US" sz="8000" dirty="0">
+                <a:solidFill>
+                  <a:schemeClr val="tx1"/>
+                </a:solidFill>
+                <a:effectLst/>
+              </a:rPr>
+              <a:t>“</a:t>
+            </a:r>
+          </a:p>
+        </p:txBody>
+      </p:sp>
+      <p:sp>
+        <p:nvSpPr>
+          <p:cNvPr id="13" name="TextBox 12"/>
+          <p:cNvSpPr txBox="1"/>
+          <p:nvPr/>
+        </p:nvSpPr>
+        <p:spPr>
+          <a:xfrm>
+            <a:off x="10504716" y="2928258"/>
+            <a:ext cx="609600" cy="584776"/>
+          </a:xfrm>
+          <a:prstGeom prst="rect">
+            <a:avLst/>
+          </a:prstGeom>
+        </p:spPr>
+        <p:txBody>
+          <a:bodyPr vert="horz" lIns="91440" tIns="45720" rIns="91440" bIns="45720" rtlCol="0" anchor="ctr">
+            <a:noAutofit/>
+          </a:bodyPr>
+          <a:lstStyle>
+            <a:lvl1pPr>
+              <a:spcBef>
+                <a:spcPct val="0"/>
+              </a:spcBef>
+              <a:buNone/>
+              <a:defRPr sz="3200" b="0" cap="all">
+                <a:ln w="3175" cmpd="sng">
+                  <a:noFill/>
+                </a:ln>
+                <a:effectLst>
+                  <a:glow rad="38100">
+                    <a:schemeClr val="bg1">
+                      <a:lumMod val="65000"/>
+                      <a:lumOff val="35000"/>
+                      <a:alpha val="40000"/>
+                    </a:schemeClr>
+                  </a:glow>
+                  <a:outerShdw blurRad="28575" dist="38100" dir="14040000" algn="tl" rotWithShape="0">
+                    <a:srgbClr val="000000">
+                      <a:alpha val="25000"/>
+                    </a:srgbClr>
+                  </a:outerShdw>
+                </a:effectLst>
+              </a:defRPr>
+            </a:lvl1pPr>
+            <a:lvl2pPr>
+              <a:defRPr>
+                <a:solidFill>
+                  <a:schemeClr val="tx2"/>
+                </a:solidFill>
+              </a:defRPr>
+            </a:lvl2pPr>
+            <a:lvl3pPr>
+              <a:defRPr>
+                <a:solidFill>
+                  <a:schemeClr val="tx2"/>
+                </a:solidFill>
+              </a:defRPr>
+            </a:lvl3pPr>
+            <a:lvl4pPr>
+              <a:defRPr>
+                <a:solidFill>
+                  <a:schemeClr val="tx2"/>
+                </a:solidFill>
+              </a:defRPr>
+            </a:lvl4pPr>
+            <a:lvl5pPr>
+              <a:defRPr>
+                <a:solidFill>
+                  <a:schemeClr val="tx2"/>
+                </a:solidFill>
+              </a:defRPr>
+            </a:lvl5pPr>
+            <a:lvl6pPr>
+              <a:defRPr>
+                <a:solidFill>
+                  <a:schemeClr val="tx2"/>
+                </a:solidFill>
+              </a:defRPr>
+            </a:lvl6pPr>
+            <a:lvl7pPr>
+              <a:defRPr>
+                <a:solidFill>
+                  <a:schemeClr val="tx2"/>
+                </a:solidFill>
+              </a:defRPr>
+            </a:lvl7pPr>
+            <a:lvl8pPr>
+              <a:defRPr>
+                <a:solidFill>
+                  <a:schemeClr val="tx2"/>
+                </a:solidFill>
+              </a:defRPr>
+            </a:lvl8pPr>
+            <a:lvl9pPr>
+              <a:defRPr>
+                <a:solidFill>
+                  <a:schemeClr val="tx2"/>
+                </a:solidFill>
+              </a:defRPr>
+            </a:lvl9pPr>
+          </a:lstStyle>
+          <a:p>
+            <a:pPr lvl="0" algn="r"/>
+            <a:r>
+              <a:rPr lang="en-US" sz="8000" dirty="0">
+                <a:solidFill>
+                  <a:schemeClr val="tx1"/>
+                </a:solidFill>
+                <a:effectLst/>
+              </a:rPr>
+              <a:t>”</a:t>
+            </a:r>
+          </a:p>
+        </p:txBody>
+      </p:sp>
+    </p:spTree>
+    <p:extLst>
+      <p:ext uri="{BB962C8B-B14F-4D97-AF65-F5344CB8AC3E}">
+        <p14:creationId xmlns:p14="http://schemas.microsoft.com/office/powerpoint/2010/main" val="2136360579"/>
+      </p:ext>
+    </p:extLst>
+  </p:cSld>
+  <p:clrMapOvr>
+    <a:masterClrMapping/>
+  </p:clrMapOvr>
+</p:sldLayout>
+</file>
+
+<file path=ppt/slideLayouts/slideLayout13.xml><?xml version="1.0" encoding="utf-8"?>
+<p:sldLayout xmlns:a="http://schemas.openxmlformats.org/drawingml/2006/main" xmlns:r="http://schemas.openxmlformats.org/officeDocument/2006/relationships" xmlns:p="http://schemas.openxmlformats.org/presentationml/2006/main" preserve="1">
+  <p:cSld name="名札">
+    <p:spTree>
+      <p:nvGrpSpPr>
+        <p:cNvPr id="1" name=""/>
+        <p:cNvGrpSpPr/>
+        <p:nvPr/>
+      </p:nvGrpSpPr>
+      <p:grpSpPr>
+        <a:xfrm>
+          <a:off x="0" y="0"/>
+          <a:ext cx="0" cy="0"/>
+          <a:chOff x="0" y="0"/>
+          <a:chExt cx="0" cy="0"/>
+        </a:xfrm>
+      </p:grpSpPr>
+      <p:sp>
+        <p:nvSpPr>
+          <p:cNvPr id="2" name="Title 1"/>
+          <p:cNvSpPr>
+            <a:spLocks noGrp="1"/>
+          </p:cNvSpPr>
+          <p:nvPr>
+            <p:ph type="title"/>
+          </p:nvPr>
+        </p:nvSpPr>
+        <p:spPr>
+          <a:xfrm>
+            <a:off x="913794" y="2126942"/>
+            <a:ext cx="10353763" cy="2511835"/>
+          </a:xfrm>
+        </p:spPr>
+        <p:txBody>
+          <a:bodyPr anchor="b"/>
+          <a:lstStyle>
+            <a:lvl1pPr>
+              <a:defRPr sz="3200"/>
+            </a:lvl1pPr>
+          </a:lstStyle>
+          <a:p>
+            <a:r>
+              <a:rPr lang="ja-JP" altLang="en-US" smtClean="0"/>
+              <a:t>マスター タイトルの書式設定</a:t>
+            </a:r>
+            <a:endParaRPr lang="en-US" dirty="0"/>
+          </a:p>
+        </p:txBody>
+      </p:sp>
+      <p:sp>
+        <p:nvSpPr>
+          <p:cNvPr id="4" name="Text Placeholder 3"/>
+          <p:cNvSpPr>
+            <a:spLocks noGrp="1"/>
+          </p:cNvSpPr>
+          <p:nvPr>
+            <p:ph type="body" sz="half" idx="2"/>
+          </p:nvPr>
+        </p:nvSpPr>
+        <p:spPr>
+          <a:xfrm>
+            <a:off x="913784" y="4650556"/>
+            <a:ext cx="10352199" cy="1140644"/>
+          </a:xfrm>
+        </p:spPr>
+        <p:txBody>
+          <a:bodyPr anchor="t"/>
+          <a:lstStyle>
+            <a:lvl1pPr marL="0" indent="0" algn="ctr">
+              <a:buNone/>
+              <a:defRPr sz="1600"/>
+            </a:lvl1pPr>
+            <a:lvl2pPr marL="457200" indent="0">
+              <a:buNone/>
+              <a:defRPr sz="1400"/>
+            </a:lvl2pPr>
+            <a:lvl3pPr marL="914400" indent="0">
+              <a:buNone/>
+              <a:defRPr sz="1200"/>
+            </a:lvl3pPr>
+            <a:lvl4pPr marL="1371600" indent="0">
+              <a:buNone/>
+              <a:defRPr sz="1000"/>
+            </a:lvl4pPr>
+            <a:lvl5pPr marL="1828800" indent="0">
+              <a:buNone/>
+              <a:defRPr sz="1000"/>
+            </a:lvl5pPr>
+            <a:lvl6pPr marL="2286000" indent="0">
+              <a:buNone/>
+              <a:defRPr sz="1000"/>
+            </a:lvl6pPr>
+            <a:lvl7pPr marL="2743200" indent="0">
+              <a:buNone/>
+              <a:defRPr sz="1000"/>
+            </a:lvl7pPr>
+            <a:lvl8pPr marL="3200400" indent="0">
+              <a:buNone/>
+              <a:defRPr sz="1000"/>
+            </a:lvl8pPr>
+            <a:lvl9pPr marL="3657600" indent="0">
+              <a:buNone/>
+              <a:defRPr sz="1000"/>
+            </a:lvl9pPr>
+          </a:lstStyle>
+          <a:p>
+            <a:pPr lvl="0"/>
+            <a:r>
+              <a:rPr lang="ja-JP" altLang="en-US" smtClean="0"/>
+              <a:t>マスター テキストの書式設定</a:t>
+            </a:r>
+          </a:p>
+        </p:txBody>
+      </p:sp>
+      <p:sp>
+        <p:nvSpPr>
+          <p:cNvPr id="5" name="Date Placeholder 4"/>
+          <p:cNvSpPr>
+            <a:spLocks noGrp="1"/>
+          </p:cNvSpPr>
+          <p:nvPr>
+            <p:ph type="dt" sz="half" idx="10"/>
+          </p:nvPr>
+        </p:nvSpPr>
+        <p:spPr/>
+        <p:txBody>
+          <a:bodyPr/>
+          <a:lstStyle/>
+          <a:p>
+            <a:fld id="{B61BEF0D-F0BB-DE4B-95CE-6DB70DBA9567}" type="datetimeFigureOut">
+              <a:rPr lang="en-US" smtClean="0"/>
+              <a:pPr/>
+              <a:t>4/1/2017</a:t>
+            </a:fld>
+            <a:endParaRPr lang="en-US" dirty="0"/>
+          </a:p>
+        </p:txBody>
+      </p:sp>
+      <p:sp>
+        <p:nvSpPr>
+          <p:cNvPr id="6" name="Footer Placeholder 5"/>
+          <p:cNvSpPr>
+            <a:spLocks noGrp="1"/>
+          </p:cNvSpPr>
+          <p:nvPr>
+            <p:ph type="ftr" sz="quarter" idx="11"/>
+          </p:nvPr>
+        </p:nvSpPr>
+        <p:spPr/>
+        <p:txBody>
+          <a:bodyPr/>
+          <a:lstStyle/>
+          <a:p>
+            <a:endParaRPr lang="en-US" dirty="0"/>
+          </a:p>
+        </p:txBody>
+      </p:sp>
+      <p:sp>
+        <p:nvSpPr>
+          <p:cNvPr id="7" name="Slide Number Placeholder 6"/>
+          <p:cNvSpPr>
+            <a:spLocks noGrp="1"/>
+          </p:cNvSpPr>
+          <p:nvPr>
+            <p:ph type="sldNum" sz="quarter" idx="12"/>
+          </p:nvPr>
+        </p:nvSpPr>
+        <p:spPr/>
+        <p:txBody>
+          <a:bodyPr/>
+          <a:lstStyle/>
+          <a:p>
+            <a:fld id="{D57F1E4F-1CFF-5643-939E-217C01CDF565}" type="slidenum">
+              <a:rPr lang="en-US" smtClean="0"/>
+              <a:pPr/>
+              <a:t>‹#›</a:t>
+            </a:fld>
+            <a:endParaRPr lang="en-US" dirty="0"/>
+          </a:p>
+        </p:txBody>
+      </p:sp>
+    </p:spTree>
+    <p:extLst>
+      <p:ext uri="{BB962C8B-B14F-4D97-AF65-F5344CB8AC3E}">
+        <p14:creationId xmlns:p14="http://schemas.microsoft.com/office/powerpoint/2010/main" val="2645969938"/>
+      </p:ext>
+    </p:extLst>
+  </p:cSld>
+  <p:clrMapOvr>
+    <a:masterClrMapping/>
+  </p:clrMapOvr>
+</p:sldLayout>
+</file>
+
+<file path=ppt/slideLayouts/slideLayout14.xml><?xml version="1.0" encoding="utf-8"?>
+<p:sldLayout xmlns:a="http://schemas.openxmlformats.org/drawingml/2006/main" xmlns:r="http://schemas.openxmlformats.org/officeDocument/2006/relationships" xmlns:p="http://schemas.openxmlformats.org/presentationml/2006/main" preserve="1">
+  <p:cSld name="3 段">
+    <p:spTree>
+      <p:nvGrpSpPr>
+        <p:cNvPr id="1" name=""/>
+        <p:cNvGrpSpPr/>
+        <p:nvPr/>
+      </p:nvGrpSpPr>
+      <p:grpSpPr>
+        <a:xfrm>
+          <a:off x="0" y="0"/>
+          <a:ext cx="0" cy="0"/>
+          <a:chOff x="0" y="0"/>
+          <a:chExt cx="0" cy="0"/>
+        </a:xfrm>
+      </p:grpSpPr>
+      <p:sp>
+        <p:nvSpPr>
+          <p:cNvPr id="15" name="Title 1"/>
+          <p:cNvSpPr>
+            <a:spLocks noGrp="1"/>
+          </p:cNvSpPr>
+          <p:nvPr>
+            <p:ph type="title"/>
+          </p:nvPr>
+        </p:nvSpPr>
+        <p:spPr>
+          <a:xfrm>
+            <a:off x="913795" y="609600"/>
+            <a:ext cx="10353762" cy="970450"/>
+          </a:xfrm>
+        </p:spPr>
+        <p:txBody>
+          <a:bodyPr/>
+          <a:lstStyle/>
+          <a:p>
+            <a:r>
+              <a:rPr lang="ja-JP" altLang="en-US" smtClean="0"/>
+              <a:t>マスター タイトルの書式設定</a:t>
+            </a:r>
+            <a:endParaRPr lang="en-US" dirty="0"/>
+          </a:p>
+        </p:txBody>
+      </p:sp>
+      <p:sp>
+        <p:nvSpPr>
+          <p:cNvPr id="7" name="Text Placeholder 2"/>
+          <p:cNvSpPr>
+            <a:spLocks noGrp="1"/>
+          </p:cNvSpPr>
+          <p:nvPr>
+            <p:ph type="body" idx="1"/>
+          </p:nvPr>
+        </p:nvSpPr>
+        <p:spPr>
+          <a:xfrm>
+            <a:off x="913795" y="1885950"/>
+            <a:ext cx="3300984" cy="576262"/>
+          </a:xfrm>
+        </p:spPr>
+        <p:txBody>
+          <a:bodyPr anchor="b">
+            <a:noAutofit/>
+          </a:bodyPr>
+          <a:lstStyle>
+            <a:lvl1pPr marL="0" indent="0" algn="ctr">
+              <a:buNone/>
+              <a:defRPr sz="2400" b="0">
+                <a:solidFill>
+                  <a:schemeClr val="tx1"/>
+                </a:solidFill>
+              </a:defRPr>
+            </a:lvl1pPr>
+            <a:lvl2pPr marL="457200" indent="0">
+              <a:buNone/>
+              <a:defRPr sz="2000" b="1"/>
+            </a:lvl2pPr>
+            <a:lvl3pPr marL="914400" indent="0">
+              <a:buNone/>
+              <a:defRPr sz="1800" b="1"/>
+            </a:lvl3pPr>
+            <a:lvl4pPr marL="1371600" indent="0">
+              <a:buNone/>
+              <a:defRPr sz="1600" b="1"/>
+            </a:lvl4pPr>
+            <a:lvl5pPr marL="1828800" indent="0">
+              <a:buNone/>
+              <a:defRPr sz="1600" b="1"/>
+            </a:lvl5pPr>
+            <a:lvl6pPr marL="2286000" indent="0">
+              <a:buNone/>
+              <a:defRPr sz="1600" b="1"/>
+            </a:lvl6pPr>
+            <a:lvl7pPr marL="2743200" indent="0">
+              <a:buNone/>
+              <a:defRPr sz="1600" b="1"/>
+            </a:lvl7pPr>
+            <a:lvl8pPr marL="3200400" indent="0">
+              <a:buNone/>
+              <a:defRPr sz="1600" b="1"/>
+            </a:lvl8pPr>
+            <a:lvl9pPr marL="3657600" indent="0">
+              <a:buNone/>
+              <a:defRPr sz="1600" b="1"/>
+            </a:lvl9pPr>
+          </a:lstStyle>
+          <a:p>
+            <a:pPr lvl="0"/>
+            <a:r>
+              <a:rPr lang="ja-JP" altLang="en-US" smtClean="0"/>
+              <a:t>マスター テキストの書式設定</a:t>
+            </a:r>
+          </a:p>
+        </p:txBody>
+      </p:sp>
+      <p:sp>
+        <p:nvSpPr>
+          <p:cNvPr id="8" name="Text Placeholder 3"/>
+          <p:cNvSpPr>
+            <a:spLocks noGrp="1"/>
+          </p:cNvSpPr>
+          <p:nvPr>
+            <p:ph type="body" sz="half" idx="15"/>
+          </p:nvPr>
+        </p:nvSpPr>
+        <p:spPr>
+          <a:xfrm>
+            <a:off x="913795" y="2571750"/>
+            <a:ext cx="3300984" cy="3219450"/>
+          </a:xfrm>
+        </p:spPr>
+        <p:txBody>
+          <a:bodyPr anchor="t">
+            <a:normAutofit/>
+          </a:bodyPr>
+          <a:lstStyle>
+            <a:lvl1pPr marL="0" indent="0" algn="ctr">
+              <a:buNone/>
+              <a:defRPr sz="1400"/>
+            </a:lvl1pPr>
+            <a:lvl2pPr marL="457200" indent="0">
+              <a:buNone/>
+              <a:defRPr sz="1200"/>
+            </a:lvl2pPr>
+            <a:lvl3pPr marL="914400" indent="0">
+              <a:buNone/>
+              <a:defRPr sz="1000"/>
+            </a:lvl3pPr>
+            <a:lvl4pPr marL="1371600" indent="0">
+              <a:buNone/>
+              <a:defRPr sz="900"/>
+            </a:lvl4pPr>
+            <a:lvl5pPr marL="1828800" indent="0">
+              <a:buNone/>
+              <a:defRPr sz="900"/>
+            </a:lvl5pPr>
+            <a:lvl6pPr marL="2286000" indent="0">
+              <a:buNone/>
+              <a:defRPr sz="900"/>
+            </a:lvl6pPr>
+            <a:lvl7pPr marL="2743200" indent="0">
+              <a:buNone/>
+              <a:defRPr sz="900"/>
+            </a:lvl7pPr>
+            <a:lvl8pPr marL="3200400" indent="0">
+              <a:buNone/>
+              <a:defRPr sz="900"/>
+            </a:lvl8pPr>
+            <a:lvl9pPr marL="3657600" indent="0">
+              <a:buNone/>
+              <a:defRPr sz="900"/>
+            </a:lvl9pPr>
+          </a:lstStyle>
+          <a:p>
+            <a:pPr lvl="0"/>
+            <a:r>
+              <a:rPr lang="ja-JP" altLang="en-US" smtClean="0"/>
+              <a:t>マスター テキストの書式設定</a:t>
+            </a:r>
+          </a:p>
+        </p:txBody>
+      </p:sp>
+      <p:sp>
+        <p:nvSpPr>
+          <p:cNvPr id="9" name="Text Placeholder 4"/>
+          <p:cNvSpPr>
+            <a:spLocks noGrp="1"/>
+          </p:cNvSpPr>
+          <p:nvPr>
+            <p:ph type="body" sz="quarter" idx="3"/>
+          </p:nvPr>
+        </p:nvSpPr>
+        <p:spPr>
+          <a:xfrm>
+            <a:off x="4446711" y="1885950"/>
+            <a:ext cx="3300984" cy="576262"/>
+          </a:xfrm>
+        </p:spPr>
+        <p:txBody>
+          <a:bodyPr anchor="b">
+            <a:noAutofit/>
+          </a:bodyPr>
+          <a:lstStyle>
+            <a:lvl1pPr marL="0" indent="0" algn="ctr">
+              <a:buNone/>
+              <a:defRPr sz="2400" b="0">
+                <a:solidFill>
+                  <a:schemeClr val="tx1"/>
+                </a:solidFill>
+              </a:defRPr>
+            </a:lvl1pPr>
+            <a:lvl2pPr marL="457200" indent="0">
+              <a:buNone/>
+              <a:defRPr sz="2000" b="1"/>
+            </a:lvl2pPr>
+            <a:lvl3pPr marL="914400" indent="0">
+              <a:buNone/>
+              <a:defRPr sz="1800" b="1"/>
+            </a:lvl3pPr>
+            <a:lvl4pPr marL="1371600" indent="0">
+              <a:buNone/>
+              <a:defRPr sz="1600" b="1"/>
+            </a:lvl4pPr>
+            <a:lvl5pPr marL="1828800" indent="0">
+              <a:buNone/>
+              <a:defRPr sz="1600" b="1"/>
+            </a:lvl5pPr>
+            <a:lvl6pPr marL="2286000" indent="0">
+              <a:buNone/>
+              <a:defRPr sz="1600" b="1"/>
+            </a:lvl6pPr>
+            <a:lvl7pPr marL="2743200" indent="0">
+              <a:buNone/>
+              <a:defRPr sz="1600" b="1"/>
+            </a:lvl7pPr>
+            <a:lvl8pPr marL="3200400" indent="0">
+              <a:buNone/>
+              <a:defRPr sz="1600" b="1"/>
+            </a:lvl8pPr>
+            <a:lvl9pPr marL="3657600" indent="0">
+              <a:buNone/>
+              <a:defRPr sz="1600" b="1"/>
+            </a:lvl9pPr>
+          </a:lstStyle>
+          <a:p>
+            <a:pPr lvl="0"/>
+            <a:r>
+              <a:rPr lang="ja-JP" altLang="en-US" smtClean="0"/>
+              <a:t>マスター テキストの書式設定</a:t>
+            </a:r>
+          </a:p>
+        </p:txBody>
+      </p:sp>
+      <p:sp>
+        <p:nvSpPr>
+          <p:cNvPr id="10" name="Text Placeholder 3"/>
+          <p:cNvSpPr>
+            <a:spLocks noGrp="1"/>
+          </p:cNvSpPr>
+          <p:nvPr>
+            <p:ph type="body" sz="half" idx="16"/>
+          </p:nvPr>
+        </p:nvSpPr>
+        <p:spPr>
+          <a:xfrm>
+            <a:off x="4441435" y="2571750"/>
+            <a:ext cx="3300984" cy="3219450"/>
+          </a:xfrm>
+        </p:spPr>
+        <p:txBody>
+          <a:bodyPr anchor="t">
+            <a:normAutofit/>
+          </a:bodyPr>
+          <a:lstStyle>
+            <a:lvl1pPr marL="0" indent="0" algn="ctr">
+              <a:buNone/>
+              <a:defRPr sz="1400"/>
+            </a:lvl1pPr>
+            <a:lvl2pPr marL="457200" indent="0">
+              <a:buNone/>
+              <a:defRPr sz="1200"/>
+            </a:lvl2pPr>
+            <a:lvl3pPr marL="914400" indent="0">
+              <a:buNone/>
+              <a:defRPr sz="1000"/>
+            </a:lvl3pPr>
+            <a:lvl4pPr marL="1371600" indent="0">
+              <a:buNone/>
+              <a:defRPr sz="900"/>
+            </a:lvl4pPr>
+            <a:lvl5pPr marL="1828800" indent="0">
+              <a:buNone/>
+              <a:defRPr sz="900"/>
+            </a:lvl5pPr>
+            <a:lvl6pPr marL="2286000" indent="0">
+              <a:buNone/>
+              <a:defRPr sz="900"/>
+            </a:lvl6pPr>
+            <a:lvl7pPr marL="2743200" indent="0">
+              <a:buNone/>
+              <a:defRPr sz="900"/>
+            </a:lvl7pPr>
+            <a:lvl8pPr marL="3200400" indent="0">
+              <a:buNone/>
+              <a:defRPr sz="900"/>
+            </a:lvl8pPr>
+            <a:lvl9pPr marL="3657600" indent="0">
+              <a:buNone/>
+              <a:defRPr sz="900"/>
+            </a:lvl9pPr>
+          </a:lstStyle>
+          <a:p>
+            <a:pPr lvl="0"/>
+            <a:r>
+              <a:rPr lang="ja-JP" altLang="en-US" smtClean="0"/>
+              <a:t>マスター テキストの書式設定</a:t>
+            </a:r>
+          </a:p>
+        </p:txBody>
+      </p:sp>
+      <p:sp>
+        <p:nvSpPr>
+          <p:cNvPr id="11" name="Text Placeholder 4"/>
+          <p:cNvSpPr>
+            <a:spLocks noGrp="1"/>
+          </p:cNvSpPr>
+          <p:nvPr>
+            <p:ph type="body" sz="quarter" idx="13"/>
+          </p:nvPr>
+        </p:nvSpPr>
+        <p:spPr>
+          <a:xfrm>
+            <a:off x="7966572" y="1885950"/>
+            <a:ext cx="3300984" cy="576262"/>
+          </a:xfrm>
+        </p:spPr>
+        <p:txBody>
+          <a:bodyPr anchor="b">
+            <a:noAutofit/>
+          </a:bodyPr>
+          <a:lstStyle>
+            <a:lvl1pPr marL="0" indent="0" algn="ctr">
+              <a:buNone/>
+              <a:defRPr sz="2400" b="0">
+                <a:solidFill>
+                  <a:schemeClr val="tx1"/>
+                </a:solidFill>
+              </a:defRPr>
+            </a:lvl1pPr>
+            <a:lvl2pPr marL="457200" indent="0">
+              <a:buNone/>
+              <a:defRPr sz="2000" b="1"/>
+            </a:lvl2pPr>
+            <a:lvl3pPr marL="914400" indent="0">
+              <a:buNone/>
+              <a:defRPr sz="1800" b="1"/>
+            </a:lvl3pPr>
+            <a:lvl4pPr marL="1371600" indent="0">
+              <a:buNone/>
+              <a:defRPr sz="1600" b="1"/>
+            </a:lvl4pPr>
+            <a:lvl5pPr marL="1828800" indent="0">
+              <a:buNone/>
+              <a:defRPr sz="1600" b="1"/>
+            </a:lvl5pPr>
+            <a:lvl6pPr marL="2286000" indent="0">
+              <a:buNone/>
+              <a:defRPr sz="1600" b="1"/>
+            </a:lvl6pPr>
+            <a:lvl7pPr marL="2743200" indent="0">
+              <a:buNone/>
+              <a:defRPr sz="1600" b="1"/>
+            </a:lvl7pPr>
+            <a:lvl8pPr marL="3200400" indent="0">
+              <a:buNone/>
+              <a:defRPr sz="1600" b="1"/>
+            </a:lvl8pPr>
+            <a:lvl9pPr marL="3657600" indent="0">
+              <a:buNone/>
+              <a:defRPr sz="1600" b="1"/>
+            </a:lvl9pPr>
+          </a:lstStyle>
+          <a:p>
+            <a:pPr lvl="0"/>
+            <a:r>
+              <a:rPr lang="ja-JP" altLang="en-US" smtClean="0"/>
+              <a:t>マスター テキストの書式設定</a:t>
+            </a:r>
+          </a:p>
+        </p:txBody>
+      </p:sp>
+      <p:sp>
+        <p:nvSpPr>
+          <p:cNvPr id="12" name="Text Placeholder 3"/>
+          <p:cNvSpPr>
+            <a:spLocks noGrp="1"/>
+          </p:cNvSpPr>
+          <p:nvPr>
+            <p:ph type="body" sz="half" idx="17"/>
+          </p:nvPr>
+        </p:nvSpPr>
+        <p:spPr>
+          <a:xfrm>
+            <a:off x="7966572" y="2571750"/>
+            <a:ext cx="3300984" cy="3219450"/>
+          </a:xfrm>
+        </p:spPr>
+        <p:txBody>
+          <a:bodyPr anchor="t">
+            <a:normAutofit/>
+          </a:bodyPr>
+          <a:lstStyle>
+            <a:lvl1pPr marL="0" indent="0" algn="ctr">
+              <a:buNone/>
+              <a:defRPr sz="1400"/>
+            </a:lvl1pPr>
+            <a:lvl2pPr marL="457200" indent="0">
+              <a:buNone/>
+              <a:defRPr sz="1200"/>
+            </a:lvl2pPr>
+            <a:lvl3pPr marL="914400" indent="0">
+              <a:buNone/>
+              <a:defRPr sz="1000"/>
+            </a:lvl3pPr>
+            <a:lvl4pPr marL="1371600" indent="0">
+              <a:buNone/>
+              <a:defRPr sz="900"/>
+            </a:lvl4pPr>
+            <a:lvl5pPr marL="1828800" indent="0">
+              <a:buNone/>
+              <a:defRPr sz="900"/>
+            </a:lvl5pPr>
+            <a:lvl6pPr marL="2286000" indent="0">
+              <a:buNone/>
+              <a:defRPr sz="900"/>
+            </a:lvl6pPr>
+            <a:lvl7pPr marL="2743200" indent="0">
+              <a:buNone/>
+              <a:defRPr sz="900"/>
+            </a:lvl7pPr>
+            <a:lvl8pPr marL="3200400" indent="0">
+              <a:buNone/>
+              <a:defRPr sz="900"/>
+            </a:lvl8pPr>
+            <a:lvl9pPr marL="3657600" indent="0">
+              <a:buNone/>
+              <a:defRPr sz="900"/>
+            </a:lvl9pPr>
+          </a:lstStyle>
+          <a:p>
+            <a:pPr lvl="0"/>
+            <a:r>
+              <a:rPr lang="ja-JP" altLang="en-US" smtClean="0"/>
+              <a:t>マスター テキストの書式設定</a:t>
+            </a:r>
+          </a:p>
+        </p:txBody>
+      </p:sp>
+      <p:sp>
+        <p:nvSpPr>
+          <p:cNvPr id="3" name="Date Placeholder 2"/>
+          <p:cNvSpPr>
+            <a:spLocks noGrp="1"/>
+          </p:cNvSpPr>
+          <p:nvPr>
+            <p:ph type="dt" sz="half" idx="10"/>
+          </p:nvPr>
+        </p:nvSpPr>
+        <p:spPr/>
+        <p:txBody>
+          <a:bodyPr/>
+          <a:lstStyle/>
+          <a:p>
+            <a:fld id="{B61BEF0D-F0BB-DE4B-95CE-6DB70DBA9567}" type="datetimeFigureOut">
+              <a:rPr lang="en-US" smtClean="0"/>
+              <a:pPr/>
+              <a:t>4/1/2017</a:t>
+            </a:fld>
+            <a:endParaRPr lang="en-US" dirty="0"/>
+          </a:p>
+        </p:txBody>
+      </p:sp>
+      <p:sp>
+        <p:nvSpPr>
+          <p:cNvPr id="4" name="Footer Placeholder 3"/>
+          <p:cNvSpPr>
+            <a:spLocks noGrp="1"/>
+          </p:cNvSpPr>
+          <p:nvPr>
+            <p:ph type="ftr" sz="quarter" idx="11"/>
+          </p:nvPr>
+        </p:nvSpPr>
+        <p:spPr/>
+        <p:txBody>
+          <a:bodyPr/>
+          <a:lstStyle/>
+          <a:p>
+            <a:endParaRPr lang="en-US" dirty="0"/>
+          </a:p>
+        </p:txBody>
+      </p:sp>
+      <p:sp>
+        <p:nvSpPr>
+          <p:cNvPr id="5" name="Slide Number Placeholder 4"/>
+          <p:cNvSpPr>
+            <a:spLocks noGrp="1"/>
+          </p:cNvSpPr>
+          <p:nvPr>
+            <p:ph type="sldNum" sz="quarter" idx="12"/>
+          </p:nvPr>
+        </p:nvSpPr>
+        <p:spPr/>
+        <p:txBody>
+          <a:bodyPr/>
+          <a:lstStyle/>
+          <a:p>
+            <a:fld id="{D57F1E4F-1CFF-5643-939E-217C01CDF565}" type="slidenum">
+              <a:rPr lang="en-US" smtClean="0"/>
+              <a:pPr/>
+              <a:t>‹#›</a:t>
+            </a:fld>
+            <a:endParaRPr lang="en-US" dirty="0"/>
+          </a:p>
+        </p:txBody>
+      </p:sp>
+    </p:spTree>
+    <p:extLst>
+      <p:ext uri="{BB962C8B-B14F-4D97-AF65-F5344CB8AC3E}">
+        <p14:creationId xmlns:p14="http://schemas.microsoft.com/office/powerpoint/2010/main" val="152551296"/>
+      </p:ext>
+    </p:extLst>
+  </p:cSld>
+  <p:clrMapOvr>
+    <a:masterClrMapping/>
+  </p:clrMapOvr>
+</p:sldLayout>
+</file>
+
+<file path=ppt/slideLayouts/slideLayout15.xml><?xml version="1.0" encoding="utf-8"?>
+<p:sldLayout xmlns:a="http://schemas.openxmlformats.org/drawingml/2006/main" xmlns:r="http://schemas.openxmlformats.org/officeDocument/2006/relationships" xmlns:p="http://schemas.openxmlformats.org/presentationml/2006/main" preserve="1">
+  <p:cSld name="3 つの画像列">
+    <p:spTree>
+      <p:nvGrpSpPr>
+        <p:cNvPr id="1" name=""/>
+        <p:cNvGrpSpPr/>
+        <p:nvPr/>
+      </p:nvGrpSpPr>
+      <p:grpSpPr>
+        <a:xfrm>
+          <a:off x="0" y="0"/>
+          <a:ext cx="0" cy="0"/>
+          <a:chOff x="0" y="0"/>
+          <a:chExt cx="0" cy="0"/>
+        </a:xfrm>
+      </p:grpSpPr>
+      <p:pic>
+        <p:nvPicPr>
+          <p:cNvPr id="2" name="Picture 1" descr="Slate-V2-HD-3colPhotoInset.png"/>
+          <p:cNvPicPr>
+            <a:picLocks noChangeAspect="1"/>
+          </p:cNvPicPr>
+          <p:nvPr/>
+        </p:nvPicPr>
+        <p:blipFill>
+          <a:blip r:embed="rId2">
+            <a:extLst>
+              <a:ext uri="{28A0092B-C50C-407E-A947-70E740481C1C}">
+                <a14:useLocalDpi xmlns:a14="http://schemas.microsoft.com/office/drawing/2010/main" val="0"/>
+              </a:ext>
+            </a:extLst>
+          </a:blip>
+          <a:stretch>
+            <a:fillRect/>
+          </a:stretch>
+        </p:blipFill>
+        <p:spPr>
+          <a:xfrm>
+            <a:off x="897962" y="1818214"/>
+            <a:ext cx="3339972" cy="1847851"/>
+          </a:xfrm>
+          <a:prstGeom prst="rect">
+            <a:avLst/>
+          </a:prstGeom>
+        </p:spPr>
+      </p:pic>
+      <p:pic>
+        <p:nvPicPr>
+          <p:cNvPr id="36" name="Picture 35" descr="Slate-V2-HD-3colPhotoInset.png"/>
+          <p:cNvPicPr>
+            <a:picLocks noChangeAspect="1"/>
+          </p:cNvPicPr>
+          <p:nvPr/>
+        </p:nvPicPr>
+        <p:blipFill>
+          <a:blip r:embed="rId2">
+            <a:extLst>
+              <a:ext uri="{28A0092B-C50C-407E-A947-70E740481C1C}">
+                <a14:useLocalDpi xmlns:a14="http://schemas.microsoft.com/office/drawing/2010/main" val="0"/>
+              </a:ext>
+            </a:extLst>
+          </a:blip>
+          <a:stretch>
+            <a:fillRect/>
+          </a:stretch>
+        </p:blipFill>
+        <p:spPr>
+          <a:xfrm>
+            <a:off x="4403800" y="1818214"/>
+            <a:ext cx="3339972" cy="1847851"/>
+          </a:xfrm>
+          <a:prstGeom prst="rect">
+            <a:avLst/>
+          </a:prstGeom>
+        </p:spPr>
+      </p:pic>
+      <p:pic>
+        <p:nvPicPr>
+          <p:cNvPr id="37" name="Picture 36" descr="Slate-V2-HD-3colPhotoInset.png"/>
+          <p:cNvPicPr>
+            <a:picLocks noChangeAspect="1"/>
+          </p:cNvPicPr>
+          <p:nvPr/>
+        </p:nvPicPr>
+        <p:blipFill>
+          <a:blip r:embed="rId2">
+            <a:extLst>
+              <a:ext uri="{28A0092B-C50C-407E-A947-70E740481C1C}">
+                <a14:useLocalDpi xmlns:a14="http://schemas.microsoft.com/office/drawing/2010/main" val="0"/>
+              </a:ext>
+            </a:extLst>
+          </a:blip>
+          <a:stretch>
+            <a:fillRect/>
+          </a:stretch>
+        </p:blipFill>
+        <p:spPr>
+          <a:xfrm>
+            <a:off x="7936051" y="1818214"/>
+            <a:ext cx="3339972" cy="1847851"/>
+          </a:xfrm>
+          <a:prstGeom prst="rect">
+            <a:avLst/>
+          </a:prstGeom>
+        </p:spPr>
+      </p:pic>
+      <p:sp>
+        <p:nvSpPr>
+          <p:cNvPr id="30" name="Title 1"/>
+          <p:cNvSpPr>
+            <a:spLocks noGrp="1"/>
+          </p:cNvSpPr>
+          <p:nvPr>
+            <p:ph type="title"/>
+          </p:nvPr>
+        </p:nvSpPr>
+        <p:spPr>
+          <a:xfrm>
+            <a:off x="913794" y="609600"/>
+            <a:ext cx="10353763" cy="970450"/>
+          </a:xfrm>
+        </p:spPr>
+        <p:txBody>
+          <a:bodyPr/>
+          <a:lstStyle/>
+          <a:p>
+            <a:r>
+              <a:rPr lang="ja-JP" altLang="en-US" smtClean="0"/>
+              <a:t>マスター タイトルの書式設定</a:t>
+            </a:r>
+            <a:endParaRPr lang="en-US" dirty="0"/>
+          </a:p>
+        </p:txBody>
+      </p:sp>
+      <p:sp>
+        <p:nvSpPr>
+          <p:cNvPr id="19" name="Text Placeholder 2"/>
+          <p:cNvSpPr>
+            <a:spLocks noGrp="1"/>
+          </p:cNvSpPr>
+          <p:nvPr>
+            <p:ph type="body" idx="1"/>
+          </p:nvPr>
+        </p:nvSpPr>
+        <p:spPr>
+          <a:xfrm>
+            <a:off x="913795" y="3904106"/>
+            <a:ext cx="3300984" cy="576262"/>
+          </a:xfrm>
+        </p:spPr>
+        <p:txBody>
+          <a:bodyPr anchor="b">
+            <a:noAutofit/>
+          </a:bodyPr>
+          <a:lstStyle>
+            <a:lvl1pPr marL="0" indent="0" algn="ctr">
+              <a:buNone/>
+              <a:defRPr sz="2000" b="0">
+                <a:solidFill>
+                  <a:schemeClr val="tx1"/>
+                </a:solidFill>
+              </a:defRPr>
+            </a:lvl1pPr>
+            <a:lvl2pPr marL="457200" indent="0">
+              <a:buNone/>
+              <a:defRPr sz="2000" b="1"/>
+            </a:lvl2pPr>
+            <a:lvl3pPr marL="914400" indent="0">
+              <a:buNone/>
+              <a:defRPr sz="1800" b="1"/>
+            </a:lvl3pPr>
+            <a:lvl4pPr marL="1371600" indent="0">
+              <a:buNone/>
+              <a:defRPr sz="1600" b="1"/>
+            </a:lvl4pPr>
+            <a:lvl5pPr marL="1828800" indent="0">
+              <a:buNone/>
+              <a:defRPr sz="1600" b="1"/>
+            </a:lvl5pPr>
+            <a:lvl6pPr marL="2286000" indent="0">
+              <a:buNone/>
+              <a:defRPr sz="1600" b="1"/>
+            </a:lvl6pPr>
+            <a:lvl7pPr marL="2743200" indent="0">
+              <a:buNone/>
+              <a:defRPr sz="1600" b="1"/>
+            </a:lvl7pPr>
+            <a:lvl8pPr marL="3200400" indent="0">
+              <a:buNone/>
+              <a:defRPr sz="1600" b="1"/>
+            </a:lvl8pPr>
+            <a:lvl9pPr marL="3657600" indent="0">
+              <a:buNone/>
+              <a:defRPr sz="1600" b="1"/>
+            </a:lvl9pPr>
+          </a:lstStyle>
+          <a:p>
+            <a:pPr lvl="0"/>
+            <a:r>
+              <a:rPr lang="ja-JP" altLang="en-US" smtClean="0"/>
+              <a:t>マスター テキストの書式設定</a:t>
+            </a:r>
+          </a:p>
+        </p:txBody>
+      </p:sp>
+      <p:sp>
+        <p:nvSpPr>
+          <p:cNvPr id="20" name="Picture Placeholder 2"/>
+          <p:cNvSpPr>
+            <a:spLocks noGrp="1" noChangeAspect="1"/>
+          </p:cNvSpPr>
+          <p:nvPr>
+            <p:ph type="pic" idx="15"/>
+          </p:nvPr>
+        </p:nvSpPr>
+        <p:spPr>
+          <a:xfrm>
+            <a:off x="1018102" y="1938918"/>
+            <a:ext cx="3092368" cy="1602954"/>
+          </a:xfrm>
+          <a:prstGeom prst="roundRect">
+            <a:avLst>
+              <a:gd name="adj" fmla="val 1858"/>
+            </a:avLst>
+          </a:prstGeom>
+          <a:effectLst>
+            <a:outerShdw blurRad="38100" dist="25400" dir="4440000">
+              <a:srgbClr val="000000">
+                <a:alpha val="36000"/>
+              </a:srgbClr>
+            </a:outerShdw>
+          </a:effectLst>
+        </p:spPr>
+        <p:txBody>
+          <a:bodyPr anchor="t">
+            <a:normAutofit/>
+          </a:bodyPr>
+          <a:lstStyle>
+            <a:lvl1pPr marL="0" indent="0" algn="ctr">
+              <a:buNone/>
+              <a:defRPr sz="1600"/>
+            </a:lvl1pPr>
+            <a:lvl2pPr marL="457200" indent="0">
+              <a:buNone/>
+              <a:defRPr sz="1600"/>
+            </a:lvl2pPr>
+            <a:lvl3pPr marL="914400" indent="0">
+              <a:buNone/>
+              <a:defRPr sz="1600"/>
+            </a:lvl3pPr>
+            <a:lvl4pPr marL="1371600" indent="0">
+              <a:buNone/>
+              <a:defRPr sz="1600"/>
+            </a:lvl4pPr>
+            <a:lvl5pPr marL="1828800" indent="0">
+              <a:buNone/>
+              <a:defRPr sz="1600"/>
+            </a:lvl5pPr>
+            <a:lvl6pPr marL="2286000" indent="0">
+              <a:buNone/>
+              <a:defRPr sz="1600"/>
+            </a:lvl6pPr>
+            <a:lvl7pPr marL="2743200" indent="0">
+              <a:buNone/>
+              <a:defRPr sz="1600"/>
+            </a:lvl7pPr>
+            <a:lvl8pPr marL="3200400" indent="0">
+              <a:buNone/>
+              <a:defRPr sz="1600"/>
+            </a:lvl8pPr>
+            <a:lvl9pPr marL="3657600" indent="0">
+              <a:buNone/>
+              <a:defRPr sz="1600"/>
+            </a:lvl9pPr>
+          </a:lstStyle>
+          <a:p>
+            <a:r>
+              <a:rPr lang="ja-JP" altLang="en-US" smtClean="0"/>
+              <a:t>図を追加</a:t>
+            </a:r>
+            <a:endParaRPr lang="en-US" dirty="0"/>
+          </a:p>
+        </p:txBody>
+      </p:sp>
+      <p:sp>
+        <p:nvSpPr>
+          <p:cNvPr id="21" name="Text Placeholder 3"/>
+          <p:cNvSpPr>
+            <a:spLocks noGrp="1"/>
+          </p:cNvSpPr>
+          <p:nvPr>
+            <p:ph type="body" sz="half" idx="18"/>
+          </p:nvPr>
+        </p:nvSpPr>
+        <p:spPr>
+          <a:xfrm>
+            <a:off x="913795" y="4480368"/>
+            <a:ext cx="3300984" cy="1310833"/>
+          </a:xfrm>
+        </p:spPr>
+        <p:txBody>
+          <a:bodyPr anchor="t">
+            <a:normAutofit/>
+          </a:bodyPr>
+          <a:lstStyle>
+            <a:lvl1pPr marL="0" indent="0" algn="ctr">
+              <a:buNone/>
+              <a:defRPr sz="1400"/>
+            </a:lvl1pPr>
+            <a:lvl2pPr marL="457200" indent="0">
+              <a:buNone/>
+              <a:defRPr sz="1200"/>
+            </a:lvl2pPr>
+            <a:lvl3pPr marL="914400" indent="0">
+              <a:buNone/>
+              <a:defRPr sz="1000"/>
+            </a:lvl3pPr>
+            <a:lvl4pPr marL="1371600" indent="0">
+              <a:buNone/>
+              <a:defRPr sz="900"/>
+            </a:lvl4pPr>
+            <a:lvl5pPr marL="1828800" indent="0">
+              <a:buNone/>
+              <a:defRPr sz="900"/>
+            </a:lvl5pPr>
+            <a:lvl6pPr marL="2286000" indent="0">
+              <a:buNone/>
+              <a:defRPr sz="900"/>
+            </a:lvl6pPr>
+            <a:lvl7pPr marL="2743200" indent="0">
+              <a:buNone/>
+              <a:defRPr sz="900"/>
+            </a:lvl7pPr>
+            <a:lvl8pPr marL="3200400" indent="0">
+              <a:buNone/>
+              <a:defRPr sz="900"/>
+            </a:lvl8pPr>
+            <a:lvl9pPr marL="3657600" indent="0">
+              <a:buNone/>
+              <a:defRPr sz="900"/>
+            </a:lvl9pPr>
+          </a:lstStyle>
+          <a:p>
+            <a:pPr lvl="0"/>
+            <a:r>
+              <a:rPr lang="ja-JP" altLang="en-US" smtClean="0"/>
+              <a:t>マスター テキストの書式設定</a:t>
+            </a:r>
+          </a:p>
+        </p:txBody>
+      </p:sp>
+      <p:sp>
+        <p:nvSpPr>
+          <p:cNvPr id="22" name="Text Placeholder 4"/>
+          <p:cNvSpPr>
+            <a:spLocks noGrp="1"/>
+          </p:cNvSpPr>
+          <p:nvPr>
+            <p:ph type="body" sz="quarter" idx="3"/>
+          </p:nvPr>
+        </p:nvSpPr>
+        <p:spPr>
+          <a:xfrm>
+            <a:off x="4442788" y="3904106"/>
+            <a:ext cx="3300984" cy="576262"/>
+          </a:xfrm>
+        </p:spPr>
+        <p:txBody>
+          <a:bodyPr anchor="b">
+            <a:noAutofit/>
+          </a:bodyPr>
+          <a:lstStyle>
+            <a:lvl1pPr marL="0" indent="0" algn="ctr">
+              <a:buNone/>
+              <a:defRPr sz="2000" b="0">
+                <a:solidFill>
+                  <a:schemeClr val="tx1"/>
+                </a:solidFill>
+              </a:defRPr>
+            </a:lvl1pPr>
+            <a:lvl2pPr marL="457200" indent="0">
+              <a:buNone/>
+              <a:defRPr sz="2000" b="1"/>
+            </a:lvl2pPr>
+            <a:lvl3pPr marL="914400" indent="0">
+              <a:buNone/>
+              <a:defRPr sz="1800" b="1"/>
+            </a:lvl3pPr>
+            <a:lvl4pPr marL="1371600" indent="0">
+              <a:buNone/>
+              <a:defRPr sz="1600" b="1"/>
+            </a:lvl4pPr>
+            <a:lvl5pPr marL="1828800" indent="0">
+              <a:buNone/>
+              <a:defRPr sz="1600" b="1"/>
+            </a:lvl5pPr>
+            <a:lvl6pPr marL="2286000" indent="0">
+              <a:buNone/>
+              <a:defRPr sz="1600" b="1"/>
+            </a:lvl6pPr>
+            <a:lvl7pPr marL="2743200" indent="0">
+              <a:buNone/>
+              <a:defRPr sz="1600" b="1"/>
+            </a:lvl7pPr>
+            <a:lvl8pPr marL="3200400" indent="0">
+              <a:buNone/>
+              <a:defRPr sz="1600" b="1"/>
+            </a:lvl8pPr>
+            <a:lvl9pPr marL="3657600" indent="0">
+              <a:buNone/>
+              <a:defRPr sz="1600" b="1"/>
+            </a:lvl9pPr>
+          </a:lstStyle>
+          <a:p>
+            <a:pPr lvl="0"/>
+            <a:r>
+              <a:rPr lang="ja-JP" altLang="en-US" smtClean="0"/>
+              <a:t>マスター テキストの書式設定</a:t>
+            </a:r>
+          </a:p>
+        </p:txBody>
+      </p:sp>
+      <p:sp>
+        <p:nvSpPr>
+          <p:cNvPr id="23" name="Picture Placeholder 2"/>
+          <p:cNvSpPr>
+            <a:spLocks noGrp="1" noChangeAspect="1"/>
+          </p:cNvSpPr>
+          <p:nvPr>
+            <p:ph type="pic" idx="21"/>
+          </p:nvPr>
+        </p:nvSpPr>
+        <p:spPr>
+          <a:xfrm>
+            <a:off x="4545743" y="1939094"/>
+            <a:ext cx="3092368" cy="1608164"/>
+          </a:xfrm>
+          <a:prstGeom prst="roundRect">
+            <a:avLst>
+              <a:gd name="adj" fmla="val 1858"/>
+            </a:avLst>
+          </a:prstGeom>
+          <a:effectLst>
+            <a:outerShdw blurRad="38100" dist="25400" dir="4440000">
+              <a:srgbClr val="000000">
+                <a:alpha val="36000"/>
+              </a:srgbClr>
+            </a:outerShdw>
+          </a:effectLst>
+        </p:spPr>
+        <p:txBody>
+          <a:bodyPr anchor="t">
+            <a:normAutofit/>
+          </a:bodyPr>
+          <a:lstStyle>
+            <a:lvl1pPr marL="0" indent="0" algn="ctr">
+              <a:buNone/>
+              <a:defRPr sz="1600"/>
+            </a:lvl1pPr>
+            <a:lvl2pPr marL="457200" indent="0">
+              <a:buNone/>
+              <a:defRPr sz="1600"/>
+            </a:lvl2pPr>
+            <a:lvl3pPr marL="914400" indent="0">
+              <a:buNone/>
+              <a:defRPr sz="1600"/>
+            </a:lvl3pPr>
+            <a:lvl4pPr marL="1371600" indent="0">
+              <a:buNone/>
+              <a:defRPr sz="1600"/>
+            </a:lvl4pPr>
+            <a:lvl5pPr marL="1828800" indent="0">
+              <a:buNone/>
+              <a:defRPr sz="1600"/>
+            </a:lvl5pPr>
+            <a:lvl6pPr marL="2286000" indent="0">
+              <a:buNone/>
+              <a:defRPr sz="1600"/>
+            </a:lvl6pPr>
+            <a:lvl7pPr marL="2743200" indent="0">
+              <a:buNone/>
+              <a:defRPr sz="1600"/>
+            </a:lvl7pPr>
+            <a:lvl8pPr marL="3200400" indent="0">
+              <a:buNone/>
+              <a:defRPr sz="1600"/>
+            </a:lvl8pPr>
+            <a:lvl9pPr marL="3657600" indent="0">
+              <a:buNone/>
+              <a:defRPr sz="1600"/>
+            </a:lvl9pPr>
+          </a:lstStyle>
+          <a:p>
+            <a:r>
+              <a:rPr lang="ja-JP" altLang="en-US" smtClean="0"/>
+              <a:t>図を追加</a:t>
+            </a:r>
+            <a:endParaRPr lang="en-US" dirty="0"/>
+          </a:p>
+        </p:txBody>
+      </p:sp>
+      <p:sp>
+        <p:nvSpPr>
+          <p:cNvPr id="24" name="Text Placeholder 3"/>
+          <p:cNvSpPr>
+            <a:spLocks noGrp="1"/>
+          </p:cNvSpPr>
+          <p:nvPr>
+            <p:ph type="body" sz="half" idx="19"/>
+          </p:nvPr>
+        </p:nvSpPr>
+        <p:spPr>
+          <a:xfrm>
+            <a:off x="4441435" y="4480367"/>
+            <a:ext cx="3300984" cy="1310833"/>
+          </a:xfrm>
+        </p:spPr>
+        <p:txBody>
+          <a:bodyPr anchor="t">
+            <a:normAutofit/>
+          </a:bodyPr>
+          <a:lstStyle>
+            <a:lvl1pPr marL="0" indent="0" algn="ctr">
+              <a:buNone/>
+              <a:defRPr sz="1400"/>
+            </a:lvl1pPr>
+            <a:lvl2pPr marL="457200" indent="0">
+              <a:buNone/>
+              <a:defRPr sz="1200"/>
+            </a:lvl2pPr>
+            <a:lvl3pPr marL="914400" indent="0">
+              <a:buNone/>
+              <a:defRPr sz="1000"/>
+            </a:lvl3pPr>
+            <a:lvl4pPr marL="1371600" indent="0">
+              <a:buNone/>
+              <a:defRPr sz="900"/>
+            </a:lvl4pPr>
+            <a:lvl5pPr marL="1828800" indent="0">
+              <a:buNone/>
+              <a:defRPr sz="900"/>
+            </a:lvl5pPr>
+            <a:lvl6pPr marL="2286000" indent="0">
+              <a:buNone/>
+              <a:defRPr sz="900"/>
+            </a:lvl6pPr>
+            <a:lvl7pPr marL="2743200" indent="0">
+              <a:buNone/>
+              <a:defRPr sz="900"/>
+            </a:lvl7pPr>
+            <a:lvl8pPr marL="3200400" indent="0">
+              <a:buNone/>
+              <a:defRPr sz="900"/>
+            </a:lvl8pPr>
+            <a:lvl9pPr marL="3657600" indent="0">
+              <a:buNone/>
+              <a:defRPr sz="900"/>
+            </a:lvl9pPr>
+          </a:lstStyle>
+          <a:p>
+            <a:pPr lvl="0"/>
+            <a:r>
+              <a:rPr lang="ja-JP" altLang="en-US" smtClean="0"/>
+              <a:t>マスター テキストの書式設定</a:t>
+            </a:r>
+          </a:p>
+        </p:txBody>
+      </p:sp>
+      <p:sp>
+        <p:nvSpPr>
+          <p:cNvPr id="25" name="Text Placeholder 4"/>
+          <p:cNvSpPr>
+            <a:spLocks noGrp="1"/>
+          </p:cNvSpPr>
+          <p:nvPr>
+            <p:ph type="body" sz="quarter" idx="13"/>
+          </p:nvPr>
+        </p:nvSpPr>
+        <p:spPr>
+          <a:xfrm>
+            <a:off x="7966697" y="3904106"/>
+            <a:ext cx="3300984" cy="576262"/>
+          </a:xfrm>
+        </p:spPr>
+        <p:txBody>
+          <a:bodyPr anchor="b">
+            <a:noAutofit/>
+          </a:bodyPr>
+          <a:lstStyle>
+            <a:lvl1pPr marL="0" indent="0" algn="ctr">
+              <a:buNone/>
+              <a:defRPr sz="2000" b="0">
+                <a:solidFill>
+                  <a:schemeClr val="tx1"/>
+                </a:solidFill>
+              </a:defRPr>
+            </a:lvl1pPr>
+            <a:lvl2pPr marL="457200" indent="0">
+              <a:buNone/>
+              <a:defRPr sz="2000" b="1"/>
+            </a:lvl2pPr>
+            <a:lvl3pPr marL="914400" indent="0">
+              <a:buNone/>
+              <a:defRPr sz="1800" b="1"/>
+            </a:lvl3pPr>
+            <a:lvl4pPr marL="1371600" indent="0">
+              <a:buNone/>
+              <a:defRPr sz="1600" b="1"/>
+            </a:lvl4pPr>
+            <a:lvl5pPr marL="1828800" indent="0">
+              <a:buNone/>
+              <a:defRPr sz="1600" b="1"/>
+            </a:lvl5pPr>
+            <a:lvl6pPr marL="2286000" indent="0">
+              <a:buNone/>
+              <a:defRPr sz="1600" b="1"/>
+            </a:lvl6pPr>
+            <a:lvl7pPr marL="2743200" indent="0">
+              <a:buNone/>
+              <a:defRPr sz="1600" b="1"/>
+            </a:lvl7pPr>
+            <a:lvl8pPr marL="3200400" indent="0">
+              <a:buNone/>
+              <a:defRPr sz="1600" b="1"/>
+            </a:lvl8pPr>
+            <a:lvl9pPr marL="3657600" indent="0">
+              <a:buNone/>
+              <a:defRPr sz="1600" b="1"/>
+            </a:lvl9pPr>
+          </a:lstStyle>
+          <a:p>
+            <a:pPr lvl="0"/>
+            <a:r>
+              <a:rPr lang="ja-JP" altLang="en-US" smtClean="0"/>
+              <a:t>マスター テキストの書式設定</a:t>
+            </a:r>
+          </a:p>
+        </p:txBody>
+      </p:sp>
+      <p:sp>
+        <p:nvSpPr>
+          <p:cNvPr id="26" name="Picture Placeholder 2"/>
+          <p:cNvSpPr>
+            <a:spLocks noGrp="1" noChangeAspect="1"/>
+          </p:cNvSpPr>
+          <p:nvPr>
+            <p:ph type="pic" idx="22"/>
+          </p:nvPr>
+        </p:nvSpPr>
+        <p:spPr>
+          <a:xfrm>
+            <a:off x="8075698" y="1934432"/>
+            <a:ext cx="3092368" cy="1607294"/>
+          </a:xfrm>
+          <a:prstGeom prst="roundRect">
+            <a:avLst>
+              <a:gd name="adj" fmla="val 1858"/>
+            </a:avLst>
+          </a:prstGeom>
+          <a:effectLst>
+            <a:outerShdw blurRad="38100" dist="25400" dir="4440000">
+              <a:srgbClr val="000000">
+                <a:alpha val="36000"/>
+              </a:srgbClr>
+            </a:outerShdw>
+          </a:effectLst>
+        </p:spPr>
+        <p:txBody>
+          <a:bodyPr anchor="t">
+            <a:normAutofit/>
+          </a:bodyPr>
+          <a:lstStyle>
+            <a:lvl1pPr marL="0" indent="0" algn="ctr">
+              <a:buNone/>
+              <a:defRPr sz="1600"/>
+            </a:lvl1pPr>
+            <a:lvl2pPr marL="457200" indent="0">
+              <a:buNone/>
+              <a:defRPr sz="1600"/>
+            </a:lvl2pPr>
+            <a:lvl3pPr marL="914400" indent="0">
+              <a:buNone/>
+              <a:defRPr sz="1600"/>
+            </a:lvl3pPr>
+            <a:lvl4pPr marL="1371600" indent="0">
+              <a:buNone/>
+              <a:defRPr sz="1600"/>
+            </a:lvl4pPr>
+            <a:lvl5pPr marL="1828800" indent="0">
+              <a:buNone/>
+              <a:defRPr sz="1600"/>
+            </a:lvl5pPr>
+            <a:lvl6pPr marL="2286000" indent="0">
+              <a:buNone/>
+              <a:defRPr sz="1600"/>
+            </a:lvl6pPr>
+            <a:lvl7pPr marL="2743200" indent="0">
+              <a:buNone/>
+              <a:defRPr sz="1600"/>
+            </a:lvl7pPr>
+            <a:lvl8pPr marL="3200400" indent="0">
+              <a:buNone/>
+              <a:defRPr sz="1600"/>
+            </a:lvl8pPr>
+            <a:lvl9pPr marL="3657600" indent="0">
+              <a:buNone/>
+              <a:defRPr sz="1600"/>
+            </a:lvl9pPr>
+          </a:lstStyle>
+          <a:p>
+            <a:r>
+              <a:rPr lang="ja-JP" altLang="en-US" smtClean="0"/>
+              <a:t>図を追加</a:t>
+            </a:r>
+            <a:endParaRPr lang="en-US" dirty="0"/>
+          </a:p>
+        </p:txBody>
+      </p:sp>
+      <p:sp>
+        <p:nvSpPr>
+          <p:cNvPr id="27" name="Text Placeholder 3"/>
+          <p:cNvSpPr>
+            <a:spLocks noGrp="1"/>
+          </p:cNvSpPr>
+          <p:nvPr>
+            <p:ph type="body" sz="half" idx="20"/>
+          </p:nvPr>
+        </p:nvSpPr>
+        <p:spPr>
+          <a:xfrm>
+            <a:off x="7966572" y="4480365"/>
+            <a:ext cx="3300984" cy="1310835"/>
+          </a:xfrm>
+        </p:spPr>
+        <p:txBody>
+          <a:bodyPr anchor="t">
+            <a:normAutofit/>
+          </a:bodyPr>
+          <a:lstStyle>
+            <a:lvl1pPr marL="0" indent="0" algn="ctr">
+              <a:buNone/>
+              <a:defRPr sz="1400"/>
+            </a:lvl1pPr>
+            <a:lvl2pPr marL="457200" indent="0">
+              <a:buNone/>
+              <a:defRPr sz="1200"/>
+            </a:lvl2pPr>
+            <a:lvl3pPr marL="914400" indent="0">
+              <a:buNone/>
+              <a:defRPr sz="1000"/>
+            </a:lvl3pPr>
+            <a:lvl4pPr marL="1371600" indent="0">
+              <a:buNone/>
+              <a:defRPr sz="900"/>
+            </a:lvl4pPr>
+            <a:lvl5pPr marL="1828800" indent="0">
+              <a:buNone/>
+              <a:defRPr sz="900"/>
+            </a:lvl5pPr>
+            <a:lvl6pPr marL="2286000" indent="0">
+              <a:buNone/>
+              <a:defRPr sz="900"/>
+            </a:lvl6pPr>
+            <a:lvl7pPr marL="2743200" indent="0">
+              <a:buNone/>
+              <a:defRPr sz="900"/>
+            </a:lvl7pPr>
+            <a:lvl8pPr marL="3200400" indent="0">
+              <a:buNone/>
+              <a:defRPr sz="900"/>
+            </a:lvl8pPr>
+            <a:lvl9pPr marL="3657600" indent="0">
+              <a:buNone/>
+              <a:defRPr sz="900"/>
+            </a:lvl9pPr>
+          </a:lstStyle>
+          <a:p>
+            <a:pPr lvl="0"/>
+            <a:r>
+              <a:rPr lang="ja-JP" altLang="en-US" smtClean="0"/>
+              <a:t>マスター テキストの書式設定</a:t>
+            </a:r>
+          </a:p>
+        </p:txBody>
+      </p:sp>
+      <p:sp>
+        <p:nvSpPr>
+          <p:cNvPr id="3" name="Date Placeholder 2"/>
+          <p:cNvSpPr>
+            <a:spLocks noGrp="1"/>
+          </p:cNvSpPr>
+          <p:nvPr>
+            <p:ph type="dt" sz="half" idx="10"/>
+          </p:nvPr>
+        </p:nvSpPr>
+        <p:spPr/>
+        <p:txBody>
+          <a:bodyPr/>
+          <a:lstStyle/>
+          <a:p>
+            <a:fld id="{B61BEF0D-F0BB-DE4B-95CE-6DB70DBA9567}" type="datetimeFigureOut">
+              <a:rPr lang="en-US" smtClean="0"/>
+              <a:pPr/>
+              <a:t>4/1/2017</a:t>
+            </a:fld>
+            <a:endParaRPr lang="en-US" dirty="0"/>
+          </a:p>
+        </p:txBody>
+      </p:sp>
+      <p:sp>
+        <p:nvSpPr>
+          <p:cNvPr id="4" name="Footer Placeholder 3"/>
+          <p:cNvSpPr>
+            <a:spLocks noGrp="1"/>
+          </p:cNvSpPr>
+          <p:nvPr>
+            <p:ph type="ftr" sz="quarter" idx="11"/>
+          </p:nvPr>
+        </p:nvSpPr>
+        <p:spPr/>
+        <p:txBody>
+          <a:bodyPr/>
+          <a:lstStyle/>
+          <a:p>
+            <a:endParaRPr lang="en-US" dirty="0"/>
+          </a:p>
+        </p:txBody>
+      </p:sp>
+      <p:sp>
+        <p:nvSpPr>
+          <p:cNvPr id="5" name="Slide Number Placeholder 4"/>
+          <p:cNvSpPr>
+            <a:spLocks noGrp="1"/>
+          </p:cNvSpPr>
+          <p:nvPr>
+            <p:ph type="sldNum" sz="quarter" idx="12"/>
+          </p:nvPr>
+        </p:nvSpPr>
+        <p:spPr/>
+        <p:txBody>
+          <a:bodyPr/>
+          <a:lstStyle/>
+          <a:p>
+            <a:fld id="{D57F1E4F-1CFF-5643-939E-217C01CDF565}" type="slidenum">
+              <a:rPr lang="en-US" smtClean="0"/>
+              <a:pPr/>
+              <a:t>‹#›</a:t>
+            </a:fld>
+            <a:endParaRPr lang="en-US" dirty="0"/>
+          </a:p>
+        </p:txBody>
+      </p:sp>
+    </p:spTree>
+    <p:extLst>
+      <p:ext uri="{BB962C8B-B14F-4D97-AF65-F5344CB8AC3E}">
+        <p14:creationId xmlns:p14="http://schemas.microsoft.com/office/powerpoint/2010/main" val="4274401640"/>
+      </p:ext>
+    </p:extLst>
+  </p:cSld>
+  <p:clrMapOvr>
+    <a:masterClrMapping/>
+  </p:clrMapOvr>
+</p:sldLayout>
+</file>
+
+<file path=ppt/slideLayouts/slideLayout16.xml><?xml version="1.0" encoding="utf-8"?>
 <p:sldLayout xmlns:a="http://schemas.openxmlformats.org/drawingml/2006/main" xmlns:r="http://schemas.openxmlformats.org/officeDocument/2006/relationships" xmlns:p="http://schemas.openxmlformats.org/presentationml/2006/main" type="vertTx" preserve="1">
   <p:cSld name="タイトルと&#10;縦書きテキスト">
     <p:spTree>
@@ -318,7 +2963,7 @@
       </p:grpSpPr>
       <p:sp>
         <p:nvSpPr>
-          <p:cNvPr id="2" name="タイトル 1"/>
+          <p:cNvPr id="2" name="Title 1"/>
           <p:cNvSpPr>
             <a:spLocks noGrp="1"/>
           </p:cNvSpPr>
@@ -332,16 +2977,16 @@
           <a:lstStyle/>
           <a:p>
             <a:r>
-              <a:rPr kumimoji="1" lang="ja-JP" altLang="en-US" smtClean="0"/>
+              <a:rPr lang="ja-JP" altLang="en-US" smtClean="0"/>
               <a:t>マスター タイトルの書式設定</a:t>
             </a:r>
-            <a:endParaRPr kumimoji="1" lang="ja-JP" altLang="en-US"/>
-          </a:p>
-        </p:txBody>
-      </p:sp>
-      <p:sp>
-        <p:nvSpPr>
-          <p:cNvPr id="3" name="縦書きテキスト プレースホルダー 2"/>
+            <a:endParaRPr lang="en-US" dirty="0"/>
+          </a:p>
+        </p:txBody>
+      </p:sp>
+      <p:sp>
+        <p:nvSpPr>
+          <p:cNvPr id="3" name="Vertical Text Placeholder 2"/>
           <p:cNvSpPr>
             <a:spLocks noGrp="1"/>
           </p:cNvSpPr>
@@ -351,81 +2996,81 @@
         </p:nvSpPr>
         <p:spPr/>
         <p:txBody>
-          <a:bodyPr vert="eaVert"/>
+          <a:bodyPr vert="eaVert" anchor="t"/>
           <a:lstStyle/>
           <a:p>
             <a:pPr lvl="0"/>
             <a:r>
-              <a:rPr kumimoji="1" lang="ja-JP" altLang="en-US" smtClean="0"/>
+              <a:rPr lang="ja-JP" altLang="en-US" smtClean="0"/>
               <a:t>マスター テキストの書式設定</a:t>
             </a:r>
           </a:p>
           <a:p>
             <a:pPr lvl="1"/>
             <a:r>
-              <a:rPr kumimoji="1" lang="ja-JP" altLang="en-US" smtClean="0"/>
+              <a:rPr lang="ja-JP" altLang="en-US" smtClean="0"/>
               <a:t>第 </a:t>
             </a:r>
             <a:r>
-              <a:rPr kumimoji="1" lang="en-US" altLang="ja-JP" smtClean="0"/>
+              <a:rPr lang="en-US" altLang="ja-JP" smtClean="0"/>
               <a:t>2 </a:t>
             </a:r>
             <a:r>
-              <a:rPr kumimoji="1" lang="ja-JP" altLang="en-US" smtClean="0"/>
+              <a:rPr lang="ja-JP" altLang="en-US" smtClean="0"/>
               <a:t>レベル</a:t>
             </a:r>
           </a:p>
           <a:p>
             <a:pPr lvl="2"/>
             <a:r>
-              <a:rPr kumimoji="1" lang="ja-JP" altLang="en-US" smtClean="0"/>
+              <a:rPr lang="ja-JP" altLang="en-US" smtClean="0"/>
               <a:t>第 </a:t>
             </a:r>
             <a:r>
-              <a:rPr kumimoji="1" lang="en-US" altLang="ja-JP" smtClean="0"/>
+              <a:rPr lang="en-US" altLang="ja-JP" smtClean="0"/>
               <a:t>3 </a:t>
             </a:r>
             <a:r>
-              <a:rPr kumimoji="1" lang="ja-JP" altLang="en-US" smtClean="0"/>
+              <a:rPr lang="ja-JP" altLang="en-US" smtClean="0"/>
               <a:t>レベル</a:t>
             </a:r>
           </a:p>
           <a:p>
             <a:pPr lvl="3"/>
             <a:r>
-              <a:rPr kumimoji="1" lang="ja-JP" altLang="en-US" smtClean="0"/>
+              <a:rPr lang="ja-JP" altLang="en-US" smtClean="0"/>
               <a:t>第 </a:t>
             </a:r>
             <a:r>
-              <a:rPr kumimoji="1" lang="en-US" altLang="ja-JP" smtClean="0"/>
+              <a:rPr lang="en-US" altLang="ja-JP" smtClean="0"/>
               <a:t>4 </a:t>
             </a:r>
             <a:r>
-              <a:rPr kumimoji="1" lang="ja-JP" altLang="en-US" smtClean="0"/>
+              <a:rPr lang="ja-JP" altLang="en-US" smtClean="0"/>
               <a:t>レベル</a:t>
             </a:r>
           </a:p>
           <a:p>
             <a:pPr lvl="4"/>
             <a:r>
-              <a:rPr kumimoji="1" lang="ja-JP" altLang="en-US" smtClean="0"/>
+              <a:rPr lang="ja-JP" altLang="en-US" smtClean="0"/>
               <a:t>第 </a:t>
             </a:r>
             <a:r>
-              <a:rPr kumimoji="1" lang="en-US" altLang="ja-JP" smtClean="0"/>
+              <a:rPr lang="en-US" altLang="ja-JP" smtClean="0"/>
               <a:t>5 </a:t>
             </a:r>
             <a:r>
-              <a:rPr kumimoji="1" lang="ja-JP" altLang="en-US" smtClean="0"/>
+              <a:rPr lang="ja-JP" altLang="en-US" smtClean="0"/>
               <a:t>レベル</a:t>
             </a:r>
-            <a:endParaRPr kumimoji="1" lang="ja-JP" altLang="en-US"/>
-          </a:p>
-        </p:txBody>
-      </p:sp>
-      <p:sp>
-        <p:nvSpPr>
-          <p:cNvPr id="4" name="日付プレースホルダー 3"/>
+            <a:endParaRPr lang="en-US" dirty="0"/>
+          </a:p>
+        </p:txBody>
+      </p:sp>
+      <p:sp>
+        <p:nvSpPr>
+          <p:cNvPr id="4" name="Date Placeholder 3"/>
           <p:cNvSpPr>
             <a:spLocks noGrp="1"/>
           </p:cNvSpPr>
@@ -438,17 +3083,18 @@
           <a:bodyPr/>
           <a:lstStyle/>
           <a:p>
-            <a:fld id="{B2B5BDEE-E98D-4F93-A903-1F03703468CC}" type="datetimeFigureOut">
-              <a:rPr kumimoji="1" lang="ja-JP" altLang="en-US" smtClean="0"/>
-              <a:t>2017/3/30</a:t>
+            <a:fld id="{B61BEF0D-F0BB-DE4B-95CE-6DB70DBA9567}" type="datetimeFigureOut">
+              <a:rPr lang="en-US" smtClean="0"/>
+              <a:pPr/>
+              <a:t>4/1/2017</a:t>
             </a:fld>
-            <a:endParaRPr kumimoji="1" lang="ja-JP" altLang="en-US"/>
-          </a:p>
-        </p:txBody>
-      </p:sp>
-      <p:sp>
-        <p:nvSpPr>
-          <p:cNvPr id="5" name="フッター プレースホルダー 4"/>
+            <a:endParaRPr lang="en-US" dirty="0"/>
+          </a:p>
+        </p:txBody>
+      </p:sp>
+      <p:sp>
+        <p:nvSpPr>
+          <p:cNvPr id="5" name="Footer Placeholder 4"/>
           <p:cNvSpPr>
             <a:spLocks noGrp="1"/>
           </p:cNvSpPr>
@@ -461,13 +3107,13 @@
           <a:bodyPr/>
           <a:lstStyle/>
           <a:p>
-            <a:endParaRPr kumimoji="1" lang="ja-JP" altLang="en-US"/>
-          </a:p>
-        </p:txBody>
-      </p:sp>
-      <p:sp>
-        <p:nvSpPr>
-          <p:cNvPr id="6" name="スライド番号プレースホルダー 5"/>
+            <a:endParaRPr lang="en-US" dirty="0"/>
+          </a:p>
+        </p:txBody>
+      </p:sp>
+      <p:sp>
+        <p:nvSpPr>
+          <p:cNvPr id="6" name="Slide Number Placeholder 5"/>
           <p:cNvSpPr>
             <a:spLocks noGrp="1"/>
           </p:cNvSpPr>
@@ -480,18 +3126,19 @@
           <a:bodyPr/>
           <a:lstStyle/>
           <a:p>
-            <a:fld id="{627861DF-5698-4D56-8CEB-FFA5C4BAE208}" type="slidenum">
-              <a:rPr kumimoji="1" lang="ja-JP" altLang="en-US" smtClean="0"/>
+            <a:fld id="{D57F1E4F-1CFF-5643-939E-217C01CDF565}" type="slidenum">
+              <a:rPr lang="en-US" smtClean="0"/>
+              <a:pPr/>
               <a:t>‹#›</a:t>
             </a:fld>
-            <a:endParaRPr kumimoji="1" lang="ja-JP" altLang="en-US"/>
+            <a:endParaRPr lang="en-US" dirty="0"/>
           </a:p>
         </p:txBody>
       </p:sp>
     </p:spTree>
     <p:extLst>
       <p:ext uri="{BB962C8B-B14F-4D97-AF65-F5344CB8AC3E}">
-        <p14:creationId xmlns:p14="http://schemas.microsoft.com/office/powerpoint/2010/main" val="1915268129"/>
+        <p14:creationId xmlns:p14="http://schemas.microsoft.com/office/powerpoint/2010/main" val="136105697"/>
       </p:ext>
     </p:extLst>
   </p:cSld>
@@ -501,7 +3148,7 @@
 </p:sldLayout>
 </file>
 
-<file path=ppt/slideLayouts/slideLayout11.xml><?xml version="1.0" encoding="utf-8"?>
+<file path=ppt/slideLayouts/slideLayout17.xml><?xml version="1.0" encoding="utf-8"?>
 <p:sldLayout xmlns:a="http://schemas.openxmlformats.org/drawingml/2006/main" xmlns:r="http://schemas.openxmlformats.org/officeDocument/2006/relationships" xmlns:p="http://schemas.openxmlformats.org/presentationml/2006/main" type="vertTitleAndTx" preserve="1">
   <p:cSld name="縦書きタイトルと&#10;縦書きテキスト">
     <p:spTree>
@@ -520,7 +3167,7 @@
       </p:grpSpPr>
       <p:sp>
         <p:nvSpPr>
-          <p:cNvPr id="2" name="縦書きタイトル 1"/>
+          <p:cNvPr id="2" name="Vertical Title 1"/>
           <p:cNvSpPr>
             <a:spLocks noGrp="1"/>
           </p:cNvSpPr>
@@ -530,25 +3177,29 @@
         </p:nvSpPr>
         <p:spPr>
           <a:xfrm>
-            <a:off x="8724900" y="365125"/>
-            <a:ext cx="2628900" cy="5811838"/>
+            <a:off x="8983068" y="609599"/>
+            <a:ext cx="2284487" cy="5181601"/>
           </a:xfrm>
         </p:spPr>
         <p:txBody>
           <a:bodyPr vert="eaVert"/>
-          <a:lstStyle/>
-          <a:p>
-            <a:r>
-              <a:rPr kumimoji="1" lang="ja-JP" altLang="en-US" smtClean="0"/>
+          <a:lstStyle>
+            <a:lvl1pPr algn="l">
+              <a:defRPr/>
+            </a:lvl1pPr>
+          </a:lstStyle>
+          <a:p>
+            <a:r>
+              <a:rPr lang="ja-JP" altLang="en-US" smtClean="0"/>
               <a:t>マスター タイトルの書式設定</a:t>
             </a:r>
-            <a:endParaRPr kumimoji="1" lang="ja-JP" altLang="en-US"/>
-          </a:p>
-        </p:txBody>
-      </p:sp>
-      <p:sp>
-        <p:nvSpPr>
-          <p:cNvPr id="3" name="縦書きテキスト プレースホルダー 2"/>
+            <a:endParaRPr lang="en-US" dirty="0"/>
+          </a:p>
+        </p:txBody>
+      </p:sp>
+      <p:sp>
+        <p:nvSpPr>
+          <p:cNvPr id="3" name="Vertical Text Placeholder 2"/>
           <p:cNvSpPr>
             <a:spLocks noGrp="1"/>
           </p:cNvSpPr>
@@ -558,86 +3209,86 @@
         </p:nvSpPr>
         <p:spPr>
           <a:xfrm>
-            <a:off x="838200" y="365125"/>
-            <a:ext cx="7734300" cy="5811838"/>
+            <a:off x="913796" y="609599"/>
+            <a:ext cx="7916872" cy="5181601"/>
           </a:xfrm>
         </p:spPr>
         <p:txBody>
-          <a:bodyPr vert="eaVert"/>
+          <a:bodyPr vert="eaVert" anchor="t"/>
           <a:lstStyle/>
           <a:p>
             <a:pPr lvl="0"/>
             <a:r>
-              <a:rPr kumimoji="1" lang="ja-JP" altLang="en-US" smtClean="0"/>
+              <a:rPr lang="ja-JP" altLang="en-US" smtClean="0"/>
               <a:t>マスター テキストの書式設定</a:t>
             </a:r>
           </a:p>
           <a:p>
             <a:pPr lvl="1"/>
             <a:r>
-              <a:rPr kumimoji="1" lang="ja-JP" altLang="en-US" smtClean="0"/>
+              <a:rPr lang="ja-JP" altLang="en-US" smtClean="0"/>
               <a:t>第 </a:t>
             </a:r>
             <a:r>
-              <a:rPr kumimoji="1" lang="en-US" altLang="ja-JP" smtClean="0"/>
+              <a:rPr lang="en-US" altLang="ja-JP" smtClean="0"/>
               <a:t>2 </a:t>
             </a:r>
             <a:r>
-              <a:rPr kumimoji="1" lang="ja-JP" altLang="en-US" smtClean="0"/>
+              <a:rPr lang="ja-JP" altLang="en-US" smtClean="0"/>
               <a:t>レベル</a:t>
             </a:r>
           </a:p>
           <a:p>
             <a:pPr lvl="2"/>
             <a:r>
-              <a:rPr kumimoji="1" lang="ja-JP" altLang="en-US" smtClean="0"/>
+              <a:rPr lang="ja-JP" altLang="en-US" smtClean="0"/>
               <a:t>第 </a:t>
             </a:r>
             <a:r>
-              <a:rPr kumimoji="1" lang="en-US" altLang="ja-JP" smtClean="0"/>
+              <a:rPr lang="en-US" altLang="ja-JP" smtClean="0"/>
               <a:t>3 </a:t>
             </a:r>
             <a:r>
-              <a:rPr kumimoji="1" lang="ja-JP" altLang="en-US" smtClean="0"/>
+              <a:rPr lang="ja-JP" altLang="en-US" smtClean="0"/>
               <a:t>レベル</a:t>
             </a:r>
           </a:p>
           <a:p>
             <a:pPr lvl="3"/>
             <a:r>
-              <a:rPr kumimoji="1" lang="ja-JP" altLang="en-US" smtClean="0"/>
+              <a:rPr lang="ja-JP" altLang="en-US" smtClean="0"/>
               <a:t>第 </a:t>
             </a:r>
             <a:r>
-              <a:rPr kumimoji="1" lang="en-US" altLang="ja-JP" smtClean="0"/>
+              <a:rPr lang="en-US" altLang="ja-JP" smtClean="0"/>
               <a:t>4 </a:t>
             </a:r>
             <a:r>
-              <a:rPr kumimoji="1" lang="ja-JP" altLang="en-US" smtClean="0"/>
+              <a:rPr lang="ja-JP" altLang="en-US" smtClean="0"/>
               <a:t>レベル</a:t>
             </a:r>
           </a:p>
           <a:p>
             <a:pPr lvl="4"/>
             <a:r>
-              <a:rPr kumimoji="1" lang="ja-JP" altLang="en-US" smtClean="0"/>
+              <a:rPr lang="ja-JP" altLang="en-US" smtClean="0"/>
               <a:t>第 </a:t>
             </a:r>
             <a:r>
-              <a:rPr kumimoji="1" lang="en-US" altLang="ja-JP" smtClean="0"/>
+              <a:rPr lang="en-US" altLang="ja-JP" smtClean="0"/>
               <a:t>5 </a:t>
             </a:r>
             <a:r>
-              <a:rPr kumimoji="1" lang="ja-JP" altLang="en-US" smtClean="0"/>
+              <a:rPr lang="ja-JP" altLang="en-US" smtClean="0"/>
               <a:t>レベル</a:t>
             </a:r>
-            <a:endParaRPr kumimoji="1" lang="ja-JP" altLang="en-US"/>
-          </a:p>
-        </p:txBody>
-      </p:sp>
-      <p:sp>
-        <p:nvSpPr>
-          <p:cNvPr id="4" name="日付プレースホルダー 3"/>
+            <a:endParaRPr lang="en-US" dirty="0"/>
+          </a:p>
+        </p:txBody>
+      </p:sp>
+      <p:sp>
+        <p:nvSpPr>
+          <p:cNvPr id="4" name="Date Placeholder 3"/>
           <p:cNvSpPr>
             <a:spLocks noGrp="1"/>
           </p:cNvSpPr>
@@ -650,17 +3301,18 @@
           <a:bodyPr/>
           <a:lstStyle/>
           <a:p>
-            <a:fld id="{B2B5BDEE-E98D-4F93-A903-1F03703468CC}" type="datetimeFigureOut">
-              <a:rPr kumimoji="1" lang="ja-JP" altLang="en-US" smtClean="0"/>
-              <a:t>2017/3/30</a:t>
+            <a:fld id="{B61BEF0D-F0BB-DE4B-95CE-6DB70DBA9567}" type="datetimeFigureOut">
+              <a:rPr lang="en-US" smtClean="0"/>
+              <a:pPr/>
+              <a:t>4/1/2017</a:t>
             </a:fld>
-            <a:endParaRPr kumimoji="1" lang="ja-JP" altLang="en-US"/>
-          </a:p>
-        </p:txBody>
-      </p:sp>
-      <p:sp>
-        <p:nvSpPr>
-          <p:cNvPr id="5" name="フッター プレースホルダー 4"/>
+            <a:endParaRPr lang="en-US" dirty="0"/>
+          </a:p>
+        </p:txBody>
+      </p:sp>
+      <p:sp>
+        <p:nvSpPr>
+          <p:cNvPr id="5" name="Footer Placeholder 4"/>
           <p:cNvSpPr>
             <a:spLocks noGrp="1"/>
           </p:cNvSpPr>
@@ -673,13 +3325,13 @@
           <a:bodyPr/>
           <a:lstStyle/>
           <a:p>
-            <a:endParaRPr kumimoji="1" lang="ja-JP" altLang="en-US"/>
-          </a:p>
-        </p:txBody>
-      </p:sp>
-      <p:sp>
-        <p:nvSpPr>
-          <p:cNvPr id="6" name="スライド番号プレースホルダー 5"/>
+            <a:endParaRPr lang="en-US" dirty="0"/>
+          </a:p>
+        </p:txBody>
+      </p:sp>
+      <p:sp>
+        <p:nvSpPr>
+          <p:cNvPr id="6" name="Slide Number Placeholder 5"/>
           <p:cNvSpPr>
             <a:spLocks noGrp="1"/>
           </p:cNvSpPr>
@@ -692,18 +3344,19 @@
           <a:bodyPr/>
           <a:lstStyle/>
           <a:p>
-            <a:fld id="{627861DF-5698-4D56-8CEB-FFA5C4BAE208}" type="slidenum">
-              <a:rPr kumimoji="1" lang="ja-JP" altLang="en-US" smtClean="0"/>
+            <a:fld id="{D57F1E4F-1CFF-5643-939E-217C01CDF565}" type="slidenum">
+              <a:rPr lang="en-US" smtClean="0"/>
+              <a:pPr/>
               <a:t>‹#›</a:t>
             </a:fld>
-            <a:endParaRPr kumimoji="1" lang="ja-JP" altLang="en-US"/>
+            <a:endParaRPr lang="en-US" dirty="0"/>
           </a:p>
         </p:txBody>
       </p:sp>
     </p:spTree>
     <p:extLst>
       <p:ext uri="{BB962C8B-B14F-4D97-AF65-F5344CB8AC3E}">
-        <p14:creationId xmlns:p14="http://schemas.microsoft.com/office/powerpoint/2010/main" val="1963518013"/>
+        <p14:creationId xmlns:p14="http://schemas.microsoft.com/office/powerpoint/2010/main" val="3033389142"/>
       </p:ext>
     </p:extLst>
   </p:cSld>
@@ -732,7 +3385,7 @@
       </p:grpSpPr>
       <p:sp>
         <p:nvSpPr>
-          <p:cNvPr id="2" name="タイトル 1"/>
+          <p:cNvPr id="2" name="Title 1"/>
           <p:cNvSpPr>
             <a:spLocks noGrp="1"/>
           </p:cNvSpPr>
@@ -746,16 +3399,16 @@
           <a:lstStyle/>
           <a:p>
             <a:r>
-              <a:rPr kumimoji="1" lang="ja-JP" altLang="en-US" smtClean="0"/>
+              <a:rPr lang="ja-JP" altLang="en-US" smtClean="0"/>
               <a:t>マスター タイトルの書式設定</a:t>
             </a:r>
-            <a:endParaRPr kumimoji="1" lang="ja-JP" altLang="en-US"/>
-          </a:p>
-        </p:txBody>
-      </p:sp>
-      <p:sp>
-        <p:nvSpPr>
-          <p:cNvPr id="3" name="コンテンツ プレースホルダー 2"/>
+            <a:endParaRPr lang="en-US" dirty="0"/>
+          </a:p>
+        </p:txBody>
+      </p:sp>
+      <p:sp>
+        <p:nvSpPr>
+          <p:cNvPr id="3" name="Content Placeholder 2"/>
           <p:cNvSpPr>
             <a:spLocks noGrp="1"/>
           </p:cNvSpPr>
@@ -770,76 +3423,76 @@
           <a:p>
             <a:pPr lvl="0"/>
             <a:r>
-              <a:rPr kumimoji="1" lang="ja-JP" altLang="en-US" smtClean="0"/>
+              <a:rPr lang="ja-JP" altLang="en-US" smtClean="0"/>
               <a:t>マスター テキストの書式設定</a:t>
             </a:r>
           </a:p>
           <a:p>
             <a:pPr lvl="1"/>
             <a:r>
-              <a:rPr kumimoji="1" lang="ja-JP" altLang="en-US" smtClean="0"/>
+              <a:rPr lang="ja-JP" altLang="en-US" smtClean="0"/>
               <a:t>第 </a:t>
             </a:r>
             <a:r>
-              <a:rPr kumimoji="1" lang="en-US" altLang="ja-JP" smtClean="0"/>
+              <a:rPr lang="en-US" altLang="ja-JP" smtClean="0"/>
               <a:t>2 </a:t>
             </a:r>
             <a:r>
-              <a:rPr kumimoji="1" lang="ja-JP" altLang="en-US" smtClean="0"/>
+              <a:rPr lang="ja-JP" altLang="en-US" smtClean="0"/>
               <a:t>レベル</a:t>
             </a:r>
           </a:p>
           <a:p>
             <a:pPr lvl="2"/>
             <a:r>
-              <a:rPr kumimoji="1" lang="ja-JP" altLang="en-US" smtClean="0"/>
+              <a:rPr lang="ja-JP" altLang="en-US" smtClean="0"/>
               <a:t>第 </a:t>
             </a:r>
             <a:r>
-              <a:rPr kumimoji="1" lang="en-US" altLang="ja-JP" smtClean="0"/>
+              <a:rPr lang="en-US" altLang="ja-JP" smtClean="0"/>
               <a:t>3 </a:t>
             </a:r>
             <a:r>
-              <a:rPr kumimoji="1" lang="ja-JP" altLang="en-US" smtClean="0"/>
+              <a:rPr lang="ja-JP" altLang="en-US" smtClean="0"/>
               <a:t>レベル</a:t>
             </a:r>
           </a:p>
           <a:p>
             <a:pPr lvl="3"/>
             <a:r>
-              <a:rPr kumimoji="1" lang="ja-JP" altLang="en-US" smtClean="0"/>
+              <a:rPr lang="ja-JP" altLang="en-US" smtClean="0"/>
               <a:t>第 </a:t>
             </a:r>
             <a:r>
-              <a:rPr kumimoji="1" lang="en-US" altLang="ja-JP" smtClean="0"/>
+              <a:rPr lang="en-US" altLang="ja-JP" smtClean="0"/>
               <a:t>4 </a:t>
             </a:r>
             <a:r>
-              <a:rPr kumimoji="1" lang="ja-JP" altLang="en-US" smtClean="0"/>
+              <a:rPr lang="ja-JP" altLang="en-US" smtClean="0"/>
               <a:t>レベル</a:t>
             </a:r>
           </a:p>
           <a:p>
             <a:pPr lvl="4"/>
             <a:r>
-              <a:rPr kumimoji="1" lang="ja-JP" altLang="en-US" smtClean="0"/>
+              <a:rPr lang="ja-JP" altLang="en-US" smtClean="0"/>
               <a:t>第 </a:t>
             </a:r>
             <a:r>
-              <a:rPr kumimoji="1" lang="en-US" altLang="ja-JP" smtClean="0"/>
+              <a:rPr lang="en-US" altLang="ja-JP" smtClean="0"/>
               <a:t>5 </a:t>
             </a:r>
             <a:r>
-              <a:rPr kumimoji="1" lang="ja-JP" altLang="en-US" smtClean="0"/>
+              <a:rPr lang="ja-JP" altLang="en-US" smtClean="0"/>
               <a:t>レベル</a:t>
             </a:r>
-            <a:endParaRPr kumimoji="1" lang="ja-JP" altLang="en-US"/>
-          </a:p>
-        </p:txBody>
-      </p:sp>
-      <p:sp>
-        <p:nvSpPr>
-          <p:cNvPr id="4" name="日付プレースホルダー 3"/>
+            <a:endParaRPr lang="en-US" dirty="0"/>
+          </a:p>
+        </p:txBody>
+      </p:sp>
+      <p:sp>
+        <p:nvSpPr>
+          <p:cNvPr id="4" name="Date Placeholder 3"/>
           <p:cNvSpPr>
             <a:spLocks noGrp="1"/>
           </p:cNvSpPr>
@@ -852,17 +3505,18 @@
           <a:bodyPr/>
           <a:lstStyle/>
           <a:p>
-            <a:fld id="{B2B5BDEE-E98D-4F93-A903-1F03703468CC}" type="datetimeFigureOut">
-              <a:rPr kumimoji="1" lang="ja-JP" altLang="en-US" smtClean="0"/>
-              <a:t>2017/3/30</a:t>
+            <a:fld id="{B61BEF0D-F0BB-DE4B-95CE-6DB70DBA9567}" type="datetimeFigureOut">
+              <a:rPr lang="en-US" smtClean="0"/>
+              <a:pPr/>
+              <a:t>4/1/2017</a:t>
             </a:fld>
-            <a:endParaRPr kumimoji="1" lang="ja-JP" altLang="en-US"/>
-          </a:p>
-        </p:txBody>
-      </p:sp>
-      <p:sp>
-        <p:nvSpPr>
-          <p:cNvPr id="5" name="フッター プレースホルダー 4"/>
+            <a:endParaRPr lang="en-US" dirty="0"/>
+          </a:p>
+        </p:txBody>
+      </p:sp>
+      <p:sp>
+        <p:nvSpPr>
+          <p:cNvPr id="5" name="Footer Placeholder 4"/>
           <p:cNvSpPr>
             <a:spLocks noGrp="1"/>
           </p:cNvSpPr>
@@ -875,13 +3529,13 @@
           <a:bodyPr/>
           <a:lstStyle/>
           <a:p>
-            <a:endParaRPr kumimoji="1" lang="ja-JP" altLang="en-US"/>
-          </a:p>
-        </p:txBody>
-      </p:sp>
-      <p:sp>
-        <p:nvSpPr>
-          <p:cNvPr id="6" name="スライド番号プレースホルダー 5"/>
+            <a:endParaRPr lang="en-US" dirty="0"/>
+          </a:p>
+        </p:txBody>
+      </p:sp>
+      <p:sp>
+        <p:nvSpPr>
+          <p:cNvPr id="6" name="Slide Number Placeholder 5"/>
           <p:cNvSpPr>
             <a:spLocks noGrp="1"/>
           </p:cNvSpPr>
@@ -894,18 +3548,19 @@
           <a:bodyPr/>
           <a:lstStyle/>
           <a:p>
-            <a:fld id="{627861DF-5698-4D56-8CEB-FFA5C4BAE208}" type="slidenum">
-              <a:rPr kumimoji="1" lang="ja-JP" altLang="en-US" smtClean="0"/>
+            <a:fld id="{D57F1E4F-1CFF-5643-939E-217C01CDF565}" type="slidenum">
+              <a:rPr lang="en-US" smtClean="0"/>
+              <a:pPr/>
               <a:t>‹#›</a:t>
             </a:fld>
-            <a:endParaRPr kumimoji="1" lang="ja-JP" altLang="en-US"/>
+            <a:endParaRPr lang="en-US" dirty="0"/>
           </a:p>
         </p:txBody>
       </p:sp>
     </p:spTree>
     <p:extLst>
       <p:ext uri="{BB962C8B-B14F-4D97-AF65-F5344CB8AC3E}">
-        <p14:creationId xmlns:p14="http://schemas.microsoft.com/office/powerpoint/2010/main" val="1574121255"/>
+        <p14:creationId xmlns:p14="http://schemas.microsoft.com/office/powerpoint/2010/main" val="3258690347"/>
       </p:ext>
     </p:extLst>
   </p:cSld>
@@ -934,7 +3589,7 @@
       </p:grpSpPr>
       <p:sp>
         <p:nvSpPr>
-          <p:cNvPr id="2" name="タイトル 1"/>
+          <p:cNvPr id="2" name="Title 1"/>
           <p:cNvSpPr>
             <a:spLocks noGrp="1"/>
           </p:cNvSpPr>
@@ -944,29 +3599,29 @@
         </p:nvSpPr>
         <p:spPr>
           <a:xfrm>
-            <a:off x="831850" y="1709738"/>
-            <a:ext cx="10515600" cy="2852737"/>
+            <a:off x="1295401" y="1761067"/>
+            <a:ext cx="9590550" cy="1828813"/>
           </a:xfrm>
         </p:spPr>
         <p:txBody>
           <a:bodyPr anchor="b"/>
           <a:lstStyle>
-            <a:lvl1pPr>
-              <a:defRPr sz="6000"/>
+            <a:lvl1pPr algn="ctr">
+              <a:defRPr sz="4000" b="0" cap="none"/>
             </a:lvl1pPr>
           </a:lstStyle>
           <a:p>
             <a:r>
-              <a:rPr kumimoji="1" lang="ja-JP" altLang="en-US" smtClean="0"/>
+              <a:rPr lang="ja-JP" altLang="en-US" smtClean="0"/>
               <a:t>マスター タイトルの書式設定</a:t>
             </a:r>
-            <a:endParaRPr kumimoji="1" lang="ja-JP" altLang="en-US"/>
-          </a:p>
-        </p:txBody>
-      </p:sp>
-      <p:sp>
-        <p:nvSpPr>
-          <p:cNvPr id="3" name="テキスト プレースホルダー 2"/>
+            <a:endParaRPr lang="en-US" dirty="0"/>
+          </a:p>
+        </p:txBody>
+      </p:sp>
+      <p:sp>
+        <p:nvSpPr>
+          <p:cNvPr id="3" name="Text Placeholder 2"/>
           <p:cNvSpPr>
             <a:spLocks noGrp="1"/>
           </p:cNvSpPr>
@@ -976,26 +3631,24 @@
         </p:nvSpPr>
         <p:spPr>
           <a:xfrm>
-            <a:off x="831850" y="4589463"/>
-            <a:ext cx="10515600" cy="1500187"/>
+            <a:off x="1295401" y="3589879"/>
+            <a:ext cx="9590550" cy="1507054"/>
           </a:xfrm>
         </p:spPr>
         <p:txBody>
-          <a:bodyPr/>
+          <a:bodyPr anchor="t"/>
           <a:lstStyle>
-            <a:lvl1pPr marL="0" indent="0">
-              <a:buNone/>
-              <a:defRPr sz="2400">
+            <a:lvl1pPr marL="0" indent="0" algn="ctr">
+              <a:buNone/>
+              <a:defRPr sz="2000">
                 <a:solidFill>
-                  <a:schemeClr val="tx1">
-                    <a:tint val="75000"/>
-                  </a:schemeClr>
+                  <a:schemeClr val="tx1"/>
                 </a:solidFill>
               </a:defRPr>
             </a:lvl1pPr>
             <a:lvl2pPr marL="457200" indent="0">
               <a:buNone/>
-              <a:defRPr sz="2000">
+              <a:defRPr sz="1800">
                 <a:solidFill>
                   <a:schemeClr val="tx1">
                     <a:tint val="75000"/>
@@ -1005,7 +3658,7 @@
             </a:lvl2pPr>
             <a:lvl3pPr marL="914400" indent="0">
               <a:buNone/>
-              <a:defRPr sz="1800">
+              <a:defRPr sz="1600">
                 <a:solidFill>
                   <a:schemeClr val="tx1">
                     <a:tint val="75000"/>
@@ -1015,7 +3668,7 @@
             </a:lvl3pPr>
             <a:lvl4pPr marL="1371600" indent="0">
               <a:buNone/>
-              <a:defRPr sz="1600">
+              <a:defRPr sz="1400">
                 <a:solidFill>
                   <a:schemeClr val="tx1">
                     <a:tint val="75000"/>
@@ -1025,7 +3678,7 @@
             </a:lvl4pPr>
             <a:lvl5pPr marL="1828800" indent="0">
               <a:buNone/>
-              <a:defRPr sz="1600">
+              <a:defRPr sz="1400">
                 <a:solidFill>
                   <a:schemeClr val="tx1">
                     <a:tint val="75000"/>
@@ -1035,7 +3688,7 @@
             </a:lvl5pPr>
             <a:lvl6pPr marL="2286000" indent="0">
               <a:buNone/>
-              <a:defRPr sz="1600">
+              <a:defRPr sz="1400">
                 <a:solidFill>
                   <a:schemeClr val="tx1">
                     <a:tint val="75000"/>
@@ -1045,7 +3698,7 @@
             </a:lvl6pPr>
             <a:lvl7pPr marL="2743200" indent="0">
               <a:buNone/>
-              <a:defRPr sz="1600">
+              <a:defRPr sz="1400">
                 <a:solidFill>
                   <a:schemeClr val="tx1">
                     <a:tint val="75000"/>
@@ -1055,7 +3708,7 @@
             </a:lvl7pPr>
             <a:lvl8pPr marL="3200400" indent="0">
               <a:buNone/>
-              <a:defRPr sz="1600">
+              <a:defRPr sz="1400">
                 <a:solidFill>
                   <a:schemeClr val="tx1">
                     <a:tint val="75000"/>
@@ -1065,7 +3718,7 @@
             </a:lvl8pPr>
             <a:lvl9pPr marL="3657600" indent="0">
               <a:buNone/>
-              <a:defRPr sz="1600">
+              <a:defRPr sz="1400">
                 <a:solidFill>
                   <a:schemeClr val="tx1">
                     <a:tint val="75000"/>
@@ -1077,7 +3730,7 @@
           <a:p>
             <a:pPr lvl="0"/>
             <a:r>
-              <a:rPr kumimoji="1" lang="ja-JP" altLang="en-US" smtClean="0"/>
+              <a:rPr lang="ja-JP" altLang="en-US" smtClean="0"/>
               <a:t>マスター テキストの書式設定</a:t>
             </a:r>
           </a:p>
@@ -1085,7 +3738,7 @@
       </p:sp>
       <p:sp>
         <p:nvSpPr>
-          <p:cNvPr id="4" name="日付プレースホルダー 3"/>
+          <p:cNvPr id="4" name="Date Placeholder 3"/>
           <p:cNvSpPr>
             <a:spLocks noGrp="1"/>
           </p:cNvSpPr>
@@ -1098,17 +3751,18 @@
           <a:bodyPr/>
           <a:lstStyle/>
           <a:p>
-            <a:fld id="{B2B5BDEE-E98D-4F93-A903-1F03703468CC}" type="datetimeFigureOut">
-              <a:rPr kumimoji="1" lang="ja-JP" altLang="en-US" smtClean="0"/>
-              <a:t>2017/3/30</a:t>
+            <a:fld id="{B61BEF0D-F0BB-DE4B-95CE-6DB70DBA9567}" type="datetimeFigureOut">
+              <a:rPr lang="en-US" smtClean="0"/>
+              <a:pPr/>
+              <a:t>4/1/2017</a:t>
             </a:fld>
-            <a:endParaRPr kumimoji="1" lang="ja-JP" altLang="en-US"/>
-          </a:p>
-        </p:txBody>
-      </p:sp>
-      <p:sp>
-        <p:nvSpPr>
-          <p:cNvPr id="5" name="フッター プレースホルダー 4"/>
+            <a:endParaRPr lang="en-US" dirty="0"/>
+          </a:p>
+        </p:txBody>
+      </p:sp>
+      <p:sp>
+        <p:nvSpPr>
+          <p:cNvPr id="5" name="Footer Placeholder 4"/>
           <p:cNvSpPr>
             <a:spLocks noGrp="1"/>
           </p:cNvSpPr>
@@ -1121,13 +3775,13 @@
           <a:bodyPr/>
           <a:lstStyle/>
           <a:p>
-            <a:endParaRPr kumimoji="1" lang="ja-JP" altLang="en-US"/>
-          </a:p>
-        </p:txBody>
-      </p:sp>
-      <p:sp>
-        <p:nvSpPr>
-          <p:cNvPr id="6" name="スライド番号プレースホルダー 5"/>
+            <a:endParaRPr lang="en-US" dirty="0"/>
+          </a:p>
+        </p:txBody>
+      </p:sp>
+      <p:sp>
+        <p:nvSpPr>
+          <p:cNvPr id="6" name="Slide Number Placeholder 5"/>
           <p:cNvSpPr>
             <a:spLocks noGrp="1"/>
           </p:cNvSpPr>
@@ -1140,18 +3794,19 @@
           <a:bodyPr/>
           <a:lstStyle/>
           <a:p>
-            <a:fld id="{627861DF-5698-4D56-8CEB-FFA5C4BAE208}" type="slidenum">
-              <a:rPr kumimoji="1" lang="ja-JP" altLang="en-US" smtClean="0"/>
+            <a:fld id="{D57F1E4F-1CFF-5643-939E-217C01CDF565}" type="slidenum">
+              <a:rPr lang="en-US" smtClean="0"/>
+              <a:pPr/>
               <a:t>‹#›</a:t>
             </a:fld>
-            <a:endParaRPr kumimoji="1" lang="ja-JP" altLang="en-US"/>
+            <a:endParaRPr lang="en-US" dirty="0"/>
           </a:p>
         </p:txBody>
       </p:sp>
     </p:spTree>
     <p:extLst>
       <p:ext uri="{BB962C8B-B14F-4D97-AF65-F5344CB8AC3E}">
-        <p14:creationId xmlns:p14="http://schemas.microsoft.com/office/powerpoint/2010/main" val="1075805724"/>
+        <p14:creationId xmlns:p14="http://schemas.microsoft.com/office/powerpoint/2010/main" val="577565876"/>
       </p:ext>
     </p:extLst>
   </p:cSld>
@@ -1180,7 +3835,7 @@
       </p:grpSpPr>
       <p:sp>
         <p:nvSpPr>
-          <p:cNvPr id="2" name="タイトル 1"/>
+          <p:cNvPr id="2" name="Title 1"/>
           <p:cNvSpPr>
             <a:spLocks noGrp="1"/>
           </p:cNvSpPr>
@@ -1194,16 +3849,16 @@
           <a:lstStyle/>
           <a:p>
             <a:r>
-              <a:rPr kumimoji="1" lang="ja-JP" altLang="en-US" smtClean="0"/>
+              <a:rPr lang="ja-JP" altLang="en-US" smtClean="0"/>
               <a:t>マスター タイトルの書式設定</a:t>
             </a:r>
-            <a:endParaRPr kumimoji="1" lang="ja-JP" altLang="en-US"/>
-          </a:p>
-        </p:txBody>
-      </p:sp>
-      <p:sp>
-        <p:nvSpPr>
-          <p:cNvPr id="3" name="コンテンツ プレースホルダー 2"/>
+            <a:endParaRPr lang="en-US" dirty="0"/>
+          </a:p>
+        </p:txBody>
+      </p:sp>
+      <p:sp>
+        <p:nvSpPr>
+          <p:cNvPr id="3" name="Content Placeholder 2"/>
           <p:cNvSpPr>
             <a:spLocks noGrp="1"/>
           </p:cNvSpPr>
@@ -1213,180 +3868,227 @@
         </p:nvSpPr>
         <p:spPr>
           <a:xfrm>
-            <a:off x="838200" y="1825625"/>
-            <a:ext cx="5181600" cy="4351338"/>
+            <a:off x="913795" y="1732449"/>
+            <a:ext cx="5060497" cy="4058750"/>
           </a:xfrm>
         </p:spPr>
         <p:txBody>
+          <a:bodyPr anchor="t">
+            <a:normAutofit/>
+          </a:bodyPr>
+          <a:lstStyle/>
+          <a:p>
+            <a:pPr lvl="0"/>
+            <a:r>
+              <a:rPr lang="ja-JP" altLang="en-US" smtClean="0"/>
+              <a:t>マスター テキストの書式設定</a:t>
+            </a:r>
+          </a:p>
+          <a:p>
+            <a:pPr lvl="1"/>
+            <a:r>
+              <a:rPr lang="ja-JP" altLang="en-US" smtClean="0"/>
+              <a:t>第 </a:t>
+            </a:r>
+            <a:r>
+              <a:rPr lang="en-US" altLang="ja-JP" smtClean="0"/>
+              <a:t>2 </a:t>
+            </a:r>
+            <a:r>
+              <a:rPr lang="ja-JP" altLang="en-US" smtClean="0"/>
+              <a:t>レベル</a:t>
+            </a:r>
+          </a:p>
+          <a:p>
+            <a:pPr lvl="2"/>
+            <a:r>
+              <a:rPr lang="ja-JP" altLang="en-US" smtClean="0"/>
+              <a:t>第 </a:t>
+            </a:r>
+            <a:r>
+              <a:rPr lang="en-US" altLang="ja-JP" smtClean="0"/>
+              <a:t>3 </a:t>
+            </a:r>
+            <a:r>
+              <a:rPr lang="ja-JP" altLang="en-US" smtClean="0"/>
+              <a:t>レベル</a:t>
+            </a:r>
+          </a:p>
+          <a:p>
+            <a:pPr lvl="3"/>
+            <a:r>
+              <a:rPr lang="ja-JP" altLang="en-US" smtClean="0"/>
+              <a:t>第 </a:t>
+            </a:r>
+            <a:r>
+              <a:rPr lang="en-US" altLang="ja-JP" smtClean="0"/>
+              <a:t>4 </a:t>
+            </a:r>
+            <a:r>
+              <a:rPr lang="ja-JP" altLang="en-US" smtClean="0"/>
+              <a:t>レベル</a:t>
+            </a:r>
+          </a:p>
+          <a:p>
+            <a:pPr lvl="4"/>
+            <a:r>
+              <a:rPr lang="ja-JP" altLang="en-US" smtClean="0"/>
+              <a:t>第 </a:t>
+            </a:r>
+            <a:r>
+              <a:rPr lang="en-US" altLang="ja-JP" smtClean="0"/>
+              <a:t>5 </a:t>
+            </a:r>
+            <a:r>
+              <a:rPr lang="ja-JP" altLang="en-US" smtClean="0"/>
+              <a:t>レベル</a:t>
+            </a:r>
+            <a:endParaRPr lang="en-US" dirty="0"/>
+          </a:p>
+        </p:txBody>
+      </p:sp>
+      <p:sp>
+        <p:nvSpPr>
+          <p:cNvPr id="4" name="Content Placeholder 3"/>
+          <p:cNvSpPr>
+            <a:spLocks noGrp="1"/>
+          </p:cNvSpPr>
+          <p:nvPr>
+            <p:ph sz="half" idx="2"/>
+          </p:nvPr>
+        </p:nvSpPr>
+        <p:spPr>
+          <a:xfrm>
+            <a:off x="6202892" y="1732449"/>
+            <a:ext cx="5064665" cy="4058751"/>
+          </a:xfrm>
+        </p:spPr>
+        <p:txBody>
+          <a:bodyPr anchor="t">
+            <a:normAutofit/>
+          </a:bodyPr>
+          <a:lstStyle/>
+          <a:p>
+            <a:pPr lvl="0"/>
+            <a:r>
+              <a:rPr lang="ja-JP" altLang="en-US" smtClean="0"/>
+              <a:t>マスター テキストの書式設定</a:t>
+            </a:r>
+          </a:p>
+          <a:p>
+            <a:pPr lvl="1"/>
+            <a:r>
+              <a:rPr lang="ja-JP" altLang="en-US" smtClean="0"/>
+              <a:t>第 </a:t>
+            </a:r>
+            <a:r>
+              <a:rPr lang="en-US" altLang="ja-JP" smtClean="0"/>
+              <a:t>2 </a:t>
+            </a:r>
+            <a:r>
+              <a:rPr lang="ja-JP" altLang="en-US" smtClean="0"/>
+              <a:t>レベル</a:t>
+            </a:r>
+          </a:p>
+          <a:p>
+            <a:pPr lvl="2"/>
+            <a:r>
+              <a:rPr lang="ja-JP" altLang="en-US" smtClean="0"/>
+              <a:t>第 </a:t>
+            </a:r>
+            <a:r>
+              <a:rPr lang="en-US" altLang="ja-JP" smtClean="0"/>
+              <a:t>3 </a:t>
+            </a:r>
+            <a:r>
+              <a:rPr lang="ja-JP" altLang="en-US" smtClean="0"/>
+              <a:t>レベル</a:t>
+            </a:r>
+          </a:p>
+          <a:p>
+            <a:pPr lvl="3"/>
+            <a:r>
+              <a:rPr lang="ja-JP" altLang="en-US" smtClean="0"/>
+              <a:t>第 </a:t>
+            </a:r>
+            <a:r>
+              <a:rPr lang="en-US" altLang="ja-JP" smtClean="0"/>
+              <a:t>4 </a:t>
+            </a:r>
+            <a:r>
+              <a:rPr lang="ja-JP" altLang="en-US" smtClean="0"/>
+              <a:t>レベル</a:t>
+            </a:r>
+          </a:p>
+          <a:p>
+            <a:pPr lvl="4"/>
+            <a:r>
+              <a:rPr lang="ja-JP" altLang="en-US" smtClean="0"/>
+              <a:t>第 </a:t>
+            </a:r>
+            <a:r>
+              <a:rPr lang="en-US" altLang="ja-JP" smtClean="0"/>
+              <a:t>5 </a:t>
+            </a:r>
+            <a:r>
+              <a:rPr lang="ja-JP" altLang="en-US" smtClean="0"/>
+              <a:t>レベル</a:t>
+            </a:r>
+            <a:endParaRPr lang="en-US" dirty="0"/>
+          </a:p>
+        </p:txBody>
+      </p:sp>
+      <p:sp>
+        <p:nvSpPr>
+          <p:cNvPr id="5" name="Date Placeholder 4"/>
+          <p:cNvSpPr>
+            <a:spLocks noGrp="1"/>
+          </p:cNvSpPr>
+          <p:nvPr>
+            <p:ph type="dt" sz="half" idx="10"/>
+          </p:nvPr>
+        </p:nvSpPr>
+        <p:spPr/>
+        <p:txBody>
           <a:bodyPr/>
           <a:lstStyle/>
           <a:p>
-            <a:pPr lvl="0"/>
-            <a:r>
-              <a:rPr kumimoji="1" lang="ja-JP" altLang="en-US" smtClean="0"/>
-              <a:t>マスター テキストの書式設定</a:t>
-            </a:r>
-          </a:p>
-          <a:p>
-            <a:pPr lvl="1"/>
-            <a:r>
-              <a:rPr kumimoji="1" lang="ja-JP" altLang="en-US" smtClean="0"/>
-              <a:t>第 </a:t>
-            </a:r>
-            <a:r>
-              <a:rPr kumimoji="1" lang="en-US" altLang="ja-JP" smtClean="0"/>
-              <a:t>2 </a:t>
-            </a:r>
-            <a:r>
-              <a:rPr kumimoji="1" lang="ja-JP" altLang="en-US" smtClean="0"/>
-              <a:t>レベル</a:t>
-            </a:r>
-          </a:p>
-          <a:p>
-            <a:pPr lvl="2"/>
-            <a:r>
-              <a:rPr kumimoji="1" lang="ja-JP" altLang="en-US" smtClean="0"/>
-              <a:t>第 </a:t>
-            </a:r>
-            <a:r>
-              <a:rPr kumimoji="1" lang="en-US" altLang="ja-JP" smtClean="0"/>
-              <a:t>3 </a:t>
-            </a:r>
-            <a:r>
-              <a:rPr kumimoji="1" lang="ja-JP" altLang="en-US" smtClean="0"/>
-              <a:t>レベル</a:t>
-            </a:r>
-          </a:p>
-          <a:p>
-            <a:pPr lvl="3"/>
-            <a:r>
-              <a:rPr kumimoji="1" lang="ja-JP" altLang="en-US" smtClean="0"/>
-              <a:t>第 </a:t>
-            </a:r>
-            <a:r>
-              <a:rPr kumimoji="1" lang="en-US" altLang="ja-JP" smtClean="0"/>
-              <a:t>4 </a:t>
-            </a:r>
-            <a:r>
-              <a:rPr kumimoji="1" lang="ja-JP" altLang="en-US" smtClean="0"/>
-              <a:t>レベル</a:t>
-            </a:r>
-          </a:p>
-          <a:p>
-            <a:pPr lvl="4"/>
-            <a:r>
-              <a:rPr kumimoji="1" lang="ja-JP" altLang="en-US" smtClean="0"/>
-              <a:t>第 </a:t>
-            </a:r>
-            <a:r>
-              <a:rPr kumimoji="1" lang="en-US" altLang="ja-JP" smtClean="0"/>
-              <a:t>5 </a:t>
-            </a:r>
-            <a:r>
-              <a:rPr kumimoji="1" lang="ja-JP" altLang="en-US" smtClean="0"/>
-              <a:t>レベル</a:t>
-            </a:r>
-            <a:endParaRPr kumimoji="1" lang="ja-JP" altLang="en-US"/>
-          </a:p>
-        </p:txBody>
-      </p:sp>
-      <p:sp>
-        <p:nvSpPr>
-          <p:cNvPr id="4" name="コンテンツ プレースホルダー 3"/>
-          <p:cNvSpPr>
-            <a:spLocks noGrp="1"/>
-          </p:cNvSpPr>
-          <p:nvPr>
-            <p:ph sz="half" idx="2"/>
-          </p:nvPr>
-        </p:nvSpPr>
-        <p:spPr>
-          <a:xfrm>
-            <a:off x="6172200" y="1825625"/>
-            <a:ext cx="5181600" cy="4351338"/>
-          </a:xfrm>
-        </p:spPr>
+            <a:fld id="{B61BEF0D-F0BB-DE4B-95CE-6DB70DBA9567}" type="datetimeFigureOut">
+              <a:rPr lang="en-US" smtClean="0"/>
+              <a:pPr/>
+              <a:t>4/1/2017</a:t>
+            </a:fld>
+            <a:endParaRPr lang="en-US" dirty="0"/>
+          </a:p>
+        </p:txBody>
+      </p:sp>
+      <p:sp>
+        <p:nvSpPr>
+          <p:cNvPr id="6" name="Footer Placeholder 5"/>
+          <p:cNvSpPr>
+            <a:spLocks noGrp="1"/>
+          </p:cNvSpPr>
+          <p:nvPr>
+            <p:ph type="ftr" sz="quarter" idx="11"/>
+          </p:nvPr>
+        </p:nvSpPr>
+        <p:spPr/>
         <p:txBody>
           <a:bodyPr/>
           <a:lstStyle/>
           <a:p>
-            <a:pPr lvl="0"/>
-            <a:r>
-              <a:rPr kumimoji="1" lang="ja-JP" altLang="en-US" smtClean="0"/>
-              <a:t>マスター テキストの書式設定</a:t>
-            </a:r>
-          </a:p>
-          <a:p>
-            <a:pPr lvl="1"/>
-            <a:r>
-              <a:rPr kumimoji="1" lang="ja-JP" altLang="en-US" smtClean="0"/>
-              <a:t>第 </a:t>
-            </a:r>
-            <a:r>
-              <a:rPr kumimoji="1" lang="en-US" altLang="ja-JP" smtClean="0"/>
-              <a:t>2 </a:t>
-            </a:r>
-            <a:r>
-              <a:rPr kumimoji="1" lang="ja-JP" altLang="en-US" smtClean="0"/>
-              <a:t>レベル</a:t>
-            </a:r>
-          </a:p>
-          <a:p>
-            <a:pPr lvl="2"/>
-            <a:r>
-              <a:rPr kumimoji="1" lang="ja-JP" altLang="en-US" smtClean="0"/>
-              <a:t>第 </a:t>
-            </a:r>
-            <a:r>
-              <a:rPr kumimoji="1" lang="en-US" altLang="ja-JP" smtClean="0"/>
-              <a:t>3 </a:t>
-            </a:r>
-            <a:r>
-              <a:rPr kumimoji="1" lang="ja-JP" altLang="en-US" smtClean="0"/>
-              <a:t>レベル</a:t>
-            </a:r>
-          </a:p>
-          <a:p>
-            <a:pPr lvl="3"/>
-            <a:r>
-              <a:rPr kumimoji="1" lang="ja-JP" altLang="en-US" smtClean="0"/>
-              <a:t>第 </a:t>
-            </a:r>
-            <a:r>
-              <a:rPr kumimoji="1" lang="en-US" altLang="ja-JP" smtClean="0"/>
-              <a:t>4 </a:t>
-            </a:r>
-            <a:r>
-              <a:rPr kumimoji="1" lang="ja-JP" altLang="en-US" smtClean="0"/>
-              <a:t>レベル</a:t>
-            </a:r>
-          </a:p>
-          <a:p>
-            <a:pPr lvl="4"/>
-            <a:r>
-              <a:rPr kumimoji="1" lang="ja-JP" altLang="en-US" smtClean="0"/>
-              <a:t>第 </a:t>
-            </a:r>
-            <a:r>
-              <a:rPr kumimoji="1" lang="en-US" altLang="ja-JP" smtClean="0"/>
-              <a:t>5 </a:t>
-            </a:r>
-            <a:r>
-              <a:rPr kumimoji="1" lang="ja-JP" altLang="en-US" smtClean="0"/>
-              <a:t>レベル</a:t>
-            </a:r>
-            <a:endParaRPr kumimoji="1" lang="ja-JP" altLang="en-US"/>
-          </a:p>
-        </p:txBody>
-      </p:sp>
-      <p:sp>
-        <p:nvSpPr>
-          <p:cNvPr id="5" name="日付プレースホルダー 4"/>
-          <p:cNvSpPr>
-            <a:spLocks noGrp="1"/>
-          </p:cNvSpPr>
-          <p:nvPr>
-            <p:ph type="dt" sz="half" idx="10"/>
+            <a:endParaRPr lang="en-US" dirty="0"/>
+          </a:p>
+        </p:txBody>
+      </p:sp>
+      <p:sp>
+        <p:nvSpPr>
+          <p:cNvPr id="7" name="Slide Number Placeholder 6"/>
+          <p:cNvSpPr>
+            <a:spLocks noGrp="1"/>
+          </p:cNvSpPr>
+          <p:nvPr>
+            <p:ph type="sldNum" sz="quarter" idx="12"/>
           </p:nvPr>
         </p:nvSpPr>
         <p:spPr/>
@@ -1394,60 +4096,19 @@
           <a:bodyPr/>
           <a:lstStyle/>
           <a:p>
-            <a:fld id="{B2B5BDEE-E98D-4F93-A903-1F03703468CC}" type="datetimeFigureOut">
-              <a:rPr kumimoji="1" lang="ja-JP" altLang="en-US" smtClean="0"/>
-              <a:t>2017/3/30</a:t>
-            </a:fld>
-            <a:endParaRPr kumimoji="1" lang="ja-JP" altLang="en-US"/>
-          </a:p>
-        </p:txBody>
-      </p:sp>
-      <p:sp>
-        <p:nvSpPr>
-          <p:cNvPr id="6" name="フッター プレースホルダー 5"/>
-          <p:cNvSpPr>
-            <a:spLocks noGrp="1"/>
-          </p:cNvSpPr>
-          <p:nvPr>
-            <p:ph type="ftr" sz="quarter" idx="11"/>
-          </p:nvPr>
-        </p:nvSpPr>
-        <p:spPr/>
-        <p:txBody>
-          <a:bodyPr/>
-          <a:lstStyle/>
-          <a:p>
-            <a:endParaRPr kumimoji="1" lang="ja-JP" altLang="en-US"/>
-          </a:p>
-        </p:txBody>
-      </p:sp>
-      <p:sp>
-        <p:nvSpPr>
-          <p:cNvPr id="7" name="スライド番号プレースホルダー 6"/>
-          <p:cNvSpPr>
-            <a:spLocks noGrp="1"/>
-          </p:cNvSpPr>
-          <p:nvPr>
-            <p:ph type="sldNum" sz="quarter" idx="12"/>
-          </p:nvPr>
-        </p:nvSpPr>
-        <p:spPr/>
-        <p:txBody>
-          <a:bodyPr/>
-          <a:lstStyle/>
-          <a:p>
-            <a:fld id="{627861DF-5698-4D56-8CEB-FFA5C4BAE208}" type="slidenum">
-              <a:rPr kumimoji="1" lang="ja-JP" altLang="en-US" smtClean="0"/>
+            <a:fld id="{D57F1E4F-1CFF-5643-939E-217C01CDF565}" type="slidenum">
+              <a:rPr lang="en-US" smtClean="0"/>
+              <a:pPr/>
               <a:t>‹#›</a:t>
             </a:fld>
-            <a:endParaRPr kumimoji="1" lang="ja-JP" altLang="en-US"/>
+            <a:endParaRPr lang="en-US" dirty="0"/>
           </a:p>
         </p:txBody>
       </p:sp>
     </p:spTree>
     <p:extLst>
       <p:ext uri="{BB962C8B-B14F-4D97-AF65-F5344CB8AC3E}">
-        <p14:creationId xmlns:p14="http://schemas.microsoft.com/office/powerpoint/2010/main" val="1971292832"/>
+        <p14:creationId xmlns:p14="http://schemas.microsoft.com/office/powerpoint/2010/main" val="1863934702"/>
       </p:ext>
     </p:extLst>
   </p:cSld>
@@ -1474,56 +4135,117 @@
           <a:chExt cx="0" cy="0"/>
         </a:xfrm>
       </p:grpSpPr>
-      <p:sp>
-        <p:nvSpPr>
-          <p:cNvPr id="2" name="タイトル 1"/>
-          <p:cNvSpPr>
-            <a:spLocks noGrp="1"/>
-          </p:cNvSpPr>
-          <p:nvPr>
-            <p:ph type="title"/>
-          </p:nvPr>
-        </p:nvSpPr>
+      <p:pic>
+        <p:nvPicPr>
+          <p:cNvPr id="20" name="Picture 19" descr="Slate-V2-HD-compPhotoInset.png"/>
+          <p:cNvPicPr>
+            <a:picLocks noChangeAspect="1"/>
+          </p:cNvPicPr>
+          <p:nvPr/>
+        </p:nvPicPr>
+        <p:blipFill>
+          <a:blip r:embed="rId2">
+            <a:extLst>
+              <a:ext uri="{28A0092B-C50C-407E-A947-70E740481C1C}">
+                <a14:useLocalDpi xmlns:a14="http://schemas.microsoft.com/office/drawing/2010/main" val="0"/>
+              </a:ext>
+            </a:extLst>
+          </a:blip>
+          <a:stretch>
+            <a:fillRect/>
+          </a:stretch>
+        </p:blipFill>
         <p:spPr>
           <a:xfrm>
-            <a:off x="839788" y="365125"/>
-            <a:ext cx="10515600" cy="1325563"/>
+            <a:off x="913795" y="1734506"/>
+            <a:ext cx="5089072" cy="4148769"/>
+          </a:xfrm>
+          <a:prstGeom prst="rect">
+            <a:avLst/>
+          </a:prstGeom>
+        </p:spPr>
+      </p:pic>
+      <p:pic>
+        <p:nvPicPr>
+          <p:cNvPr id="21" name="Picture 20" descr="Slate-V2-HD-compPhotoInset.png"/>
+          <p:cNvPicPr>
+            <a:picLocks noChangeAspect="1"/>
+          </p:cNvPicPr>
+          <p:nvPr/>
+        </p:nvPicPr>
+        <p:blipFill>
+          <a:blip r:embed="rId2">
+            <a:extLst>
+              <a:ext uri="{28A0092B-C50C-407E-A947-70E740481C1C}">
+                <a14:useLocalDpi xmlns:a14="http://schemas.microsoft.com/office/drawing/2010/main" val="0"/>
+              </a:ext>
+            </a:extLst>
+          </a:blip>
+          <a:stretch>
+            <a:fillRect/>
+          </a:stretch>
+        </p:blipFill>
+        <p:spPr>
+          <a:xfrm>
+            <a:off x="6178485" y="1734506"/>
+            <a:ext cx="5089072" cy="4148769"/>
+          </a:xfrm>
+          <a:prstGeom prst="rect">
+            <a:avLst/>
+          </a:prstGeom>
+        </p:spPr>
+      </p:pic>
+      <p:sp>
+        <p:nvSpPr>
+          <p:cNvPr id="2" name="Title 1"/>
+          <p:cNvSpPr>
+            <a:spLocks noGrp="1"/>
+          </p:cNvSpPr>
+          <p:nvPr>
+            <p:ph type="title"/>
+          </p:nvPr>
+        </p:nvSpPr>
+        <p:spPr/>
+        <p:txBody>
+          <a:bodyPr/>
+          <a:lstStyle>
+            <a:lvl1pPr>
+              <a:defRPr/>
+            </a:lvl1pPr>
+          </a:lstStyle>
+          <a:p>
+            <a:r>
+              <a:rPr lang="ja-JP" altLang="en-US" smtClean="0"/>
+              <a:t>マスター タイトルの書式設定</a:t>
+            </a:r>
+            <a:endParaRPr lang="en-US" dirty="0"/>
+          </a:p>
+        </p:txBody>
+      </p:sp>
+      <p:sp>
+        <p:nvSpPr>
+          <p:cNvPr id="3" name="Text Placeholder 2"/>
+          <p:cNvSpPr>
+            <a:spLocks noGrp="1"/>
+          </p:cNvSpPr>
+          <p:nvPr>
+            <p:ph type="body" idx="1"/>
+          </p:nvPr>
+        </p:nvSpPr>
+        <p:spPr>
+          <a:xfrm>
+            <a:off x="1005872" y="1835254"/>
+            <a:ext cx="4876344" cy="544884"/>
           </a:xfrm>
         </p:spPr>
         <p:txBody>
-          <a:bodyPr/>
-          <a:lstStyle/>
-          <a:p>
-            <a:r>
-              <a:rPr kumimoji="1" lang="ja-JP" altLang="en-US" smtClean="0"/>
-              <a:t>マスター タイトルの書式設定</a:t>
-            </a:r>
-            <a:endParaRPr kumimoji="1" lang="ja-JP" altLang="en-US"/>
-          </a:p>
-        </p:txBody>
-      </p:sp>
-      <p:sp>
-        <p:nvSpPr>
-          <p:cNvPr id="3" name="テキスト プレースホルダー 2"/>
-          <p:cNvSpPr>
-            <a:spLocks noGrp="1"/>
-          </p:cNvSpPr>
-          <p:nvPr>
-            <p:ph type="body" idx="1"/>
-          </p:nvPr>
-        </p:nvSpPr>
-        <p:spPr>
-          <a:xfrm>
-            <a:off x="839788" y="1681163"/>
-            <a:ext cx="5157787" cy="823912"/>
-          </a:xfrm>
-        </p:spPr>
-        <p:txBody>
-          <a:bodyPr anchor="b"/>
+          <a:bodyPr anchor="b">
+            <a:noAutofit/>
+          </a:bodyPr>
           <a:lstStyle>
-            <a:lvl1pPr marL="0" indent="0">
-              <a:buNone/>
-              <a:defRPr sz="2400" b="1"/>
+            <a:lvl1pPr marL="0" indent="0" algn="ctr">
+              <a:buNone/>
+              <a:defRPr sz="2400" b="0"/>
             </a:lvl1pPr>
             <a:lvl2pPr marL="457200" indent="0">
               <a:buNone/>
@@ -1561,7 +4283,7 @@
           <a:p>
             <a:pPr lvl="0"/>
             <a:r>
-              <a:rPr kumimoji="1" lang="ja-JP" altLang="en-US" smtClean="0"/>
+              <a:rPr lang="ja-JP" altLang="en-US" smtClean="0"/>
               <a:t>マスター テキストの書式設定</a:t>
             </a:r>
           </a:p>
@@ -1569,7 +4291,7 @@
       </p:sp>
       <p:sp>
         <p:nvSpPr>
-          <p:cNvPr id="4" name="コンテンツ プレースホルダー 3"/>
+          <p:cNvPr id="4" name="Content Placeholder 3"/>
           <p:cNvSpPr>
             <a:spLocks noGrp="1"/>
           </p:cNvSpPr>
@@ -1579,86 +4301,104 @@
         </p:nvSpPr>
         <p:spPr>
           <a:xfrm>
-            <a:off x="839788" y="2505075"/>
-            <a:ext cx="5157787" cy="3684588"/>
+            <a:off x="1005872" y="2380137"/>
+            <a:ext cx="4876344" cy="3411063"/>
           </a:xfrm>
         </p:spPr>
         <p:txBody>
-          <a:bodyPr/>
-          <a:lstStyle/>
+          <a:bodyPr anchor="t">
+            <a:normAutofit/>
+          </a:bodyPr>
+          <a:lstStyle>
+            <a:lvl1pPr>
+              <a:defRPr sz="1800"/>
+            </a:lvl1pPr>
+            <a:lvl2pPr>
+              <a:defRPr sz="1600"/>
+            </a:lvl2pPr>
+            <a:lvl3pPr>
+              <a:defRPr sz="1400"/>
+            </a:lvl3pPr>
+            <a:lvl4pPr>
+              <a:defRPr sz="1200"/>
+            </a:lvl4pPr>
+            <a:lvl5pPr>
+              <a:defRPr sz="1200"/>
+            </a:lvl5pPr>
+          </a:lstStyle>
           <a:p>
             <a:pPr lvl="0"/>
             <a:r>
-              <a:rPr kumimoji="1" lang="ja-JP" altLang="en-US" smtClean="0"/>
+              <a:rPr lang="ja-JP" altLang="en-US" smtClean="0"/>
               <a:t>マスター テキストの書式設定</a:t>
             </a:r>
           </a:p>
           <a:p>
             <a:pPr lvl="1"/>
             <a:r>
-              <a:rPr kumimoji="1" lang="ja-JP" altLang="en-US" smtClean="0"/>
+              <a:rPr lang="ja-JP" altLang="en-US" smtClean="0"/>
               <a:t>第 </a:t>
             </a:r>
             <a:r>
-              <a:rPr kumimoji="1" lang="en-US" altLang="ja-JP" smtClean="0"/>
+              <a:rPr lang="en-US" altLang="ja-JP" smtClean="0"/>
               <a:t>2 </a:t>
             </a:r>
             <a:r>
-              <a:rPr kumimoji="1" lang="ja-JP" altLang="en-US" smtClean="0"/>
+              <a:rPr lang="ja-JP" altLang="en-US" smtClean="0"/>
               <a:t>レベル</a:t>
             </a:r>
           </a:p>
           <a:p>
             <a:pPr lvl="2"/>
             <a:r>
-              <a:rPr kumimoji="1" lang="ja-JP" altLang="en-US" smtClean="0"/>
+              <a:rPr lang="ja-JP" altLang="en-US" smtClean="0"/>
               <a:t>第 </a:t>
             </a:r>
             <a:r>
-              <a:rPr kumimoji="1" lang="en-US" altLang="ja-JP" smtClean="0"/>
+              <a:rPr lang="en-US" altLang="ja-JP" smtClean="0"/>
               <a:t>3 </a:t>
             </a:r>
             <a:r>
-              <a:rPr kumimoji="1" lang="ja-JP" altLang="en-US" smtClean="0"/>
+              <a:rPr lang="ja-JP" altLang="en-US" smtClean="0"/>
               <a:t>レベル</a:t>
             </a:r>
           </a:p>
           <a:p>
             <a:pPr lvl="3"/>
             <a:r>
-              <a:rPr kumimoji="1" lang="ja-JP" altLang="en-US" smtClean="0"/>
+              <a:rPr lang="ja-JP" altLang="en-US" smtClean="0"/>
               <a:t>第 </a:t>
             </a:r>
             <a:r>
-              <a:rPr kumimoji="1" lang="en-US" altLang="ja-JP" smtClean="0"/>
+              <a:rPr lang="en-US" altLang="ja-JP" smtClean="0"/>
               <a:t>4 </a:t>
             </a:r>
             <a:r>
-              <a:rPr kumimoji="1" lang="ja-JP" altLang="en-US" smtClean="0"/>
+              <a:rPr lang="ja-JP" altLang="en-US" smtClean="0"/>
               <a:t>レベル</a:t>
             </a:r>
           </a:p>
           <a:p>
             <a:pPr lvl="4"/>
             <a:r>
-              <a:rPr kumimoji="1" lang="ja-JP" altLang="en-US" smtClean="0"/>
+              <a:rPr lang="ja-JP" altLang="en-US" smtClean="0"/>
               <a:t>第 </a:t>
             </a:r>
             <a:r>
-              <a:rPr kumimoji="1" lang="en-US" altLang="ja-JP" smtClean="0"/>
+              <a:rPr lang="en-US" altLang="ja-JP" smtClean="0"/>
               <a:t>5 </a:t>
             </a:r>
             <a:r>
-              <a:rPr kumimoji="1" lang="ja-JP" altLang="en-US" smtClean="0"/>
+              <a:rPr lang="ja-JP" altLang="en-US" smtClean="0"/>
               <a:t>レベル</a:t>
             </a:r>
-            <a:endParaRPr kumimoji="1" lang="ja-JP" altLang="en-US"/>
-          </a:p>
-        </p:txBody>
-      </p:sp>
-      <p:sp>
-        <p:nvSpPr>
-          <p:cNvPr id="5" name="テキスト プレースホルダー 4"/>
+            <a:endParaRPr lang="en-US" dirty="0"/>
+          </a:p>
+        </p:txBody>
+      </p:sp>
+      <p:sp>
+        <p:nvSpPr>
+          <p:cNvPr id="5" name="Text Placeholder 4"/>
           <p:cNvSpPr>
             <a:spLocks noGrp="1"/>
           </p:cNvSpPr>
@@ -1668,16 +4408,18 @@
         </p:nvSpPr>
         <p:spPr>
           <a:xfrm>
-            <a:off x="6172200" y="1681163"/>
-            <a:ext cx="5183188" cy="823912"/>
+            <a:off x="6294967" y="1835254"/>
+            <a:ext cx="4895330" cy="544883"/>
           </a:xfrm>
         </p:spPr>
         <p:txBody>
-          <a:bodyPr anchor="b"/>
+          <a:bodyPr anchor="b">
+            <a:noAutofit/>
+          </a:bodyPr>
           <a:lstStyle>
-            <a:lvl1pPr marL="0" indent="0">
-              <a:buNone/>
-              <a:defRPr sz="2400" b="1"/>
+            <a:lvl1pPr marL="0" indent="0" algn="ctr">
+              <a:buNone/>
+              <a:defRPr sz="2400" b="0"/>
             </a:lvl1pPr>
             <a:lvl2pPr marL="457200" indent="0">
               <a:buNone/>
@@ -1715,7 +4457,7 @@
           <a:p>
             <a:pPr lvl="0"/>
             <a:r>
-              <a:rPr kumimoji="1" lang="ja-JP" altLang="en-US" smtClean="0"/>
+              <a:rPr lang="ja-JP" altLang="en-US" smtClean="0"/>
               <a:t>マスター テキストの書式設定</a:t>
             </a:r>
           </a:p>
@@ -1723,7 +4465,7 @@
       </p:sp>
       <p:sp>
         <p:nvSpPr>
-          <p:cNvPr id="6" name="コンテンツ プレースホルダー 5"/>
+          <p:cNvPr id="6" name="Content Placeholder 5"/>
           <p:cNvSpPr>
             <a:spLocks noGrp="1"/>
           </p:cNvSpPr>
@@ -1733,91 +4475,133 @@
         </p:nvSpPr>
         <p:spPr>
           <a:xfrm>
-            <a:off x="6172200" y="2505075"/>
-            <a:ext cx="5183188" cy="3684588"/>
+            <a:off x="6294967" y="2380137"/>
+            <a:ext cx="4895330" cy="3411063"/>
           </a:xfrm>
         </p:spPr>
         <p:txBody>
+          <a:bodyPr anchor="t">
+            <a:normAutofit/>
+          </a:bodyPr>
+          <a:lstStyle>
+            <a:lvl1pPr>
+              <a:defRPr sz="1800"/>
+            </a:lvl1pPr>
+            <a:lvl2pPr>
+              <a:defRPr sz="1600"/>
+            </a:lvl2pPr>
+            <a:lvl3pPr>
+              <a:defRPr sz="1400"/>
+            </a:lvl3pPr>
+            <a:lvl4pPr>
+              <a:defRPr sz="1200"/>
+            </a:lvl4pPr>
+            <a:lvl5pPr>
+              <a:defRPr sz="1200"/>
+            </a:lvl5pPr>
+          </a:lstStyle>
+          <a:p>
+            <a:pPr lvl="0"/>
+            <a:r>
+              <a:rPr lang="ja-JP" altLang="en-US" smtClean="0"/>
+              <a:t>マスター テキストの書式設定</a:t>
+            </a:r>
+          </a:p>
+          <a:p>
+            <a:pPr lvl="1"/>
+            <a:r>
+              <a:rPr lang="ja-JP" altLang="en-US" smtClean="0"/>
+              <a:t>第 </a:t>
+            </a:r>
+            <a:r>
+              <a:rPr lang="en-US" altLang="ja-JP" smtClean="0"/>
+              <a:t>2 </a:t>
+            </a:r>
+            <a:r>
+              <a:rPr lang="ja-JP" altLang="en-US" smtClean="0"/>
+              <a:t>レベル</a:t>
+            </a:r>
+          </a:p>
+          <a:p>
+            <a:pPr lvl="2"/>
+            <a:r>
+              <a:rPr lang="ja-JP" altLang="en-US" smtClean="0"/>
+              <a:t>第 </a:t>
+            </a:r>
+            <a:r>
+              <a:rPr lang="en-US" altLang="ja-JP" smtClean="0"/>
+              <a:t>3 </a:t>
+            </a:r>
+            <a:r>
+              <a:rPr lang="ja-JP" altLang="en-US" smtClean="0"/>
+              <a:t>レベル</a:t>
+            </a:r>
+          </a:p>
+          <a:p>
+            <a:pPr lvl="3"/>
+            <a:r>
+              <a:rPr lang="ja-JP" altLang="en-US" smtClean="0"/>
+              <a:t>第 </a:t>
+            </a:r>
+            <a:r>
+              <a:rPr lang="en-US" altLang="ja-JP" smtClean="0"/>
+              <a:t>4 </a:t>
+            </a:r>
+            <a:r>
+              <a:rPr lang="ja-JP" altLang="en-US" smtClean="0"/>
+              <a:t>レベル</a:t>
+            </a:r>
+          </a:p>
+          <a:p>
+            <a:pPr lvl="4"/>
+            <a:r>
+              <a:rPr lang="ja-JP" altLang="en-US" smtClean="0"/>
+              <a:t>第 </a:t>
+            </a:r>
+            <a:r>
+              <a:rPr lang="en-US" altLang="ja-JP" smtClean="0"/>
+              <a:t>5 </a:t>
+            </a:r>
+            <a:r>
+              <a:rPr lang="ja-JP" altLang="en-US" smtClean="0"/>
+              <a:t>レベル</a:t>
+            </a:r>
+            <a:endParaRPr lang="en-US" dirty="0"/>
+          </a:p>
+        </p:txBody>
+      </p:sp>
+      <p:sp>
+        <p:nvSpPr>
+          <p:cNvPr id="7" name="Date Placeholder 6"/>
+          <p:cNvSpPr>
+            <a:spLocks noGrp="1"/>
+          </p:cNvSpPr>
+          <p:nvPr>
+            <p:ph type="dt" sz="half" idx="10"/>
+          </p:nvPr>
+        </p:nvSpPr>
+        <p:spPr/>
+        <p:txBody>
           <a:bodyPr/>
           <a:lstStyle/>
           <a:p>
-            <a:pPr lvl="0"/>
-            <a:r>
-              <a:rPr kumimoji="1" lang="ja-JP" altLang="en-US" smtClean="0"/>
-              <a:t>マスター テキストの書式設定</a:t>
-            </a:r>
-          </a:p>
-          <a:p>
-            <a:pPr lvl="1"/>
-            <a:r>
-              <a:rPr kumimoji="1" lang="ja-JP" altLang="en-US" smtClean="0"/>
-              <a:t>第 </a:t>
-            </a:r>
-            <a:r>
-              <a:rPr kumimoji="1" lang="en-US" altLang="ja-JP" smtClean="0"/>
-              <a:t>2 </a:t>
-            </a:r>
-            <a:r>
-              <a:rPr kumimoji="1" lang="ja-JP" altLang="en-US" smtClean="0"/>
-              <a:t>レベル</a:t>
-            </a:r>
-          </a:p>
-          <a:p>
-            <a:pPr lvl="2"/>
-            <a:r>
-              <a:rPr kumimoji="1" lang="ja-JP" altLang="en-US" smtClean="0"/>
-              <a:t>第 </a:t>
-            </a:r>
-            <a:r>
-              <a:rPr kumimoji="1" lang="en-US" altLang="ja-JP" smtClean="0"/>
-              <a:t>3 </a:t>
-            </a:r>
-            <a:r>
-              <a:rPr kumimoji="1" lang="ja-JP" altLang="en-US" smtClean="0"/>
-              <a:t>レベル</a:t>
-            </a:r>
-          </a:p>
-          <a:p>
-            <a:pPr lvl="3"/>
-            <a:r>
-              <a:rPr kumimoji="1" lang="ja-JP" altLang="en-US" smtClean="0"/>
-              <a:t>第 </a:t>
-            </a:r>
-            <a:r>
-              <a:rPr kumimoji="1" lang="en-US" altLang="ja-JP" smtClean="0"/>
-              <a:t>4 </a:t>
-            </a:r>
-            <a:r>
-              <a:rPr kumimoji="1" lang="ja-JP" altLang="en-US" smtClean="0"/>
-              <a:t>レベル</a:t>
-            </a:r>
-          </a:p>
-          <a:p>
-            <a:pPr lvl="4"/>
-            <a:r>
-              <a:rPr kumimoji="1" lang="ja-JP" altLang="en-US" smtClean="0"/>
-              <a:t>第 </a:t>
-            </a:r>
-            <a:r>
-              <a:rPr kumimoji="1" lang="en-US" altLang="ja-JP" smtClean="0"/>
-              <a:t>5 </a:t>
-            </a:r>
-            <a:r>
-              <a:rPr kumimoji="1" lang="ja-JP" altLang="en-US" smtClean="0"/>
-              <a:t>レベル</a:t>
-            </a:r>
-            <a:endParaRPr kumimoji="1" lang="ja-JP" altLang="en-US"/>
-          </a:p>
-        </p:txBody>
-      </p:sp>
-      <p:sp>
-        <p:nvSpPr>
-          <p:cNvPr id="7" name="日付プレースホルダー 6"/>
-          <p:cNvSpPr>
-            <a:spLocks noGrp="1"/>
-          </p:cNvSpPr>
-          <p:nvPr>
-            <p:ph type="dt" sz="half" idx="10"/>
+            <a:fld id="{B61BEF0D-F0BB-DE4B-95CE-6DB70DBA9567}" type="datetimeFigureOut">
+              <a:rPr lang="en-US" smtClean="0"/>
+              <a:pPr/>
+              <a:t>4/1/2017</a:t>
+            </a:fld>
+            <a:endParaRPr lang="en-US" dirty="0"/>
+          </a:p>
+        </p:txBody>
+      </p:sp>
+      <p:sp>
+        <p:nvSpPr>
+          <p:cNvPr id="8" name="Footer Placeholder 7"/>
+          <p:cNvSpPr>
+            <a:spLocks noGrp="1"/>
+          </p:cNvSpPr>
+          <p:nvPr>
+            <p:ph type="ftr" sz="quarter" idx="11"/>
           </p:nvPr>
         </p:nvSpPr>
         <p:spPr/>
@@ -1825,22 +4609,18 @@
           <a:bodyPr/>
           <a:lstStyle/>
           <a:p>
-            <a:fld id="{B2B5BDEE-E98D-4F93-A903-1F03703468CC}" type="datetimeFigureOut">
-              <a:rPr kumimoji="1" lang="ja-JP" altLang="en-US" smtClean="0"/>
-              <a:t>2017/3/30</a:t>
-            </a:fld>
-            <a:endParaRPr kumimoji="1" lang="ja-JP" altLang="en-US"/>
-          </a:p>
-        </p:txBody>
-      </p:sp>
-      <p:sp>
-        <p:nvSpPr>
-          <p:cNvPr id="8" name="フッター プレースホルダー 7"/>
-          <p:cNvSpPr>
-            <a:spLocks noGrp="1"/>
-          </p:cNvSpPr>
-          <p:nvPr>
-            <p:ph type="ftr" sz="quarter" idx="11"/>
+            <a:endParaRPr lang="en-US" dirty="0"/>
+          </a:p>
+        </p:txBody>
+      </p:sp>
+      <p:sp>
+        <p:nvSpPr>
+          <p:cNvPr id="9" name="Slide Number Placeholder 8"/>
+          <p:cNvSpPr>
+            <a:spLocks noGrp="1"/>
+          </p:cNvSpPr>
+          <p:nvPr>
+            <p:ph type="sldNum" sz="quarter" idx="12"/>
           </p:nvPr>
         </p:nvSpPr>
         <p:spPr/>
@@ -1848,37 +4628,19 @@
           <a:bodyPr/>
           <a:lstStyle/>
           <a:p>
-            <a:endParaRPr kumimoji="1" lang="ja-JP" altLang="en-US"/>
-          </a:p>
-        </p:txBody>
-      </p:sp>
-      <p:sp>
-        <p:nvSpPr>
-          <p:cNvPr id="9" name="スライド番号プレースホルダー 8"/>
-          <p:cNvSpPr>
-            <a:spLocks noGrp="1"/>
-          </p:cNvSpPr>
-          <p:nvPr>
-            <p:ph type="sldNum" sz="quarter" idx="12"/>
-          </p:nvPr>
-        </p:nvSpPr>
-        <p:spPr/>
-        <p:txBody>
-          <a:bodyPr/>
-          <a:lstStyle/>
-          <a:p>
-            <a:fld id="{627861DF-5698-4D56-8CEB-FFA5C4BAE208}" type="slidenum">
-              <a:rPr kumimoji="1" lang="ja-JP" altLang="en-US" smtClean="0"/>
+            <a:fld id="{D57F1E4F-1CFF-5643-939E-217C01CDF565}" type="slidenum">
+              <a:rPr lang="en-US" smtClean="0"/>
+              <a:pPr/>
               <a:t>‹#›</a:t>
             </a:fld>
-            <a:endParaRPr kumimoji="1" lang="ja-JP" altLang="en-US"/>
+            <a:endParaRPr lang="en-US" dirty="0"/>
           </a:p>
         </p:txBody>
       </p:sp>
     </p:spTree>
     <p:extLst>
       <p:ext uri="{BB962C8B-B14F-4D97-AF65-F5344CB8AC3E}">
-        <p14:creationId xmlns:p14="http://schemas.microsoft.com/office/powerpoint/2010/main" val="1115405400"/>
+        <p14:creationId xmlns:p14="http://schemas.microsoft.com/office/powerpoint/2010/main" val="3832282466"/>
       </p:ext>
     </p:extLst>
   </p:cSld>
@@ -1907,7 +4669,7 @@
       </p:grpSpPr>
       <p:sp>
         <p:nvSpPr>
-          <p:cNvPr id="2" name="タイトル 1"/>
+          <p:cNvPr id="2" name="Title 1"/>
           <p:cNvSpPr>
             <a:spLocks noGrp="1"/>
           </p:cNvSpPr>
@@ -1921,16 +4683,16 @@
           <a:lstStyle/>
           <a:p>
             <a:r>
-              <a:rPr kumimoji="1" lang="ja-JP" altLang="en-US" smtClean="0"/>
+              <a:rPr lang="ja-JP" altLang="en-US" smtClean="0"/>
               <a:t>マスター タイトルの書式設定</a:t>
             </a:r>
-            <a:endParaRPr kumimoji="1" lang="ja-JP" altLang="en-US"/>
-          </a:p>
-        </p:txBody>
-      </p:sp>
-      <p:sp>
-        <p:nvSpPr>
-          <p:cNvPr id="3" name="日付プレースホルダー 2"/>
+            <a:endParaRPr lang="en-US" dirty="0"/>
+          </a:p>
+        </p:txBody>
+      </p:sp>
+      <p:sp>
+        <p:nvSpPr>
+          <p:cNvPr id="3" name="Date Placeholder 2"/>
           <p:cNvSpPr>
             <a:spLocks noGrp="1"/>
           </p:cNvSpPr>
@@ -1943,17 +4705,18 @@
           <a:bodyPr/>
           <a:lstStyle/>
           <a:p>
-            <a:fld id="{B2B5BDEE-E98D-4F93-A903-1F03703468CC}" type="datetimeFigureOut">
-              <a:rPr kumimoji="1" lang="ja-JP" altLang="en-US" smtClean="0"/>
-              <a:t>2017/3/30</a:t>
+            <a:fld id="{B61BEF0D-F0BB-DE4B-95CE-6DB70DBA9567}" type="datetimeFigureOut">
+              <a:rPr lang="en-US" smtClean="0"/>
+              <a:pPr/>
+              <a:t>4/1/2017</a:t>
             </a:fld>
-            <a:endParaRPr kumimoji="1" lang="ja-JP" altLang="en-US"/>
-          </a:p>
-        </p:txBody>
-      </p:sp>
-      <p:sp>
-        <p:nvSpPr>
-          <p:cNvPr id="4" name="フッター プレースホルダー 3"/>
+            <a:endParaRPr lang="en-US" dirty="0"/>
+          </a:p>
+        </p:txBody>
+      </p:sp>
+      <p:sp>
+        <p:nvSpPr>
+          <p:cNvPr id="4" name="Footer Placeholder 3"/>
           <p:cNvSpPr>
             <a:spLocks noGrp="1"/>
           </p:cNvSpPr>
@@ -1966,13 +4729,13 @@
           <a:bodyPr/>
           <a:lstStyle/>
           <a:p>
-            <a:endParaRPr kumimoji="1" lang="ja-JP" altLang="en-US"/>
-          </a:p>
-        </p:txBody>
-      </p:sp>
-      <p:sp>
-        <p:nvSpPr>
-          <p:cNvPr id="5" name="スライド番号プレースホルダー 4"/>
+            <a:endParaRPr lang="en-US" dirty="0"/>
+          </a:p>
+        </p:txBody>
+      </p:sp>
+      <p:sp>
+        <p:nvSpPr>
+          <p:cNvPr id="5" name="Slide Number Placeholder 4"/>
           <p:cNvSpPr>
             <a:spLocks noGrp="1"/>
           </p:cNvSpPr>
@@ -1985,18 +4748,19 @@
           <a:bodyPr/>
           <a:lstStyle/>
           <a:p>
-            <a:fld id="{627861DF-5698-4D56-8CEB-FFA5C4BAE208}" type="slidenum">
-              <a:rPr kumimoji="1" lang="ja-JP" altLang="en-US" smtClean="0"/>
+            <a:fld id="{D57F1E4F-1CFF-5643-939E-217C01CDF565}" type="slidenum">
+              <a:rPr lang="en-US" smtClean="0"/>
+              <a:pPr/>
               <a:t>‹#›</a:t>
             </a:fld>
-            <a:endParaRPr kumimoji="1" lang="ja-JP" altLang="en-US"/>
+            <a:endParaRPr lang="en-US" dirty="0"/>
           </a:p>
         </p:txBody>
       </p:sp>
     </p:spTree>
     <p:extLst>
       <p:ext uri="{BB962C8B-B14F-4D97-AF65-F5344CB8AC3E}">
-        <p14:creationId xmlns:p14="http://schemas.microsoft.com/office/powerpoint/2010/main" val="767798984"/>
+        <p14:creationId xmlns:p14="http://schemas.microsoft.com/office/powerpoint/2010/main" val="2978406061"/>
       </p:ext>
     </p:extLst>
   </p:cSld>
@@ -2025,7 +4789,7 @@
       </p:grpSpPr>
       <p:sp>
         <p:nvSpPr>
-          <p:cNvPr id="2" name="日付プレースホルダー 1"/>
+          <p:cNvPr id="2" name="Date Placeholder 1"/>
           <p:cNvSpPr>
             <a:spLocks noGrp="1"/>
           </p:cNvSpPr>
@@ -2038,17 +4802,18 @@
           <a:bodyPr/>
           <a:lstStyle/>
           <a:p>
-            <a:fld id="{B2B5BDEE-E98D-4F93-A903-1F03703468CC}" type="datetimeFigureOut">
-              <a:rPr kumimoji="1" lang="ja-JP" altLang="en-US" smtClean="0"/>
-              <a:t>2017/3/30</a:t>
+            <a:fld id="{B61BEF0D-F0BB-DE4B-95CE-6DB70DBA9567}" type="datetimeFigureOut">
+              <a:rPr lang="en-US" smtClean="0"/>
+              <a:pPr/>
+              <a:t>4/1/2017</a:t>
             </a:fld>
-            <a:endParaRPr kumimoji="1" lang="ja-JP" altLang="en-US"/>
-          </a:p>
-        </p:txBody>
-      </p:sp>
-      <p:sp>
-        <p:nvSpPr>
-          <p:cNvPr id="3" name="フッター プレースホルダー 2"/>
+            <a:endParaRPr lang="en-US" dirty="0"/>
+          </a:p>
+        </p:txBody>
+      </p:sp>
+      <p:sp>
+        <p:nvSpPr>
+          <p:cNvPr id="3" name="Footer Placeholder 2"/>
           <p:cNvSpPr>
             <a:spLocks noGrp="1"/>
           </p:cNvSpPr>
@@ -2061,13 +4826,13 @@
           <a:bodyPr/>
           <a:lstStyle/>
           <a:p>
-            <a:endParaRPr kumimoji="1" lang="ja-JP" altLang="en-US"/>
-          </a:p>
-        </p:txBody>
-      </p:sp>
-      <p:sp>
-        <p:nvSpPr>
-          <p:cNvPr id="4" name="スライド番号プレースホルダー 3"/>
+            <a:endParaRPr lang="en-US" dirty="0"/>
+          </a:p>
+        </p:txBody>
+      </p:sp>
+      <p:sp>
+        <p:nvSpPr>
+          <p:cNvPr id="4" name="Slide Number Placeholder 3"/>
           <p:cNvSpPr>
             <a:spLocks noGrp="1"/>
           </p:cNvSpPr>
@@ -2080,18 +4845,19 @@
           <a:bodyPr/>
           <a:lstStyle/>
           <a:p>
-            <a:fld id="{627861DF-5698-4D56-8CEB-FFA5C4BAE208}" type="slidenum">
-              <a:rPr kumimoji="1" lang="ja-JP" altLang="en-US" smtClean="0"/>
+            <a:fld id="{D57F1E4F-1CFF-5643-939E-217C01CDF565}" type="slidenum">
+              <a:rPr lang="en-US" smtClean="0"/>
+              <a:pPr/>
               <a:t>‹#›</a:t>
             </a:fld>
-            <a:endParaRPr kumimoji="1" lang="ja-JP" altLang="en-US"/>
+            <a:endParaRPr lang="en-US" dirty="0"/>
           </a:p>
         </p:txBody>
       </p:sp>
     </p:spTree>
     <p:extLst>
       <p:ext uri="{BB962C8B-B14F-4D97-AF65-F5344CB8AC3E}">
-        <p14:creationId xmlns:p14="http://schemas.microsoft.com/office/powerpoint/2010/main" val="1765351156"/>
+        <p14:creationId xmlns:p14="http://schemas.microsoft.com/office/powerpoint/2010/main" val="944951289"/>
       </p:ext>
     </p:extLst>
   </p:cSld>
@@ -2120,7 +4886,7 @@
       </p:grpSpPr>
       <p:sp>
         <p:nvSpPr>
-          <p:cNvPr id="2" name="タイトル 1"/>
+          <p:cNvPr id="2" name="Title 1"/>
           <p:cNvSpPr>
             <a:spLocks noGrp="1"/>
           </p:cNvSpPr>
@@ -2130,29 +4896,31 @@
         </p:nvSpPr>
         <p:spPr>
           <a:xfrm>
-            <a:off x="839788" y="457200"/>
-            <a:ext cx="3932237" cy="1600200"/>
+            <a:off x="913795" y="609600"/>
+            <a:ext cx="3706889" cy="1821918"/>
           </a:xfrm>
         </p:spPr>
         <p:txBody>
-          <a:bodyPr anchor="b"/>
+          <a:bodyPr anchor="b">
+            <a:normAutofit/>
+          </a:bodyPr>
           <a:lstStyle>
-            <a:lvl1pPr>
-              <a:defRPr sz="3200"/>
+            <a:lvl1pPr algn="ctr">
+              <a:defRPr sz="2400" b="0"/>
             </a:lvl1pPr>
           </a:lstStyle>
           <a:p>
             <a:r>
-              <a:rPr kumimoji="1" lang="ja-JP" altLang="en-US" smtClean="0"/>
+              <a:rPr lang="ja-JP" altLang="en-US" smtClean="0"/>
               <a:t>マスター タイトルの書式設定</a:t>
             </a:r>
-            <a:endParaRPr kumimoji="1" lang="ja-JP" altLang="en-US"/>
-          </a:p>
-        </p:txBody>
-      </p:sp>
-      <p:sp>
-        <p:nvSpPr>
-          <p:cNvPr id="3" name="コンテンツ プレースホルダー 2"/>
+            <a:endParaRPr lang="en-US" dirty="0"/>
+          </a:p>
+        </p:txBody>
+      </p:sp>
+      <p:sp>
+        <p:nvSpPr>
+          <p:cNvPr id="3" name="Content Placeholder 2"/>
           <p:cNvSpPr>
             <a:spLocks noGrp="1"/>
           </p:cNvSpPr>
@@ -2162,114 +4930,88 @@
         </p:nvSpPr>
         <p:spPr>
           <a:xfrm>
-            <a:off x="5183188" y="987425"/>
-            <a:ext cx="6172200" cy="4873625"/>
+            <a:off x="4855633" y="609600"/>
+            <a:ext cx="6411924" cy="5181600"/>
           </a:xfrm>
         </p:spPr>
         <p:txBody>
-          <a:bodyPr/>
-          <a:lstStyle>
-            <a:lvl1pPr>
-              <a:defRPr sz="3200"/>
-            </a:lvl1pPr>
-            <a:lvl2pPr>
-              <a:defRPr sz="2800"/>
-            </a:lvl2pPr>
-            <a:lvl3pPr>
-              <a:defRPr sz="2400"/>
-            </a:lvl3pPr>
-            <a:lvl4pPr>
-              <a:defRPr sz="2000"/>
-            </a:lvl4pPr>
-            <a:lvl5pPr>
-              <a:defRPr sz="2000"/>
-            </a:lvl5pPr>
-            <a:lvl6pPr>
-              <a:defRPr sz="2000"/>
-            </a:lvl6pPr>
-            <a:lvl7pPr>
-              <a:defRPr sz="2000"/>
-            </a:lvl7pPr>
-            <a:lvl8pPr>
-              <a:defRPr sz="2000"/>
-            </a:lvl8pPr>
-            <a:lvl9pPr>
-              <a:defRPr sz="2000"/>
-            </a:lvl9pPr>
-          </a:lstStyle>
+          <a:bodyPr>
+            <a:normAutofit/>
+          </a:bodyPr>
+          <a:lstStyle/>
           <a:p>
             <a:pPr lvl="0"/>
             <a:r>
-              <a:rPr kumimoji="1" lang="ja-JP" altLang="en-US" smtClean="0"/>
+              <a:rPr lang="ja-JP" altLang="en-US" smtClean="0"/>
               <a:t>マスター テキストの書式設定</a:t>
             </a:r>
           </a:p>
           <a:p>
             <a:pPr lvl="1"/>
             <a:r>
-              <a:rPr kumimoji="1" lang="ja-JP" altLang="en-US" smtClean="0"/>
+              <a:rPr lang="ja-JP" altLang="en-US" smtClean="0"/>
               <a:t>第 </a:t>
             </a:r>
             <a:r>
-              <a:rPr kumimoji="1" lang="en-US" altLang="ja-JP" smtClean="0"/>
+              <a:rPr lang="en-US" altLang="ja-JP" smtClean="0"/>
               <a:t>2 </a:t>
             </a:r>
             <a:r>
-              <a:rPr kumimoji="1" lang="ja-JP" altLang="en-US" smtClean="0"/>
+              <a:rPr lang="ja-JP" altLang="en-US" smtClean="0"/>
               <a:t>レベル</a:t>
             </a:r>
           </a:p>
           <a:p>
             <a:pPr lvl="2"/>
             <a:r>
-              <a:rPr kumimoji="1" lang="ja-JP" altLang="en-US" smtClean="0"/>
+              <a:rPr lang="ja-JP" altLang="en-US" smtClean="0"/>
               <a:t>第 </a:t>
             </a:r>
             <a:r>
-              <a:rPr kumimoji="1" lang="en-US" altLang="ja-JP" smtClean="0"/>
+              <a:rPr lang="en-US" altLang="ja-JP" smtClean="0"/>
               <a:t>3 </a:t>
             </a:r>
             <a:r>
-              <a:rPr kumimoji="1" lang="ja-JP" altLang="en-US" smtClean="0"/>
+              <a:rPr lang="ja-JP" altLang="en-US" smtClean="0"/>
               <a:t>レベル</a:t>
             </a:r>
           </a:p>
           <a:p>
             <a:pPr lvl="3"/>
             <a:r>
-              <a:rPr kumimoji="1" lang="ja-JP" altLang="en-US" smtClean="0"/>
+              <a:rPr lang="ja-JP" altLang="en-US" smtClean="0"/>
               <a:t>第 </a:t>
             </a:r>
             <a:r>
-              <a:rPr kumimoji="1" lang="en-US" altLang="ja-JP" smtClean="0"/>
+              <a:rPr lang="en-US" altLang="ja-JP" smtClean="0"/>
               <a:t>4 </a:t>
             </a:r>
             <a:r>
-              <a:rPr kumimoji="1" lang="ja-JP" altLang="en-US" smtClean="0"/>
+              <a:rPr lang="ja-JP" altLang="en-US" smtClean="0"/>
               <a:t>レベル</a:t>
             </a:r>
           </a:p>
           <a:p>
             <a:pPr lvl="4"/>
             <a:r>
-              <a:rPr kumimoji="1" lang="ja-JP" altLang="en-US" smtClean="0"/>
+              <a:rPr lang="ja-JP" altLang="en-US" smtClean="0"/>
               <a:t>第 </a:t>
             </a:r>
             <a:r>
-              <a:rPr kumimoji="1" lang="en-US" altLang="ja-JP" smtClean="0"/>
+              <a:rPr lang="en-US" altLang="ja-JP" smtClean="0"/>
               <a:t>5 </a:t>
             </a:r>
             <a:r>
-              <a:rPr kumimoji="1" lang="ja-JP" altLang="en-US" smtClean="0"/>
+              <a:rPr lang="ja-JP" altLang="en-US" smtClean="0"/>
               <a:t>レベル</a:t>
             </a:r>
-            <a:endParaRPr kumimoji="1" lang="ja-JP" altLang="en-US"/>
-          </a:p>
-        </p:txBody>
-      </p:sp>
-      <p:sp>
-        <p:nvSpPr>
-          <p:cNvPr id="4" name="テキスト プレースホルダー 3"/>
+            <a:endParaRPr lang="en-US" dirty="0"/>
+          </a:p>
+        </p:txBody>
+      </p:sp>
+      <p:sp>
+        <p:nvSpPr>
+          <p:cNvPr id="4" name="Text Placeholder 3"/>
           <p:cNvSpPr>
             <a:spLocks noGrp="1"/>
           </p:cNvSpPr>
@@ -2279,54 +5021,56 @@
         </p:nvSpPr>
         <p:spPr>
           <a:xfrm>
-            <a:off x="839788" y="2057400"/>
-            <a:ext cx="3932237" cy="3811588"/>
+            <a:off x="913795" y="2431518"/>
+            <a:ext cx="3706889" cy="3359681"/>
           </a:xfrm>
         </p:spPr>
         <p:txBody>
-          <a:bodyPr/>
+          <a:bodyPr anchor="t">
+            <a:normAutofit/>
+          </a:bodyPr>
           <a:lstStyle>
-            <a:lvl1pPr marL="0" indent="0">
+            <a:lvl1pPr marL="0" indent="0" algn="ctr">
               <a:buNone/>
               <a:defRPr sz="1600"/>
             </a:lvl1pPr>
             <a:lvl2pPr marL="457200" indent="0">
               <a:buNone/>
-              <a:defRPr sz="1400"/>
+              <a:defRPr sz="1200"/>
             </a:lvl2pPr>
             <a:lvl3pPr marL="914400" indent="0">
               <a:buNone/>
-              <a:defRPr sz="1200"/>
+              <a:defRPr sz="1000"/>
             </a:lvl3pPr>
             <a:lvl4pPr marL="1371600" indent="0">
               <a:buNone/>
-              <a:defRPr sz="1000"/>
+              <a:defRPr sz="900"/>
             </a:lvl4pPr>
             <a:lvl5pPr marL="1828800" indent="0">
               <a:buNone/>
-              <a:defRPr sz="1000"/>
+              <a:defRPr sz="900"/>
             </a:lvl5pPr>
             <a:lvl6pPr marL="2286000" indent="0">
               <a:buNone/>
-              <a:defRPr sz="1000"/>
+              <a:defRPr sz="900"/>
             </a:lvl6pPr>
             <a:lvl7pPr marL="2743200" indent="0">
               <a:buNone/>
-              <a:defRPr sz="1000"/>
+              <a:defRPr sz="900"/>
             </a:lvl7pPr>
             <a:lvl8pPr marL="3200400" indent="0">
               <a:buNone/>
-              <a:defRPr sz="1000"/>
+              <a:defRPr sz="900"/>
             </a:lvl8pPr>
             <a:lvl9pPr marL="3657600" indent="0">
               <a:buNone/>
-              <a:defRPr sz="1000"/>
+              <a:defRPr sz="900"/>
             </a:lvl9pPr>
           </a:lstStyle>
           <a:p>
             <a:pPr lvl="0"/>
             <a:r>
-              <a:rPr kumimoji="1" lang="ja-JP" altLang="en-US" smtClean="0"/>
+              <a:rPr lang="ja-JP" altLang="en-US" smtClean="0"/>
               <a:t>マスター テキストの書式設定</a:t>
             </a:r>
           </a:p>
@@ -2334,7 +5078,7 @@
       </p:sp>
       <p:sp>
         <p:nvSpPr>
-          <p:cNvPr id="5" name="日付プレースホルダー 4"/>
+          <p:cNvPr id="5" name="Date Placeholder 4"/>
           <p:cNvSpPr>
             <a:spLocks noGrp="1"/>
           </p:cNvSpPr>
@@ -2347,17 +5091,18 @@
           <a:bodyPr/>
           <a:lstStyle/>
           <a:p>
-            <a:fld id="{B2B5BDEE-E98D-4F93-A903-1F03703468CC}" type="datetimeFigureOut">
-              <a:rPr kumimoji="1" lang="ja-JP" altLang="en-US" smtClean="0"/>
-              <a:t>2017/3/30</a:t>
+            <a:fld id="{B61BEF0D-F0BB-DE4B-95CE-6DB70DBA9567}" type="datetimeFigureOut">
+              <a:rPr lang="en-US" smtClean="0"/>
+              <a:pPr/>
+              <a:t>4/1/2017</a:t>
             </a:fld>
-            <a:endParaRPr kumimoji="1" lang="ja-JP" altLang="en-US"/>
-          </a:p>
-        </p:txBody>
-      </p:sp>
-      <p:sp>
-        <p:nvSpPr>
-          <p:cNvPr id="6" name="フッター プレースホルダー 5"/>
+            <a:endParaRPr lang="en-US" dirty="0"/>
+          </a:p>
+        </p:txBody>
+      </p:sp>
+      <p:sp>
+        <p:nvSpPr>
+          <p:cNvPr id="6" name="Footer Placeholder 5"/>
           <p:cNvSpPr>
             <a:spLocks noGrp="1"/>
           </p:cNvSpPr>
@@ -2370,13 +5115,13 @@
           <a:bodyPr/>
           <a:lstStyle/>
           <a:p>
-            <a:endParaRPr kumimoji="1" lang="ja-JP" altLang="en-US"/>
-          </a:p>
-        </p:txBody>
-      </p:sp>
-      <p:sp>
-        <p:nvSpPr>
-          <p:cNvPr id="7" name="スライド番号プレースホルダー 6"/>
+            <a:endParaRPr lang="en-US" dirty="0"/>
+          </a:p>
+        </p:txBody>
+      </p:sp>
+      <p:sp>
+        <p:nvSpPr>
+          <p:cNvPr id="7" name="Slide Number Placeholder 6"/>
           <p:cNvSpPr>
             <a:spLocks noGrp="1"/>
           </p:cNvSpPr>
@@ -2389,18 +5134,19 @@
           <a:bodyPr/>
           <a:lstStyle/>
           <a:p>
-            <a:fld id="{627861DF-5698-4D56-8CEB-FFA5C4BAE208}" type="slidenum">
-              <a:rPr kumimoji="1" lang="ja-JP" altLang="en-US" smtClean="0"/>
+            <a:fld id="{D57F1E4F-1CFF-5643-939E-217C01CDF565}" type="slidenum">
+              <a:rPr lang="en-US" smtClean="0"/>
+              <a:pPr/>
               <a:t>‹#›</a:t>
             </a:fld>
-            <a:endParaRPr kumimoji="1" lang="ja-JP" altLang="en-US"/>
+            <a:endParaRPr lang="en-US" dirty="0"/>
           </a:p>
         </p:txBody>
       </p:sp>
     </p:spTree>
     <p:extLst>
       <p:ext uri="{BB962C8B-B14F-4D97-AF65-F5344CB8AC3E}">
-        <p14:creationId xmlns:p14="http://schemas.microsoft.com/office/powerpoint/2010/main" val="4000609860"/>
+        <p14:creationId xmlns:p14="http://schemas.microsoft.com/office/powerpoint/2010/main" val="1711086253"/>
       </p:ext>
     </p:extLst>
   </p:cSld>
@@ -2427,43 +5173,75 @@
           <a:chExt cx="0" cy="0"/>
         </a:xfrm>
       </p:grpSpPr>
-      <p:sp>
-        <p:nvSpPr>
-          <p:cNvPr id="2" name="タイトル 1"/>
-          <p:cNvSpPr>
-            <a:spLocks noGrp="1"/>
-          </p:cNvSpPr>
-          <p:nvPr>
-            <p:ph type="title"/>
-          </p:nvPr>
-        </p:nvSpPr>
+      <p:pic>
+        <p:nvPicPr>
+          <p:cNvPr id="22" name="Picture 21" descr="Slate-V2-HD-vertPhotoInset.png"/>
+          <p:cNvPicPr>
+            <a:picLocks noChangeAspect="1"/>
+          </p:cNvPicPr>
+          <p:nvPr/>
+        </p:nvPicPr>
+        <p:blipFill>
+          <a:blip r:embed="rId2">
+            <a:extLst>
+              <a:ext uri="{28A0092B-C50C-407E-A947-70E740481C1C}">
+                <a14:useLocalDpi xmlns:a14="http://schemas.microsoft.com/office/drawing/2010/main" val="0"/>
+              </a:ext>
+            </a:extLst>
+          </a:blip>
+          <a:stretch>
+            <a:fillRect/>
+          </a:stretch>
+        </p:blipFill>
         <p:spPr>
           <a:xfrm>
-            <a:off x="839788" y="457200"/>
-            <a:ext cx="3932237" cy="1600200"/>
+            <a:off x="7293665" y="609600"/>
+            <a:ext cx="3584166" cy="5204832"/>
+          </a:xfrm>
+          <a:prstGeom prst="rect">
+            <a:avLst/>
+          </a:prstGeom>
+        </p:spPr>
+      </p:pic>
+      <p:sp>
+        <p:nvSpPr>
+          <p:cNvPr id="2" name="Title 1"/>
+          <p:cNvSpPr>
+            <a:spLocks noGrp="1"/>
+          </p:cNvSpPr>
+          <p:nvPr>
+            <p:ph type="title"/>
+          </p:nvPr>
+        </p:nvSpPr>
+        <p:spPr>
+          <a:xfrm>
+            <a:off x="913795" y="609923"/>
+            <a:ext cx="5934949" cy="1829338"/>
           </a:xfrm>
         </p:spPr>
         <p:txBody>
-          <a:bodyPr anchor="b"/>
+          <a:bodyPr anchor="b">
+            <a:noAutofit/>
+          </a:bodyPr>
           <a:lstStyle>
-            <a:lvl1pPr>
-              <a:defRPr sz="3200"/>
+            <a:lvl1pPr algn="ctr">
+              <a:defRPr sz="3200" b="0"/>
             </a:lvl1pPr>
           </a:lstStyle>
           <a:p>
             <a:r>
-              <a:rPr kumimoji="1" lang="ja-JP" altLang="en-US" smtClean="0"/>
+              <a:rPr lang="ja-JP" altLang="en-US" smtClean="0"/>
               <a:t>マスター タイトルの書式設定</a:t>
             </a:r>
-            <a:endParaRPr kumimoji="1" lang="ja-JP" altLang="en-US"/>
-          </a:p>
-        </p:txBody>
-      </p:sp>
-      <p:sp>
-        <p:nvSpPr>
-          <p:cNvPr id="3" name="図プレースホルダー 2"/>
-          <p:cNvSpPr>
-            <a:spLocks noGrp="1"/>
+            <a:endParaRPr lang="en-US" dirty="0"/>
+          </a:p>
+        </p:txBody>
+      </p:sp>
+      <p:sp>
+        <p:nvSpPr>
+          <p:cNvPr id="3" name="Picture Placeholder 2"/>
+          <p:cNvSpPr>
+            <a:spLocks noGrp="1" noChangeAspect="1"/>
           </p:cNvSpPr>
           <p:nvPr>
             <p:ph type="pic" idx="1"/>
@@ -2471,115 +5249,130 @@
         </p:nvSpPr>
         <p:spPr>
           <a:xfrm>
-            <a:off x="5183188" y="987425"/>
-            <a:ext cx="6172200" cy="4873625"/>
+            <a:off x="7442551" y="763702"/>
+            <a:ext cx="3275751" cy="4912822"/>
           </a:xfrm>
+          <a:effectLst>
+            <a:outerShdw blurRad="38100" dist="25400" dir="4440000">
+              <a:srgbClr val="000000">
+                <a:alpha val="36000"/>
+              </a:srgbClr>
+            </a:outerShdw>
+          </a:effectLst>
         </p:spPr>
         <p:txBody>
-          <a:bodyPr/>
+          <a:bodyPr anchor="t">
+            <a:normAutofit/>
+          </a:bodyPr>
           <a:lstStyle>
-            <a:lvl1pPr marL="0" indent="0">
-              <a:buNone/>
-              <a:defRPr sz="3200"/>
-            </a:lvl1pPr>
-            <a:lvl2pPr marL="457200" indent="0">
-              <a:buNone/>
-              <a:defRPr sz="2800"/>
-            </a:lvl2pPr>
-            <a:lvl3pPr marL="914400" indent="0">
-              <a:buNone/>
-              <a:defRPr sz="2400"/>
-            </a:lvl3pPr>
-            <a:lvl4pPr marL="1371600" indent="0">
-              <a:buNone/>
-              <a:defRPr sz="2000"/>
-            </a:lvl4pPr>
-            <a:lvl5pPr marL="1828800" indent="0">
-              <a:buNone/>
-              <a:defRPr sz="2000"/>
-            </a:lvl5pPr>
-            <a:lvl6pPr marL="2286000" indent="0">
-              <a:buNone/>
-              <a:defRPr sz="2000"/>
-            </a:lvl6pPr>
-            <a:lvl7pPr marL="2743200" indent="0">
-              <a:buNone/>
-              <a:defRPr sz="2000"/>
-            </a:lvl7pPr>
-            <a:lvl8pPr marL="3200400" indent="0">
-              <a:buNone/>
-              <a:defRPr sz="2000"/>
-            </a:lvl8pPr>
-            <a:lvl9pPr marL="3657600" indent="0">
-              <a:buNone/>
-              <a:defRPr sz="2000"/>
-            </a:lvl9pPr>
-          </a:lstStyle>
-          <a:p>
-            <a:endParaRPr kumimoji="1" lang="ja-JP" altLang="en-US"/>
-          </a:p>
-        </p:txBody>
-      </p:sp>
-      <p:sp>
-        <p:nvSpPr>
-          <p:cNvPr id="4" name="テキスト プレースホルダー 3"/>
-          <p:cNvSpPr>
-            <a:spLocks noGrp="1"/>
-          </p:cNvSpPr>
-          <p:nvPr>
-            <p:ph type="body" sz="half" idx="2"/>
-          </p:nvPr>
-        </p:nvSpPr>
-        <p:spPr>
-          <a:xfrm>
-            <a:off x="839788" y="2057400"/>
-            <a:ext cx="3932237" cy="3811588"/>
-          </a:xfrm>
-        </p:spPr>
-        <p:txBody>
-          <a:bodyPr/>
-          <a:lstStyle>
-            <a:lvl1pPr marL="0" indent="0">
+            <a:lvl1pPr marL="0" indent="0" algn="ctr">
               <a:buNone/>
               <a:defRPr sz="1600"/>
             </a:lvl1pPr>
             <a:lvl2pPr marL="457200" indent="0">
               <a:buNone/>
-              <a:defRPr sz="1400"/>
+              <a:defRPr sz="1600"/>
             </a:lvl2pPr>
             <a:lvl3pPr marL="914400" indent="0">
               <a:buNone/>
-              <a:defRPr sz="1200"/>
+              <a:defRPr sz="1600"/>
             </a:lvl3pPr>
             <a:lvl4pPr marL="1371600" indent="0">
               <a:buNone/>
-              <a:defRPr sz="1000"/>
+              <a:defRPr sz="1600"/>
             </a:lvl4pPr>
             <a:lvl5pPr marL="1828800" indent="0">
               <a:buNone/>
-              <a:defRPr sz="1000"/>
+              <a:defRPr sz="1600"/>
             </a:lvl5pPr>
             <a:lvl6pPr marL="2286000" indent="0">
               <a:buNone/>
-              <a:defRPr sz="1000"/>
+              <a:defRPr sz="1600"/>
             </a:lvl6pPr>
             <a:lvl7pPr marL="2743200" indent="0">
               <a:buNone/>
-              <a:defRPr sz="1000"/>
+              <a:defRPr sz="1600"/>
             </a:lvl7pPr>
             <a:lvl8pPr marL="3200400" indent="0">
               <a:buNone/>
-              <a:defRPr sz="1000"/>
+              <a:defRPr sz="1600"/>
             </a:lvl8pPr>
             <a:lvl9pPr marL="3657600" indent="0">
               <a:buNone/>
-              <a:defRPr sz="1000"/>
+              <a:defRPr sz="1600"/>
             </a:lvl9pPr>
           </a:lstStyle>
           <a:p>
+            <a:r>
+              <a:rPr lang="ja-JP" altLang="en-US" smtClean="0"/>
+              <a:t>図を追加</a:t>
+            </a:r>
+            <a:endParaRPr lang="en-US" dirty="0"/>
+          </a:p>
+        </p:txBody>
+      </p:sp>
+      <p:sp>
+        <p:nvSpPr>
+          <p:cNvPr id="4" name="Text Placeholder 3"/>
+          <p:cNvSpPr>
+            <a:spLocks noGrp="1"/>
+          </p:cNvSpPr>
+          <p:nvPr>
+            <p:ph type="body" sz="half" idx="2"/>
+          </p:nvPr>
+        </p:nvSpPr>
+        <p:spPr>
+          <a:xfrm>
+            <a:off x="913795" y="2439261"/>
+            <a:ext cx="5934949" cy="3376134"/>
+          </a:xfrm>
+        </p:spPr>
+        <p:txBody>
+          <a:bodyPr anchor="t">
+            <a:normAutofit/>
+          </a:bodyPr>
+          <a:lstStyle>
+            <a:lvl1pPr marL="0" indent="0" algn="ctr">
+              <a:buNone/>
+              <a:defRPr sz="1600"/>
+            </a:lvl1pPr>
+            <a:lvl2pPr marL="457200" indent="0">
+              <a:buNone/>
+              <a:defRPr sz="1200"/>
+            </a:lvl2pPr>
+            <a:lvl3pPr marL="914400" indent="0">
+              <a:buNone/>
+              <a:defRPr sz="1000"/>
+            </a:lvl3pPr>
+            <a:lvl4pPr marL="1371600" indent="0">
+              <a:buNone/>
+              <a:defRPr sz="900"/>
+            </a:lvl4pPr>
+            <a:lvl5pPr marL="1828800" indent="0">
+              <a:buNone/>
+              <a:defRPr sz="900"/>
+            </a:lvl5pPr>
+            <a:lvl6pPr marL="2286000" indent="0">
+              <a:buNone/>
+              <a:defRPr sz="900"/>
+            </a:lvl6pPr>
+            <a:lvl7pPr marL="2743200" indent="0">
+              <a:buNone/>
+              <a:defRPr sz="900"/>
+            </a:lvl7pPr>
+            <a:lvl8pPr marL="3200400" indent="0">
+              <a:buNone/>
+              <a:defRPr sz="900"/>
+            </a:lvl8pPr>
+            <a:lvl9pPr marL="3657600" indent="0">
+              <a:buNone/>
+              <a:defRPr sz="900"/>
+            </a:lvl9pPr>
+          </a:lstStyle>
+          <a:p>
             <a:pPr lvl="0"/>
             <a:r>
-              <a:rPr kumimoji="1" lang="ja-JP" altLang="en-US" smtClean="0"/>
+              <a:rPr lang="ja-JP" altLang="en-US" smtClean="0"/>
               <a:t>マスター テキストの書式設定</a:t>
             </a:r>
           </a:p>
@@ -2587,7 +5380,7 @@
       </p:sp>
       <p:sp>
         <p:nvSpPr>
-          <p:cNvPr id="5" name="日付プレースホルダー 4"/>
+          <p:cNvPr id="5" name="Date Placeholder 4"/>
           <p:cNvSpPr>
             <a:spLocks noGrp="1"/>
           </p:cNvSpPr>
@@ -2600,17 +5393,18 @@
           <a:bodyPr/>
           <a:lstStyle/>
           <a:p>
-            <a:fld id="{B2B5BDEE-E98D-4F93-A903-1F03703468CC}" type="datetimeFigureOut">
-              <a:rPr kumimoji="1" lang="ja-JP" altLang="en-US" smtClean="0"/>
-              <a:t>2017/3/30</a:t>
+            <a:fld id="{B61BEF0D-F0BB-DE4B-95CE-6DB70DBA9567}" type="datetimeFigureOut">
+              <a:rPr lang="en-US" smtClean="0"/>
+              <a:pPr/>
+              <a:t>4/1/2017</a:t>
             </a:fld>
-            <a:endParaRPr kumimoji="1" lang="ja-JP" altLang="en-US"/>
-          </a:p>
-        </p:txBody>
-      </p:sp>
-      <p:sp>
-        <p:nvSpPr>
-          <p:cNvPr id="6" name="フッター プレースホルダー 5"/>
+            <a:endParaRPr lang="en-US" dirty="0"/>
+          </a:p>
+        </p:txBody>
+      </p:sp>
+      <p:sp>
+        <p:nvSpPr>
+          <p:cNvPr id="6" name="Footer Placeholder 5"/>
           <p:cNvSpPr>
             <a:spLocks noGrp="1"/>
           </p:cNvSpPr>
@@ -2623,13 +5417,13 @@
           <a:bodyPr/>
           <a:lstStyle/>
           <a:p>
-            <a:endParaRPr kumimoji="1" lang="ja-JP" altLang="en-US"/>
-          </a:p>
-        </p:txBody>
-      </p:sp>
-      <p:sp>
-        <p:nvSpPr>
-          <p:cNvPr id="7" name="スライド番号プレースホルダー 6"/>
+            <a:endParaRPr lang="en-US" dirty="0"/>
+          </a:p>
+        </p:txBody>
+      </p:sp>
+      <p:sp>
+        <p:nvSpPr>
+          <p:cNvPr id="7" name="Slide Number Placeholder 6"/>
           <p:cNvSpPr>
             <a:spLocks noGrp="1"/>
           </p:cNvSpPr>
@@ -2642,18 +5436,19 @@
           <a:bodyPr/>
           <a:lstStyle/>
           <a:p>
-            <a:fld id="{627861DF-5698-4D56-8CEB-FFA5C4BAE208}" type="slidenum">
-              <a:rPr kumimoji="1" lang="ja-JP" altLang="en-US" smtClean="0"/>
+            <a:fld id="{D57F1E4F-1CFF-5643-939E-217C01CDF565}" type="slidenum">
+              <a:rPr lang="en-US" smtClean="0"/>
+              <a:pPr/>
               <a:t>‹#›</a:t>
             </a:fld>
-            <a:endParaRPr kumimoji="1" lang="ja-JP" altLang="en-US"/>
+            <a:endParaRPr lang="en-US" dirty="0"/>
           </a:p>
         </p:txBody>
       </p:sp>
     </p:spTree>
     <p:extLst>
       <p:ext uri="{BB962C8B-B14F-4D97-AF65-F5344CB8AC3E}">
-        <p14:creationId xmlns:p14="http://schemas.microsoft.com/office/powerpoint/2010/main" val="2102477852"/>
+        <p14:creationId xmlns:p14="http://schemas.microsoft.com/office/powerpoint/2010/main" val="2536807291"/>
       </p:ext>
     </p:extLst>
   </p:cSld>
@@ -2667,8 +5462,8 @@
 <p:sldMaster xmlns:a="http://schemas.openxmlformats.org/drawingml/2006/main" xmlns:r="http://schemas.openxmlformats.org/officeDocument/2006/relationships" xmlns:p="http://schemas.openxmlformats.org/presentationml/2006/main">
   <p:cSld>
     <p:bg>
-      <p:bgRef idx="1001">
-        <a:schemeClr val="bg1"/>
+      <p:bgRef idx="1003">
+        <a:schemeClr val="bg2"/>
       </p:bgRef>
     </p:bg>
     <p:spTree>
@@ -2687,7 +5482,7 @@
       </p:grpSpPr>
       <p:sp>
         <p:nvSpPr>
-          <p:cNvPr id="2" name="タイトル プレースホルダー 1"/>
+          <p:cNvPr id="2" name="Title Placeholder 1"/>
           <p:cNvSpPr>
             <a:spLocks noGrp="1"/>
           </p:cNvSpPr>
@@ -2697,12 +5492,19 @@
         </p:nvSpPr>
         <p:spPr>
           <a:xfrm>
-            <a:off x="838200" y="365125"/>
-            <a:ext cx="10515600" cy="1325563"/>
+            <a:off x="913795" y="609600"/>
+            <a:ext cx="10353762" cy="970450"/>
           </a:xfrm>
           <a:prstGeom prst="rect">
             <a:avLst/>
           </a:prstGeom>
+          <a:effectLst>
+            <a:outerShdw blurRad="25400" dir="17880000">
+              <a:srgbClr val="000000">
+                <a:alpha val="46000"/>
+              </a:srgbClr>
+            </a:outerShdw>
+          </a:effectLst>
         </p:spPr>
         <p:txBody>
           <a:bodyPr vert="horz" lIns="91440" tIns="45720" rIns="91440" bIns="45720" rtlCol="0" anchor="ctr">
@@ -2711,16 +5513,16 @@
           <a:lstStyle/>
           <a:p>
             <a:r>
-              <a:rPr kumimoji="1" lang="ja-JP" altLang="en-US" smtClean="0"/>
+              <a:rPr lang="ja-JP" altLang="en-US" smtClean="0"/>
               <a:t>マスター タイトルの書式設定</a:t>
             </a:r>
-            <a:endParaRPr kumimoji="1" lang="ja-JP" altLang="en-US"/>
-          </a:p>
-        </p:txBody>
-      </p:sp>
-      <p:sp>
-        <p:nvSpPr>
-          <p:cNvPr id="3" name="テキスト プレースホルダー 2"/>
+            <a:endParaRPr lang="en-US" dirty="0"/>
+          </a:p>
+        </p:txBody>
+      </p:sp>
+      <p:sp>
+        <p:nvSpPr>
+          <p:cNvPr id="3" name="Text Placeholder 2"/>
           <p:cNvSpPr>
             <a:spLocks noGrp="1"/>
           </p:cNvSpPr>
@@ -2730,91 +5532,98 @@
         </p:nvSpPr>
         <p:spPr>
           <a:xfrm>
-            <a:off x="838200" y="1825625"/>
-            <a:ext cx="10515600" cy="4351338"/>
+            <a:off x="913795" y="1732449"/>
+            <a:ext cx="10353762" cy="4058751"/>
           </a:xfrm>
           <a:prstGeom prst="rect">
             <a:avLst/>
           </a:prstGeom>
+          <a:effectLst>
+            <a:outerShdw blurRad="25400" dir="17880000">
+              <a:srgbClr val="000000">
+                <a:alpha val="46000"/>
+              </a:srgbClr>
+            </a:outerShdw>
+          </a:effectLst>
         </p:spPr>
         <p:txBody>
-          <a:bodyPr vert="horz" lIns="91440" tIns="45720" rIns="91440" bIns="45720" rtlCol="0">
+          <a:bodyPr vert="horz" lIns="91440" tIns="45720" rIns="91440" bIns="45720" rtlCol="0" anchor="t">
             <a:normAutofit/>
           </a:bodyPr>
           <a:lstStyle/>
           <a:p>
             <a:pPr lvl="0"/>
             <a:r>
-              <a:rPr kumimoji="1" lang="ja-JP" altLang="en-US" smtClean="0"/>
+              <a:rPr lang="ja-JP" altLang="en-US" smtClean="0"/>
               <a:t>マスター テキストの書式設定</a:t>
             </a:r>
           </a:p>
           <a:p>
             <a:pPr lvl="1"/>
             <a:r>
-              <a:rPr kumimoji="1" lang="ja-JP" altLang="en-US" smtClean="0"/>
+              <a:rPr lang="ja-JP" altLang="en-US" smtClean="0"/>
               <a:t>第 </a:t>
             </a:r>
             <a:r>
-              <a:rPr kumimoji="1" lang="en-US" altLang="ja-JP" smtClean="0"/>
+              <a:rPr lang="en-US" altLang="ja-JP" smtClean="0"/>
               <a:t>2 </a:t>
             </a:r>
             <a:r>
-              <a:rPr kumimoji="1" lang="ja-JP" altLang="en-US" smtClean="0"/>
+              <a:rPr lang="ja-JP" altLang="en-US" smtClean="0"/>
               <a:t>レベル</a:t>
             </a:r>
           </a:p>
           <a:p>
             <a:pPr lvl="2"/>
             <a:r>
-              <a:rPr kumimoji="1" lang="ja-JP" altLang="en-US" smtClean="0"/>
+              <a:rPr lang="ja-JP" altLang="en-US" smtClean="0"/>
               <a:t>第 </a:t>
             </a:r>
             <a:r>
-              <a:rPr kumimoji="1" lang="en-US" altLang="ja-JP" smtClean="0"/>
+              <a:rPr lang="en-US" altLang="ja-JP" smtClean="0"/>
               <a:t>3 </a:t>
             </a:r>
             <a:r>
-              <a:rPr kumimoji="1" lang="ja-JP" altLang="en-US" smtClean="0"/>
+              <a:rPr lang="ja-JP" altLang="en-US" smtClean="0"/>
               <a:t>レベル</a:t>
             </a:r>
           </a:p>
           <a:p>
             <a:pPr lvl="3"/>
             <a:r>
-              <a:rPr kumimoji="1" lang="ja-JP" altLang="en-US" smtClean="0"/>
+              <a:rPr lang="ja-JP" altLang="en-US" smtClean="0"/>
               <a:t>第 </a:t>
             </a:r>
             <a:r>
-              <a:rPr kumimoji="1" lang="en-US" altLang="ja-JP" smtClean="0"/>
+              <a:rPr lang="en-US" altLang="ja-JP" smtClean="0"/>
               <a:t>4 </a:t>
             </a:r>
             <a:r>
-              <a:rPr kumimoji="1" lang="ja-JP" altLang="en-US" smtClean="0"/>
+              <a:rPr lang="ja-JP" altLang="en-US" smtClean="0"/>
               <a:t>レベル</a:t>
             </a:r>
           </a:p>
           <a:p>
             <a:pPr lvl="4"/>
             <a:r>
-              <a:rPr kumimoji="1" lang="ja-JP" altLang="en-US" smtClean="0"/>
+              <a:rPr lang="ja-JP" altLang="en-US" smtClean="0"/>
               <a:t>第 </a:t>
             </a:r>
             <a:r>
-              <a:rPr kumimoji="1" lang="en-US" altLang="ja-JP" smtClean="0"/>
+              <a:rPr lang="en-US" altLang="ja-JP" smtClean="0"/>
               <a:t>5 </a:t>
             </a:r>
             <a:r>
-              <a:rPr kumimoji="1" lang="ja-JP" altLang="en-US" smtClean="0"/>
+              <a:rPr lang="ja-JP" altLang="en-US" smtClean="0"/>
               <a:t>レベル</a:t>
             </a:r>
-            <a:endParaRPr kumimoji="1" lang="ja-JP" altLang="en-US"/>
-          </a:p>
-        </p:txBody>
-      </p:sp>
-      <p:sp>
-        <p:nvSpPr>
-          <p:cNvPr id="4" name="日付プレースホルダー 3"/>
+            <a:endParaRPr lang="en-US" dirty="0"/>
+          </a:p>
+        </p:txBody>
+      </p:sp>
+      <p:sp>
+        <p:nvSpPr>
+          <p:cNvPr id="4" name="Date Placeholder 3"/>
           <p:cNvSpPr>
             <a:spLocks noGrp="1"/>
           </p:cNvSpPr>
@@ -2824,7 +5633,7 @@
         </p:nvSpPr>
         <p:spPr>
           <a:xfrm>
-            <a:off x="838200" y="6356350"/>
+            <a:off x="7678736" y="5883275"/>
             <a:ext cx="2743200" cy="365125"/>
           </a:xfrm>
           <a:prstGeom prst="rect">
@@ -2834,28 +5643,36 @@
         <p:txBody>
           <a:bodyPr vert="horz" lIns="91440" tIns="45720" rIns="91440" bIns="45720" rtlCol="0" anchor="ctr"/>
           <a:lstStyle>
-            <a:lvl1pPr algn="l">
-              <a:defRPr sz="1200">
+            <a:lvl1pPr algn="r">
+              <a:defRPr sz="1000">
                 <a:solidFill>
                   <a:schemeClr val="tx1">
-                    <a:tint val="75000"/>
+                    <a:lumMod val="95000"/>
                   </a:schemeClr>
                 </a:solidFill>
+                <a:effectLst>
+                  <a:outerShdw blurRad="50800" dist="38100" dir="2700000" algn="tl" rotWithShape="0">
+                    <a:schemeClr val="bg1">
+                      <a:alpha val="43000"/>
+                    </a:schemeClr>
+                  </a:outerShdw>
+                </a:effectLst>
               </a:defRPr>
             </a:lvl1pPr>
           </a:lstStyle>
           <a:p>
-            <a:fld id="{B2B5BDEE-E98D-4F93-A903-1F03703468CC}" type="datetimeFigureOut">
-              <a:rPr kumimoji="1" lang="ja-JP" altLang="en-US" smtClean="0"/>
-              <a:t>2017/3/30</a:t>
+            <a:fld id="{B61BEF0D-F0BB-DE4B-95CE-6DB70DBA9567}" type="datetimeFigureOut">
+              <a:rPr lang="en-US" smtClean="0"/>
+              <a:pPr/>
+              <a:t>4/1/2017</a:t>
             </a:fld>
-            <a:endParaRPr kumimoji="1" lang="ja-JP" altLang="en-US"/>
-          </a:p>
-        </p:txBody>
-      </p:sp>
-      <p:sp>
-        <p:nvSpPr>
-          <p:cNvPr id="5" name="フッター プレースホルダー 4"/>
+            <a:endParaRPr lang="en-US" dirty="0"/>
+          </a:p>
+        </p:txBody>
+      </p:sp>
+      <p:sp>
+        <p:nvSpPr>
+          <p:cNvPr id="5" name="Footer Placeholder 4"/>
           <p:cNvSpPr>
             <a:spLocks noGrp="1"/>
           </p:cNvSpPr>
@@ -2865,8 +5682,8 @@
         </p:nvSpPr>
         <p:spPr>
           <a:xfrm>
-            <a:off x="4038600" y="6356350"/>
-            <a:ext cx="4114800" cy="365125"/>
+            <a:off x="913795" y="5883275"/>
+            <a:ext cx="6672865" cy="365125"/>
           </a:xfrm>
           <a:prstGeom prst="rect">
             <a:avLst/>
@@ -2875,24 +5692,31 @@
         <p:txBody>
           <a:bodyPr vert="horz" lIns="91440" tIns="45720" rIns="91440" bIns="45720" rtlCol="0" anchor="ctr"/>
           <a:lstStyle>
-            <a:lvl1pPr algn="ctr">
-              <a:defRPr sz="1200">
+            <a:lvl1pPr algn="l">
+              <a:defRPr sz="1000">
                 <a:solidFill>
                   <a:schemeClr val="tx1">
-                    <a:tint val="75000"/>
+                    <a:lumMod val="95000"/>
                   </a:schemeClr>
                 </a:solidFill>
+                <a:effectLst>
+                  <a:outerShdw blurRad="50800" dist="38100" dir="2700000" algn="tl" rotWithShape="0">
+                    <a:schemeClr val="bg1">
+                      <a:alpha val="43000"/>
+                    </a:schemeClr>
+                  </a:outerShdw>
+                </a:effectLst>
               </a:defRPr>
             </a:lvl1pPr>
           </a:lstStyle>
           <a:p>
-            <a:endParaRPr kumimoji="1" lang="ja-JP" altLang="en-US"/>
-          </a:p>
-        </p:txBody>
-      </p:sp>
-      <p:sp>
-        <p:nvSpPr>
-          <p:cNvPr id="6" name="スライド番号プレースホルダー 5"/>
+            <a:endParaRPr lang="en-US" dirty="0"/>
+          </a:p>
+        </p:txBody>
+      </p:sp>
+      <p:sp>
+        <p:nvSpPr>
+          <p:cNvPr id="6" name="Slide Number Placeholder 5"/>
           <p:cNvSpPr>
             <a:spLocks noGrp="1"/>
           </p:cNvSpPr>
@@ -2902,8 +5726,8 @@
         </p:nvSpPr>
         <p:spPr>
           <a:xfrm>
-            <a:off x="8610600" y="6356350"/>
-            <a:ext cx="2743200" cy="365125"/>
+            <a:off x="10514011" y="5883275"/>
+            <a:ext cx="753545" cy="365125"/>
           </a:xfrm>
           <a:prstGeom prst="rect">
             <a:avLst/>
@@ -2913,76 +5737,498 @@
           <a:bodyPr vert="horz" lIns="91440" tIns="45720" rIns="91440" bIns="45720" rtlCol="0" anchor="ctr"/>
           <a:lstStyle>
             <a:lvl1pPr algn="r">
-              <a:defRPr sz="1200">
+              <a:defRPr sz="1000">
                 <a:solidFill>
                   <a:schemeClr val="tx1">
-                    <a:tint val="75000"/>
+                    <a:lumMod val="95000"/>
                   </a:schemeClr>
                 </a:solidFill>
+                <a:effectLst>
+                  <a:outerShdw blurRad="50800" dist="38100" dir="2700000" algn="tl" rotWithShape="0">
+                    <a:schemeClr val="bg1">
+                      <a:alpha val="43000"/>
+                    </a:schemeClr>
+                  </a:outerShdw>
+                </a:effectLst>
               </a:defRPr>
             </a:lvl1pPr>
           </a:lstStyle>
           <a:p>
-            <a:fld id="{627861DF-5698-4D56-8CEB-FFA5C4BAE208}" type="slidenum">
-              <a:rPr kumimoji="1" lang="ja-JP" altLang="en-US" smtClean="0"/>
+            <a:fld id="{D57F1E4F-1CFF-5643-939E-217C01CDF565}" type="slidenum">
+              <a:rPr lang="en-US" smtClean="0"/>
+              <a:pPr/>
               <a:t>‹#›</a:t>
             </a:fld>
-            <a:endParaRPr kumimoji="1" lang="ja-JP" altLang="en-US"/>
+            <a:endParaRPr lang="en-US" dirty="0"/>
           </a:p>
         </p:txBody>
       </p:sp>
     </p:spTree>
     <p:extLst>
       <p:ext uri="{BB962C8B-B14F-4D97-AF65-F5344CB8AC3E}">
-        <p14:creationId xmlns:p14="http://schemas.microsoft.com/office/powerpoint/2010/main" val="1994737805"/>
+        <p14:creationId xmlns:p14="http://schemas.microsoft.com/office/powerpoint/2010/main" val="2544987284"/>
       </p:ext>
     </p:extLst>
   </p:cSld>
-  <p:clrMap bg1="lt1" tx1="dk1" bg2="lt2" tx2="dk2" accent1="accent1" accent2="accent2" accent3="accent3" accent4="accent4" accent5="accent5" accent6="accent6" hlink="hlink" folHlink="folHlink"/>
+  <p:clrMap bg1="dk1" tx1="lt1" bg2="dk2" tx2="lt2" accent1="accent1" accent2="accent2" accent3="accent3" accent4="accent4" accent5="accent5" accent6="accent6" hlink="hlink" folHlink="folHlink"/>
   <p:sldLayoutIdLst>
-    <p:sldLayoutId id="2147483649" r:id="rId1"/>
-    <p:sldLayoutId id="2147483650" r:id="rId2"/>
-    <p:sldLayoutId id="2147483651" r:id="rId3"/>
-    <p:sldLayoutId id="2147483652" r:id="rId4"/>
-    <p:sldLayoutId id="2147483653" r:id="rId5"/>
-    <p:sldLayoutId id="2147483654" r:id="rId6"/>
-    <p:sldLayoutId id="2147483655" r:id="rId7"/>
-    <p:sldLayoutId id="2147483656" r:id="rId8"/>
-    <p:sldLayoutId id="2147483657" r:id="rId9"/>
-    <p:sldLayoutId id="2147483658" r:id="rId10"/>
-    <p:sldLayoutId id="2147483659" r:id="rId11"/>
+    <p:sldLayoutId id="2147483687" r:id="rId1"/>
+    <p:sldLayoutId id="2147483688" r:id="rId2"/>
+    <p:sldLayoutId id="2147483689" r:id="rId3"/>
+    <p:sldLayoutId id="2147483690" r:id="rId4"/>
+    <p:sldLayoutId id="2147483691" r:id="rId5"/>
+    <p:sldLayoutId id="2147483692" r:id="rId6"/>
+    <p:sldLayoutId id="2147483693" r:id="rId7"/>
+    <p:sldLayoutId id="2147483694" r:id="rId8"/>
+    <p:sldLayoutId id="2147483695" r:id="rId9"/>
+    <p:sldLayoutId id="2147483696" r:id="rId10"/>
+    <p:sldLayoutId id="2147483697" r:id="rId11"/>
+    <p:sldLayoutId id="2147483698" r:id="rId12"/>
+    <p:sldLayoutId id="2147483699" r:id="rId13"/>
+    <p:sldLayoutId id="2147483700" r:id="rId14"/>
+    <p:sldLayoutId id="2147483701" r:id="rId15"/>
+    <p:sldLayoutId id="2147483702" r:id="rId16"/>
+    <p:sldLayoutId id="2147483703" r:id="rId17"/>
   </p:sldLayoutIdLst>
   <p:txStyles>
     <p:titleStyle>
-      <a:lvl1pPr algn="l" defTabSz="914400" rtl="0" eaLnBrk="1" latinLnBrk="0" hangingPunct="1">
-        <a:lnSpc>
-          <a:spcPct val="90000"/>
-        </a:lnSpc>
+      <a:lvl1pPr algn="ctr" defTabSz="457200" rtl="0" eaLnBrk="1" latinLnBrk="0" hangingPunct="1">
         <a:spcBef>
           <a:spcPct val="0"/>
         </a:spcBef>
         <a:buNone/>
-        <a:defRPr kumimoji="1" sz="4400" kern="1200">
+        <a:defRPr kumimoji="1" sz="4000" kern="1200">
+          <a:ln>
+            <a:solidFill>
+              <a:schemeClr val="bg1">
+                <a:lumMod val="75000"/>
+                <a:lumOff val="25000"/>
+                <a:alpha val="10000"/>
+              </a:schemeClr>
+            </a:solidFill>
+          </a:ln>
           <a:solidFill>
-            <a:schemeClr val="tx1"/>
+            <a:schemeClr val="tx2"/>
           </a:solidFill>
+          <a:effectLst>
+            <a:outerShdw blurRad="9525" dist="25400" dir="14640000" algn="tl" rotWithShape="0">
+              <a:schemeClr val="bg1">
+                <a:alpha val="30000"/>
+              </a:schemeClr>
+            </a:outerShdw>
+          </a:effectLst>
           <a:latin typeface="+mj-lt"/>
           <a:ea typeface="+mj-ea"/>
-          <a:cs typeface="+mj-cs"/>
+          <a:cs typeface="Trebuchet MS"/>
         </a:defRPr>
       </a:lvl1pPr>
+      <a:lvl2pPr eaLnBrk="1" hangingPunct="1">
+        <a:defRPr kumimoji="1">
+          <a:solidFill>
+            <a:schemeClr val="tx2"/>
+          </a:solidFill>
+        </a:defRPr>
+      </a:lvl2pPr>
+      <a:lvl3pPr eaLnBrk="1" hangingPunct="1">
+        <a:defRPr kumimoji="1">
+          <a:solidFill>
+            <a:schemeClr val="tx2"/>
+          </a:solidFill>
+        </a:defRPr>
+      </a:lvl3pPr>
+      <a:lvl4pPr eaLnBrk="1" hangingPunct="1">
+        <a:defRPr kumimoji="1">
+          <a:solidFill>
+            <a:schemeClr val="tx2"/>
+          </a:solidFill>
+        </a:defRPr>
+      </a:lvl4pPr>
+      <a:lvl5pPr eaLnBrk="1" hangingPunct="1">
+        <a:defRPr kumimoji="1">
+          <a:solidFill>
+            <a:schemeClr val="tx2"/>
+          </a:solidFill>
+        </a:defRPr>
+      </a:lvl5pPr>
+      <a:lvl6pPr eaLnBrk="1" hangingPunct="1">
+        <a:defRPr kumimoji="1">
+          <a:solidFill>
+            <a:schemeClr val="tx2"/>
+          </a:solidFill>
+        </a:defRPr>
+      </a:lvl6pPr>
+      <a:lvl7pPr eaLnBrk="1" hangingPunct="1">
+        <a:defRPr kumimoji="1">
+          <a:solidFill>
+            <a:schemeClr val="tx2"/>
+          </a:solidFill>
+        </a:defRPr>
+      </a:lvl7pPr>
+      <a:lvl8pPr eaLnBrk="1" hangingPunct="1">
+        <a:defRPr kumimoji="1">
+          <a:solidFill>
+            <a:schemeClr val="tx2"/>
+          </a:solidFill>
+        </a:defRPr>
+      </a:lvl8pPr>
+      <a:lvl9pPr eaLnBrk="1" hangingPunct="1">
+        <a:defRPr kumimoji="1">
+          <a:solidFill>
+            <a:schemeClr val="tx2"/>
+          </a:solidFill>
+        </a:defRPr>
+      </a:lvl9pPr>
     </p:titleStyle>
     <p:bodyStyle>
-      <a:lvl1pPr marL="228600" indent="-228600" algn="l" defTabSz="914400" rtl="0" eaLnBrk="1" latinLnBrk="0" hangingPunct="1">
-        <a:lnSpc>
-          <a:spcPct val="90000"/>
-        </a:lnSpc>
+      <a:lvl1pPr marL="342900" indent="-306000" algn="l" defTabSz="457200" rtl="0" eaLnBrk="1" latinLnBrk="0" hangingPunct="1">
         <a:spcBef>
-          <a:spcPts val="1000"/>
+          <a:spcPct val="20000"/>
         </a:spcBef>
-        <a:buFont typeface="Arial" panose="020B0604020202020204" pitchFamily="34" charset="0"/>
-        <a:buChar char="•"/>
-        <a:defRPr kumimoji="1" sz="2800" kern="1200">
+        <a:spcAft>
+          <a:spcPts val="600"/>
+        </a:spcAft>
+        <a:buClr>
+          <a:schemeClr val="tx2"/>
+        </a:buClr>
+        <a:buSzPct val="70000"/>
+        <a:buFont typeface="Wingdings 2" charset="2"/>
+        <a:buChar char=""/>
+        <a:defRPr kumimoji="1" sz="2000" kern="1200">
+          <a:ln>
+            <a:solidFill>
+              <a:schemeClr val="bg1">
+                <a:lumMod val="75000"/>
+                <a:lumOff val="25000"/>
+                <a:alpha val="10000"/>
+              </a:schemeClr>
+            </a:solidFill>
+          </a:ln>
+          <a:solidFill>
+            <a:schemeClr val="tx2"/>
+          </a:solidFill>
+          <a:effectLst>
+            <a:outerShdw blurRad="9525" dist="25400" dir="14640000" algn="tl" rotWithShape="0">
+              <a:schemeClr val="bg1">
+                <a:alpha val="30000"/>
+              </a:schemeClr>
+            </a:outerShdw>
+          </a:effectLst>
+          <a:latin typeface="+mn-lt"/>
+          <a:ea typeface="+mn-ea"/>
+          <a:cs typeface="+mn-cs"/>
+        </a:defRPr>
+      </a:lvl1pPr>
+      <a:lvl2pPr marL="720000" indent="-270000" algn="l" defTabSz="457200" rtl="0" eaLnBrk="1" latinLnBrk="0" hangingPunct="1">
+        <a:spcBef>
+          <a:spcPct val="20000"/>
+        </a:spcBef>
+        <a:spcAft>
+          <a:spcPts val="600"/>
+        </a:spcAft>
+        <a:buClr>
+          <a:schemeClr val="tx2"/>
+        </a:buClr>
+        <a:buSzPct val="70000"/>
+        <a:buFont typeface="Wingdings 2" charset="2"/>
+        <a:buChar char=""/>
+        <a:defRPr kumimoji="1" sz="1800" kern="1200">
+          <a:ln>
+            <a:solidFill>
+              <a:schemeClr val="bg1">
+                <a:lumMod val="75000"/>
+                <a:lumOff val="25000"/>
+                <a:alpha val="10000"/>
+              </a:schemeClr>
+            </a:solidFill>
+          </a:ln>
+          <a:solidFill>
+            <a:schemeClr val="tx2"/>
+          </a:solidFill>
+          <a:effectLst>
+            <a:outerShdw blurRad="9525" dist="25400" dir="14640000" algn="tl" rotWithShape="0">
+              <a:schemeClr val="bg1">
+                <a:alpha val="30000"/>
+              </a:schemeClr>
+            </a:outerShdw>
+          </a:effectLst>
+          <a:latin typeface="+mn-lt"/>
+          <a:ea typeface="+mn-ea"/>
+          <a:cs typeface="+mn-cs"/>
+        </a:defRPr>
+      </a:lvl2pPr>
+      <a:lvl3pPr marL="1026000" indent="-216000" algn="l" defTabSz="457200" rtl="0" eaLnBrk="1" latinLnBrk="0" hangingPunct="1">
+        <a:spcBef>
+          <a:spcPct val="20000"/>
+        </a:spcBef>
+        <a:spcAft>
+          <a:spcPts val="600"/>
+        </a:spcAft>
+        <a:buClr>
+          <a:schemeClr val="tx2"/>
+        </a:buClr>
+        <a:buSzPct val="70000"/>
+        <a:buFont typeface="Wingdings 2" charset="2"/>
+        <a:buChar char=""/>
+        <a:defRPr kumimoji="1" sz="1600" kern="1200">
+          <a:ln>
+            <a:solidFill>
+              <a:schemeClr val="bg1">
+                <a:lumMod val="75000"/>
+                <a:lumOff val="25000"/>
+                <a:alpha val="10000"/>
+              </a:schemeClr>
+            </a:solidFill>
+          </a:ln>
+          <a:solidFill>
+            <a:schemeClr val="tx2"/>
+          </a:solidFill>
+          <a:effectLst>
+            <a:outerShdw blurRad="9525" dist="25400" dir="14640000" algn="tl" rotWithShape="0">
+              <a:schemeClr val="bg1">
+                <a:alpha val="30000"/>
+              </a:schemeClr>
+            </a:outerShdw>
+          </a:effectLst>
+          <a:latin typeface="+mn-lt"/>
+          <a:ea typeface="+mn-ea"/>
+          <a:cs typeface="+mn-cs"/>
+        </a:defRPr>
+      </a:lvl3pPr>
+      <a:lvl4pPr marL="1386000" indent="-216000" algn="l" defTabSz="457200" rtl="0" eaLnBrk="1" latinLnBrk="0" hangingPunct="1">
+        <a:spcBef>
+          <a:spcPct val="20000"/>
+        </a:spcBef>
+        <a:spcAft>
+          <a:spcPts val="600"/>
+        </a:spcAft>
+        <a:buClr>
+          <a:schemeClr val="tx2"/>
+        </a:buClr>
+        <a:buSzPct val="70000"/>
+        <a:buFont typeface="Wingdings 2" charset="2"/>
+        <a:buChar char=""/>
+        <a:defRPr kumimoji="1" sz="1400" kern="1200">
+          <a:ln>
+            <a:solidFill>
+              <a:schemeClr val="bg1">
+                <a:lumMod val="75000"/>
+                <a:lumOff val="25000"/>
+                <a:alpha val="10000"/>
+              </a:schemeClr>
+            </a:solidFill>
+          </a:ln>
+          <a:solidFill>
+            <a:schemeClr val="tx2"/>
+          </a:solidFill>
+          <a:effectLst>
+            <a:outerShdw blurRad="9525" dist="25400" dir="14640000" algn="tl" rotWithShape="0">
+              <a:schemeClr val="bg1">
+                <a:alpha val="30000"/>
+              </a:schemeClr>
+            </a:outerShdw>
+          </a:effectLst>
+          <a:latin typeface="+mn-lt"/>
+          <a:ea typeface="+mn-ea"/>
+          <a:cs typeface="+mn-cs"/>
+        </a:defRPr>
+      </a:lvl4pPr>
+      <a:lvl5pPr marL="1674000" indent="-216000" algn="l" defTabSz="457200" rtl="0" eaLnBrk="1" latinLnBrk="0" hangingPunct="1">
+        <a:spcBef>
+          <a:spcPct val="20000"/>
+        </a:spcBef>
+        <a:spcAft>
+          <a:spcPts val="600"/>
+        </a:spcAft>
+        <a:buClr>
+          <a:schemeClr val="tx2"/>
+        </a:buClr>
+        <a:buSzPct val="70000"/>
+        <a:buFont typeface="Wingdings 2" charset="2"/>
+        <a:buChar char=""/>
+        <a:defRPr kumimoji="1" sz="1400" kern="1200">
+          <a:ln>
+            <a:solidFill>
+              <a:schemeClr val="bg1">
+                <a:lumMod val="75000"/>
+                <a:lumOff val="25000"/>
+                <a:alpha val="10000"/>
+              </a:schemeClr>
+            </a:solidFill>
+          </a:ln>
+          <a:solidFill>
+            <a:schemeClr val="tx2"/>
+          </a:solidFill>
+          <a:effectLst>
+            <a:outerShdw blurRad="9525" dist="25400" dir="14640000" algn="tl" rotWithShape="0">
+              <a:schemeClr val="bg1">
+                <a:alpha val="30000"/>
+              </a:schemeClr>
+            </a:outerShdw>
+          </a:effectLst>
+          <a:latin typeface="+mn-lt"/>
+          <a:ea typeface="+mn-ea"/>
+          <a:cs typeface="+mn-cs"/>
+        </a:defRPr>
+      </a:lvl5pPr>
+      <a:lvl6pPr marL="2014600" indent="-228600" algn="l" defTabSz="457200" rtl="0" eaLnBrk="1" latinLnBrk="0" hangingPunct="1">
+        <a:spcBef>
+          <a:spcPct val="20000"/>
+        </a:spcBef>
+        <a:spcAft>
+          <a:spcPts val="600"/>
+        </a:spcAft>
+        <a:buClr>
+          <a:schemeClr val="tx2"/>
+        </a:buClr>
+        <a:buSzPct val="70000"/>
+        <a:buFont typeface="Wingdings 2" charset="2"/>
+        <a:buChar char=""/>
+        <a:defRPr kumimoji="1" sz="1400" kern="1200">
+          <a:ln>
+            <a:solidFill>
+              <a:schemeClr val="bg1">
+                <a:lumMod val="75000"/>
+                <a:lumOff val="25000"/>
+                <a:alpha val="10000"/>
+              </a:schemeClr>
+            </a:solidFill>
+          </a:ln>
+          <a:solidFill>
+            <a:schemeClr val="tx2"/>
+          </a:solidFill>
+          <a:effectLst>
+            <a:outerShdw blurRad="9525" dist="25400" dir="14640000" algn="tl" rotWithShape="0">
+              <a:schemeClr val="bg1">
+                <a:alpha val="30000"/>
+              </a:schemeClr>
+            </a:outerShdw>
+          </a:effectLst>
+          <a:latin typeface="+mn-lt"/>
+          <a:ea typeface="+mn-ea"/>
+          <a:cs typeface="+mn-cs"/>
+        </a:defRPr>
+      </a:lvl6pPr>
+      <a:lvl7pPr marL="2401800" indent="-228600" algn="l" defTabSz="457200" rtl="0" eaLnBrk="1" latinLnBrk="0" hangingPunct="1">
+        <a:spcBef>
+          <a:spcPct val="20000"/>
+        </a:spcBef>
+        <a:spcAft>
+          <a:spcPts val="600"/>
+        </a:spcAft>
+        <a:buClr>
+          <a:schemeClr val="tx2"/>
+        </a:buClr>
+        <a:buSzPct val="70000"/>
+        <a:buFont typeface="Wingdings 2" charset="2"/>
+        <a:buChar char=""/>
+        <a:defRPr kumimoji="1" sz="1400" kern="1200">
+          <a:ln>
+            <a:solidFill>
+              <a:schemeClr val="bg1">
+                <a:lumMod val="75000"/>
+                <a:lumOff val="25000"/>
+                <a:alpha val="10000"/>
+              </a:schemeClr>
+            </a:solidFill>
+          </a:ln>
+          <a:solidFill>
+            <a:schemeClr val="tx2"/>
+          </a:solidFill>
+          <a:effectLst>
+            <a:outerShdw blurRad="9525" dist="25400" dir="14640000" algn="tl" rotWithShape="0">
+              <a:schemeClr val="bg1">
+                <a:alpha val="30000"/>
+              </a:schemeClr>
+            </a:outerShdw>
+          </a:effectLst>
+          <a:latin typeface="+mn-lt"/>
+          <a:ea typeface="+mn-ea"/>
+          <a:cs typeface="+mn-cs"/>
+        </a:defRPr>
+      </a:lvl7pPr>
+      <a:lvl8pPr marL="2789000" indent="-228600" algn="l" defTabSz="457200" rtl="0" eaLnBrk="1" latinLnBrk="0" hangingPunct="1">
+        <a:spcBef>
+          <a:spcPct val="20000"/>
+        </a:spcBef>
+        <a:spcAft>
+          <a:spcPts val="600"/>
+        </a:spcAft>
+        <a:buClr>
+          <a:schemeClr val="tx2"/>
+        </a:buClr>
+        <a:buSzPct val="70000"/>
+        <a:buFont typeface="Wingdings 2" charset="2"/>
+        <a:buChar char=""/>
+        <a:defRPr kumimoji="1" sz="1400" kern="1200">
+          <a:ln>
+            <a:solidFill>
+              <a:schemeClr val="bg1">
+                <a:lumMod val="75000"/>
+                <a:lumOff val="25000"/>
+                <a:alpha val="10000"/>
+              </a:schemeClr>
+            </a:solidFill>
+          </a:ln>
+          <a:solidFill>
+            <a:schemeClr val="tx2"/>
+          </a:solidFill>
+          <a:effectLst>
+            <a:outerShdw blurRad="9525" dist="25400" dir="14640000" algn="tl" rotWithShape="0">
+              <a:schemeClr val="bg1">
+                <a:alpha val="30000"/>
+              </a:schemeClr>
+            </a:outerShdw>
+          </a:effectLst>
+          <a:latin typeface="+mn-lt"/>
+          <a:ea typeface="+mn-ea"/>
+          <a:cs typeface="+mn-cs"/>
+        </a:defRPr>
+      </a:lvl8pPr>
+      <a:lvl9pPr marL="3106200" indent="-228600" algn="l" defTabSz="457200" rtl="0" eaLnBrk="1" latinLnBrk="0" hangingPunct="1">
+        <a:spcBef>
+          <a:spcPct val="20000"/>
+        </a:spcBef>
+        <a:spcAft>
+          <a:spcPts val="600"/>
+        </a:spcAft>
+        <a:buClr>
+          <a:schemeClr val="tx2"/>
+        </a:buClr>
+        <a:buSzPct val="70000"/>
+        <a:buFont typeface="Wingdings 2" charset="2"/>
+        <a:buChar char=""/>
+        <a:defRPr kumimoji="1" sz="1400" kern="1200">
+          <a:ln>
+            <a:solidFill>
+              <a:schemeClr val="bg1">
+                <a:lumMod val="75000"/>
+                <a:lumOff val="25000"/>
+                <a:alpha val="10000"/>
+              </a:schemeClr>
+            </a:solidFill>
+          </a:ln>
+          <a:solidFill>
+            <a:schemeClr val="tx2"/>
+          </a:solidFill>
+          <a:effectLst>
+            <a:outerShdw blurRad="9525" dist="25400" dir="14640000" algn="tl" rotWithShape="0">
+              <a:schemeClr val="bg1">
+                <a:alpha val="30000"/>
+              </a:schemeClr>
+            </a:outerShdw>
+          </a:effectLst>
+          <a:latin typeface="+mn-lt"/>
+          <a:ea typeface="+mn-ea"/>
+          <a:cs typeface="+mn-cs"/>
+        </a:defRPr>
+      </a:lvl9pPr>
+    </p:bodyStyle>
+    <p:otherStyle>
+      <a:defPPr>
+        <a:defRPr lang="en-US"/>
+      </a:defPPr>
+      <a:lvl1pPr marL="0" algn="l" defTabSz="457200" rtl="0" eaLnBrk="1" latinLnBrk="0" hangingPunct="1">
+        <a:defRPr kumimoji="1" sz="1800" kern="1200">
           <a:solidFill>
             <a:schemeClr val="tx1"/>
           </a:solidFill>
@@ -2991,16 +6237,8 @@
           <a:cs typeface="+mn-cs"/>
         </a:defRPr>
       </a:lvl1pPr>
-      <a:lvl2pPr marL="685800" indent="-228600" algn="l" defTabSz="914400" rtl="0" eaLnBrk="1" latinLnBrk="0" hangingPunct="1">
-        <a:lnSpc>
-          <a:spcPct val="90000"/>
-        </a:lnSpc>
-        <a:spcBef>
-          <a:spcPts val="500"/>
-        </a:spcBef>
-        <a:buFont typeface="Arial" panose="020B0604020202020204" pitchFamily="34" charset="0"/>
-        <a:buChar char="•"/>
-        <a:defRPr kumimoji="1" sz="2400" kern="1200">
+      <a:lvl2pPr marL="457200" algn="l" defTabSz="457200" rtl="0" eaLnBrk="1" latinLnBrk="0" hangingPunct="1">
+        <a:defRPr kumimoji="1" sz="1800" kern="1200">
           <a:solidFill>
             <a:schemeClr val="tx1"/>
           </a:solidFill>
@@ -3009,16 +6247,8 @@
           <a:cs typeface="+mn-cs"/>
         </a:defRPr>
       </a:lvl2pPr>
-      <a:lvl3pPr marL="1143000" indent="-228600" algn="l" defTabSz="914400" rtl="0" eaLnBrk="1" latinLnBrk="0" hangingPunct="1">
-        <a:lnSpc>
-          <a:spcPct val="90000"/>
-        </a:lnSpc>
-        <a:spcBef>
-          <a:spcPts val="500"/>
-        </a:spcBef>
-        <a:buFont typeface="Arial" panose="020B0604020202020204" pitchFamily="34" charset="0"/>
-        <a:buChar char="•"/>
-        <a:defRPr kumimoji="1" sz="2000" kern="1200">
+      <a:lvl3pPr marL="914400" algn="l" defTabSz="457200" rtl="0" eaLnBrk="1" latinLnBrk="0" hangingPunct="1">
+        <a:defRPr kumimoji="1" sz="1800" kern="1200">
           <a:solidFill>
             <a:schemeClr val="tx1"/>
           </a:solidFill>
@@ -3027,15 +6257,7 @@
           <a:cs typeface="+mn-cs"/>
         </a:defRPr>
       </a:lvl3pPr>
-      <a:lvl4pPr marL="1600200" indent="-228600" algn="l" defTabSz="914400" rtl="0" eaLnBrk="1" latinLnBrk="0" hangingPunct="1">
-        <a:lnSpc>
-          <a:spcPct val="90000"/>
-        </a:lnSpc>
-        <a:spcBef>
-          <a:spcPts val="500"/>
-        </a:spcBef>
-        <a:buFont typeface="Arial" panose="020B0604020202020204" pitchFamily="34" charset="0"/>
-        <a:buChar char="•"/>
+      <a:lvl4pPr marL="1371600" algn="l" defTabSz="457200" rtl="0" eaLnBrk="1" latinLnBrk="0" hangingPunct="1">
         <a:defRPr kumimoji="1" sz="1800" kern="1200">
           <a:solidFill>
             <a:schemeClr val="tx1"/>
@@ -3045,15 +6267,7 @@
           <a:cs typeface="+mn-cs"/>
         </a:defRPr>
       </a:lvl4pPr>
-      <a:lvl5pPr marL="2057400" indent="-228600" algn="l" defTabSz="914400" rtl="0" eaLnBrk="1" latinLnBrk="0" hangingPunct="1">
-        <a:lnSpc>
-          <a:spcPct val="90000"/>
-        </a:lnSpc>
-        <a:spcBef>
-          <a:spcPts val="500"/>
-        </a:spcBef>
-        <a:buFont typeface="Arial" panose="020B0604020202020204" pitchFamily="34" charset="0"/>
-        <a:buChar char="•"/>
+      <a:lvl5pPr marL="1828800" algn="l" defTabSz="457200" rtl="0" eaLnBrk="1" latinLnBrk="0" hangingPunct="1">
         <a:defRPr kumimoji="1" sz="1800" kern="1200">
           <a:solidFill>
             <a:schemeClr val="tx1"/>
@@ -3063,15 +6277,7 @@
           <a:cs typeface="+mn-cs"/>
         </a:defRPr>
       </a:lvl5pPr>
-      <a:lvl6pPr marL="2514600" indent="-228600" algn="l" defTabSz="914400" rtl="0" eaLnBrk="1" latinLnBrk="0" hangingPunct="1">
-        <a:lnSpc>
-          <a:spcPct val="90000"/>
-        </a:lnSpc>
-        <a:spcBef>
-          <a:spcPts val="500"/>
-        </a:spcBef>
-        <a:buFont typeface="Arial" panose="020B0604020202020204" pitchFamily="34" charset="0"/>
-        <a:buChar char="•"/>
+      <a:lvl6pPr marL="2286000" algn="l" defTabSz="457200" rtl="0" eaLnBrk="1" latinLnBrk="0" hangingPunct="1">
         <a:defRPr kumimoji="1" sz="1800" kern="1200">
           <a:solidFill>
             <a:schemeClr val="tx1"/>
@@ -3081,15 +6287,7 @@
           <a:cs typeface="+mn-cs"/>
         </a:defRPr>
       </a:lvl6pPr>
-      <a:lvl7pPr marL="2971800" indent="-228600" algn="l" defTabSz="914400" rtl="0" eaLnBrk="1" latinLnBrk="0" hangingPunct="1">
-        <a:lnSpc>
-          <a:spcPct val="90000"/>
-        </a:lnSpc>
-        <a:spcBef>
-          <a:spcPts val="500"/>
-        </a:spcBef>
-        <a:buFont typeface="Arial" panose="020B0604020202020204" pitchFamily="34" charset="0"/>
-        <a:buChar char="•"/>
+      <a:lvl7pPr marL="2743200" algn="l" defTabSz="457200" rtl="0" eaLnBrk="1" latinLnBrk="0" hangingPunct="1">
         <a:defRPr kumimoji="1" sz="1800" kern="1200">
           <a:solidFill>
             <a:schemeClr val="tx1"/>
@@ -3099,15 +6297,7 @@
           <a:cs typeface="+mn-cs"/>
         </a:defRPr>
       </a:lvl7pPr>
-      <a:lvl8pPr marL="3429000" indent="-228600" algn="l" defTabSz="914400" rtl="0" eaLnBrk="1" latinLnBrk="0" hangingPunct="1">
-        <a:lnSpc>
-          <a:spcPct val="90000"/>
-        </a:lnSpc>
-        <a:spcBef>
-          <a:spcPts val="500"/>
-        </a:spcBef>
-        <a:buFont typeface="Arial" panose="020B0604020202020204" pitchFamily="34" charset="0"/>
-        <a:buChar char="•"/>
+      <a:lvl8pPr marL="3200400" algn="l" defTabSz="457200" rtl="0" eaLnBrk="1" latinLnBrk="0" hangingPunct="1">
         <a:defRPr kumimoji="1" sz="1800" kern="1200">
           <a:solidFill>
             <a:schemeClr val="tx1"/>
@@ -3117,110 +6307,7 @@
           <a:cs typeface="+mn-cs"/>
         </a:defRPr>
       </a:lvl8pPr>
-      <a:lvl9pPr marL="3886200" indent="-228600" algn="l" defTabSz="914400" rtl="0" eaLnBrk="1" latinLnBrk="0" hangingPunct="1">
-        <a:lnSpc>
-          <a:spcPct val="90000"/>
-        </a:lnSpc>
-        <a:spcBef>
-          <a:spcPts val="500"/>
-        </a:spcBef>
-        <a:buFont typeface="Arial" panose="020B0604020202020204" pitchFamily="34" charset="0"/>
-        <a:buChar char="•"/>
-        <a:defRPr kumimoji="1" sz="1800" kern="1200">
-          <a:solidFill>
-            <a:schemeClr val="tx1"/>
-          </a:solidFill>
-          <a:latin typeface="+mn-lt"/>
-          <a:ea typeface="+mn-ea"/>
-          <a:cs typeface="+mn-cs"/>
-        </a:defRPr>
-      </a:lvl9pPr>
-    </p:bodyStyle>
-    <p:otherStyle>
-      <a:defPPr>
-        <a:defRPr lang="ja-JP"/>
-      </a:defPPr>
-      <a:lvl1pPr marL="0" algn="l" defTabSz="914400" rtl="0" eaLnBrk="1" latinLnBrk="0" hangingPunct="1">
-        <a:defRPr kumimoji="1" sz="1800" kern="1200">
-          <a:solidFill>
-            <a:schemeClr val="tx1"/>
-          </a:solidFill>
-          <a:latin typeface="+mn-lt"/>
-          <a:ea typeface="+mn-ea"/>
-          <a:cs typeface="+mn-cs"/>
-        </a:defRPr>
-      </a:lvl1pPr>
-      <a:lvl2pPr marL="457200" algn="l" defTabSz="914400" rtl="0" eaLnBrk="1" latinLnBrk="0" hangingPunct="1">
-        <a:defRPr kumimoji="1" sz="1800" kern="1200">
-          <a:solidFill>
-            <a:schemeClr val="tx1"/>
-          </a:solidFill>
-          <a:latin typeface="+mn-lt"/>
-          <a:ea typeface="+mn-ea"/>
-          <a:cs typeface="+mn-cs"/>
-        </a:defRPr>
-      </a:lvl2pPr>
-      <a:lvl3pPr marL="914400" algn="l" defTabSz="914400" rtl="0" eaLnBrk="1" latinLnBrk="0" hangingPunct="1">
-        <a:defRPr kumimoji="1" sz="1800" kern="1200">
-          <a:solidFill>
-            <a:schemeClr val="tx1"/>
-          </a:solidFill>
-          <a:latin typeface="+mn-lt"/>
-          <a:ea typeface="+mn-ea"/>
-          <a:cs typeface="+mn-cs"/>
-        </a:defRPr>
-      </a:lvl3pPr>
-      <a:lvl4pPr marL="1371600" algn="l" defTabSz="914400" rtl="0" eaLnBrk="1" latinLnBrk="0" hangingPunct="1">
-        <a:defRPr kumimoji="1" sz="1800" kern="1200">
-          <a:solidFill>
-            <a:schemeClr val="tx1"/>
-          </a:solidFill>
-          <a:latin typeface="+mn-lt"/>
-          <a:ea typeface="+mn-ea"/>
-          <a:cs typeface="+mn-cs"/>
-        </a:defRPr>
-      </a:lvl4pPr>
-      <a:lvl5pPr marL="1828800" algn="l" defTabSz="914400" rtl="0" eaLnBrk="1" latinLnBrk="0" hangingPunct="1">
-        <a:defRPr kumimoji="1" sz="1800" kern="1200">
-          <a:solidFill>
-            <a:schemeClr val="tx1"/>
-          </a:solidFill>
-          <a:latin typeface="+mn-lt"/>
-          <a:ea typeface="+mn-ea"/>
-          <a:cs typeface="+mn-cs"/>
-        </a:defRPr>
-      </a:lvl5pPr>
-      <a:lvl6pPr marL="2286000" algn="l" defTabSz="914400" rtl="0" eaLnBrk="1" latinLnBrk="0" hangingPunct="1">
-        <a:defRPr kumimoji="1" sz="1800" kern="1200">
-          <a:solidFill>
-            <a:schemeClr val="tx1"/>
-          </a:solidFill>
-          <a:latin typeface="+mn-lt"/>
-          <a:ea typeface="+mn-ea"/>
-          <a:cs typeface="+mn-cs"/>
-        </a:defRPr>
-      </a:lvl6pPr>
-      <a:lvl7pPr marL="2743200" algn="l" defTabSz="914400" rtl="0" eaLnBrk="1" latinLnBrk="0" hangingPunct="1">
-        <a:defRPr kumimoji="1" sz="1800" kern="1200">
-          <a:solidFill>
-            <a:schemeClr val="tx1"/>
-          </a:solidFill>
-          <a:latin typeface="+mn-lt"/>
-          <a:ea typeface="+mn-ea"/>
-          <a:cs typeface="+mn-cs"/>
-        </a:defRPr>
-      </a:lvl7pPr>
-      <a:lvl8pPr marL="3200400" algn="l" defTabSz="914400" rtl="0" eaLnBrk="1" latinLnBrk="0" hangingPunct="1">
-        <a:defRPr kumimoji="1" sz="1800" kern="1200">
-          <a:solidFill>
-            <a:schemeClr val="tx1"/>
-          </a:solidFill>
-          <a:latin typeface="+mn-lt"/>
-          <a:ea typeface="+mn-ea"/>
-          <a:cs typeface="+mn-cs"/>
-        </a:defRPr>
-      </a:lvl8pPr>
-      <a:lvl9pPr marL="3657600" algn="l" defTabSz="914400" rtl="0" eaLnBrk="1" latinLnBrk="0" hangingPunct="1">
+      <a:lvl9pPr marL="3657600" algn="l" defTabSz="457200" rtl="0" eaLnBrk="1" latinLnBrk="0" hangingPunct="1">
         <a:defRPr kumimoji="1" sz="1800" kern="1200">
           <a:solidFill>
             <a:schemeClr val="tx1"/>
@@ -3262,12 +6349,71 @@
             <p:ph type="ctrTitle"/>
           </p:nvPr>
         </p:nvSpPr>
-        <p:spPr/>
-        <p:txBody>
-          <a:bodyPr/>
+        <p:spPr>
+          <a:xfrm>
+            <a:off x="1246002" y="1721963"/>
+            <a:ext cx="9440034" cy="2567563"/>
+          </a:xfrm>
+          <a:ln w="66675" cmpd="dbl">
+            <a:noFill/>
+          </a:ln>
+        </p:spPr>
+        <p:txBody>
+          <a:bodyPr>
+            <a:noAutofit/>
+          </a:bodyPr>
           <a:lstStyle/>
           <a:p>
-            <a:endParaRPr kumimoji="1" lang="ja-JP" altLang="en-US"/>
+            <a:r>
+              <a:rPr kumimoji="1" lang="en-US" altLang="ja-JP" sz="21500" dirty="0" smtClean="0">
+                <a:solidFill>
+                  <a:schemeClr val="tx1"/>
+                </a:solidFill>
+                <a:latin typeface="Agency FB" panose="020B0503020202020204" pitchFamily="34" charset="0"/>
+                <a:cs typeface="Courier New" panose="02070309020205020404" pitchFamily="49" charset="0"/>
+              </a:rPr>
+              <a:t>CI</a:t>
+            </a:r>
+            <a:r>
+              <a:rPr kumimoji="1" lang="en-US" altLang="ja-JP" sz="21500" dirty="0" smtClean="0">
+                <a:ln w="22225">
+                  <a:noFill/>
+                </a:ln>
+                <a:solidFill>
+                  <a:srgbClr val="C00000"/>
+                </a:solidFill>
+                <a:latin typeface="Agency FB" panose="020B0503020202020204" pitchFamily="34" charset="0"/>
+                <a:cs typeface="Courier New" panose="02070309020205020404" pitchFamily="49" charset="0"/>
+              </a:rPr>
+              <a:t>R</a:t>
+            </a:r>
+            <a:r>
+              <a:rPr lang="en-US" altLang="ja-JP" sz="21500" dirty="0">
+                <a:solidFill>
+                  <a:schemeClr val="tx1"/>
+                </a:solidFill>
+                <a:latin typeface="Agency FB" panose="020B0503020202020204" pitchFamily="34" charset="0"/>
+                <a:cs typeface="Courier New" panose="02070309020205020404" pitchFamily="49" charset="0"/>
+              </a:rPr>
+              <a:t>-</a:t>
+            </a:r>
+            <a:r>
+              <a:rPr kumimoji="1" lang="en-US" altLang="ja-JP" sz="21500" dirty="0" smtClean="0">
+                <a:solidFill>
+                  <a:schemeClr val="tx1"/>
+                </a:solidFill>
+                <a:latin typeface="Agency FB" panose="020B0503020202020204" pitchFamily="34" charset="0"/>
+                <a:cs typeface="Courier New" panose="02070309020205020404" pitchFamily="49" charset="0"/>
+              </a:rPr>
+              <a:t>KIT</a:t>
+            </a:r>
+            <a:endParaRPr kumimoji="1" lang="ja-JP" altLang="en-US" sz="11500" dirty="0">
+              <a:solidFill>
+                <a:schemeClr val="tx1"/>
+              </a:solidFill>
+              <a:latin typeface="Agency FB" panose="020B0503020202020204" pitchFamily="34" charset="0"/>
+              <a:cs typeface="Courier New" panose="02070309020205020404" pitchFamily="49" charset="0"/>
+            </a:endParaRPr>
           </a:p>
         </p:txBody>
       </p:sp>
@@ -3281,32 +6427,218 @@
             <p:ph type="subTitle" idx="1"/>
           </p:nvPr>
         </p:nvSpPr>
-        <p:spPr/>
-        <p:txBody>
-          <a:bodyPr/>
+        <p:spPr>
+          <a:xfrm>
+            <a:off x="1553574" y="4828622"/>
+            <a:ext cx="9440034" cy="1049867"/>
+          </a:xfrm>
+        </p:spPr>
+        <p:txBody>
+          <a:bodyPr>
+            <a:normAutofit fontScale="92500"/>
+          </a:bodyPr>
           <a:lstStyle/>
           <a:p>
-            <a:endParaRPr kumimoji="1" lang="ja-JP" altLang="en-US"/>
+            <a:r>
+              <a:rPr kumimoji="1" lang="en-US" altLang="ja-JP" sz="4800" dirty="0" smtClean="0">
+                <a:latin typeface="Arial" panose="020B0604020202020204" pitchFamily="34" charset="0"/>
+                <a:cs typeface="Arial" panose="020B0604020202020204" pitchFamily="34" charset="0"/>
+              </a:rPr>
+              <a:t>C</a:t>
+            </a:r>
+            <a:r>
+              <a:rPr kumimoji="1" lang="en-US" altLang="ja-JP" sz="2800" dirty="0" smtClean="0">
+                <a:latin typeface="Arial" panose="020B0604020202020204" pitchFamily="34" charset="0"/>
+                <a:cs typeface="Arial" panose="020B0604020202020204" pitchFamily="34" charset="0"/>
+              </a:rPr>
+              <a:t>reate </a:t>
+            </a:r>
+            <a:r>
+              <a:rPr kumimoji="1" lang="en-US" altLang="ja-JP" sz="4800" dirty="0" smtClean="0">
+                <a:latin typeface="Arial" panose="020B0604020202020204" pitchFamily="34" charset="0"/>
+                <a:cs typeface="Arial" panose="020B0604020202020204" pitchFamily="34" charset="0"/>
+              </a:rPr>
+              <a:t>I</a:t>
+            </a:r>
+            <a:r>
+              <a:rPr kumimoji="1" lang="en-US" altLang="ja-JP" sz="2800" dirty="0" smtClean="0">
+                <a:latin typeface="Arial" panose="020B0604020202020204" pitchFamily="34" charset="0"/>
+                <a:cs typeface="Arial" panose="020B0604020202020204" pitchFamily="34" charset="0"/>
+              </a:rPr>
+              <a:t>ntelligent </a:t>
+            </a:r>
+            <a:r>
+              <a:rPr kumimoji="1" lang="en-US" altLang="ja-JP" sz="4800" dirty="0" smtClean="0">
+                <a:ln w="19050">
+                  <a:solidFill>
+                    <a:schemeClr val="tx1">
+                      <a:alpha val="25000"/>
+                    </a:schemeClr>
+                  </a:solidFill>
+                </a:ln>
+                <a:solidFill>
+                  <a:srgbClr val="C00000"/>
+                </a:solidFill>
+                <a:latin typeface="Arial" panose="020B0604020202020204" pitchFamily="34" charset="0"/>
+                <a:cs typeface="Arial" panose="020B0604020202020204" pitchFamily="34" charset="0"/>
+              </a:rPr>
+              <a:t>R</a:t>
+            </a:r>
+            <a:r>
+              <a:rPr kumimoji="1" lang="en-US" altLang="ja-JP" sz="2800" dirty="0" smtClean="0">
+                <a:latin typeface="Arial" panose="020B0604020202020204" pitchFamily="34" charset="0"/>
+                <a:cs typeface="Arial" panose="020B0604020202020204" pitchFamily="34" charset="0"/>
+              </a:rPr>
+              <a:t>obots  </a:t>
+            </a:r>
+            <a:r>
+              <a:rPr kumimoji="1" lang="en-US" altLang="ja-JP" sz="4400" dirty="0" smtClean="0">
+                <a:latin typeface="Arial" panose="020B0604020202020204" pitchFamily="34" charset="0"/>
+                <a:cs typeface="Arial" panose="020B0604020202020204" pitchFamily="34" charset="0"/>
+              </a:rPr>
+              <a:t>K</a:t>
+            </a:r>
+            <a:r>
+              <a:rPr kumimoji="1" lang="en-US" altLang="ja-JP" sz="2800" dirty="0" smtClean="0">
+                <a:latin typeface="Arial" panose="020B0604020202020204" pitchFamily="34" charset="0"/>
+                <a:cs typeface="Arial" panose="020B0604020202020204" pitchFamily="34" charset="0"/>
+              </a:rPr>
+              <a:t>yushu </a:t>
+            </a:r>
+            <a:r>
+              <a:rPr kumimoji="1" lang="en-US" altLang="ja-JP" sz="4400" dirty="0" smtClean="0">
+                <a:latin typeface="Arial" panose="020B0604020202020204" pitchFamily="34" charset="0"/>
+                <a:cs typeface="Arial" panose="020B0604020202020204" pitchFamily="34" charset="0"/>
+              </a:rPr>
+              <a:t>I</a:t>
+            </a:r>
+            <a:r>
+              <a:rPr kumimoji="1" lang="en-US" altLang="ja-JP" sz="2800" dirty="0" smtClean="0">
+                <a:latin typeface="Arial" panose="020B0604020202020204" pitchFamily="34" charset="0"/>
+                <a:cs typeface="Arial" panose="020B0604020202020204" pitchFamily="34" charset="0"/>
+              </a:rPr>
+              <a:t>nstitute of </a:t>
+            </a:r>
+            <a:r>
+              <a:rPr kumimoji="1" lang="en-US" altLang="ja-JP" sz="4800" dirty="0" smtClean="0">
+                <a:latin typeface="Arial" panose="020B0604020202020204" pitchFamily="34" charset="0"/>
+                <a:cs typeface="Arial" panose="020B0604020202020204" pitchFamily="34" charset="0"/>
+              </a:rPr>
+              <a:t>T</a:t>
+            </a:r>
+            <a:r>
+              <a:rPr kumimoji="1" lang="en-US" altLang="ja-JP" sz="2800" dirty="0" smtClean="0">
+                <a:latin typeface="Arial" panose="020B0604020202020204" pitchFamily="34" charset="0"/>
+                <a:cs typeface="Arial" panose="020B0604020202020204" pitchFamily="34" charset="0"/>
+              </a:rPr>
+              <a:t>echnology</a:t>
+            </a:r>
+            <a:endParaRPr kumimoji="1" lang="ja-JP" altLang="en-US" sz="2800" dirty="0">
+              <a:latin typeface="Arial" panose="020B0604020202020204" pitchFamily="34" charset="0"/>
+              <a:cs typeface="Arial" panose="020B0604020202020204" pitchFamily="34" charset="0"/>
+            </a:endParaRPr>
           </a:p>
         </p:txBody>
       </p:sp>
     </p:spTree>
     <p:extLst>
       <p:ext uri="{BB962C8B-B14F-4D97-AF65-F5344CB8AC3E}">
-        <p14:creationId xmlns:p14="http://schemas.microsoft.com/office/powerpoint/2010/main" val="1351050953"/>
+        <p14:creationId xmlns:p14="http://schemas.microsoft.com/office/powerpoint/2010/main" val="3047565742"/>
       </p:ext>
     </p:extLst>
   </p:cSld>
   <p:clrMapOvr>
     <a:masterClrMapping/>
   </p:clrMapOvr>
+  <p:timing>
+    <p:tnLst>
+      <p:par>
+        <p:cTn id="1" dur="indefinite" restart="never" nodeType="tmRoot"/>
+      </p:par>
+    </p:tnLst>
+  </p:timing>
+</p:sld>
+</file>
+
+<file path=ppt/slides/slide2.xml><?xml version="1.0" encoding="utf-8"?>
+<p:sld xmlns:a="http://schemas.openxmlformats.org/drawingml/2006/main" xmlns:r="http://schemas.openxmlformats.org/officeDocument/2006/relationships" xmlns:p="http://schemas.openxmlformats.org/presentationml/2006/main">
+  <p:cSld>
+    <p:spTree>
+      <p:nvGrpSpPr>
+        <p:cNvPr id="1" name=""/>
+        <p:cNvGrpSpPr/>
+        <p:nvPr/>
+      </p:nvGrpSpPr>
+      <p:grpSpPr>
+        <a:xfrm>
+          <a:off x="0" y="0"/>
+          <a:ext cx="0" cy="0"/>
+          <a:chOff x="0" y="0"/>
+          <a:chExt cx="0" cy="0"/>
+        </a:xfrm>
+      </p:grpSpPr>
+      <p:sp>
+        <p:nvSpPr>
+          <p:cNvPr id="2" name="タイトル 1"/>
+          <p:cNvSpPr>
+            <a:spLocks noGrp="1"/>
+          </p:cNvSpPr>
+          <p:nvPr>
+            <p:ph type="title"/>
+          </p:nvPr>
+        </p:nvSpPr>
+        <p:spPr/>
+        <p:txBody>
+          <a:bodyPr/>
+          <a:lstStyle/>
+          <a:p>
+            <a:endParaRPr kumimoji="1" lang="ja-JP" altLang="en-US"/>
+          </a:p>
+        </p:txBody>
+      </p:sp>
+      <p:sp>
+        <p:nvSpPr>
+          <p:cNvPr id="3" name="コンテンツ プレースホルダー 2"/>
+          <p:cNvSpPr>
+            <a:spLocks noGrp="1"/>
+          </p:cNvSpPr>
+          <p:nvPr>
+            <p:ph idx="1"/>
+          </p:nvPr>
+        </p:nvSpPr>
+        <p:spPr/>
+        <p:txBody>
+          <a:bodyPr/>
+          <a:lstStyle/>
+          <a:p>
+            <a:endParaRPr kumimoji="1" lang="ja-JP" altLang="en-US"/>
+          </a:p>
+        </p:txBody>
+      </p:sp>
+    </p:spTree>
+    <p:extLst>
+      <p:ext uri="{BB962C8B-B14F-4D97-AF65-F5344CB8AC3E}">
+        <p14:creationId xmlns:p14="http://schemas.microsoft.com/office/powerpoint/2010/main" val="681817003"/>
+      </p:ext>
+    </p:extLst>
+  </p:cSld>
+  <p:clrMapOvr>
+    <a:masterClrMapping/>
+  </p:clrMapOvr>
+  <p:timing>
+    <p:tnLst>
+      <p:par>
+        <p:cTn id="1" dur="indefinite" restart="never" nodeType="tmRoot"/>
+      </p:par>
+    </p:tnLst>
+  </p:timing>
 </p:sld>
 </file>
 
 <file path=ppt/theme/theme1.xml><?xml version="1.0" encoding="utf-8"?>
-<a:theme xmlns:a="http://schemas.openxmlformats.org/drawingml/2006/main" name="Office テーマ">
+<a:theme xmlns:a="http://schemas.openxmlformats.org/drawingml/2006/main" name="石版">
   <a:themeElements>
-    <a:clrScheme name="Office">
+    <a:clrScheme name="石版">
       <a:dk1>
         <a:sysClr val="windowText" lastClr="000000"/>
       </a:dk1>
@@ -3314,52 +6646,52 @@
         <a:sysClr val="window" lastClr="FFFFFF"/>
       </a:lt1>
       <a:dk2>
-        <a:srgbClr val="44546A"/>
+        <a:srgbClr val="212123"/>
       </a:dk2>
       <a:lt2>
-        <a:srgbClr val="E7E6E6"/>
+        <a:srgbClr val="DADADA"/>
       </a:lt2>
       <a:accent1>
-        <a:srgbClr val="5B9BD5"/>
+        <a:srgbClr val="BC451B"/>
       </a:accent1>
       <a:accent2>
-        <a:srgbClr val="ED7D31"/>
+        <a:srgbClr val="D3BA68"/>
       </a:accent2>
       <a:accent3>
-        <a:srgbClr val="A5A5A5"/>
+        <a:srgbClr val="BB8640"/>
       </a:accent3>
       <a:accent4>
-        <a:srgbClr val="FFC000"/>
+        <a:srgbClr val="AD9277"/>
       </a:accent4>
       <a:accent5>
-        <a:srgbClr val="4472C4"/>
+        <a:srgbClr val="A55A43"/>
       </a:accent5>
       <a:accent6>
-        <a:srgbClr val="70AD47"/>
+        <a:srgbClr val="AD9D7B"/>
       </a:accent6>
       <a:hlink>
-        <a:srgbClr val="0563C1"/>
+        <a:srgbClr val="E98052"/>
       </a:hlink>
       <a:folHlink>
-        <a:srgbClr val="954F72"/>
+        <a:srgbClr val="F4B69B"/>
       </a:folHlink>
     </a:clrScheme>
-    <a:fontScheme name="Office">
+    <a:fontScheme name="石版">
       <a:majorFont>
-        <a:latin typeface="游ゴシック Light" panose="020F0302020204030204"/>
+        <a:latin typeface="Calisto MT" panose="02040603050505030304"/>
         <a:ea typeface=""/>
         <a:cs typeface=""/>
-        <a:font script="Jpan" typeface="游ゴシック Light"/>
-        <a:font script="Hang" typeface="맑은 고딕"/>
-        <a:font script="Hans" typeface="等线 Light"/>
-        <a:font script="Hant" typeface="新細明體"/>
-        <a:font script="Arab" typeface="Times New Roman"/>
-        <a:font script="Hebr" typeface="Times New Roman"/>
-        <a:font script="Thai" typeface="Angsana New"/>
+        <a:font script="Jpan" typeface="ＭＳ Ｐゴシック"/>
+        <a:font script="Hang" typeface="돋움"/>
+        <a:font script="Hans" typeface="方正舒体"/>
+        <a:font script="Hant" typeface="微軟正黑體"/>
+        <a:font script="Arab" typeface="Arial"/>
+        <a:font script="Hebr" typeface="Arial"/>
+        <a:font script="Thai" typeface="Cordia New"/>
         <a:font script="Ethi" typeface="Nyala"/>
         <a:font script="Beng" typeface="Vrinda"/>
         <a:font script="Gujr" typeface="Shruti"/>
-        <a:font script="Khmr" typeface="MoolBoran"/>
+        <a:font script="Khmr" typeface="DaunPenh"/>
         <a:font script="Knda" typeface="Tunga"/>
         <a:font script="Guru" typeface="Raavi"/>
         <a:font script="Cans" typeface="Euphemia"/>
@@ -3376,18 +6708,18 @@
         <a:font script="Laoo" typeface="DokChampa"/>
         <a:font script="Sinh" typeface="Iskoola Pota"/>
         <a:font script="Mong" typeface="Mongolian Baiti"/>
-        <a:font script="Viet" typeface="Times New Roman"/>
+        <a:font script="Viet" typeface="Arial"/>
         <a:font script="Uigh" typeface="Microsoft Uighur"/>
         <a:font script="Geor" typeface="Sylfaen"/>
       </a:majorFont>
       <a:minorFont>
-        <a:latin typeface="游ゴシック" panose="020F0502020204030204"/>
+        <a:latin typeface="Calisto MT" panose="02040603050505030304"/>
         <a:ea typeface=""/>
         <a:cs typeface=""/>
-        <a:font script="Jpan" typeface="游ゴシック"/>
-        <a:font script="Hang" typeface="맑은 고딕"/>
-        <a:font script="Hans" typeface="等线"/>
-        <a:font script="Hant" typeface="新細明體"/>
+        <a:font script="Jpan" typeface="ＭＳ Ｐゴシック"/>
+        <a:font script="Hang" typeface="돋움"/>
+        <a:font script="Hans" typeface="方正舒体"/>
+        <a:font script="Hant" typeface="微軟正黑體"/>
         <a:font script="Arab" typeface="Arial"/>
         <a:font script="Hebr" typeface="Arial"/>
         <a:font script="Thai" typeface="Cordia New"/>
@@ -3416,7 +6748,7 @@
         <a:font script="Geor" typeface="Sylfaen"/>
       </a:minorFont>
     </a:fontScheme>
-    <a:fmtScheme name="Office">
+    <a:fmtScheme name="石版">
       <a:fillStyleLst>
         <a:solidFill>
           <a:schemeClr val="phClr"/>
@@ -3425,23 +6757,13 @@
           <a:gsLst>
             <a:gs pos="0">
               <a:schemeClr val="phClr">
+                <a:tint val="60000"/>
                 <a:lumMod val="110000"/>
-                <a:satMod val="105000"/>
-                <a:tint val="67000"/>
-              </a:schemeClr>
-            </a:gs>
-            <a:gs pos="50000">
-              <a:schemeClr val="phClr">
-                <a:lumMod val="105000"/>
-                <a:satMod val="103000"/>
-                <a:tint val="73000"/>
               </a:schemeClr>
             </a:gs>
             <a:gs pos="100000">
               <a:schemeClr val="phClr">
-                <a:lumMod val="105000"/>
-                <a:satMod val="109000"/>
-                <a:tint val="81000"/>
+                <a:tint val="88000"/>
               </a:schemeClr>
             </a:gs>
           </a:gsLst>
@@ -3451,23 +6773,14 @@
           <a:gsLst>
             <a:gs pos="0">
               <a:schemeClr val="phClr">
-                <a:satMod val="103000"/>
-                <a:lumMod val="102000"/>
-                <a:tint val="94000"/>
-              </a:schemeClr>
-            </a:gs>
-            <a:gs pos="50000">
-              <a:schemeClr val="phClr">
-                <a:satMod val="110000"/>
-                <a:lumMod val="100000"/>
-                <a:shade val="100000"/>
+                <a:tint val="96000"/>
+                <a:lumMod val="104000"/>
               </a:schemeClr>
             </a:gs>
             <a:gs pos="100000">
               <a:schemeClr val="phClr">
-                <a:lumMod val="99000"/>
-                <a:satMod val="120000"/>
-                <a:shade val="78000"/>
+                <a:shade val="90000"/>
+                <a:lumMod val="90000"/>
               </a:schemeClr>
             </a:gs>
           </a:gsLst>
@@ -3475,26 +6788,25 @@
         </a:gradFill>
       </a:fillStyleLst>
       <a:lnStyleLst>
-        <a:ln w="6350" cap="flat" cmpd="sng" algn="ctr">
+        <a:ln w="9525" cap="rnd" cmpd="sng" algn="ctr">
+          <a:solidFill>
+            <a:schemeClr val="phClr">
+              <a:shade val="90000"/>
+            </a:schemeClr>
+          </a:solidFill>
+          <a:prstDash val="solid"/>
+        </a:ln>
+        <a:ln w="15875" cap="rnd" cmpd="sng" algn="ctr">
           <a:solidFill>
             <a:schemeClr val="phClr"/>
           </a:solidFill>
           <a:prstDash val="solid"/>
-          <a:miter lim="800000"/>
         </a:ln>
-        <a:ln w="12700" cap="flat" cmpd="sng" algn="ctr">
+        <a:ln w="25400" cap="rnd" cmpd="sng" algn="ctr">
           <a:solidFill>
             <a:schemeClr val="phClr"/>
           </a:solidFill>
           <a:prstDash val="solid"/>
-          <a:miter lim="800000"/>
-        </a:ln>
-        <a:ln w="19050" cap="flat" cmpd="sng" algn="ctr">
-          <a:solidFill>
-            <a:schemeClr val="phClr"/>
-          </a:solidFill>
-          <a:prstDash val="solid"/>
-          <a:miter lim="800000"/>
         </a:ln>
       </a:lnStyleLst>
       <a:effectStyleLst>
@@ -3502,16 +6814,33 @@
           <a:effectLst/>
         </a:effectStyle>
         <a:effectStyle>
-          <a:effectLst/>
+          <a:effectLst>
+            <a:outerShdw blurRad="63500" dist="25400" dir="5400000" rotWithShape="0">
+              <a:srgbClr val="000000">
+                <a:alpha val="60000"/>
+              </a:srgbClr>
+            </a:outerShdw>
+          </a:effectLst>
         </a:effectStyle>
         <a:effectStyle>
           <a:effectLst>
-            <a:outerShdw blurRad="57150" dist="19050" dir="5400000" algn="ctr" rotWithShape="0">
+            <a:outerShdw blurRad="76200" dist="38100" dir="5400000" rotWithShape="0">
               <a:srgbClr val="000000">
-                <a:alpha val="63000"/>
+                <a:alpha val="75000"/>
               </a:srgbClr>
             </a:outerShdw>
           </a:effectLst>
+          <a:scene3d>
+            <a:camera prst="orthographicFront">
+              <a:rot lat="0" lon="0" rev="0"/>
+            </a:camera>
+            <a:lightRig rig="threePt" dir="t">
+              <a:rot lat="0" lon="0" rev="1200000"/>
+            </a:lightRig>
+          </a:scene3d>
+          <a:sp3d>
+            <a:bevelT w="63500" h="25400" prst="hardEdge"/>
+          </a:sp3d>
         </a:effectStyle>
       </a:effectStyleLst>
       <a:bgFillStyleLst>
@@ -3519,38 +6848,22 @@
           <a:schemeClr val="phClr"/>
         </a:solidFill>
         <a:solidFill>
-          <a:schemeClr val="phClr">
-            <a:tint val="95000"/>
-            <a:satMod val="170000"/>
-          </a:schemeClr>
+          <a:schemeClr val="phClr"/>
         </a:solidFill>
-        <a:gradFill rotWithShape="1">
-          <a:gsLst>
-            <a:gs pos="0">
+        <a:blipFill rotWithShape="1">
+          <a:blip xmlns:r="http://schemas.openxmlformats.org/officeDocument/2006/relationships" r:embed="rId1">
+            <a:duotone>
               <a:schemeClr val="phClr">
-                <a:tint val="93000"/>
-                <a:satMod val="150000"/>
-                <a:shade val="98000"/>
-                <a:lumMod val="102000"/>
+                <a:shade val="80000"/>
+                <a:lumMod val="80000"/>
               </a:schemeClr>
-            </a:gs>
-            <a:gs pos="50000">
               <a:schemeClr val="phClr">
                 <a:tint val="98000"/>
-                <a:satMod val="130000"/>
-                <a:shade val="90000"/>
-                <a:lumMod val="103000"/>
               </a:schemeClr>
-            </a:gs>
-            <a:gs pos="100000">
-              <a:schemeClr val="phClr">
-                <a:shade val="63000"/>
-                <a:satMod val="120000"/>
-              </a:schemeClr>
-            </a:gs>
-          </a:gsLst>
-          <a:lin ang="5400000" scaled="0"/>
-        </a:gradFill>
+            </a:duotone>
+          </a:blip>
+          <a:stretch/>
+        </a:blipFill>
       </a:bgFillStyleLst>
     </a:fmtScheme>
   </a:themeElements>
@@ -3558,7 +6871,7 @@
   <a:extraClrSchemeLst/>
   <a:extLst>
     <a:ext uri="{05A4C25C-085E-4340-85A3-A5531E510DB2}">
-      <thm15:themeFamily xmlns:thm15="http://schemas.microsoft.com/office/thememl/2012/main" name="Office Theme" id="{62F939B6-93AF-4DB8-9C6B-D6C7DFDC589F}" vid="{4A3C46E8-61CC-4603-A589-7422A47A8E4A}"/>
+      <thm15:themeFamily xmlns:thm15="http://schemas.microsoft.com/office/thememl/2012/main" name="Slate" id="{C3F70B94-7CE9-428E-ADC1-3269CC2C3385}" vid="{3F2DE9A5-64E6-437C-A389-CC4477E817E8}"/>
     </a:ext>
   </a:extLst>
 </a:theme>

--- a/orientation_2017/orientation_4_4.pptx
+++ b/orientation_2017/orientation_4_4.pptx
@@ -105,6 +105,11 @@
       </a:defRPr>
     </a:lvl9pPr>
   </p:defaultTextStyle>
+  <p:extLst>
+    <p:ext uri="{EFAFB233-063F-42B5-8137-9DF3F51BA10A}">
+      <p15:sldGuideLst xmlns:p15="http://schemas.microsoft.com/office/powerpoint/2012/main"/>
+    </p:ext>
+  </p:extLst>
 </p:presentation>
 </file>
 
@@ -6676,76 +6681,16 @@
         <a:srgbClr val="F4B69B"/>
       </a:folHlink>
     </a:clrScheme>
-    <a:fontScheme name="石版">
+    <a:fontScheme name="ユーザー定義 2">
       <a:majorFont>
-        <a:latin typeface="Calisto MT" panose="02040603050505030304"/>
-        <a:ea typeface=""/>
+        <a:latin typeface="Segoe UI"/>
+        <a:ea typeface="メイリオ"/>
         <a:cs typeface=""/>
-        <a:font script="Jpan" typeface="ＭＳ Ｐゴシック"/>
-        <a:font script="Hang" typeface="돋움"/>
-        <a:font script="Hans" typeface="方正舒体"/>
-        <a:font script="Hant" typeface="微軟正黑體"/>
-        <a:font script="Arab" typeface="Arial"/>
-        <a:font script="Hebr" typeface="Arial"/>
-        <a:font script="Thai" typeface="Cordia New"/>
-        <a:font script="Ethi" typeface="Nyala"/>
-        <a:font script="Beng" typeface="Vrinda"/>
-        <a:font script="Gujr" typeface="Shruti"/>
-        <a:font script="Khmr" typeface="DaunPenh"/>
-        <a:font script="Knda" typeface="Tunga"/>
-        <a:font script="Guru" typeface="Raavi"/>
-        <a:font script="Cans" typeface="Euphemia"/>
-        <a:font script="Cher" typeface="Plantagenet Cherokee"/>
-        <a:font script="Yiii" typeface="Microsoft Yi Baiti"/>
-        <a:font script="Tibt" typeface="Microsoft Himalaya"/>
-        <a:font script="Thaa" typeface="MV Boli"/>
-        <a:font script="Deva" typeface="Mangal"/>
-        <a:font script="Telu" typeface="Gautami"/>
-        <a:font script="Taml" typeface="Latha"/>
-        <a:font script="Syrc" typeface="Estrangelo Edessa"/>
-        <a:font script="Orya" typeface="Kalinga"/>
-        <a:font script="Mlym" typeface="Kartika"/>
-        <a:font script="Laoo" typeface="DokChampa"/>
-        <a:font script="Sinh" typeface="Iskoola Pota"/>
-        <a:font script="Mong" typeface="Mongolian Baiti"/>
-        <a:font script="Viet" typeface="Arial"/>
-        <a:font script="Uigh" typeface="Microsoft Uighur"/>
-        <a:font script="Geor" typeface="Sylfaen"/>
       </a:majorFont>
       <a:minorFont>
-        <a:latin typeface="Calisto MT" panose="02040603050505030304"/>
-        <a:ea typeface=""/>
+        <a:latin typeface="Segoe UI"/>
+        <a:ea typeface="メイリオ"/>
         <a:cs typeface=""/>
-        <a:font script="Jpan" typeface="ＭＳ Ｐゴシック"/>
-        <a:font script="Hang" typeface="돋움"/>
-        <a:font script="Hans" typeface="方正舒体"/>
-        <a:font script="Hant" typeface="微軟正黑體"/>
-        <a:font script="Arab" typeface="Arial"/>
-        <a:font script="Hebr" typeface="Arial"/>
-        <a:font script="Thai" typeface="Cordia New"/>
-        <a:font script="Ethi" typeface="Nyala"/>
-        <a:font script="Beng" typeface="Vrinda"/>
-        <a:font script="Gujr" typeface="Shruti"/>
-        <a:font script="Khmr" typeface="DaunPenh"/>
-        <a:font script="Knda" typeface="Tunga"/>
-        <a:font script="Guru" typeface="Raavi"/>
-        <a:font script="Cans" typeface="Euphemia"/>
-        <a:font script="Cher" typeface="Plantagenet Cherokee"/>
-        <a:font script="Yiii" typeface="Microsoft Yi Baiti"/>
-        <a:font script="Tibt" typeface="Microsoft Himalaya"/>
-        <a:font script="Thaa" typeface="MV Boli"/>
-        <a:font script="Deva" typeface="Mangal"/>
-        <a:font script="Telu" typeface="Gautami"/>
-        <a:font script="Taml" typeface="Latha"/>
-        <a:font script="Syrc" typeface="Estrangelo Edessa"/>
-        <a:font script="Orya" typeface="Kalinga"/>
-        <a:font script="Mlym" typeface="Kartika"/>
-        <a:font script="Laoo" typeface="DokChampa"/>
-        <a:font script="Sinh" typeface="Iskoola Pota"/>
-        <a:font script="Mong" typeface="Mongolian Baiti"/>
-        <a:font script="Viet" typeface="Arial"/>
-        <a:font script="Uigh" typeface="Microsoft Uighur"/>
-        <a:font script="Geor" typeface="Sylfaen"/>
       </a:minorFont>
     </a:fontScheme>
     <a:fmtScheme name="石版">

--- a/orientation_2017/orientation_4_4.pptx
+++ b/orientation_2017/orientation_4_4.pptx
@@ -2,11 +2,15 @@
 <file path=ppt/presentation.xml><?xml version="1.0" encoding="utf-8"?>
 <p:presentation xmlns:a="http://schemas.openxmlformats.org/drawingml/2006/main" xmlns:r="http://schemas.openxmlformats.org/officeDocument/2006/relationships" xmlns:p="http://schemas.openxmlformats.org/presentationml/2006/main" autoCompressPictures="0">
   <p:sldMasterIdLst>
-    <p:sldMasterId id="2147483686" r:id="rId1"/>
+    <p:sldMasterId id="2147483722" r:id="rId1"/>
   </p:sldMasterIdLst>
   <p:sldIdLst>
     <p:sldId id="256" r:id="rId2"/>
     <p:sldId id="257" r:id="rId3"/>
+    <p:sldId id="261" r:id="rId4"/>
+    <p:sldId id="260" r:id="rId5"/>
+    <p:sldId id="259" r:id="rId6"/>
+    <p:sldId id="258" r:id="rId7"/>
   </p:sldIdLst>
   <p:sldSz cx="12192000" cy="6858000"/>
   <p:notesSz cx="6858000" cy="9144000"/>
@@ -114,7 +118,7 @@
 </file>
 
 <file path=ppt/slideLayouts/slideLayout1.xml><?xml version="1.0" encoding="utf-8"?>
-<p:sldLayout xmlns:a="http://schemas.openxmlformats.org/drawingml/2006/main" xmlns:r="http://schemas.openxmlformats.org/officeDocument/2006/relationships" xmlns:p="http://schemas.openxmlformats.org/presentationml/2006/main" type="title" preserve="1">
+<p:sldLayout xmlns:a="http://schemas.openxmlformats.org/drawingml/2006/main" xmlns:r="http://schemas.openxmlformats.org/officeDocument/2006/relationships" xmlns:p="http://schemas.openxmlformats.org/presentationml/2006/main" showMasterSp="0" type="title" preserve="1">
   <p:cSld name="タイトル スライド">
     <p:spTree>
       <p:nvGrpSpPr>
@@ -130,6 +134,319 @@
           <a:chExt cx="0" cy="0"/>
         </a:xfrm>
       </p:grpSpPr>
+      <p:grpSp>
+        <p:nvGrpSpPr>
+          <p:cNvPr id="19" name="Group 18"/>
+          <p:cNvGrpSpPr/>
+          <p:nvPr/>
+        </p:nvGrpSpPr>
+        <p:grpSpPr>
+          <a:xfrm>
+            <a:off x="546100" y="-4763"/>
+            <a:ext cx="5014912" cy="6862763"/>
+            <a:chOff x="2928938" y="-4763"/>
+            <a:chExt cx="5014912" cy="6862763"/>
+          </a:xfrm>
+        </p:grpSpPr>
+        <p:sp>
+          <p:nvSpPr>
+            <p:cNvPr id="22" name="Freeform 6"/>
+            <p:cNvSpPr/>
+            <p:nvPr/>
+          </p:nvSpPr>
+          <p:spPr bwMode="auto">
+            <a:xfrm>
+              <a:off x="3367088" y="-4763"/>
+              <a:ext cx="1063625" cy="2782888"/>
+            </a:xfrm>
+            <a:custGeom>
+              <a:avLst/>
+              <a:gdLst/>
+              <a:ahLst/>
+              <a:cxnLst/>
+              <a:rect l="0" t="0" r="r" b="b"/>
+              <a:pathLst>
+                <a:path w="670" h="1753">
+                  <a:moveTo>
+                    <a:pt x="0" y="1696"/>
+                  </a:moveTo>
+                  <a:lnTo>
+                    <a:pt x="225" y="1753"/>
+                  </a:lnTo>
+                  <a:lnTo>
+                    <a:pt x="670" y="0"/>
+                  </a:lnTo>
+                  <a:lnTo>
+                    <a:pt x="430" y="0"/>
+                  </a:lnTo>
+                  <a:lnTo>
+                    <a:pt x="0" y="1696"/>
+                  </a:lnTo>
+                  <a:close/>
+                </a:path>
+              </a:pathLst>
+            </a:custGeom>
+            <a:solidFill>
+              <a:schemeClr val="accent1"/>
+            </a:solidFill>
+            <a:ln>
+              <a:noFill/>
+            </a:ln>
+          </p:spPr>
+        </p:sp>
+        <p:sp>
+          <p:nvSpPr>
+            <p:cNvPr id="23" name="Freeform 7"/>
+            <p:cNvSpPr/>
+            <p:nvPr/>
+          </p:nvSpPr>
+          <p:spPr bwMode="auto">
+            <a:xfrm>
+              <a:off x="2928938" y="-4763"/>
+              <a:ext cx="1035050" cy="2673350"/>
+            </a:xfrm>
+            <a:custGeom>
+              <a:avLst/>
+              <a:gdLst/>
+              <a:ahLst/>
+              <a:cxnLst/>
+              <a:rect l="0" t="0" r="r" b="b"/>
+              <a:pathLst>
+                <a:path w="652" h="1684">
+                  <a:moveTo>
+                    <a:pt x="225" y="1684"/>
+                  </a:moveTo>
+                  <a:lnTo>
+                    <a:pt x="652" y="0"/>
+                  </a:lnTo>
+                  <a:lnTo>
+                    <a:pt x="411" y="0"/>
+                  </a:lnTo>
+                  <a:lnTo>
+                    <a:pt x="0" y="1627"/>
+                  </a:lnTo>
+                  <a:lnTo>
+                    <a:pt x="219" y="1681"/>
+                  </a:lnTo>
+                  <a:lnTo>
+                    <a:pt x="225" y="1684"/>
+                  </a:lnTo>
+                  <a:close/>
+                </a:path>
+              </a:pathLst>
+            </a:custGeom>
+            <a:solidFill>
+              <a:schemeClr val="tx1">
+                <a:lumMod val="65000"/>
+                <a:lumOff val="35000"/>
+              </a:schemeClr>
+            </a:solidFill>
+            <a:ln>
+              <a:noFill/>
+            </a:ln>
+          </p:spPr>
+        </p:sp>
+        <p:sp>
+          <p:nvSpPr>
+            <p:cNvPr id="24" name="Freeform 9"/>
+            <p:cNvSpPr/>
+            <p:nvPr/>
+          </p:nvSpPr>
+          <p:spPr bwMode="auto">
+            <a:xfrm>
+              <a:off x="2928938" y="2582862"/>
+              <a:ext cx="2693987" cy="4275138"/>
+            </a:xfrm>
+            <a:custGeom>
+              <a:avLst/>
+              <a:gdLst/>
+              <a:ahLst/>
+              <a:cxnLst/>
+              <a:rect l="0" t="0" r="r" b="b"/>
+              <a:pathLst>
+                <a:path w="1697" h="2693">
+                  <a:moveTo>
+                    <a:pt x="0" y="0"/>
+                  </a:moveTo>
+                  <a:lnTo>
+                    <a:pt x="1622" y="2693"/>
+                  </a:lnTo>
+                  <a:lnTo>
+                    <a:pt x="1697" y="2693"/>
+                  </a:lnTo>
+                  <a:lnTo>
+                    <a:pt x="0" y="0"/>
+                  </a:lnTo>
+                  <a:close/>
+                </a:path>
+              </a:pathLst>
+            </a:custGeom>
+            <a:solidFill>
+              <a:schemeClr val="tx1">
+                <a:lumMod val="85000"/>
+                <a:lumOff val="15000"/>
+              </a:schemeClr>
+            </a:solidFill>
+            <a:ln>
+              <a:noFill/>
+            </a:ln>
+          </p:spPr>
+        </p:sp>
+        <p:sp>
+          <p:nvSpPr>
+            <p:cNvPr id="25" name="Freeform 10"/>
+            <p:cNvSpPr/>
+            <p:nvPr/>
+          </p:nvSpPr>
+          <p:spPr bwMode="auto">
+            <a:xfrm>
+              <a:off x="3371850" y="2692400"/>
+              <a:ext cx="3332162" cy="4165600"/>
+            </a:xfrm>
+            <a:custGeom>
+              <a:avLst/>
+              <a:gdLst/>
+              <a:ahLst/>
+              <a:cxnLst/>
+              <a:rect l="0" t="0" r="r" b="b"/>
+              <a:pathLst>
+                <a:path w="2099" h="2624">
+                  <a:moveTo>
+                    <a:pt x="2099" y="2624"/>
+                  </a:moveTo>
+                  <a:lnTo>
+                    <a:pt x="0" y="0"/>
+                  </a:lnTo>
+                  <a:lnTo>
+                    <a:pt x="2021" y="2624"/>
+                  </a:lnTo>
+                  <a:lnTo>
+                    <a:pt x="2099" y="2624"/>
+                  </a:lnTo>
+                  <a:close/>
+                </a:path>
+              </a:pathLst>
+            </a:custGeom>
+            <a:solidFill>
+              <a:schemeClr val="accent1">
+                <a:lumMod val="50000"/>
+              </a:schemeClr>
+            </a:solidFill>
+            <a:ln>
+              <a:noFill/>
+            </a:ln>
+          </p:spPr>
+        </p:sp>
+        <p:sp>
+          <p:nvSpPr>
+            <p:cNvPr id="26" name="Freeform 11"/>
+            <p:cNvSpPr/>
+            <p:nvPr/>
+          </p:nvSpPr>
+          <p:spPr bwMode="auto">
+            <a:xfrm>
+              <a:off x="3367088" y="2687637"/>
+              <a:ext cx="4576762" cy="4170363"/>
+            </a:xfrm>
+            <a:custGeom>
+              <a:avLst/>
+              <a:gdLst/>
+              <a:ahLst/>
+              <a:cxnLst/>
+              <a:rect l="0" t="0" r="r" b="b"/>
+              <a:pathLst>
+                <a:path w="2883" h="2627">
+                  <a:moveTo>
+                    <a:pt x="0" y="0"/>
+                  </a:moveTo>
+                  <a:lnTo>
+                    <a:pt x="3" y="3"/>
+                  </a:lnTo>
+                  <a:lnTo>
+                    <a:pt x="2102" y="2627"/>
+                  </a:lnTo>
+                  <a:lnTo>
+                    <a:pt x="2883" y="2627"/>
+                  </a:lnTo>
+                  <a:lnTo>
+                    <a:pt x="225" y="57"/>
+                  </a:lnTo>
+                  <a:lnTo>
+                    <a:pt x="0" y="0"/>
+                  </a:lnTo>
+                  <a:close/>
+                </a:path>
+              </a:pathLst>
+            </a:custGeom>
+            <a:solidFill>
+              <a:schemeClr val="accent1">
+                <a:lumMod val="75000"/>
+              </a:schemeClr>
+            </a:solidFill>
+            <a:ln>
+              <a:noFill/>
+            </a:ln>
+          </p:spPr>
+        </p:sp>
+        <p:sp>
+          <p:nvSpPr>
+            <p:cNvPr id="27" name="Freeform 12"/>
+            <p:cNvSpPr/>
+            <p:nvPr/>
+          </p:nvSpPr>
+          <p:spPr bwMode="auto">
+            <a:xfrm>
+              <a:off x="2928938" y="2578100"/>
+              <a:ext cx="3584575" cy="4279900"/>
+            </a:xfrm>
+            <a:custGeom>
+              <a:avLst/>
+              <a:gdLst/>
+              <a:ahLst/>
+              <a:cxnLst/>
+              <a:rect l="0" t="0" r="r" b="b"/>
+              <a:pathLst>
+                <a:path w="2258" h="2696">
+                  <a:moveTo>
+                    <a:pt x="2258" y="2696"/>
+                  </a:moveTo>
+                  <a:lnTo>
+                    <a:pt x="264" y="111"/>
+                  </a:lnTo>
+                  <a:lnTo>
+                    <a:pt x="228" y="60"/>
+                  </a:lnTo>
+                  <a:lnTo>
+                    <a:pt x="225" y="57"/>
+                  </a:lnTo>
+                  <a:lnTo>
+                    <a:pt x="0" y="0"/>
+                  </a:lnTo>
+                  <a:lnTo>
+                    <a:pt x="0" y="3"/>
+                  </a:lnTo>
+                  <a:lnTo>
+                    <a:pt x="1697" y="2696"/>
+                  </a:lnTo>
+                  <a:lnTo>
+                    <a:pt x="2258" y="2696"/>
+                  </a:lnTo>
+                  <a:close/>
+                </a:path>
+              </a:pathLst>
+            </a:custGeom>
+            <a:solidFill>
+              <a:schemeClr val="tx1">
+                <a:lumMod val="75000"/>
+                <a:lumOff val="25000"/>
+              </a:schemeClr>
+            </a:solidFill>
+            <a:ln>
+              <a:noFill/>
+            </a:ln>
+          </p:spPr>
+        </p:sp>
+      </p:grpSp>
       <p:sp>
         <p:nvSpPr>
           <p:cNvPr id="2" name="Title 1"/>
@@ -142,8 +459,8 @@
         </p:nvSpPr>
         <p:spPr>
           <a:xfrm>
-            <a:off x="1370693" y="1769540"/>
-            <a:ext cx="9440034" cy="1828801"/>
+            <a:off x="2928401" y="1380068"/>
+            <a:ext cx="8574622" cy="2616199"/>
           </a:xfrm>
         </p:spPr>
         <p:txBody>
@@ -151,8 +468,10 @@
             <a:normAutofit/>
           </a:bodyPr>
           <a:lstStyle>
-            <a:lvl1pPr algn="ctr">
-              <a:defRPr sz="5400"/>
+            <a:lvl1pPr algn="r">
+              <a:defRPr sz="6000">
+                <a:effectLst/>
+              </a:defRPr>
             </a:lvl1pPr>
           </a:lstStyle>
           <a:p>
@@ -176,16 +495,18 @@
         </p:nvSpPr>
         <p:spPr>
           <a:xfrm>
-            <a:off x="1370693" y="3598339"/>
-            <a:ext cx="9440034" cy="1049867"/>
+            <a:off x="4515377" y="3996267"/>
+            <a:ext cx="6987645" cy="1388534"/>
           </a:xfrm>
         </p:spPr>
         <p:txBody>
-          <a:bodyPr anchor="t"/>
+          <a:bodyPr anchor="t">
+            <a:normAutofit/>
+          </a:bodyPr>
           <a:lstStyle>
-            <a:lvl1pPr marL="0" indent="0" algn="ctr">
-              <a:buNone/>
-              <a:defRPr>
+            <a:lvl1pPr marL="0" indent="0" algn="r">
+              <a:buNone/>
+              <a:defRPr sz="2100">
                 <a:solidFill>
                   <a:schemeClr val="tx1"/>
                 </a:solidFill>
@@ -299,7 +620,7 @@
             <a:fld id="{B61BEF0D-F0BB-DE4B-95CE-6DB70DBA9567}" type="datetimeFigureOut">
               <a:rPr lang="en-US" smtClean="0"/>
               <a:pPr/>
-              <a:t>4/1/2017</a:t>
+              <a:t>4/2/2017</a:t>
             </a:fld>
             <a:endParaRPr lang="en-US" dirty="0"/>
           </a:p>
@@ -315,7 +636,12 @@
             <p:ph type="ftr" sz="quarter" idx="11"/>
           </p:nvPr>
         </p:nvSpPr>
-        <p:spPr/>
+        <p:spPr>
+          <a:xfrm>
+            <a:off x="5332412" y="5883275"/>
+            <a:ext cx="4324044" cy="365125"/>
+          </a:xfrm>
+        </p:spPr>
         <p:txBody>
           <a:bodyPr/>
           <a:lstStyle/>
@@ -351,7 +677,7 @@
     </p:spTree>
     <p:extLst>
       <p:ext uri="{BB962C8B-B14F-4D97-AF65-F5344CB8AC3E}">
-        <p14:creationId xmlns:p14="http://schemas.microsoft.com/office/powerpoint/2010/main" val="3430589280"/>
+        <p14:creationId xmlns:p14="http://schemas.microsoft.com/office/powerpoint/2010/main" val="1758656112"/>
       </p:ext>
     </p:extLst>
   </p:cSld>
@@ -378,50 +704,20 @@
           <a:chExt cx="0" cy="0"/>
         </a:xfrm>
       </p:grpSpPr>
-      <p:pic>
-        <p:nvPicPr>
-          <p:cNvPr id="16" name="Picture 15" descr="Slate-V2-HD-panoPhotoInset.png"/>
-          <p:cNvPicPr>
-            <a:picLocks noChangeAspect="1"/>
-          </p:cNvPicPr>
-          <p:nvPr/>
-        </p:nvPicPr>
-        <p:blipFill>
-          <a:blip r:embed="rId2">
-            <a:extLst>
-              <a:ext uri="{28A0092B-C50C-407E-A947-70E740481C1C}">
-                <a14:useLocalDpi xmlns:a14="http://schemas.microsoft.com/office/drawing/2010/main" val="0"/>
-              </a:ext>
-            </a:extLst>
-          </a:blip>
-          <a:stretch>
-            <a:fillRect/>
-          </a:stretch>
-        </p:blipFill>
+      <p:sp>
+        <p:nvSpPr>
+          <p:cNvPr id="2" name="Title 1"/>
+          <p:cNvSpPr>
+            <a:spLocks noGrp="1"/>
+          </p:cNvSpPr>
+          <p:nvPr>
+            <p:ph type="title"/>
+          </p:nvPr>
+        </p:nvSpPr>
         <p:spPr>
           <a:xfrm>
-            <a:off x="1013883" y="547807"/>
-            <a:ext cx="10141799" cy="3816806"/>
-          </a:xfrm>
-          <a:prstGeom prst="rect">
-            <a:avLst/>
-          </a:prstGeom>
-        </p:spPr>
-      </p:pic>
-      <p:sp>
-        <p:nvSpPr>
-          <p:cNvPr id="2" name="Title 1"/>
-          <p:cNvSpPr>
-            <a:spLocks noGrp="1"/>
-          </p:cNvSpPr>
-          <p:nvPr>
-            <p:ph type="title"/>
-          </p:nvPr>
-        </p:nvSpPr>
-        <p:spPr>
-          <a:xfrm>
-            <a:off x="913806" y="4565255"/>
-            <a:ext cx="10355326" cy="543472"/>
+            <a:off x="1484311" y="4732865"/>
+            <a:ext cx="10018711" cy="566738"/>
           </a:xfrm>
         </p:spPr>
         <p:txBody>
@@ -430,7 +726,7 @@
           </a:bodyPr>
           <a:lstStyle>
             <a:lvl1pPr algn="ctr">
-              <a:defRPr sz="2800"/>
+              <a:defRPr sz="2400" b="0"/>
             </a:lvl1pPr>
           </a:lstStyle>
           <a:p>
@@ -454,15 +750,36 @@
         </p:nvSpPr>
         <p:spPr>
           <a:xfrm>
-            <a:off x="1169349" y="695009"/>
-            <a:ext cx="9845346" cy="3525671"/>
+            <a:off x="2386012" y="932112"/>
+            <a:ext cx="8225944" cy="3164976"/>
           </a:xfrm>
+          <a:prstGeom prst="roundRect">
+            <a:avLst>
+              <a:gd name="adj" fmla="val 4380"/>
+            </a:avLst>
+          </a:prstGeom>
+          <a:ln w="38100">
+            <a:gradFill flip="none" rotWithShape="1">
+              <a:gsLst>
+                <a:gs pos="0">
+                  <a:schemeClr val="bg2"/>
+                </a:gs>
+                <a:gs pos="100000">
+                  <a:schemeClr val="bg2">
+                    <a:lumMod val="75000"/>
+                  </a:schemeClr>
+                </a:gs>
+              </a:gsLst>
+              <a:lin ang="5400000" scaled="0"/>
+              <a:tileRect/>
+            </a:gradFill>
+          </a:ln>
           <a:effectLst>
-            <a:outerShdw blurRad="38100" dist="25400" dir="4440000">
+            <a:innerShdw blurRad="57150" dist="38100" dir="14460000">
               <a:srgbClr val="000000">
-                <a:alpha val="36000"/>
+                <a:alpha val="70000"/>
               </a:srgbClr>
-            </a:outerShdw>
+            </a:innerShdw>
           </a:effectLst>
         </p:spPr>
         <p:txBody>
@@ -472,104 +789,106 @@
           <a:lstStyle>
             <a:lvl1pPr marL="0" indent="0" algn="ctr">
               <a:buNone/>
-              <a:defRPr sz="2000"/>
-            </a:lvl1pPr>
-            <a:lvl2pPr marL="457200" indent="0">
-              <a:buNone/>
-              <a:defRPr sz="2000"/>
-            </a:lvl2pPr>
-            <a:lvl3pPr marL="914400" indent="0">
-              <a:buNone/>
-              <a:defRPr sz="2000"/>
-            </a:lvl3pPr>
-            <a:lvl4pPr marL="1371600" indent="0">
-              <a:buNone/>
-              <a:defRPr sz="2000"/>
-            </a:lvl4pPr>
-            <a:lvl5pPr marL="1828800" indent="0">
-              <a:buNone/>
-              <a:defRPr sz="2000"/>
-            </a:lvl5pPr>
-            <a:lvl6pPr marL="2286000" indent="0">
-              <a:buNone/>
-              <a:defRPr sz="2000"/>
-            </a:lvl6pPr>
-            <a:lvl7pPr marL="2743200" indent="0">
-              <a:buNone/>
-              <a:defRPr sz="2000"/>
-            </a:lvl7pPr>
-            <a:lvl8pPr marL="3200400" indent="0">
-              <a:buNone/>
-              <a:defRPr sz="2000"/>
-            </a:lvl8pPr>
-            <a:lvl9pPr marL="3657600" indent="0">
-              <a:buNone/>
-              <a:defRPr sz="2000"/>
-            </a:lvl9pPr>
-          </a:lstStyle>
-          <a:p>
-            <a:r>
-              <a:rPr lang="ja-JP" altLang="en-US" smtClean="0"/>
-              <a:t>図を追加</a:t>
-            </a:r>
-            <a:endParaRPr lang="en-US" dirty="0"/>
-          </a:p>
-        </p:txBody>
-      </p:sp>
-      <p:sp>
-        <p:nvSpPr>
-          <p:cNvPr id="4" name="Text Placeholder 3"/>
-          <p:cNvSpPr>
-            <a:spLocks noGrp="1"/>
-          </p:cNvSpPr>
-          <p:nvPr>
-            <p:ph type="body" sz="half" idx="2"/>
-          </p:nvPr>
-        </p:nvSpPr>
-        <p:spPr>
-          <a:xfrm>
-            <a:off x="913795" y="5108728"/>
-            <a:ext cx="10353762" cy="682472"/>
-          </a:xfrm>
-        </p:spPr>
-        <p:txBody>
-          <a:bodyPr anchor="t"/>
-          <a:lstStyle>
-            <a:lvl1pPr marL="0" indent="0" algn="ctr">
-              <a:buNone/>
               <a:defRPr sz="1600"/>
             </a:lvl1pPr>
             <a:lvl2pPr marL="457200" indent="0">
               <a:buNone/>
-              <a:defRPr sz="1400"/>
+              <a:defRPr sz="1600"/>
             </a:lvl2pPr>
             <a:lvl3pPr marL="914400" indent="0">
               <a:buNone/>
-              <a:defRPr sz="1200"/>
+              <a:defRPr sz="1600"/>
             </a:lvl3pPr>
             <a:lvl4pPr marL="1371600" indent="0">
               <a:buNone/>
-              <a:defRPr sz="1000"/>
+              <a:defRPr sz="1600"/>
             </a:lvl4pPr>
             <a:lvl5pPr marL="1828800" indent="0">
               <a:buNone/>
-              <a:defRPr sz="1000"/>
+              <a:defRPr sz="1600"/>
             </a:lvl5pPr>
             <a:lvl6pPr marL="2286000" indent="0">
               <a:buNone/>
-              <a:defRPr sz="1000"/>
+              <a:defRPr sz="1600"/>
             </a:lvl6pPr>
             <a:lvl7pPr marL="2743200" indent="0">
               <a:buNone/>
-              <a:defRPr sz="1000"/>
+              <a:defRPr sz="1600"/>
             </a:lvl7pPr>
             <a:lvl8pPr marL="3200400" indent="0">
               <a:buNone/>
-              <a:defRPr sz="1000"/>
+              <a:defRPr sz="1600"/>
             </a:lvl8pPr>
             <a:lvl9pPr marL="3657600" indent="0">
               <a:buNone/>
+              <a:defRPr sz="1600"/>
+            </a:lvl9pPr>
+          </a:lstStyle>
+          <a:p>
+            <a:r>
+              <a:rPr lang="ja-JP" altLang="en-US" smtClean="0"/>
+              <a:t>図を追加</a:t>
+            </a:r>
+            <a:endParaRPr lang="en-US" dirty="0"/>
+          </a:p>
+        </p:txBody>
+      </p:sp>
+      <p:sp>
+        <p:nvSpPr>
+          <p:cNvPr id="4" name="Text Placeholder 3"/>
+          <p:cNvSpPr>
+            <a:spLocks noGrp="1"/>
+          </p:cNvSpPr>
+          <p:nvPr>
+            <p:ph type="body" sz="half" idx="2"/>
+          </p:nvPr>
+        </p:nvSpPr>
+        <p:spPr>
+          <a:xfrm>
+            <a:off x="1484311" y="5299603"/>
+            <a:ext cx="10018711" cy="493712"/>
+          </a:xfrm>
+        </p:spPr>
+        <p:txBody>
+          <a:bodyPr>
+            <a:normAutofit/>
+          </a:bodyPr>
+          <a:lstStyle>
+            <a:lvl1pPr marL="0" indent="0" algn="ctr">
+              <a:buNone/>
+              <a:defRPr sz="1400"/>
+            </a:lvl1pPr>
+            <a:lvl2pPr marL="457200" indent="0">
+              <a:buNone/>
+              <a:defRPr sz="1200"/>
+            </a:lvl2pPr>
+            <a:lvl3pPr marL="914400" indent="0">
+              <a:buNone/>
               <a:defRPr sz="1000"/>
+            </a:lvl3pPr>
+            <a:lvl4pPr marL="1371600" indent="0">
+              <a:buNone/>
+              <a:defRPr sz="900"/>
+            </a:lvl4pPr>
+            <a:lvl5pPr marL="1828800" indent="0">
+              <a:buNone/>
+              <a:defRPr sz="900"/>
+            </a:lvl5pPr>
+            <a:lvl6pPr marL="2286000" indent="0">
+              <a:buNone/>
+              <a:defRPr sz="900"/>
+            </a:lvl6pPr>
+            <a:lvl7pPr marL="2743200" indent="0">
+              <a:buNone/>
+              <a:defRPr sz="900"/>
+            </a:lvl7pPr>
+            <a:lvl8pPr marL="3200400" indent="0">
+              <a:buNone/>
+              <a:defRPr sz="900"/>
+            </a:lvl8pPr>
+            <a:lvl9pPr marL="3657600" indent="0">
+              <a:buNone/>
+              <a:defRPr sz="900"/>
             </a:lvl9pPr>
           </a:lstStyle>
           <a:p>
@@ -599,7 +918,7 @@
             <a:fld id="{B61BEF0D-F0BB-DE4B-95CE-6DB70DBA9567}" type="datetimeFigureOut">
               <a:rPr lang="en-US" smtClean="0"/>
               <a:pPr/>
-              <a:t>4/1/2017</a:t>
+              <a:t>4/2/2017</a:t>
             </a:fld>
             <a:endParaRPr lang="en-US" dirty="0"/>
           </a:p>
@@ -651,7 +970,7 @@
     </p:spTree>
     <p:extLst>
       <p:ext uri="{BB962C8B-B14F-4D97-AF65-F5344CB8AC3E}">
-        <p14:creationId xmlns:p14="http://schemas.microsoft.com/office/powerpoint/2010/main" val="4108978561"/>
+        <p14:creationId xmlns:p14="http://schemas.microsoft.com/office/powerpoint/2010/main" val="2033009417"/>
       </p:ext>
     </p:extLst>
   </p:cSld>
@@ -690,15 +1009,17 @@
         </p:nvSpPr>
         <p:spPr>
           <a:xfrm>
-            <a:off x="913795" y="608437"/>
-            <a:ext cx="10353762" cy="3534344"/>
+            <a:off x="1484312" y="685800"/>
+            <a:ext cx="10018711" cy="3048000"/>
           </a:xfrm>
         </p:spPr>
         <p:txBody>
-          <a:bodyPr anchor="ctr"/>
+          <a:bodyPr anchor="ctr">
+            <a:normAutofit/>
+          </a:bodyPr>
           <a:lstStyle>
-            <a:lvl1pPr>
-              <a:defRPr sz="3200"/>
+            <a:lvl1pPr algn="ctr">
+              <a:defRPr sz="3200" b="0" cap="none"/>
             </a:lvl1pPr>
           </a:lstStyle>
           <a:p>
@@ -712,58 +1033,112 @@
       </p:sp>
       <p:sp>
         <p:nvSpPr>
-          <p:cNvPr id="4" name="Text Placeholder 3"/>
-          <p:cNvSpPr>
-            <a:spLocks noGrp="1"/>
-          </p:cNvSpPr>
-          <p:nvPr>
-            <p:ph type="body" sz="half" idx="2"/>
+          <p:cNvPr id="3" name="Text Placeholder 2"/>
+          <p:cNvSpPr>
+            <a:spLocks noGrp="1"/>
+          </p:cNvSpPr>
+          <p:nvPr>
+            <p:ph type="body" idx="1"/>
           </p:nvPr>
         </p:nvSpPr>
         <p:spPr>
           <a:xfrm>
-            <a:off x="913794" y="4295180"/>
-            <a:ext cx="10353763" cy="1501826"/>
+            <a:off x="1484312" y="4343400"/>
+            <a:ext cx="10018713" cy="1447800"/>
           </a:xfrm>
         </p:spPr>
         <p:txBody>
-          <a:bodyPr anchor="ctr"/>
+          <a:bodyPr anchor="ctr">
+            <a:normAutofit/>
+          </a:bodyPr>
           <a:lstStyle>
             <a:lvl1pPr marL="0" indent="0" algn="ctr">
               <a:buNone/>
-              <a:defRPr sz="1600"/>
+              <a:defRPr sz="2000">
+                <a:solidFill>
+                  <a:schemeClr val="tx1"/>
+                </a:solidFill>
+              </a:defRPr>
             </a:lvl1pPr>
             <a:lvl2pPr marL="457200" indent="0">
               <a:buNone/>
-              <a:defRPr sz="1400"/>
+              <a:defRPr sz="1800">
+                <a:solidFill>
+                  <a:schemeClr val="tx1">
+                    <a:tint val="75000"/>
+                  </a:schemeClr>
+                </a:solidFill>
+              </a:defRPr>
             </a:lvl2pPr>
             <a:lvl3pPr marL="914400" indent="0">
               <a:buNone/>
-              <a:defRPr sz="1200"/>
+              <a:defRPr sz="1600">
+                <a:solidFill>
+                  <a:schemeClr val="tx1">
+                    <a:tint val="75000"/>
+                  </a:schemeClr>
+                </a:solidFill>
+              </a:defRPr>
             </a:lvl3pPr>
             <a:lvl4pPr marL="1371600" indent="0">
               <a:buNone/>
-              <a:defRPr sz="1000"/>
+              <a:defRPr sz="1400">
+                <a:solidFill>
+                  <a:schemeClr val="tx1">
+                    <a:tint val="75000"/>
+                  </a:schemeClr>
+                </a:solidFill>
+              </a:defRPr>
             </a:lvl4pPr>
             <a:lvl5pPr marL="1828800" indent="0">
               <a:buNone/>
-              <a:defRPr sz="1000"/>
+              <a:defRPr sz="1400">
+                <a:solidFill>
+                  <a:schemeClr val="tx1">
+                    <a:tint val="75000"/>
+                  </a:schemeClr>
+                </a:solidFill>
+              </a:defRPr>
             </a:lvl5pPr>
             <a:lvl6pPr marL="2286000" indent="0">
               <a:buNone/>
-              <a:defRPr sz="1000"/>
+              <a:defRPr sz="1400">
+                <a:solidFill>
+                  <a:schemeClr val="tx1">
+                    <a:tint val="75000"/>
+                  </a:schemeClr>
+                </a:solidFill>
+              </a:defRPr>
             </a:lvl6pPr>
             <a:lvl7pPr marL="2743200" indent="0">
               <a:buNone/>
-              <a:defRPr sz="1000"/>
+              <a:defRPr sz="1400">
+                <a:solidFill>
+                  <a:schemeClr val="tx1">
+                    <a:tint val="75000"/>
+                  </a:schemeClr>
+                </a:solidFill>
+              </a:defRPr>
             </a:lvl7pPr>
             <a:lvl8pPr marL="3200400" indent="0">
               <a:buNone/>
-              <a:defRPr sz="1000"/>
+              <a:defRPr sz="1400">
+                <a:solidFill>
+                  <a:schemeClr val="tx1">
+                    <a:tint val="75000"/>
+                  </a:schemeClr>
+                </a:solidFill>
+              </a:defRPr>
             </a:lvl8pPr>
             <a:lvl9pPr marL="3657600" indent="0">
               <a:buNone/>
-              <a:defRPr sz="1000"/>
+              <a:defRPr sz="1400">
+                <a:solidFill>
+                  <a:schemeClr val="tx1">
+                    <a:tint val="75000"/>
+                  </a:schemeClr>
+                </a:solidFill>
+              </a:defRPr>
             </a:lvl9pPr>
           </a:lstStyle>
           <a:p>
@@ -777,7 +1152,7 @@
       </p:sp>
       <p:sp>
         <p:nvSpPr>
-          <p:cNvPr id="5" name="Date Placeholder 4"/>
+          <p:cNvPr id="4" name="Date Placeholder 3"/>
           <p:cNvSpPr>
             <a:spLocks noGrp="1"/>
           </p:cNvSpPr>
@@ -793,7 +1168,7 @@
             <a:fld id="{B61BEF0D-F0BB-DE4B-95CE-6DB70DBA9567}" type="datetimeFigureOut">
               <a:rPr lang="en-US" smtClean="0"/>
               <a:pPr/>
-              <a:t>4/1/2017</a:t>
+              <a:t>4/2/2017</a:t>
             </a:fld>
             <a:endParaRPr lang="en-US" dirty="0"/>
           </a:p>
@@ -801,7 +1176,7 @@
       </p:sp>
       <p:sp>
         <p:nvSpPr>
-          <p:cNvPr id="6" name="Footer Placeholder 5"/>
+          <p:cNvPr id="5" name="Footer Placeholder 4"/>
           <p:cNvSpPr>
             <a:spLocks noGrp="1"/>
           </p:cNvSpPr>
@@ -820,7 +1195,7 @@
       </p:sp>
       <p:sp>
         <p:nvSpPr>
-          <p:cNvPr id="7" name="Slide Number Placeholder 6"/>
+          <p:cNvPr id="6" name="Slide Number Placeholder 5"/>
           <p:cNvSpPr>
             <a:spLocks noGrp="1"/>
           </p:cNvSpPr>
@@ -845,7 +1220,7 @@
     </p:spTree>
     <p:extLst>
       <p:ext uri="{BB962C8B-B14F-4D97-AF65-F5344CB8AC3E}">
-        <p14:creationId xmlns:p14="http://schemas.microsoft.com/office/powerpoint/2010/main" val="25213037"/>
+        <p14:creationId xmlns:p14="http://schemas.microsoft.com/office/powerpoint/2010/main" val="721884173"/>
       </p:ext>
     </p:extLst>
   </p:cSld>
@@ -874,246 +1249,13 @@
       </p:grpSpPr>
       <p:sp>
         <p:nvSpPr>
-          <p:cNvPr id="2" name="Title 1"/>
-          <p:cNvSpPr>
-            <a:spLocks noGrp="1"/>
-          </p:cNvSpPr>
-          <p:nvPr>
-            <p:ph type="title"/>
-          </p:nvPr>
+          <p:cNvPr id="14" name="TextBox 13"/>
+          <p:cNvSpPr txBox="1"/>
+          <p:nvPr/>
         </p:nvSpPr>
         <p:spPr>
           <a:xfrm>
-            <a:off x="1446212" y="609600"/>
-            <a:ext cx="9302752" cy="2992904"/>
-          </a:xfrm>
-        </p:spPr>
-        <p:txBody>
-          <a:bodyPr anchor="ctr"/>
-          <a:lstStyle>
-            <a:lvl1pPr>
-              <a:defRPr sz="3200"/>
-            </a:lvl1pPr>
-          </a:lstStyle>
-          <a:p>
-            <a:r>
-              <a:rPr lang="ja-JP" altLang="en-US" smtClean="0"/>
-              <a:t>マスター タイトルの書式設定</a:t>
-            </a:r>
-            <a:endParaRPr lang="en-US" dirty="0"/>
-          </a:p>
-        </p:txBody>
-      </p:sp>
-      <p:sp>
-        <p:nvSpPr>
-          <p:cNvPr id="12" name="Text Placeholder 3"/>
-          <p:cNvSpPr>
-            <a:spLocks noGrp="1"/>
-          </p:cNvSpPr>
-          <p:nvPr>
-            <p:ph type="body" sz="half" idx="13"/>
-          </p:nvPr>
-        </p:nvSpPr>
-        <p:spPr>
-          <a:xfrm>
-            <a:off x="1720644" y="3610032"/>
-            <a:ext cx="8752299" cy="532749"/>
-          </a:xfrm>
-        </p:spPr>
-        <p:txBody>
-          <a:bodyPr anchor="t">
-            <a:normAutofit/>
-          </a:bodyPr>
-          <a:lstStyle>
-            <a:lvl1pPr marL="0" indent="0" algn="r">
-              <a:buNone/>
-              <a:defRPr sz="1400"/>
-            </a:lvl1pPr>
-            <a:lvl2pPr marL="457200" indent="0">
-              <a:buNone/>
-              <a:defRPr sz="1400"/>
-            </a:lvl2pPr>
-            <a:lvl3pPr marL="914400" indent="0">
-              <a:buNone/>
-              <a:defRPr sz="1200"/>
-            </a:lvl3pPr>
-            <a:lvl4pPr marL="1371600" indent="0">
-              <a:buNone/>
-              <a:defRPr sz="1000"/>
-            </a:lvl4pPr>
-            <a:lvl5pPr marL="1828800" indent="0">
-              <a:buNone/>
-              <a:defRPr sz="1000"/>
-            </a:lvl5pPr>
-            <a:lvl6pPr marL="2286000" indent="0">
-              <a:buNone/>
-              <a:defRPr sz="1000"/>
-            </a:lvl6pPr>
-            <a:lvl7pPr marL="2743200" indent="0">
-              <a:buNone/>
-              <a:defRPr sz="1000"/>
-            </a:lvl7pPr>
-            <a:lvl8pPr marL="3200400" indent="0">
-              <a:buNone/>
-              <a:defRPr sz="1000"/>
-            </a:lvl8pPr>
-            <a:lvl9pPr marL="3657600" indent="0">
-              <a:buNone/>
-              <a:defRPr sz="1000"/>
-            </a:lvl9pPr>
-          </a:lstStyle>
-          <a:p>
-            <a:pPr lvl="0"/>
-            <a:r>
-              <a:rPr lang="ja-JP" altLang="en-US" smtClean="0"/>
-              <a:t>マスター テキストの書式設定</a:t>
-            </a:r>
-          </a:p>
-        </p:txBody>
-      </p:sp>
-      <p:sp>
-        <p:nvSpPr>
-          <p:cNvPr id="4" name="Text Placeholder 3"/>
-          <p:cNvSpPr>
-            <a:spLocks noGrp="1"/>
-          </p:cNvSpPr>
-          <p:nvPr>
-            <p:ph type="body" sz="half" idx="2"/>
-          </p:nvPr>
-        </p:nvSpPr>
-        <p:spPr>
-          <a:xfrm>
-            <a:off x="913794" y="4304353"/>
-            <a:ext cx="10353763" cy="1489496"/>
-          </a:xfrm>
-        </p:spPr>
-        <p:txBody>
-          <a:bodyPr anchor="ctr">
-            <a:normAutofit/>
-          </a:bodyPr>
-          <a:lstStyle>
-            <a:lvl1pPr marL="0" indent="0" algn="ctr">
-              <a:buNone/>
-              <a:defRPr sz="1600"/>
-            </a:lvl1pPr>
-            <a:lvl2pPr marL="457200" indent="0">
-              <a:buNone/>
-              <a:defRPr sz="1400"/>
-            </a:lvl2pPr>
-            <a:lvl3pPr marL="914400" indent="0">
-              <a:buNone/>
-              <a:defRPr sz="1200"/>
-            </a:lvl3pPr>
-            <a:lvl4pPr marL="1371600" indent="0">
-              <a:buNone/>
-              <a:defRPr sz="1000"/>
-            </a:lvl4pPr>
-            <a:lvl5pPr marL="1828800" indent="0">
-              <a:buNone/>
-              <a:defRPr sz="1000"/>
-            </a:lvl5pPr>
-            <a:lvl6pPr marL="2286000" indent="0">
-              <a:buNone/>
-              <a:defRPr sz="1000"/>
-            </a:lvl6pPr>
-            <a:lvl7pPr marL="2743200" indent="0">
-              <a:buNone/>
-              <a:defRPr sz="1000"/>
-            </a:lvl7pPr>
-            <a:lvl8pPr marL="3200400" indent="0">
-              <a:buNone/>
-              <a:defRPr sz="1000"/>
-            </a:lvl8pPr>
-            <a:lvl9pPr marL="3657600" indent="0">
-              <a:buNone/>
-              <a:defRPr sz="1000"/>
-            </a:lvl9pPr>
-          </a:lstStyle>
-          <a:p>
-            <a:pPr lvl="0"/>
-            <a:r>
-              <a:rPr lang="ja-JP" altLang="en-US" smtClean="0"/>
-              <a:t>マスター テキストの書式設定</a:t>
-            </a:r>
-          </a:p>
-        </p:txBody>
-      </p:sp>
-      <p:sp>
-        <p:nvSpPr>
-          <p:cNvPr id="5" name="Date Placeholder 4"/>
-          <p:cNvSpPr>
-            <a:spLocks noGrp="1"/>
-          </p:cNvSpPr>
-          <p:nvPr>
-            <p:ph type="dt" sz="half" idx="10"/>
-          </p:nvPr>
-        </p:nvSpPr>
-        <p:spPr/>
-        <p:txBody>
-          <a:bodyPr/>
-          <a:lstStyle/>
-          <a:p>
-            <a:fld id="{B61BEF0D-F0BB-DE4B-95CE-6DB70DBA9567}" type="datetimeFigureOut">
-              <a:rPr lang="en-US" smtClean="0"/>
-              <a:pPr/>
-              <a:t>4/1/2017</a:t>
-            </a:fld>
-            <a:endParaRPr lang="en-US" dirty="0"/>
-          </a:p>
-        </p:txBody>
-      </p:sp>
-      <p:sp>
-        <p:nvSpPr>
-          <p:cNvPr id="6" name="Footer Placeholder 5"/>
-          <p:cNvSpPr>
-            <a:spLocks noGrp="1"/>
-          </p:cNvSpPr>
-          <p:nvPr>
-            <p:ph type="ftr" sz="quarter" idx="11"/>
-          </p:nvPr>
-        </p:nvSpPr>
-        <p:spPr/>
-        <p:txBody>
-          <a:bodyPr/>
-          <a:lstStyle/>
-          <a:p>
-            <a:endParaRPr lang="en-US" dirty="0"/>
-          </a:p>
-        </p:txBody>
-      </p:sp>
-      <p:sp>
-        <p:nvSpPr>
-          <p:cNvPr id="7" name="Slide Number Placeholder 6"/>
-          <p:cNvSpPr>
-            <a:spLocks noGrp="1"/>
-          </p:cNvSpPr>
-          <p:nvPr>
-            <p:ph type="sldNum" sz="quarter" idx="12"/>
-          </p:nvPr>
-        </p:nvSpPr>
-        <p:spPr/>
-        <p:txBody>
-          <a:bodyPr/>
-          <a:lstStyle/>
-          <a:p>
-            <a:fld id="{D57F1E4F-1CFF-5643-939E-217C01CDF565}" type="slidenum">
-              <a:rPr lang="en-US" smtClean="0"/>
-              <a:pPr/>
-              <a:t>‹#›</a:t>
-            </a:fld>
-            <a:endParaRPr lang="en-US" dirty="0"/>
-          </a:p>
-        </p:txBody>
-      </p:sp>
-      <p:sp>
-        <p:nvSpPr>
-          <p:cNvPr id="11" name="TextBox 10"/>
-          <p:cNvSpPr txBox="1"/>
-          <p:nvPr/>
-        </p:nvSpPr>
-        <p:spPr>
-          <a:xfrm>
-            <a:off x="990600" y="884796"/>
+            <a:off x="1598612" y="863023"/>
             <a:ext cx="609600" cy="584776"/>
           </a:xfrm>
           <a:prstGeom prst="rect">
@@ -1223,13 +1365,13 @@
       </p:sp>
       <p:sp>
         <p:nvSpPr>
-          <p:cNvPr id="13" name="TextBox 12"/>
+          <p:cNvPr id="15" name="TextBox 14"/>
           <p:cNvSpPr txBox="1"/>
           <p:nvPr/>
         </p:nvSpPr>
         <p:spPr>
           <a:xfrm>
-            <a:off x="10504716" y="2928258"/>
+            <a:off x="10893425" y="2819399"/>
             <a:ext cx="609600" cy="584776"/>
           </a:xfrm>
           <a:prstGeom prst="rect">
@@ -1337,10 +1479,290 @@
           </a:p>
         </p:txBody>
       </p:sp>
+      <p:sp>
+        <p:nvSpPr>
+          <p:cNvPr id="2" name="Title 1"/>
+          <p:cNvSpPr>
+            <a:spLocks noGrp="1"/>
+          </p:cNvSpPr>
+          <p:nvPr>
+            <p:ph type="title"/>
+          </p:nvPr>
+        </p:nvSpPr>
+        <p:spPr>
+          <a:xfrm>
+            <a:off x="2208212" y="685800"/>
+            <a:ext cx="8990012" cy="2743199"/>
+          </a:xfrm>
+        </p:spPr>
+        <p:txBody>
+          <a:bodyPr anchor="ctr">
+            <a:normAutofit/>
+          </a:bodyPr>
+          <a:lstStyle>
+            <a:lvl1pPr algn="ctr">
+              <a:defRPr sz="3200" b="0" cap="none">
+                <a:solidFill>
+                  <a:schemeClr val="tx1"/>
+                </a:solidFill>
+              </a:defRPr>
+            </a:lvl1pPr>
+          </a:lstStyle>
+          <a:p>
+            <a:r>
+              <a:rPr lang="ja-JP" altLang="en-US" smtClean="0"/>
+              <a:t>マスター タイトルの書式設定</a:t>
+            </a:r>
+            <a:endParaRPr lang="en-US" dirty="0"/>
+          </a:p>
+        </p:txBody>
+      </p:sp>
+      <p:sp>
+        <p:nvSpPr>
+          <p:cNvPr id="10" name="Text Placeholder 9"/>
+          <p:cNvSpPr>
+            <a:spLocks noGrp="1"/>
+          </p:cNvSpPr>
+          <p:nvPr>
+            <p:ph type="body" sz="quarter" idx="13"/>
+          </p:nvPr>
+        </p:nvSpPr>
+        <p:spPr>
+          <a:xfrm>
+            <a:off x="2436811" y="3428999"/>
+            <a:ext cx="8532815" cy="381000"/>
+          </a:xfrm>
+        </p:spPr>
+        <p:txBody>
+          <a:bodyPr anchor="ctr">
+            <a:normAutofit/>
+          </a:bodyPr>
+          <a:lstStyle>
+            <a:lvl1pPr marL="0" indent="0">
+              <a:buFontTx/>
+              <a:buNone/>
+              <a:defRPr sz="1800"/>
+            </a:lvl1pPr>
+            <a:lvl2pPr marL="457200" indent="0">
+              <a:buFontTx/>
+              <a:buNone/>
+              <a:defRPr/>
+            </a:lvl2pPr>
+            <a:lvl3pPr marL="914400" indent="0">
+              <a:buFontTx/>
+              <a:buNone/>
+              <a:defRPr/>
+            </a:lvl3pPr>
+            <a:lvl4pPr marL="1371600" indent="0">
+              <a:buFontTx/>
+              <a:buNone/>
+              <a:defRPr/>
+            </a:lvl4pPr>
+            <a:lvl5pPr marL="1828800" indent="0">
+              <a:buFontTx/>
+              <a:buNone/>
+              <a:defRPr/>
+            </a:lvl5pPr>
+          </a:lstStyle>
+          <a:p>
+            <a:pPr lvl="0"/>
+            <a:r>
+              <a:rPr lang="ja-JP" altLang="en-US" smtClean="0"/>
+              <a:t>マスター テキストの書式設定</a:t>
+            </a:r>
+          </a:p>
+        </p:txBody>
+      </p:sp>
+      <p:sp>
+        <p:nvSpPr>
+          <p:cNvPr id="3" name="Text Placeholder 2"/>
+          <p:cNvSpPr>
+            <a:spLocks noGrp="1"/>
+          </p:cNvSpPr>
+          <p:nvPr>
+            <p:ph type="body" idx="1"/>
+          </p:nvPr>
+        </p:nvSpPr>
+        <p:spPr>
+          <a:xfrm>
+            <a:off x="1484311" y="4343400"/>
+            <a:ext cx="10018711" cy="1447800"/>
+          </a:xfrm>
+        </p:spPr>
+        <p:txBody>
+          <a:bodyPr anchor="ctr">
+            <a:normAutofit/>
+          </a:bodyPr>
+          <a:lstStyle>
+            <a:lvl1pPr marL="0" indent="0" algn="ctr">
+              <a:buNone/>
+              <a:defRPr sz="2000">
+                <a:solidFill>
+                  <a:schemeClr val="tx1"/>
+                </a:solidFill>
+              </a:defRPr>
+            </a:lvl1pPr>
+            <a:lvl2pPr marL="457200" indent="0">
+              <a:buNone/>
+              <a:defRPr sz="1800">
+                <a:solidFill>
+                  <a:schemeClr val="tx1">
+                    <a:tint val="75000"/>
+                  </a:schemeClr>
+                </a:solidFill>
+              </a:defRPr>
+            </a:lvl2pPr>
+            <a:lvl3pPr marL="914400" indent="0">
+              <a:buNone/>
+              <a:defRPr sz="1600">
+                <a:solidFill>
+                  <a:schemeClr val="tx1">
+                    <a:tint val="75000"/>
+                  </a:schemeClr>
+                </a:solidFill>
+              </a:defRPr>
+            </a:lvl3pPr>
+            <a:lvl4pPr marL="1371600" indent="0">
+              <a:buNone/>
+              <a:defRPr sz="1400">
+                <a:solidFill>
+                  <a:schemeClr val="tx1">
+                    <a:tint val="75000"/>
+                  </a:schemeClr>
+                </a:solidFill>
+              </a:defRPr>
+            </a:lvl4pPr>
+            <a:lvl5pPr marL="1828800" indent="0">
+              <a:buNone/>
+              <a:defRPr sz="1400">
+                <a:solidFill>
+                  <a:schemeClr val="tx1">
+                    <a:tint val="75000"/>
+                  </a:schemeClr>
+                </a:solidFill>
+              </a:defRPr>
+            </a:lvl5pPr>
+            <a:lvl6pPr marL="2286000" indent="0">
+              <a:buNone/>
+              <a:defRPr sz="1400">
+                <a:solidFill>
+                  <a:schemeClr val="tx1">
+                    <a:tint val="75000"/>
+                  </a:schemeClr>
+                </a:solidFill>
+              </a:defRPr>
+            </a:lvl6pPr>
+            <a:lvl7pPr marL="2743200" indent="0">
+              <a:buNone/>
+              <a:defRPr sz="1400">
+                <a:solidFill>
+                  <a:schemeClr val="tx1">
+                    <a:tint val="75000"/>
+                  </a:schemeClr>
+                </a:solidFill>
+              </a:defRPr>
+            </a:lvl7pPr>
+            <a:lvl8pPr marL="3200400" indent="0">
+              <a:buNone/>
+              <a:defRPr sz="1400">
+                <a:solidFill>
+                  <a:schemeClr val="tx1">
+                    <a:tint val="75000"/>
+                  </a:schemeClr>
+                </a:solidFill>
+              </a:defRPr>
+            </a:lvl8pPr>
+            <a:lvl9pPr marL="3657600" indent="0">
+              <a:buNone/>
+              <a:defRPr sz="1400">
+                <a:solidFill>
+                  <a:schemeClr val="tx1">
+                    <a:tint val="75000"/>
+                  </a:schemeClr>
+                </a:solidFill>
+              </a:defRPr>
+            </a:lvl9pPr>
+          </a:lstStyle>
+          <a:p>
+            <a:pPr lvl="0"/>
+            <a:r>
+              <a:rPr lang="ja-JP" altLang="en-US" smtClean="0"/>
+              <a:t>マスター テキストの書式設定</a:t>
+            </a:r>
+          </a:p>
+        </p:txBody>
+      </p:sp>
+      <p:sp>
+        <p:nvSpPr>
+          <p:cNvPr id="4" name="Date Placeholder 3"/>
+          <p:cNvSpPr>
+            <a:spLocks noGrp="1"/>
+          </p:cNvSpPr>
+          <p:nvPr>
+            <p:ph type="dt" sz="half" idx="10"/>
+          </p:nvPr>
+        </p:nvSpPr>
+        <p:spPr/>
+        <p:txBody>
+          <a:bodyPr/>
+          <a:lstStyle/>
+          <a:p>
+            <a:fld id="{B61BEF0D-F0BB-DE4B-95CE-6DB70DBA9567}" type="datetimeFigureOut">
+              <a:rPr lang="en-US" smtClean="0"/>
+              <a:pPr/>
+              <a:t>4/2/2017</a:t>
+            </a:fld>
+            <a:endParaRPr lang="en-US" dirty="0"/>
+          </a:p>
+        </p:txBody>
+      </p:sp>
+      <p:sp>
+        <p:nvSpPr>
+          <p:cNvPr id="5" name="Footer Placeholder 4"/>
+          <p:cNvSpPr>
+            <a:spLocks noGrp="1"/>
+          </p:cNvSpPr>
+          <p:nvPr>
+            <p:ph type="ftr" sz="quarter" idx="11"/>
+          </p:nvPr>
+        </p:nvSpPr>
+        <p:spPr/>
+        <p:txBody>
+          <a:bodyPr/>
+          <a:lstStyle/>
+          <a:p>
+            <a:endParaRPr lang="en-US" dirty="0"/>
+          </a:p>
+        </p:txBody>
+      </p:sp>
+      <p:sp>
+        <p:nvSpPr>
+          <p:cNvPr id="6" name="Slide Number Placeholder 5"/>
+          <p:cNvSpPr>
+            <a:spLocks noGrp="1"/>
+          </p:cNvSpPr>
+          <p:nvPr>
+            <p:ph type="sldNum" sz="quarter" idx="12"/>
+          </p:nvPr>
+        </p:nvSpPr>
+        <p:spPr/>
+        <p:txBody>
+          <a:bodyPr/>
+          <a:lstStyle/>
+          <a:p>
+            <a:fld id="{D57F1E4F-1CFF-5643-939E-217C01CDF565}" type="slidenum">
+              <a:rPr lang="en-US" smtClean="0"/>
+              <a:pPr/>
+              <a:t>‹#›</a:t>
+            </a:fld>
+            <a:endParaRPr lang="en-US" dirty="0"/>
+          </a:p>
+        </p:txBody>
+      </p:sp>
     </p:spTree>
     <p:extLst>
       <p:ext uri="{BB962C8B-B14F-4D97-AF65-F5344CB8AC3E}">
-        <p14:creationId xmlns:p14="http://schemas.microsoft.com/office/powerpoint/2010/main" val="2136360579"/>
+        <p14:creationId xmlns:p14="http://schemas.microsoft.com/office/powerpoint/2010/main" val="4243223284"/>
       </p:ext>
     </p:extLst>
   </p:cSld>
@@ -1379,15 +1801,17 @@
         </p:nvSpPr>
         <p:spPr>
           <a:xfrm>
-            <a:off x="913794" y="2126942"/>
-            <a:ext cx="10353763" cy="2511835"/>
+            <a:off x="1484313" y="3308581"/>
+            <a:ext cx="10018709" cy="1468800"/>
           </a:xfrm>
         </p:spPr>
         <p:txBody>
-          <a:bodyPr anchor="b"/>
+          <a:bodyPr anchor="b">
+            <a:normAutofit/>
+          </a:bodyPr>
           <a:lstStyle>
-            <a:lvl1pPr>
-              <a:defRPr sz="3200"/>
+            <a:lvl1pPr algn="r">
+              <a:defRPr sz="3200" b="0" cap="none"/>
             </a:lvl1pPr>
           </a:lstStyle>
           <a:p>
@@ -1401,58 +1825,112 @@
       </p:sp>
       <p:sp>
         <p:nvSpPr>
-          <p:cNvPr id="4" name="Text Placeholder 3"/>
-          <p:cNvSpPr>
-            <a:spLocks noGrp="1"/>
-          </p:cNvSpPr>
-          <p:nvPr>
-            <p:ph type="body" sz="half" idx="2"/>
+          <p:cNvPr id="3" name="Text Placeholder 2"/>
+          <p:cNvSpPr>
+            <a:spLocks noGrp="1"/>
+          </p:cNvSpPr>
+          <p:nvPr>
+            <p:ph type="body" idx="1"/>
           </p:nvPr>
         </p:nvSpPr>
         <p:spPr>
           <a:xfrm>
-            <a:off x="913784" y="4650556"/>
-            <a:ext cx="10352199" cy="1140644"/>
+            <a:off x="1484312" y="4777381"/>
+            <a:ext cx="10018710" cy="860400"/>
           </a:xfrm>
         </p:spPr>
         <p:txBody>
-          <a:bodyPr anchor="t"/>
+          <a:bodyPr anchor="t">
+            <a:normAutofit/>
+          </a:bodyPr>
           <a:lstStyle>
-            <a:lvl1pPr marL="0" indent="0" algn="ctr">
-              <a:buNone/>
-              <a:defRPr sz="1600"/>
+            <a:lvl1pPr marL="0" indent="0" algn="r">
+              <a:buNone/>
+              <a:defRPr sz="2000">
+                <a:solidFill>
+                  <a:schemeClr val="tx1"/>
+                </a:solidFill>
+              </a:defRPr>
             </a:lvl1pPr>
             <a:lvl2pPr marL="457200" indent="0">
               <a:buNone/>
-              <a:defRPr sz="1400"/>
+              <a:defRPr sz="1800">
+                <a:solidFill>
+                  <a:schemeClr val="tx1">
+                    <a:tint val="75000"/>
+                  </a:schemeClr>
+                </a:solidFill>
+              </a:defRPr>
             </a:lvl2pPr>
             <a:lvl3pPr marL="914400" indent="0">
               <a:buNone/>
-              <a:defRPr sz="1200"/>
+              <a:defRPr sz="1600">
+                <a:solidFill>
+                  <a:schemeClr val="tx1">
+                    <a:tint val="75000"/>
+                  </a:schemeClr>
+                </a:solidFill>
+              </a:defRPr>
             </a:lvl3pPr>
             <a:lvl4pPr marL="1371600" indent="0">
               <a:buNone/>
-              <a:defRPr sz="1000"/>
+              <a:defRPr sz="1400">
+                <a:solidFill>
+                  <a:schemeClr val="tx1">
+                    <a:tint val="75000"/>
+                  </a:schemeClr>
+                </a:solidFill>
+              </a:defRPr>
             </a:lvl4pPr>
             <a:lvl5pPr marL="1828800" indent="0">
               <a:buNone/>
-              <a:defRPr sz="1000"/>
+              <a:defRPr sz="1400">
+                <a:solidFill>
+                  <a:schemeClr val="tx1">
+                    <a:tint val="75000"/>
+                  </a:schemeClr>
+                </a:solidFill>
+              </a:defRPr>
             </a:lvl5pPr>
             <a:lvl6pPr marL="2286000" indent="0">
               <a:buNone/>
-              <a:defRPr sz="1000"/>
+              <a:defRPr sz="1400">
+                <a:solidFill>
+                  <a:schemeClr val="tx1">
+                    <a:tint val="75000"/>
+                  </a:schemeClr>
+                </a:solidFill>
+              </a:defRPr>
             </a:lvl6pPr>
             <a:lvl7pPr marL="2743200" indent="0">
               <a:buNone/>
-              <a:defRPr sz="1000"/>
+              <a:defRPr sz="1400">
+                <a:solidFill>
+                  <a:schemeClr val="tx1">
+                    <a:tint val="75000"/>
+                  </a:schemeClr>
+                </a:solidFill>
+              </a:defRPr>
             </a:lvl7pPr>
             <a:lvl8pPr marL="3200400" indent="0">
               <a:buNone/>
-              <a:defRPr sz="1000"/>
+              <a:defRPr sz="1400">
+                <a:solidFill>
+                  <a:schemeClr val="tx1">
+                    <a:tint val="75000"/>
+                  </a:schemeClr>
+                </a:solidFill>
+              </a:defRPr>
             </a:lvl8pPr>
             <a:lvl9pPr marL="3657600" indent="0">
               <a:buNone/>
-              <a:defRPr sz="1000"/>
+              <a:defRPr sz="1400">
+                <a:solidFill>
+                  <a:schemeClr val="tx1">
+                    <a:tint val="75000"/>
+                  </a:schemeClr>
+                </a:solidFill>
+              </a:defRPr>
             </a:lvl9pPr>
           </a:lstStyle>
           <a:p>
@@ -1466,7 +1944,7 @@
       </p:sp>
       <p:sp>
         <p:nvSpPr>
-          <p:cNvPr id="5" name="Date Placeholder 4"/>
+          <p:cNvPr id="4" name="Date Placeholder 3"/>
           <p:cNvSpPr>
             <a:spLocks noGrp="1"/>
           </p:cNvSpPr>
@@ -1482,7 +1960,7 @@
             <a:fld id="{B61BEF0D-F0BB-DE4B-95CE-6DB70DBA9567}" type="datetimeFigureOut">
               <a:rPr lang="en-US" smtClean="0"/>
               <a:pPr/>
-              <a:t>4/1/2017</a:t>
+              <a:t>4/2/2017</a:t>
             </a:fld>
             <a:endParaRPr lang="en-US" dirty="0"/>
           </a:p>
@@ -1490,7 +1968,7 @@
       </p:sp>
       <p:sp>
         <p:nvSpPr>
-          <p:cNvPr id="6" name="Footer Placeholder 5"/>
+          <p:cNvPr id="5" name="Footer Placeholder 4"/>
           <p:cNvSpPr>
             <a:spLocks noGrp="1"/>
           </p:cNvSpPr>
@@ -1509,7 +1987,7 @@
       </p:sp>
       <p:sp>
         <p:nvSpPr>
-          <p:cNvPr id="7" name="Slide Number Placeholder 6"/>
+          <p:cNvPr id="6" name="Slide Number Placeholder 5"/>
           <p:cNvSpPr>
             <a:spLocks noGrp="1"/>
           </p:cNvSpPr>
@@ -1534,7 +2012,7 @@
     </p:spTree>
     <p:extLst>
       <p:ext uri="{BB962C8B-B14F-4D97-AF65-F5344CB8AC3E}">
-        <p14:creationId xmlns:p14="http://schemas.microsoft.com/office/powerpoint/2010/main" val="2645969938"/>
+        <p14:creationId xmlns:p14="http://schemas.microsoft.com/office/powerpoint/2010/main" val="1840812071"/>
       </p:ext>
     </p:extLst>
   </p:cSld>
@@ -1546,7 +2024,7 @@
 
 <file path=ppt/slideLayouts/slideLayout14.xml><?xml version="1.0" encoding="utf-8"?>
 <p:sldLayout xmlns:a="http://schemas.openxmlformats.org/drawingml/2006/main" xmlns:r="http://schemas.openxmlformats.org/officeDocument/2006/relationships" xmlns:p="http://schemas.openxmlformats.org/presentationml/2006/main" preserve="1">
-  <p:cSld name="3 段">
+  <p:cSld name="引用付きの名札">
     <p:spTree>
       <p:nvGrpSpPr>
         <p:cNvPr id="1" name=""/>
@@ -1563,117 +2041,336 @@
       </p:grpSpPr>
       <p:sp>
         <p:nvSpPr>
-          <p:cNvPr id="15" name="Title 1"/>
-          <p:cNvSpPr>
-            <a:spLocks noGrp="1"/>
-          </p:cNvSpPr>
-          <p:nvPr>
-            <p:ph type="title"/>
-          </p:nvPr>
+          <p:cNvPr id="14" name="TextBox 13"/>
+          <p:cNvSpPr txBox="1"/>
+          <p:nvPr/>
         </p:nvSpPr>
         <p:spPr>
           <a:xfrm>
-            <a:off x="913795" y="609600"/>
-            <a:ext cx="10353762" cy="970450"/>
+            <a:off x="1598612" y="863023"/>
+            <a:ext cx="609600" cy="584776"/>
           </a:xfrm>
+          <a:prstGeom prst="rect">
+            <a:avLst/>
+          </a:prstGeom>
         </p:spPr>
         <p:txBody>
-          <a:bodyPr/>
-          <a:lstStyle/>
-          <a:p>
-            <a:r>
-              <a:rPr lang="ja-JP" altLang="en-US" smtClean="0"/>
-              <a:t>マスター タイトルの書式設定</a:t>
-            </a:r>
-            <a:endParaRPr lang="en-US" dirty="0"/>
-          </a:p>
-        </p:txBody>
-      </p:sp>
-      <p:sp>
-        <p:nvSpPr>
-          <p:cNvPr id="7" name="Text Placeholder 2"/>
-          <p:cNvSpPr>
-            <a:spLocks noGrp="1"/>
-          </p:cNvSpPr>
-          <p:nvPr>
-            <p:ph type="body" idx="1"/>
-          </p:nvPr>
-        </p:nvSpPr>
-        <p:spPr>
-          <a:xfrm>
-            <a:off x="913795" y="1885950"/>
-            <a:ext cx="3300984" cy="576262"/>
-          </a:xfrm>
-        </p:spPr>
-        <p:txBody>
-          <a:bodyPr anchor="b">
+          <a:bodyPr vert="horz" lIns="91440" tIns="45720" rIns="91440" bIns="45720" rtlCol="0" anchor="ctr">
             <a:noAutofit/>
           </a:bodyPr>
           <a:lstStyle>
-            <a:lvl1pPr marL="0" indent="0" algn="ctr">
-              <a:buNone/>
-              <a:defRPr sz="2400" b="0">
-                <a:solidFill>
-                  <a:schemeClr val="tx1"/>
-                </a:solidFill>
+            <a:lvl1pPr>
+              <a:spcBef>
+                <a:spcPct val="0"/>
+              </a:spcBef>
+              <a:buNone/>
+              <a:defRPr sz="3200" b="0" cap="all">
+                <a:ln w="3175" cmpd="sng">
+                  <a:noFill/>
+                </a:ln>
+                <a:effectLst>
+                  <a:glow rad="38100">
+                    <a:schemeClr val="bg1">
+                      <a:lumMod val="65000"/>
+                      <a:lumOff val="35000"/>
+                      <a:alpha val="40000"/>
+                    </a:schemeClr>
+                  </a:glow>
+                  <a:outerShdw blurRad="28575" dist="38100" dir="14040000" algn="tl" rotWithShape="0">
+                    <a:srgbClr val="000000">
+                      <a:alpha val="25000"/>
+                    </a:srgbClr>
+                  </a:outerShdw>
+                </a:effectLst>
               </a:defRPr>
             </a:lvl1pPr>
-            <a:lvl2pPr marL="457200" indent="0">
-              <a:buNone/>
-              <a:defRPr sz="2000" b="1"/>
+            <a:lvl2pPr>
+              <a:defRPr>
+                <a:solidFill>
+                  <a:schemeClr val="tx2"/>
+                </a:solidFill>
+              </a:defRPr>
             </a:lvl2pPr>
-            <a:lvl3pPr marL="914400" indent="0">
-              <a:buNone/>
-              <a:defRPr sz="1800" b="1"/>
+            <a:lvl3pPr>
+              <a:defRPr>
+                <a:solidFill>
+                  <a:schemeClr val="tx2"/>
+                </a:solidFill>
+              </a:defRPr>
             </a:lvl3pPr>
-            <a:lvl4pPr marL="1371600" indent="0">
-              <a:buNone/>
-              <a:defRPr sz="1600" b="1"/>
+            <a:lvl4pPr>
+              <a:defRPr>
+                <a:solidFill>
+                  <a:schemeClr val="tx2"/>
+                </a:solidFill>
+              </a:defRPr>
             </a:lvl4pPr>
-            <a:lvl5pPr marL="1828800" indent="0">
-              <a:buNone/>
-              <a:defRPr sz="1600" b="1"/>
+            <a:lvl5pPr>
+              <a:defRPr>
+                <a:solidFill>
+                  <a:schemeClr val="tx2"/>
+                </a:solidFill>
+              </a:defRPr>
             </a:lvl5pPr>
-            <a:lvl6pPr marL="2286000" indent="0">
-              <a:buNone/>
-              <a:defRPr sz="1600" b="1"/>
+            <a:lvl6pPr>
+              <a:defRPr>
+                <a:solidFill>
+                  <a:schemeClr val="tx2"/>
+                </a:solidFill>
+              </a:defRPr>
             </a:lvl6pPr>
-            <a:lvl7pPr marL="2743200" indent="0">
-              <a:buNone/>
-              <a:defRPr sz="1600" b="1"/>
+            <a:lvl7pPr>
+              <a:defRPr>
+                <a:solidFill>
+                  <a:schemeClr val="tx2"/>
+                </a:solidFill>
+              </a:defRPr>
             </a:lvl7pPr>
-            <a:lvl8pPr marL="3200400" indent="0">
-              <a:buNone/>
-              <a:defRPr sz="1600" b="1"/>
+            <a:lvl8pPr>
+              <a:defRPr>
+                <a:solidFill>
+                  <a:schemeClr val="tx2"/>
+                </a:solidFill>
+              </a:defRPr>
             </a:lvl8pPr>
-            <a:lvl9pPr marL="3657600" indent="0">
-              <a:buNone/>
-              <a:defRPr sz="1600" b="1"/>
+            <a:lvl9pPr>
+              <a:defRPr>
+                <a:solidFill>
+                  <a:schemeClr val="tx2"/>
+                </a:solidFill>
+              </a:defRPr>
             </a:lvl9pPr>
           </a:lstStyle>
           <a:p>
             <a:pPr lvl="0"/>
             <a:r>
-              <a:rPr lang="ja-JP" altLang="en-US" smtClean="0"/>
-              <a:t>マスター テキストの書式設定</a:t>
-            </a:r>
-          </a:p>
-        </p:txBody>
-      </p:sp>
-      <p:sp>
-        <p:nvSpPr>
-          <p:cNvPr id="8" name="Text Placeholder 3"/>
-          <p:cNvSpPr>
-            <a:spLocks noGrp="1"/>
-          </p:cNvSpPr>
-          <p:nvPr>
-            <p:ph type="body" sz="half" idx="15"/>
-          </p:nvPr>
+              <a:rPr lang="en-US" sz="8000" dirty="0">
+                <a:solidFill>
+                  <a:schemeClr val="tx1"/>
+                </a:solidFill>
+                <a:effectLst/>
+              </a:rPr>
+              <a:t>“</a:t>
+            </a:r>
+          </a:p>
+        </p:txBody>
+      </p:sp>
+      <p:sp>
+        <p:nvSpPr>
+          <p:cNvPr id="15" name="TextBox 14"/>
+          <p:cNvSpPr txBox="1"/>
+          <p:nvPr/>
         </p:nvSpPr>
         <p:spPr>
           <a:xfrm>
-            <a:off x="913795" y="2571750"/>
-            <a:ext cx="3300984" cy="3219450"/>
+            <a:off x="10893425" y="2819399"/>
+            <a:ext cx="609600" cy="584776"/>
+          </a:xfrm>
+          <a:prstGeom prst="rect">
+            <a:avLst/>
+          </a:prstGeom>
+        </p:spPr>
+        <p:txBody>
+          <a:bodyPr vert="horz" lIns="91440" tIns="45720" rIns="91440" bIns="45720" rtlCol="0" anchor="ctr">
+            <a:noAutofit/>
+          </a:bodyPr>
+          <a:lstStyle>
+            <a:lvl1pPr>
+              <a:spcBef>
+                <a:spcPct val="0"/>
+              </a:spcBef>
+              <a:buNone/>
+              <a:defRPr sz="3200" b="0" cap="all">
+                <a:ln w="3175" cmpd="sng">
+                  <a:noFill/>
+                </a:ln>
+                <a:effectLst>
+                  <a:glow rad="38100">
+                    <a:schemeClr val="bg1">
+                      <a:lumMod val="65000"/>
+                      <a:lumOff val="35000"/>
+                      <a:alpha val="40000"/>
+                    </a:schemeClr>
+                  </a:glow>
+                  <a:outerShdw blurRad="28575" dist="38100" dir="14040000" algn="tl" rotWithShape="0">
+                    <a:srgbClr val="000000">
+                      <a:alpha val="25000"/>
+                    </a:srgbClr>
+                  </a:outerShdw>
+                </a:effectLst>
+              </a:defRPr>
+            </a:lvl1pPr>
+            <a:lvl2pPr>
+              <a:defRPr>
+                <a:solidFill>
+                  <a:schemeClr val="tx2"/>
+                </a:solidFill>
+              </a:defRPr>
+            </a:lvl2pPr>
+            <a:lvl3pPr>
+              <a:defRPr>
+                <a:solidFill>
+                  <a:schemeClr val="tx2"/>
+                </a:solidFill>
+              </a:defRPr>
+            </a:lvl3pPr>
+            <a:lvl4pPr>
+              <a:defRPr>
+                <a:solidFill>
+                  <a:schemeClr val="tx2"/>
+                </a:solidFill>
+              </a:defRPr>
+            </a:lvl4pPr>
+            <a:lvl5pPr>
+              <a:defRPr>
+                <a:solidFill>
+                  <a:schemeClr val="tx2"/>
+                </a:solidFill>
+              </a:defRPr>
+            </a:lvl5pPr>
+            <a:lvl6pPr>
+              <a:defRPr>
+                <a:solidFill>
+                  <a:schemeClr val="tx2"/>
+                </a:solidFill>
+              </a:defRPr>
+            </a:lvl6pPr>
+            <a:lvl7pPr>
+              <a:defRPr>
+                <a:solidFill>
+                  <a:schemeClr val="tx2"/>
+                </a:solidFill>
+              </a:defRPr>
+            </a:lvl7pPr>
+            <a:lvl8pPr>
+              <a:defRPr>
+                <a:solidFill>
+                  <a:schemeClr val="tx2"/>
+                </a:solidFill>
+              </a:defRPr>
+            </a:lvl8pPr>
+            <a:lvl9pPr>
+              <a:defRPr>
+                <a:solidFill>
+                  <a:schemeClr val="tx2"/>
+                </a:solidFill>
+              </a:defRPr>
+            </a:lvl9pPr>
+          </a:lstStyle>
+          <a:p>
+            <a:pPr lvl="0" algn="r"/>
+            <a:r>
+              <a:rPr lang="en-US" sz="8000" dirty="0">
+                <a:solidFill>
+                  <a:schemeClr val="tx1"/>
+                </a:solidFill>
+                <a:effectLst/>
+              </a:rPr>
+              <a:t>”</a:t>
+            </a:r>
+          </a:p>
+        </p:txBody>
+      </p:sp>
+      <p:sp>
+        <p:nvSpPr>
+          <p:cNvPr id="2" name="Title 1"/>
+          <p:cNvSpPr>
+            <a:spLocks noGrp="1"/>
+          </p:cNvSpPr>
+          <p:nvPr>
+            <p:ph type="title"/>
+          </p:nvPr>
+        </p:nvSpPr>
+        <p:spPr>
+          <a:xfrm>
+            <a:off x="2208212" y="685800"/>
+            <a:ext cx="8990012" cy="2743199"/>
+          </a:xfrm>
+        </p:spPr>
+        <p:txBody>
+          <a:bodyPr anchor="ctr">
+            <a:normAutofit/>
+          </a:bodyPr>
+          <a:lstStyle>
+            <a:lvl1pPr algn="ctr">
+              <a:defRPr sz="3200" b="0" cap="none">
+                <a:solidFill>
+                  <a:schemeClr val="tx1"/>
+                </a:solidFill>
+              </a:defRPr>
+            </a:lvl1pPr>
+          </a:lstStyle>
+          <a:p>
+            <a:r>
+              <a:rPr lang="ja-JP" altLang="en-US" smtClean="0"/>
+              <a:t>マスター タイトルの書式設定</a:t>
+            </a:r>
+            <a:endParaRPr lang="en-US" dirty="0"/>
+          </a:p>
+        </p:txBody>
+      </p:sp>
+      <p:sp>
+        <p:nvSpPr>
+          <p:cNvPr id="10" name="Text Placeholder 9"/>
+          <p:cNvSpPr>
+            <a:spLocks noGrp="1"/>
+          </p:cNvSpPr>
+          <p:nvPr>
+            <p:ph type="body" sz="quarter" idx="13"/>
+          </p:nvPr>
+        </p:nvSpPr>
+        <p:spPr>
+          <a:xfrm>
+            <a:off x="1484313" y="3886200"/>
+            <a:ext cx="10018710" cy="889000"/>
+          </a:xfrm>
+        </p:spPr>
+        <p:txBody>
+          <a:bodyPr vert="horz" lIns="91440" tIns="45720" rIns="91440" bIns="45720" rtlCol="0" anchor="b">
+            <a:normAutofit/>
+          </a:bodyPr>
+          <a:lstStyle>
+            <a:lvl1pPr algn="r">
+              <a:buNone/>
+              <a:defRPr lang="en-US" sz="2400" b="0" cap="none" dirty="0">
+                <a:ln w="3175" cmpd="sng">
+                  <a:noFill/>
+                </a:ln>
+                <a:solidFill>
+                  <a:schemeClr val="tx1"/>
+                </a:solidFill>
+                <a:effectLst/>
+              </a:defRPr>
+            </a:lvl1pPr>
+          </a:lstStyle>
+          <a:p>
+            <a:pPr marL="0" lvl="0">
+              <a:spcBef>
+                <a:spcPct val="0"/>
+              </a:spcBef>
+              <a:buNone/>
+            </a:pPr>
+            <a:r>
+              <a:rPr lang="ja-JP" altLang="en-US" smtClean="0"/>
+              <a:t>マスター テキストの書式設定</a:t>
+            </a:r>
+          </a:p>
+        </p:txBody>
+      </p:sp>
+      <p:sp>
+        <p:nvSpPr>
+          <p:cNvPr id="3" name="Text Placeholder 2"/>
+          <p:cNvSpPr>
+            <a:spLocks noGrp="1"/>
+          </p:cNvSpPr>
+          <p:nvPr>
+            <p:ph type="body" idx="1"/>
+          </p:nvPr>
+        </p:nvSpPr>
+        <p:spPr>
+          <a:xfrm>
+            <a:off x="1484312" y="4775200"/>
+            <a:ext cx="10018710" cy="1016000"/>
           </a:xfrm>
         </p:spPr>
         <p:txBody>
@@ -1681,41 +2378,93 @@
             <a:normAutofit/>
           </a:bodyPr>
           <a:lstStyle>
-            <a:lvl1pPr marL="0" indent="0" algn="ctr">
-              <a:buNone/>
-              <a:defRPr sz="1400"/>
+            <a:lvl1pPr marL="0" indent="0" algn="r">
+              <a:buNone/>
+              <a:defRPr sz="1800">
+                <a:solidFill>
+                  <a:schemeClr val="tx1"/>
+                </a:solidFill>
+              </a:defRPr>
             </a:lvl1pPr>
             <a:lvl2pPr marL="457200" indent="0">
               <a:buNone/>
-              <a:defRPr sz="1200"/>
+              <a:defRPr sz="1800">
+                <a:solidFill>
+                  <a:schemeClr val="tx1">
+                    <a:tint val="75000"/>
+                  </a:schemeClr>
+                </a:solidFill>
+              </a:defRPr>
             </a:lvl2pPr>
             <a:lvl3pPr marL="914400" indent="0">
               <a:buNone/>
-              <a:defRPr sz="1000"/>
+              <a:defRPr sz="1600">
+                <a:solidFill>
+                  <a:schemeClr val="tx1">
+                    <a:tint val="75000"/>
+                  </a:schemeClr>
+                </a:solidFill>
+              </a:defRPr>
             </a:lvl3pPr>
             <a:lvl4pPr marL="1371600" indent="0">
               <a:buNone/>
-              <a:defRPr sz="900"/>
+              <a:defRPr sz="1400">
+                <a:solidFill>
+                  <a:schemeClr val="tx1">
+                    <a:tint val="75000"/>
+                  </a:schemeClr>
+                </a:solidFill>
+              </a:defRPr>
             </a:lvl4pPr>
             <a:lvl5pPr marL="1828800" indent="0">
               <a:buNone/>
-              <a:defRPr sz="900"/>
+              <a:defRPr sz="1400">
+                <a:solidFill>
+                  <a:schemeClr val="tx1">
+                    <a:tint val="75000"/>
+                  </a:schemeClr>
+                </a:solidFill>
+              </a:defRPr>
             </a:lvl5pPr>
             <a:lvl6pPr marL="2286000" indent="0">
               <a:buNone/>
-              <a:defRPr sz="900"/>
+              <a:defRPr sz="1400">
+                <a:solidFill>
+                  <a:schemeClr val="tx1">
+                    <a:tint val="75000"/>
+                  </a:schemeClr>
+                </a:solidFill>
+              </a:defRPr>
             </a:lvl6pPr>
             <a:lvl7pPr marL="2743200" indent="0">
               <a:buNone/>
-              <a:defRPr sz="900"/>
+              <a:defRPr sz="1400">
+                <a:solidFill>
+                  <a:schemeClr val="tx1">
+                    <a:tint val="75000"/>
+                  </a:schemeClr>
+                </a:solidFill>
+              </a:defRPr>
             </a:lvl7pPr>
             <a:lvl8pPr marL="3200400" indent="0">
               <a:buNone/>
-              <a:defRPr sz="900"/>
+              <a:defRPr sz="1400">
+                <a:solidFill>
+                  <a:schemeClr val="tx1">
+                    <a:tint val="75000"/>
+                  </a:schemeClr>
+                </a:solidFill>
+              </a:defRPr>
             </a:lvl8pPr>
             <a:lvl9pPr marL="3657600" indent="0">
               <a:buNone/>
-              <a:defRPr sz="900"/>
+              <a:defRPr sz="1400">
+                <a:solidFill>
+                  <a:schemeClr val="tx1">
+                    <a:tint val="75000"/>
+                  </a:schemeClr>
+                </a:solidFill>
+              </a:defRPr>
             </a:lvl9pPr>
           </a:lstStyle>
           <a:p>
@@ -1729,283 +2478,7 @@
       </p:sp>
       <p:sp>
         <p:nvSpPr>
-          <p:cNvPr id="9" name="Text Placeholder 4"/>
-          <p:cNvSpPr>
-            <a:spLocks noGrp="1"/>
-          </p:cNvSpPr>
-          <p:nvPr>
-            <p:ph type="body" sz="quarter" idx="3"/>
-          </p:nvPr>
-        </p:nvSpPr>
-        <p:spPr>
-          <a:xfrm>
-            <a:off x="4446711" y="1885950"/>
-            <a:ext cx="3300984" cy="576262"/>
-          </a:xfrm>
-        </p:spPr>
-        <p:txBody>
-          <a:bodyPr anchor="b">
-            <a:noAutofit/>
-          </a:bodyPr>
-          <a:lstStyle>
-            <a:lvl1pPr marL="0" indent="0" algn="ctr">
-              <a:buNone/>
-              <a:defRPr sz="2400" b="0">
-                <a:solidFill>
-                  <a:schemeClr val="tx1"/>
-                </a:solidFill>
-              </a:defRPr>
-            </a:lvl1pPr>
-            <a:lvl2pPr marL="457200" indent="0">
-              <a:buNone/>
-              <a:defRPr sz="2000" b="1"/>
-            </a:lvl2pPr>
-            <a:lvl3pPr marL="914400" indent="0">
-              <a:buNone/>
-              <a:defRPr sz="1800" b="1"/>
-            </a:lvl3pPr>
-            <a:lvl4pPr marL="1371600" indent="0">
-              <a:buNone/>
-              <a:defRPr sz="1600" b="1"/>
-            </a:lvl4pPr>
-            <a:lvl5pPr marL="1828800" indent="0">
-              <a:buNone/>
-              <a:defRPr sz="1600" b="1"/>
-            </a:lvl5pPr>
-            <a:lvl6pPr marL="2286000" indent="0">
-              <a:buNone/>
-              <a:defRPr sz="1600" b="1"/>
-            </a:lvl6pPr>
-            <a:lvl7pPr marL="2743200" indent="0">
-              <a:buNone/>
-              <a:defRPr sz="1600" b="1"/>
-            </a:lvl7pPr>
-            <a:lvl8pPr marL="3200400" indent="0">
-              <a:buNone/>
-              <a:defRPr sz="1600" b="1"/>
-            </a:lvl8pPr>
-            <a:lvl9pPr marL="3657600" indent="0">
-              <a:buNone/>
-              <a:defRPr sz="1600" b="1"/>
-            </a:lvl9pPr>
-          </a:lstStyle>
-          <a:p>
-            <a:pPr lvl="0"/>
-            <a:r>
-              <a:rPr lang="ja-JP" altLang="en-US" smtClean="0"/>
-              <a:t>マスター テキストの書式設定</a:t>
-            </a:r>
-          </a:p>
-        </p:txBody>
-      </p:sp>
-      <p:sp>
-        <p:nvSpPr>
-          <p:cNvPr id="10" name="Text Placeholder 3"/>
-          <p:cNvSpPr>
-            <a:spLocks noGrp="1"/>
-          </p:cNvSpPr>
-          <p:nvPr>
-            <p:ph type="body" sz="half" idx="16"/>
-          </p:nvPr>
-        </p:nvSpPr>
-        <p:spPr>
-          <a:xfrm>
-            <a:off x="4441435" y="2571750"/>
-            <a:ext cx="3300984" cy="3219450"/>
-          </a:xfrm>
-        </p:spPr>
-        <p:txBody>
-          <a:bodyPr anchor="t">
-            <a:normAutofit/>
-          </a:bodyPr>
-          <a:lstStyle>
-            <a:lvl1pPr marL="0" indent="0" algn="ctr">
-              <a:buNone/>
-              <a:defRPr sz="1400"/>
-            </a:lvl1pPr>
-            <a:lvl2pPr marL="457200" indent="0">
-              <a:buNone/>
-              <a:defRPr sz="1200"/>
-            </a:lvl2pPr>
-            <a:lvl3pPr marL="914400" indent="0">
-              <a:buNone/>
-              <a:defRPr sz="1000"/>
-            </a:lvl3pPr>
-            <a:lvl4pPr marL="1371600" indent="0">
-              <a:buNone/>
-              <a:defRPr sz="900"/>
-            </a:lvl4pPr>
-            <a:lvl5pPr marL="1828800" indent="0">
-              <a:buNone/>
-              <a:defRPr sz="900"/>
-            </a:lvl5pPr>
-            <a:lvl6pPr marL="2286000" indent="0">
-              <a:buNone/>
-              <a:defRPr sz="900"/>
-            </a:lvl6pPr>
-            <a:lvl7pPr marL="2743200" indent="0">
-              <a:buNone/>
-              <a:defRPr sz="900"/>
-            </a:lvl7pPr>
-            <a:lvl8pPr marL="3200400" indent="0">
-              <a:buNone/>
-              <a:defRPr sz="900"/>
-            </a:lvl8pPr>
-            <a:lvl9pPr marL="3657600" indent="0">
-              <a:buNone/>
-              <a:defRPr sz="900"/>
-            </a:lvl9pPr>
-          </a:lstStyle>
-          <a:p>
-            <a:pPr lvl="0"/>
-            <a:r>
-              <a:rPr lang="ja-JP" altLang="en-US" smtClean="0"/>
-              <a:t>マスター テキストの書式設定</a:t>
-            </a:r>
-          </a:p>
-        </p:txBody>
-      </p:sp>
-      <p:sp>
-        <p:nvSpPr>
-          <p:cNvPr id="11" name="Text Placeholder 4"/>
-          <p:cNvSpPr>
-            <a:spLocks noGrp="1"/>
-          </p:cNvSpPr>
-          <p:nvPr>
-            <p:ph type="body" sz="quarter" idx="13"/>
-          </p:nvPr>
-        </p:nvSpPr>
-        <p:spPr>
-          <a:xfrm>
-            <a:off x="7966572" y="1885950"/>
-            <a:ext cx="3300984" cy="576262"/>
-          </a:xfrm>
-        </p:spPr>
-        <p:txBody>
-          <a:bodyPr anchor="b">
-            <a:noAutofit/>
-          </a:bodyPr>
-          <a:lstStyle>
-            <a:lvl1pPr marL="0" indent="0" algn="ctr">
-              <a:buNone/>
-              <a:defRPr sz="2400" b="0">
-                <a:solidFill>
-                  <a:schemeClr val="tx1"/>
-                </a:solidFill>
-              </a:defRPr>
-            </a:lvl1pPr>
-            <a:lvl2pPr marL="457200" indent="0">
-              <a:buNone/>
-              <a:defRPr sz="2000" b="1"/>
-            </a:lvl2pPr>
-            <a:lvl3pPr marL="914400" indent="0">
-              <a:buNone/>
-              <a:defRPr sz="1800" b="1"/>
-            </a:lvl3pPr>
-            <a:lvl4pPr marL="1371600" indent="0">
-              <a:buNone/>
-              <a:defRPr sz="1600" b="1"/>
-            </a:lvl4pPr>
-            <a:lvl5pPr marL="1828800" indent="0">
-              <a:buNone/>
-              <a:defRPr sz="1600" b="1"/>
-            </a:lvl5pPr>
-            <a:lvl6pPr marL="2286000" indent="0">
-              <a:buNone/>
-              <a:defRPr sz="1600" b="1"/>
-            </a:lvl6pPr>
-            <a:lvl7pPr marL="2743200" indent="0">
-              <a:buNone/>
-              <a:defRPr sz="1600" b="1"/>
-            </a:lvl7pPr>
-            <a:lvl8pPr marL="3200400" indent="0">
-              <a:buNone/>
-              <a:defRPr sz="1600" b="1"/>
-            </a:lvl8pPr>
-            <a:lvl9pPr marL="3657600" indent="0">
-              <a:buNone/>
-              <a:defRPr sz="1600" b="1"/>
-            </a:lvl9pPr>
-          </a:lstStyle>
-          <a:p>
-            <a:pPr lvl="0"/>
-            <a:r>
-              <a:rPr lang="ja-JP" altLang="en-US" smtClean="0"/>
-              <a:t>マスター テキストの書式設定</a:t>
-            </a:r>
-          </a:p>
-        </p:txBody>
-      </p:sp>
-      <p:sp>
-        <p:nvSpPr>
-          <p:cNvPr id="12" name="Text Placeholder 3"/>
-          <p:cNvSpPr>
-            <a:spLocks noGrp="1"/>
-          </p:cNvSpPr>
-          <p:nvPr>
-            <p:ph type="body" sz="half" idx="17"/>
-          </p:nvPr>
-        </p:nvSpPr>
-        <p:spPr>
-          <a:xfrm>
-            <a:off x="7966572" y="2571750"/>
-            <a:ext cx="3300984" cy="3219450"/>
-          </a:xfrm>
-        </p:spPr>
-        <p:txBody>
-          <a:bodyPr anchor="t">
-            <a:normAutofit/>
-          </a:bodyPr>
-          <a:lstStyle>
-            <a:lvl1pPr marL="0" indent="0" algn="ctr">
-              <a:buNone/>
-              <a:defRPr sz="1400"/>
-            </a:lvl1pPr>
-            <a:lvl2pPr marL="457200" indent="0">
-              <a:buNone/>
-              <a:defRPr sz="1200"/>
-            </a:lvl2pPr>
-            <a:lvl3pPr marL="914400" indent="0">
-              <a:buNone/>
-              <a:defRPr sz="1000"/>
-            </a:lvl3pPr>
-            <a:lvl4pPr marL="1371600" indent="0">
-              <a:buNone/>
-              <a:defRPr sz="900"/>
-            </a:lvl4pPr>
-            <a:lvl5pPr marL="1828800" indent="0">
-              <a:buNone/>
-              <a:defRPr sz="900"/>
-            </a:lvl5pPr>
-            <a:lvl6pPr marL="2286000" indent="0">
-              <a:buNone/>
-              <a:defRPr sz="900"/>
-            </a:lvl6pPr>
-            <a:lvl7pPr marL="2743200" indent="0">
-              <a:buNone/>
-              <a:defRPr sz="900"/>
-            </a:lvl7pPr>
-            <a:lvl8pPr marL="3200400" indent="0">
-              <a:buNone/>
-              <a:defRPr sz="900"/>
-            </a:lvl8pPr>
-            <a:lvl9pPr marL="3657600" indent="0">
-              <a:buNone/>
-              <a:defRPr sz="900"/>
-            </a:lvl9pPr>
-          </a:lstStyle>
-          <a:p>
-            <a:pPr lvl="0"/>
-            <a:r>
-              <a:rPr lang="ja-JP" altLang="en-US" smtClean="0"/>
-              <a:t>マスター テキストの書式設定</a:t>
-            </a:r>
-          </a:p>
-        </p:txBody>
-      </p:sp>
-      <p:sp>
-        <p:nvSpPr>
-          <p:cNvPr id="3" name="Date Placeholder 2"/>
+          <p:cNvPr id="4" name="Date Placeholder 3"/>
           <p:cNvSpPr>
             <a:spLocks noGrp="1"/>
           </p:cNvSpPr>
@@ -2021,7 +2494,7 @@
             <a:fld id="{B61BEF0D-F0BB-DE4B-95CE-6DB70DBA9567}" type="datetimeFigureOut">
               <a:rPr lang="en-US" smtClean="0"/>
               <a:pPr/>
-              <a:t>4/1/2017</a:t>
+              <a:t>4/2/2017</a:t>
             </a:fld>
             <a:endParaRPr lang="en-US" dirty="0"/>
           </a:p>
@@ -2029,7 +2502,7 @@
       </p:sp>
       <p:sp>
         <p:nvSpPr>
-          <p:cNvPr id="4" name="Footer Placeholder 3"/>
+          <p:cNvPr id="5" name="Footer Placeholder 4"/>
           <p:cNvSpPr>
             <a:spLocks noGrp="1"/>
           </p:cNvSpPr>
@@ -2048,7 +2521,7 @@
       </p:sp>
       <p:sp>
         <p:nvSpPr>
-          <p:cNvPr id="5" name="Slide Number Placeholder 4"/>
+          <p:cNvPr id="6" name="Slide Number Placeholder 5"/>
           <p:cNvSpPr>
             <a:spLocks noGrp="1"/>
           </p:cNvSpPr>
@@ -2073,7 +2546,7 @@
     </p:spTree>
     <p:extLst>
       <p:ext uri="{BB962C8B-B14F-4D97-AF65-F5344CB8AC3E}">
-        <p14:creationId xmlns:p14="http://schemas.microsoft.com/office/powerpoint/2010/main" val="152551296"/>
+        <p14:creationId xmlns:p14="http://schemas.microsoft.com/office/powerpoint/2010/main" val="1487483176"/>
       </p:ext>
     </p:extLst>
   </p:cSld>
@@ -2085,7 +2558,7 @@
 
 <file path=ppt/slideLayouts/slideLayout15.xml><?xml version="1.0" encoding="utf-8"?>
 <p:sldLayout xmlns:a="http://schemas.openxmlformats.org/drawingml/2006/main" xmlns:r="http://schemas.openxmlformats.org/officeDocument/2006/relationships" xmlns:p="http://schemas.openxmlformats.org/presentationml/2006/main" preserve="1">
-  <p:cSld name="3 つの画像列">
+  <p:cSld name="真または偽">
     <p:spTree>
       <p:nvGrpSpPr>
         <p:cNvPr id="1" name=""/>
@@ -2100,333 +2573,200 @@
           <a:chExt cx="0" cy="0"/>
         </a:xfrm>
       </p:grpSpPr>
-      <p:pic>
-        <p:nvPicPr>
-          <p:cNvPr id="2" name="Picture 1" descr="Slate-V2-HD-3colPhotoInset.png"/>
-          <p:cNvPicPr>
-            <a:picLocks noChangeAspect="1"/>
-          </p:cNvPicPr>
-          <p:nvPr/>
-        </p:nvPicPr>
-        <p:blipFill>
-          <a:blip r:embed="rId2">
-            <a:extLst>
-              <a:ext uri="{28A0092B-C50C-407E-A947-70E740481C1C}">
-                <a14:useLocalDpi xmlns:a14="http://schemas.microsoft.com/office/drawing/2010/main" val="0"/>
-              </a:ext>
-            </a:extLst>
-          </a:blip>
-          <a:stretch>
-            <a:fillRect/>
-          </a:stretch>
-        </p:blipFill>
+      <p:sp>
+        <p:nvSpPr>
+          <p:cNvPr id="2" name="Title 1"/>
+          <p:cNvSpPr>
+            <a:spLocks noGrp="1"/>
+          </p:cNvSpPr>
+          <p:nvPr>
+            <p:ph type="title"/>
+          </p:nvPr>
+        </p:nvSpPr>
         <p:spPr>
           <a:xfrm>
-            <a:off x="897962" y="1818214"/>
-            <a:ext cx="3339972" cy="1847851"/>
+            <a:off x="1484313" y="685800"/>
+            <a:ext cx="10018712" cy="2727325"/>
           </a:xfrm>
-          <a:prstGeom prst="rect">
-            <a:avLst/>
-          </a:prstGeom>
         </p:spPr>
-      </p:pic>
-      <p:pic>
-        <p:nvPicPr>
-          <p:cNvPr id="36" name="Picture 35" descr="Slate-V2-HD-3colPhotoInset.png"/>
-          <p:cNvPicPr>
-            <a:picLocks noChangeAspect="1"/>
-          </p:cNvPicPr>
-          <p:nvPr/>
-        </p:nvPicPr>
-        <p:blipFill>
-          <a:blip r:embed="rId2">
-            <a:extLst>
-              <a:ext uri="{28A0092B-C50C-407E-A947-70E740481C1C}">
-                <a14:useLocalDpi xmlns:a14="http://schemas.microsoft.com/office/drawing/2010/main" val="0"/>
-              </a:ext>
-            </a:extLst>
-          </a:blip>
-          <a:stretch>
-            <a:fillRect/>
-          </a:stretch>
-        </p:blipFill>
+        <p:txBody>
+          <a:bodyPr vert="horz" lIns="91440" tIns="45720" rIns="91440" bIns="45720" rtlCol="0" anchor="ctr">
+            <a:normAutofit/>
+          </a:bodyPr>
+          <a:lstStyle>
+            <a:lvl1pPr>
+              <a:defRPr lang="en-US" b="0" dirty="0"/>
+            </a:lvl1pPr>
+          </a:lstStyle>
+          <a:p>
+            <a:pPr marL="0" lvl="0"/>
+            <a:r>
+              <a:rPr lang="ja-JP" altLang="en-US" smtClean="0"/>
+              <a:t>マスター タイトルの書式設定</a:t>
+            </a:r>
+            <a:endParaRPr lang="en-US" dirty="0"/>
+          </a:p>
+        </p:txBody>
+      </p:sp>
+      <p:sp>
+        <p:nvSpPr>
+          <p:cNvPr id="10" name="Text Placeholder 9"/>
+          <p:cNvSpPr>
+            <a:spLocks noGrp="1"/>
+          </p:cNvSpPr>
+          <p:nvPr>
+            <p:ph type="body" sz="quarter" idx="13"/>
+          </p:nvPr>
+        </p:nvSpPr>
         <p:spPr>
           <a:xfrm>
-            <a:off x="4403800" y="1818214"/>
-            <a:ext cx="3339972" cy="1847851"/>
+            <a:off x="1484312" y="3505200"/>
+            <a:ext cx="10018713" cy="838200"/>
           </a:xfrm>
-          <a:prstGeom prst="rect">
-            <a:avLst/>
-          </a:prstGeom>
         </p:spPr>
-      </p:pic>
-      <p:pic>
-        <p:nvPicPr>
-          <p:cNvPr id="37" name="Picture 36" descr="Slate-V2-HD-3colPhotoInset.png"/>
-          <p:cNvPicPr>
-            <a:picLocks noChangeAspect="1"/>
-          </p:cNvPicPr>
-          <p:nvPr/>
-        </p:nvPicPr>
-        <p:blipFill>
-          <a:blip r:embed="rId2">
-            <a:extLst>
-              <a:ext uri="{28A0092B-C50C-407E-A947-70E740481C1C}">
-                <a14:useLocalDpi xmlns:a14="http://schemas.microsoft.com/office/drawing/2010/main" val="0"/>
-              </a:ext>
-            </a:extLst>
-          </a:blip>
-          <a:stretch>
-            <a:fillRect/>
-          </a:stretch>
-        </p:blipFill>
+        <p:txBody>
+          <a:bodyPr vert="horz" lIns="91440" tIns="45720" rIns="91440" bIns="45720" rtlCol="0" anchor="b">
+            <a:normAutofit/>
+          </a:bodyPr>
+          <a:lstStyle>
+            <a:lvl1pPr>
+              <a:buNone/>
+              <a:defRPr lang="en-US" sz="2800" b="0" cap="none" dirty="0">
+                <a:ln w="3175" cmpd="sng">
+                  <a:noFill/>
+                </a:ln>
+                <a:solidFill>
+                  <a:schemeClr val="tx1"/>
+                </a:solidFill>
+                <a:effectLst/>
+              </a:defRPr>
+            </a:lvl1pPr>
+          </a:lstStyle>
+          <a:p>
+            <a:pPr marL="0" lvl="0">
+              <a:spcBef>
+                <a:spcPct val="0"/>
+              </a:spcBef>
+              <a:buNone/>
+            </a:pPr>
+            <a:r>
+              <a:rPr lang="ja-JP" altLang="en-US" smtClean="0"/>
+              <a:t>マスター テキストの書式設定</a:t>
+            </a:r>
+          </a:p>
+        </p:txBody>
+      </p:sp>
+      <p:sp>
+        <p:nvSpPr>
+          <p:cNvPr id="3" name="Text Placeholder 2"/>
+          <p:cNvSpPr>
+            <a:spLocks noGrp="1"/>
+          </p:cNvSpPr>
+          <p:nvPr>
+            <p:ph type="body" idx="1"/>
+          </p:nvPr>
+        </p:nvSpPr>
         <p:spPr>
           <a:xfrm>
-            <a:off x="7936051" y="1818214"/>
-            <a:ext cx="3339972" cy="1847851"/>
+            <a:off x="1484311" y="4343400"/>
+            <a:ext cx="10018713" cy="1447800"/>
           </a:xfrm>
-          <a:prstGeom prst="rect">
-            <a:avLst/>
-          </a:prstGeom>
-        </p:spPr>
-      </p:pic>
-      <p:sp>
-        <p:nvSpPr>
-          <p:cNvPr id="30" name="Title 1"/>
-          <p:cNvSpPr>
-            <a:spLocks noGrp="1"/>
-          </p:cNvSpPr>
-          <p:nvPr>
-            <p:ph type="title"/>
-          </p:nvPr>
-        </p:nvSpPr>
-        <p:spPr>
-          <a:xfrm>
-            <a:off x="913794" y="609600"/>
-            <a:ext cx="10353763" cy="970450"/>
-          </a:xfrm>
-        </p:spPr>
-        <p:txBody>
-          <a:bodyPr/>
-          <a:lstStyle/>
-          <a:p>
-            <a:r>
-              <a:rPr lang="ja-JP" altLang="en-US" smtClean="0"/>
-              <a:t>マスター タイトルの書式設定</a:t>
-            </a:r>
-            <a:endParaRPr lang="en-US" dirty="0"/>
-          </a:p>
-        </p:txBody>
-      </p:sp>
-      <p:sp>
-        <p:nvSpPr>
-          <p:cNvPr id="19" name="Text Placeholder 2"/>
-          <p:cNvSpPr>
-            <a:spLocks noGrp="1"/>
-          </p:cNvSpPr>
-          <p:nvPr>
-            <p:ph type="body" idx="1"/>
-          </p:nvPr>
-        </p:nvSpPr>
-        <p:spPr>
-          <a:xfrm>
-            <a:off x="913795" y="3904106"/>
-            <a:ext cx="3300984" cy="576262"/>
-          </a:xfrm>
-        </p:spPr>
-        <p:txBody>
-          <a:bodyPr anchor="b">
-            <a:noAutofit/>
-          </a:bodyPr>
-          <a:lstStyle>
-            <a:lvl1pPr marL="0" indent="0" algn="ctr">
-              <a:buNone/>
-              <a:defRPr sz="2000" b="0">
-                <a:solidFill>
-                  <a:schemeClr val="tx1"/>
-                </a:solidFill>
-              </a:defRPr>
-            </a:lvl1pPr>
-            <a:lvl2pPr marL="457200" indent="0">
-              <a:buNone/>
-              <a:defRPr sz="2000" b="1"/>
-            </a:lvl2pPr>
-            <a:lvl3pPr marL="914400" indent="0">
-              <a:buNone/>
-              <a:defRPr sz="1800" b="1"/>
-            </a:lvl3pPr>
-            <a:lvl4pPr marL="1371600" indent="0">
-              <a:buNone/>
-              <a:defRPr sz="1600" b="1"/>
-            </a:lvl4pPr>
-            <a:lvl5pPr marL="1828800" indent="0">
-              <a:buNone/>
-              <a:defRPr sz="1600" b="1"/>
-            </a:lvl5pPr>
-            <a:lvl6pPr marL="2286000" indent="0">
-              <a:buNone/>
-              <a:defRPr sz="1600" b="1"/>
-            </a:lvl6pPr>
-            <a:lvl7pPr marL="2743200" indent="0">
-              <a:buNone/>
-              <a:defRPr sz="1600" b="1"/>
-            </a:lvl7pPr>
-            <a:lvl8pPr marL="3200400" indent="0">
-              <a:buNone/>
-              <a:defRPr sz="1600" b="1"/>
-            </a:lvl8pPr>
-            <a:lvl9pPr marL="3657600" indent="0">
-              <a:buNone/>
-              <a:defRPr sz="1600" b="1"/>
-            </a:lvl9pPr>
-          </a:lstStyle>
-          <a:p>
-            <a:pPr lvl="0"/>
-            <a:r>
-              <a:rPr lang="ja-JP" altLang="en-US" smtClean="0"/>
-              <a:t>マスター テキストの書式設定</a:t>
-            </a:r>
-          </a:p>
-        </p:txBody>
-      </p:sp>
-      <p:sp>
-        <p:nvSpPr>
-          <p:cNvPr id="20" name="Picture Placeholder 2"/>
-          <p:cNvSpPr>
-            <a:spLocks noGrp="1" noChangeAspect="1"/>
-          </p:cNvSpPr>
-          <p:nvPr>
-            <p:ph type="pic" idx="15"/>
-          </p:nvPr>
-        </p:nvSpPr>
-        <p:spPr>
-          <a:xfrm>
-            <a:off x="1018102" y="1938918"/>
-            <a:ext cx="3092368" cy="1602954"/>
-          </a:xfrm>
-          <a:prstGeom prst="roundRect">
-            <a:avLst>
-              <a:gd name="adj" fmla="val 1858"/>
-            </a:avLst>
-          </a:prstGeom>
-          <a:effectLst>
-            <a:outerShdw blurRad="38100" dist="25400" dir="4440000">
-              <a:srgbClr val="000000">
-                <a:alpha val="36000"/>
-              </a:srgbClr>
-            </a:outerShdw>
-          </a:effectLst>
         </p:spPr>
         <p:txBody>
           <a:bodyPr anchor="t">
             <a:normAutofit/>
           </a:bodyPr>
           <a:lstStyle>
-            <a:lvl1pPr marL="0" indent="0" algn="ctr">
-              <a:buNone/>
-              <a:defRPr sz="1600"/>
+            <a:lvl1pPr marL="0" indent="0" algn="l">
+              <a:buNone/>
+              <a:defRPr sz="1800">
+                <a:solidFill>
+                  <a:schemeClr val="tx1"/>
+                </a:solidFill>
+              </a:defRPr>
             </a:lvl1pPr>
             <a:lvl2pPr marL="457200" indent="0">
               <a:buNone/>
-              <a:defRPr sz="1600"/>
+              <a:defRPr sz="1800">
+                <a:solidFill>
+                  <a:schemeClr val="tx1">
+                    <a:tint val="75000"/>
+                  </a:schemeClr>
+                </a:solidFill>
+              </a:defRPr>
             </a:lvl2pPr>
             <a:lvl3pPr marL="914400" indent="0">
               <a:buNone/>
-              <a:defRPr sz="1600"/>
+              <a:defRPr sz="1600">
+                <a:solidFill>
+                  <a:schemeClr val="tx1">
+                    <a:tint val="75000"/>
+                  </a:schemeClr>
+                </a:solidFill>
+              </a:defRPr>
             </a:lvl3pPr>
             <a:lvl4pPr marL="1371600" indent="0">
               <a:buNone/>
-              <a:defRPr sz="1600"/>
+              <a:defRPr sz="1400">
+                <a:solidFill>
+                  <a:schemeClr val="tx1">
+                    <a:tint val="75000"/>
+                  </a:schemeClr>
+                </a:solidFill>
+              </a:defRPr>
             </a:lvl4pPr>
             <a:lvl5pPr marL="1828800" indent="0">
               <a:buNone/>
-              <a:defRPr sz="1600"/>
+              <a:defRPr sz="1400">
+                <a:solidFill>
+                  <a:schemeClr val="tx1">
+                    <a:tint val="75000"/>
+                  </a:schemeClr>
+                </a:solidFill>
+              </a:defRPr>
             </a:lvl5pPr>
             <a:lvl6pPr marL="2286000" indent="0">
               <a:buNone/>
-              <a:defRPr sz="1600"/>
+              <a:defRPr sz="1400">
+                <a:solidFill>
+                  <a:schemeClr val="tx1">
+                    <a:tint val="75000"/>
+                  </a:schemeClr>
+                </a:solidFill>
+              </a:defRPr>
             </a:lvl6pPr>
             <a:lvl7pPr marL="2743200" indent="0">
               <a:buNone/>
-              <a:defRPr sz="1600"/>
+              <a:defRPr sz="1400">
+                <a:solidFill>
+                  <a:schemeClr val="tx1">
+                    <a:tint val="75000"/>
+                  </a:schemeClr>
+                </a:solidFill>
+              </a:defRPr>
             </a:lvl7pPr>
             <a:lvl8pPr marL="3200400" indent="0">
               <a:buNone/>
-              <a:defRPr sz="1600"/>
+              <a:defRPr sz="1400">
+                <a:solidFill>
+                  <a:schemeClr val="tx1">
+                    <a:tint val="75000"/>
+                  </a:schemeClr>
+                </a:solidFill>
+              </a:defRPr>
             </a:lvl8pPr>
             <a:lvl9pPr marL="3657600" indent="0">
               <a:buNone/>
-              <a:defRPr sz="1600"/>
+              <a:defRPr sz="1400">
+                <a:solidFill>
+                  <a:schemeClr val="tx1">
+                    <a:tint val="75000"/>
+                  </a:schemeClr>
+                </a:solidFill>
+              </a:defRPr>
             </a:lvl9pPr>
           </a:lstStyle>
           <a:p>
-            <a:r>
-              <a:rPr lang="ja-JP" altLang="en-US" smtClean="0"/>
-              <a:t>図を追加</a:t>
-            </a:r>
-            <a:endParaRPr lang="en-US" dirty="0"/>
-          </a:p>
-        </p:txBody>
-      </p:sp>
-      <p:sp>
-        <p:nvSpPr>
-          <p:cNvPr id="21" name="Text Placeholder 3"/>
-          <p:cNvSpPr>
-            <a:spLocks noGrp="1"/>
-          </p:cNvSpPr>
-          <p:nvPr>
-            <p:ph type="body" sz="half" idx="18"/>
-          </p:nvPr>
-        </p:nvSpPr>
-        <p:spPr>
-          <a:xfrm>
-            <a:off x="913795" y="4480368"/>
-            <a:ext cx="3300984" cy="1310833"/>
-          </a:xfrm>
-        </p:spPr>
-        <p:txBody>
-          <a:bodyPr anchor="t">
-            <a:normAutofit/>
-          </a:bodyPr>
-          <a:lstStyle>
-            <a:lvl1pPr marL="0" indent="0" algn="ctr">
-              <a:buNone/>
-              <a:defRPr sz="1400"/>
-            </a:lvl1pPr>
-            <a:lvl2pPr marL="457200" indent="0">
-              <a:buNone/>
-              <a:defRPr sz="1200"/>
-            </a:lvl2pPr>
-            <a:lvl3pPr marL="914400" indent="0">
-              <a:buNone/>
-              <a:defRPr sz="1000"/>
-            </a:lvl3pPr>
-            <a:lvl4pPr marL="1371600" indent="0">
-              <a:buNone/>
-              <a:defRPr sz="900"/>
-            </a:lvl4pPr>
-            <a:lvl5pPr marL="1828800" indent="0">
-              <a:buNone/>
-              <a:defRPr sz="900"/>
-            </a:lvl5pPr>
-            <a:lvl6pPr marL="2286000" indent="0">
-              <a:buNone/>
-              <a:defRPr sz="900"/>
-            </a:lvl6pPr>
-            <a:lvl7pPr marL="2743200" indent="0">
-              <a:buNone/>
-              <a:defRPr sz="900"/>
-            </a:lvl7pPr>
-            <a:lvl8pPr marL="3200400" indent="0">
-              <a:buNone/>
-              <a:defRPr sz="900"/>
-            </a:lvl8pPr>
-            <a:lvl9pPr marL="3657600" indent="0">
-              <a:buNone/>
-              <a:defRPr sz="900"/>
-            </a:lvl9pPr>
-          </a:lstStyle>
-          <a:p>
             <a:pPr lvl="0"/>
             <a:r>
               <a:rPr lang="ja-JP" altLang="en-US" smtClean="0"/>
@@ -2437,441 +2777,7 @@
       </p:sp>
       <p:sp>
         <p:nvSpPr>
-          <p:cNvPr id="22" name="Text Placeholder 4"/>
-          <p:cNvSpPr>
-            <a:spLocks noGrp="1"/>
-          </p:cNvSpPr>
-          <p:nvPr>
-            <p:ph type="body" sz="quarter" idx="3"/>
-          </p:nvPr>
-        </p:nvSpPr>
-        <p:spPr>
-          <a:xfrm>
-            <a:off x="4442788" y="3904106"/>
-            <a:ext cx="3300984" cy="576262"/>
-          </a:xfrm>
-        </p:spPr>
-        <p:txBody>
-          <a:bodyPr anchor="b">
-            <a:noAutofit/>
-          </a:bodyPr>
-          <a:lstStyle>
-            <a:lvl1pPr marL="0" indent="0" algn="ctr">
-              <a:buNone/>
-              <a:defRPr sz="2000" b="0">
-                <a:solidFill>
-                  <a:schemeClr val="tx1"/>
-                </a:solidFill>
-              </a:defRPr>
-            </a:lvl1pPr>
-            <a:lvl2pPr marL="457200" indent="0">
-              <a:buNone/>
-              <a:defRPr sz="2000" b="1"/>
-            </a:lvl2pPr>
-            <a:lvl3pPr marL="914400" indent="0">
-              <a:buNone/>
-              <a:defRPr sz="1800" b="1"/>
-            </a:lvl3pPr>
-            <a:lvl4pPr marL="1371600" indent="0">
-              <a:buNone/>
-              <a:defRPr sz="1600" b="1"/>
-            </a:lvl4pPr>
-            <a:lvl5pPr marL="1828800" indent="0">
-              <a:buNone/>
-              <a:defRPr sz="1600" b="1"/>
-            </a:lvl5pPr>
-            <a:lvl6pPr marL="2286000" indent="0">
-              <a:buNone/>
-              <a:defRPr sz="1600" b="1"/>
-            </a:lvl6pPr>
-            <a:lvl7pPr marL="2743200" indent="0">
-              <a:buNone/>
-              <a:defRPr sz="1600" b="1"/>
-            </a:lvl7pPr>
-            <a:lvl8pPr marL="3200400" indent="0">
-              <a:buNone/>
-              <a:defRPr sz="1600" b="1"/>
-            </a:lvl8pPr>
-            <a:lvl9pPr marL="3657600" indent="0">
-              <a:buNone/>
-              <a:defRPr sz="1600" b="1"/>
-            </a:lvl9pPr>
-          </a:lstStyle>
-          <a:p>
-            <a:pPr lvl="0"/>
-            <a:r>
-              <a:rPr lang="ja-JP" altLang="en-US" smtClean="0"/>
-              <a:t>マスター テキストの書式設定</a:t>
-            </a:r>
-          </a:p>
-        </p:txBody>
-      </p:sp>
-      <p:sp>
-        <p:nvSpPr>
-          <p:cNvPr id="23" name="Picture Placeholder 2"/>
-          <p:cNvSpPr>
-            <a:spLocks noGrp="1" noChangeAspect="1"/>
-          </p:cNvSpPr>
-          <p:nvPr>
-            <p:ph type="pic" idx="21"/>
-          </p:nvPr>
-        </p:nvSpPr>
-        <p:spPr>
-          <a:xfrm>
-            <a:off x="4545743" y="1939094"/>
-            <a:ext cx="3092368" cy="1608164"/>
-          </a:xfrm>
-          <a:prstGeom prst="roundRect">
-            <a:avLst>
-              <a:gd name="adj" fmla="val 1858"/>
-            </a:avLst>
-          </a:prstGeom>
-          <a:effectLst>
-            <a:outerShdw blurRad="38100" dist="25400" dir="4440000">
-              <a:srgbClr val="000000">
-                <a:alpha val="36000"/>
-              </a:srgbClr>
-            </a:outerShdw>
-          </a:effectLst>
-        </p:spPr>
-        <p:txBody>
-          <a:bodyPr anchor="t">
-            <a:normAutofit/>
-          </a:bodyPr>
-          <a:lstStyle>
-            <a:lvl1pPr marL="0" indent="0" algn="ctr">
-              <a:buNone/>
-              <a:defRPr sz="1600"/>
-            </a:lvl1pPr>
-            <a:lvl2pPr marL="457200" indent="0">
-              <a:buNone/>
-              <a:defRPr sz="1600"/>
-            </a:lvl2pPr>
-            <a:lvl3pPr marL="914400" indent="0">
-              <a:buNone/>
-              <a:defRPr sz="1600"/>
-            </a:lvl3pPr>
-            <a:lvl4pPr marL="1371600" indent="0">
-              <a:buNone/>
-              <a:defRPr sz="1600"/>
-            </a:lvl4pPr>
-            <a:lvl5pPr marL="1828800" indent="0">
-              <a:buNone/>
-              <a:defRPr sz="1600"/>
-            </a:lvl5pPr>
-            <a:lvl6pPr marL="2286000" indent="0">
-              <a:buNone/>
-              <a:defRPr sz="1600"/>
-            </a:lvl6pPr>
-            <a:lvl7pPr marL="2743200" indent="0">
-              <a:buNone/>
-              <a:defRPr sz="1600"/>
-            </a:lvl7pPr>
-            <a:lvl8pPr marL="3200400" indent="0">
-              <a:buNone/>
-              <a:defRPr sz="1600"/>
-            </a:lvl8pPr>
-            <a:lvl9pPr marL="3657600" indent="0">
-              <a:buNone/>
-              <a:defRPr sz="1600"/>
-            </a:lvl9pPr>
-          </a:lstStyle>
-          <a:p>
-            <a:r>
-              <a:rPr lang="ja-JP" altLang="en-US" smtClean="0"/>
-              <a:t>図を追加</a:t>
-            </a:r>
-            <a:endParaRPr lang="en-US" dirty="0"/>
-          </a:p>
-        </p:txBody>
-      </p:sp>
-      <p:sp>
-        <p:nvSpPr>
-          <p:cNvPr id="24" name="Text Placeholder 3"/>
-          <p:cNvSpPr>
-            <a:spLocks noGrp="1"/>
-          </p:cNvSpPr>
-          <p:nvPr>
-            <p:ph type="body" sz="half" idx="19"/>
-          </p:nvPr>
-        </p:nvSpPr>
-        <p:spPr>
-          <a:xfrm>
-            <a:off x="4441435" y="4480367"/>
-            <a:ext cx="3300984" cy="1310833"/>
-          </a:xfrm>
-        </p:spPr>
-        <p:txBody>
-          <a:bodyPr anchor="t">
-            <a:normAutofit/>
-          </a:bodyPr>
-          <a:lstStyle>
-            <a:lvl1pPr marL="0" indent="0" algn="ctr">
-              <a:buNone/>
-              <a:defRPr sz="1400"/>
-            </a:lvl1pPr>
-            <a:lvl2pPr marL="457200" indent="0">
-              <a:buNone/>
-              <a:defRPr sz="1200"/>
-            </a:lvl2pPr>
-            <a:lvl3pPr marL="914400" indent="0">
-              <a:buNone/>
-              <a:defRPr sz="1000"/>
-            </a:lvl3pPr>
-            <a:lvl4pPr marL="1371600" indent="0">
-              <a:buNone/>
-              <a:defRPr sz="900"/>
-            </a:lvl4pPr>
-            <a:lvl5pPr marL="1828800" indent="0">
-              <a:buNone/>
-              <a:defRPr sz="900"/>
-            </a:lvl5pPr>
-            <a:lvl6pPr marL="2286000" indent="0">
-              <a:buNone/>
-              <a:defRPr sz="900"/>
-            </a:lvl6pPr>
-            <a:lvl7pPr marL="2743200" indent="0">
-              <a:buNone/>
-              <a:defRPr sz="900"/>
-            </a:lvl7pPr>
-            <a:lvl8pPr marL="3200400" indent="0">
-              <a:buNone/>
-              <a:defRPr sz="900"/>
-            </a:lvl8pPr>
-            <a:lvl9pPr marL="3657600" indent="0">
-              <a:buNone/>
-              <a:defRPr sz="900"/>
-            </a:lvl9pPr>
-          </a:lstStyle>
-          <a:p>
-            <a:pPr lvl="0"/>
-            <a:r>
-              <a:rPr lang="ja-JP" altLang="en-US" smtClean="0"/>
-              <a:t>マスター テキストの書式設定</a:t>
-            </a:r>
-          </a:p>
-        </p:txBody>
-      </p:sp>
-      <p:sp>
-        <p:nvSpPr>
-          <p:cNvPr id="25" name="Text Placeholder 4"/>
-          <p:cNvSpPr>
-            <a:spLocks noGrp="1"/>
-          </p:cNvSpPr>
-          <p:nvPr>
-            <p:ph type="body" sz="quarter" idx="13"/>
-          </p:nvPr>
-        </p:nvSpPr>
-        <p:spPr>
-          <a:xfrm>
-            <a:off x="7966697" y="3904106"/>
-            <a:ext cx="3300984" cy="576262"/>
-          </a:xfrm>
-        </p:spPr>
-        <p:txBody>
-          <a:bodyPr anchor="b">
-            <a:noAutofit/>
-          </a:bodyPr>
-          <a:lstStyle>
-            <a:lvl1pPr marL="0" indent="0" algn="ctr">
-              <a:buNone/>
-              <a:defRPr sz="2000" b="0">
-                <a:solidFill>
-                  <a:schemeClr val="tx1"/>
-                </a:solidFill>
-              </a:defRPr>
-            </a:lvl1pPr>
-            <a:lvl2pPr marL="457200" indent="0">
-              <a:buNone/>
-              <a:defRPr sz="2000" b="1"/>
-            </a:lvl2pPr>
-            <a:lvl3pPr marL="914400" indent="0">
-              <a:buNone/>
-              <a:defRPr sz="1800" b="1"/>
-            </a:lvl3pPr>
-            <a:lvl4pPr marL="1371600" indent="0">
-              <a:buNone/>
-              <a:defRPr sz="1600" b="1"/>
-            </a:lvl4pPr>
-            <a:lvl5pPr marL="1828800" indent="0">
-              <a:buNone/>
-              <a:defRPr sz="1600" b="1"/>
-            </a:lvl5pPr>
-            <a:lvl6pPr marL="2286000" indent="0">
-              <a:buNone/>
-              <a:defRPr sz="1600" b="1"/>
-            </a:lvl6pPr>
-            <a:lvl7pPr marL="2743200" indent="0">
-              <a:buNone/>
-              <a:defRPr sz="1600" b="1"/>
-            </a:lvl7pPr>
-            <a:lvl8pPr marL="3200400" indent="0">
-              <a:buNone/>
-              <a:defRPr sz="1600" b="1"/>
-            </a:lvl8pPr>
-            <a:lvl9pPr marL="3657600" indent="0">
-              <a:buNone/>
-              <a:defRPr sz="1600" b="1"/>
-            </a:lvl9pPr>
-          </a:lstStyle>
-          <a:p>
-            <a:pPr lvl="0"/>
-            <a:r>
-              <a:rPr lang="ja-JP" altLang="en-US" smtClean="0"/>
-              <a:t>マスター テキストの書式設定</a:t>
-            </a:r>
-          </a:p>
-        </p:txBody>
-      </p:sp>
-      <p:sp>
-        <p:nvSpPr>
-          <p:cNvPr id="26" name="Picture Placeholder 2"/>
-          <p:cNvSpPr>
-            <a:spLocks noGrp="1" noChangeAspect="1"/>
-          </p:cNvSpPr>
-          <p:nvPr>
-            <p:ph type="pic" idx="22"/>
-          </p:nvPr>
-        </p:nvSpPr>
-        <p:spPr>
-          <a:xfrm>
-            <a:off x="8075698" y="1934432"/>
-            <a:ext cx="3092368" cy="1607294"/>
-          </a:xfrm>
-          <a:prstGeom prst="roundRect">
-            <a:avLst>
-              <a:gd name="adj" fmla="val 1858"/>
-            </a:avLst>
-          </a:prstGeom>
-          <a:effectLst>
-            <a:outerShdw blurRad="38100" dist="25400" dir="4440000">
-              <a:srgbClr val="000000">
-                <a:alpha val="36000"/>
-              </a:srgbClr>
-            </a:outerShdw>
-          </a:effectLst>
-        </p:spPr>
-        <p:txBody>
-          <a:bodyPr anchor="t">
-            <a:normAutofit/>
-          </a:bodyPr>
-          <a:lstStyle>
-            <a:lvl1pPr marL="0" indent="0" algn="ctr">
-              <a:buNone/>
-              <a:defRPr sz="1600"/>
-            </a:lvl1pPr>
-            <a:lvl2pPr marL="457200" indent="0">
-              <a:buNone/>
-              <a:defRPr sz="1600"/>
-            </a:lvl2pPr>
-            <a:lvl3pPr marL="914400" indent="0">
-              <a:buNone/>
-              <a:defRPr sz="1600"/>
-            </a:lvl3pPr>
-            <a:lvl4pPr marL="1371600" indent="0">
-              <a:buNone/>
-              <a:defRPr sz="1600"/>
-            </a:lvl4pPr>
-            <a:lvl5pPr marL="1828800" indent="0">
-              <a:buNone/>
-              <a:defRPr sz="1600"/>
-            </a:lvl5pPr>
-            <a:lvl6pPr marL="2286000" indent="0">
-              <a:buNone/>
-              <a:defRPr sz="1600"/>
-            </a:lvl6pPr>
-            <a:lvl7pPr marL="2743200" indent="0">
-              <a:buNone/>
-              <a:defRPr sz="1600"/>
-            </a:lvl7pPr>
-            <a:lvl8pPr marL="3200400" indent="0">
-              <a:buNone/>
-              <a:defRPr sz="1600"/>
-            </a:lvl8pPr>
-            <a:lvl9pPr marL="3657600" indent="0">
-              <a:buNone/>
-              <a:defRPr sz="1600"/>
-            </a:lvl9pPr>
-          </a:lstStyle>
-          <a:p>
-            <a:r>
-              <a:rPr lang="ja-JP" altLang="en-US" smtClean="0"/>
-              <a:t>図を追加</a:t>
-            </a:r>
-            <a:endParaRPr lang="en-US" dirty="0"/>
-          </a:p>
-        </p:txBody>
-      </p:sp>
-      <p:sp>
-        <p:nvSpPr>
-          <p:cNvPr id="27" name="Text Placeholder 3"/>
-          <p:cNvSpPr>
-            <a:spLocks noGrp="1"/>
-          </p:cNvSpPr>
-          <p:nvPr>
-            <p:ph type="body" sz="half" idx="20"/>
-          </p:nvPr>
-        </p:nvSpPr>
-        <p:spPr>
-          <a:xfrm>
-            <a:off x="7966572" y="4480365"/>
-            <a:ext cx="3300984" cy="1310835"/>
-          </a:xfrm>
-        </p:spPr>
-        <p:txBody>
-          <a:bodyPr anchor="t">
-            <a:normAutofit/>
-          </a:bodyPr>
-          <a:lstStyle>
-            <a:lvl1pPr marL="0" indent="0" algn="ctr">
-              <a:buNone/>
-              <a:defRPr sz="1400"/>
-            </a:lvl1pPr>
-            <a:lvl2pPr marL="457200" indent="0">
-              <a:buNone/>
-              <a:defRPr sz="1200"/>
-            </a:lvl2pPr>
-            <a:lvl3pPr marL="914400" indent="0">
-              <a:buNone/>
-              <a:defRPr sz="1000"/>
-            </a:lvl3pPr>
-            <a:lvl4pPr marL="1371600" indent="0">
-              <a:buNone/>
-              <a:defRPr sz="900"/>
-            </a:lvl4pPr>
-            <a:lvl5pPr marL="1828800" indent="0">
-              <a:buNone/>
-              <a:defRPr sz="900"/>
-            </a:lvl5pPr>
-            <a:lvl6pPr marL="2286000" indent="0">
-              <a:buNone/>
-              <a:defRPr sz="900"/>
-            </a:lvl6pPr>
-            <a:lvl7pPr marL="2743200" indent="0">
-              <a:buNone/>
-              <a:defRPr sz="900"/>
-            </a:lvl7pPr>
-            <a:lvl8pPr marL="3200400" indent="0">
-              <a:buNone/>
-              <a:defRPr sz="900"/>
-            </a:lvl8pPr>
-            <a:lvl9pPr marL="3657600" indent="0">
-              <a:buNone/>
-              <a:defRPr sz="900"/>
-            </a:lvl9pPr>
-          </a:lstStyle>
-          <a:p>
-            <a:pPr lvl="0"/>
-            <a:r>
-              <a:rPr lang="ja-JP" altLang="en-US" smtClean="0"/>
-              <a:t>マスター テキストの書式設定</a:t>
-            </a:r>
-          </a:p>
-        </p:txBody>
-      </p:sp>
-      <p:sp>
-        <p:nvSpPr>
-          <p:cNvPr id="3" name="Date Placeholder 2"/>
+          <p:cNvPr id="4" name="Date Placeholder 3"/>
           <p:cNvSpPr>
             <a:spLocks noGrp="1"/>
           </p:cNvSpPr>
@@ -2887,7 +2793,7 @@
             <a:fld id="{B61BEF0D-F0BB-DE4B-95CE-6DB70DBA9567}" type="datetimeFigureOut">
               <a:rPr lang="en-US" smtClean="0"/>
               <a:pPr/>
-              <a:t>4/1/2017</a:t>
+              <a:t>4/2/2017</a:t>
             </a:fld>
             <a:endParaRPr lang="en-US" dirty="0"/>
           </a:p>
@@ -2895,7 +2801,7 @@
       </p:sp>
       <p:sp>
         <p:nvSpPr>
-          <p:cNvPr id="4" name="Footer Placeholder 3"/>
+          <p:cNvPr id="5" name="Footer Placeholder 4"/>
           <p:cNvSpPr>
             <a:spLocks noGrp="1"/>
           </p:cNvSpPr>
@@ -2914,7 +2820,7 @@
       </p:sp>
       <p:sp>
         <p:nvSpPr>
-          <p:cNvPr id="5" name="Slide Number Placeholder 4"/>
+          <p:cNvPr id="6" name="Slide Number Placeholder 5"/>
           <p:cNvSpPr>
             <a:spLocks noGrp="1"/>
           </p:cNvSpPr>
@@ -2939,7 +2845,7 @@
     </p:spTree>
     <p:extLst>
       <p:ext uri="{BB962C8B-B14F-4D97-AF65-F5344CB8AC3E}">
-        <p14:creationId xmlns:p14="http://schemas.microsoft.com/office/powerpoint/2010/main" val="4274401640"/>
+        <p14:creationId xmlns:p14="http://schemas.microsoft.com/office/powerpoint/2010/main" val="553010922"/>
       </p:ext>
     </p:extLst>
   </p:cSld>
@@ -2979,7 +2885,11 @@
         <p:spPr/>
         <p:txBody>
           <a:bodyPr/>
-          <a:lstStyle/>
+          <a:lstStyle>
+            <a:lvl1pPr algn="ctr">
+              <a:defRPr/>
+            </a:lvl1pPr>
+          </a:lstStyle>
           <a:p>
             <a:r>
               <a:rPr lang="ja-JP" altLang="en-US" smtClean="0"/>
@@ -3091,7 +3001,7 @@
             <a:fld id="{B61BEF0D-F0BB-DE4B-95CE-6DB70DBA9567}" type="datetimeFigureOut">
               <a:rPr lang="en-US" smtClean="0"/>
               <a:pPr/>
-              <a:t>4/1/2017</a:t>
+              <a:t>4/2/2017</a:t>
             </a:fld>
             <a:endParaRPr lang="en-US" dirty="0"/>
           </a:p>
@@ -3143,7 +3053,7 @@
     </p:spTree>
     <p:extLst>
       <p:ext uri="{BB962C8B-B14F-4D97-AF65-F5344CB8AC3E}">
-        <p14:creationId xmlns:p14="http://schemas.microsoft.com/office/powerpoint/2010/main" val="136105697"/>
+        <p14:creationId xmlns:p14="http://schemas.microsoft.com/office/powerpoint/2010/main" val="3434289986"/>
       </p:ext>
     </p:extLst>
   </p:cSld>
@@ -3182,17 +3092,13 @@
         </p:nvSpPr>
         <p:spPr>
           <a:xfrm>
-            <a:off x="8983068" y="609599"/>
-            <a:ext cx="2284487" cy="5181601"/>
+            <a:off x="9732655" y="685800"/>
+            <a:ext cx="1770369" cy="5105400"/>
           </a:xfrm>
         </p:spPr>
         <p:txBody>
           <a:bodyPr vert="eaVert"/>
-          <a:lstStyle>
-            <a:lvl1pPr algn="l">
-              <a:defRPr/>
-            </a:lvl1pPr>
-          </a:lstStyle>
+          <a:lstStyle/>
           <a:p>
             <a:r>
               <a:rPr lang="ja-JP" altLang="en-US" smtClean="0"/>
@@ -3214,8 +3120,8 @@
         </p:nvSpPr>
         <p:spPr>
           <a:xfrm>
-            <a:off x="913796" y="609599"/>
-            <a:ext cx="7916872" cy="5181601"/>
+            <a:off x="1484312" y="685800"/>
+            <a:ext cx="8019742" cy="5105400"/>
           </a:xfrm>
         </p:spPr>
         <p:txBody>
@@ -3309,7 +3215,7 @@
             <a:fld id="{B61BEF0D-F0BB-DE4B-95CE-6DB70DBA9567}" type="datetimeFigureOut">
               <a:rPr lang="en-US" smtClean="0"/>
               <a:pPr/>
-              <a:t>4/1/2017</a:t>
+              <a:t>4/2/2017</a:t>
             </a:fld>
             <a:endParaRPr lang="en-US" dirty="0"/>
           </a:p>
@@ -3361,7 +3267,7 @@
     </p:spTree>
     <p:extLst>
       <p:ext uri="{BB962C8B-B14F-4D97-AF65-F5344CB8AC3E}">
-        <p14:creationId xmlns:p14="http://schemas.microsoft.com/office/powerpoint/2010/main" val="3033389142"/>
+        <p14:creationId xmlns:p14="http://schemas.microsoft.com/office/powerpoint/2010/main" val="1029517806"/>
       </p:ext>
     </p:extLst>
   </p:cSld>
@@ -3423,8 +3329,49 @@
         </p:nvSpPr>
         <p:spPr/>
         <p:txBody>
-          <a:bodyPr/>
-          <a:lstStyle/>
+          <a:bodyPr anchor="ctr"/>
+          <a:lstStyle>
+            <a:lvl1pPr>
+              <a:buClr>
+                <a:schemeClr val="accent1">
+                  <a:lumMod val="75000"/>
+                </a:schemeClr>
+              </a:buClr>
+              <a:defRPr/>
+            </a:lvl1pPr>
+            <a:lvl2pPr>
+              <a:buClr>
+                <a:schemeClr val="accent1">
+                  <a:lumMod val="75000"/>
+                </a:schemeClr>
+              </a:buClr>
+              <a:defRPr/>
+            </a:lvl2pPr>
+            <a:lvl3pPr>
+              <a:buClr>
+                <a:schemeClr val="accent1">
+                  <a:lumMod val="75000"/>
+                </a:schemeClr>
+              </a:buClr>
+              <a:defRPr/>
+            </a:lvl3pPr>
+            <a:lvl4pPr>
+              <a:buClr>
+                <a:schemeClr val="accent1">
+                  <a:lumMod val="75000"/>
+                </a:schemeClr>
+              </a:buClr>
+              <a:defRPr/>
+            </a:lvl4pPr>
+            <a:lvl5pPr>
+              <a:buClr>
+                <a:schemeClr val="accent1">
+                  <a:lumMod val="75000"/>
+                </a:schemeClr>
+              </a:buClr>
+              <a:defRPr/>
+            </a:lvl5pPr>
+          </a:lstStyle>
           <a:p>
             <a:pPr lvl="0"/>
             <a:r>
@@ -3513,7 +3460,7 @@
             <a:fld id="{B61BEF0D-F0BB-DE4B-95CE-6DB70DBA9567}" type="datetimeFigureOut">
               <a:rPr lang="en-US" smtClean="0"/>
               <a:pPr/>
-              <a:t>4/1/2017</a:t>
+              <a:t>4/2/2017</a:t>
             </a:fld>
             <a:endParaRPr lang="en-US" dirty="0"/>
           </a:p>
@@ -3548,7 +3495,12 @@
             <p:ph type="sldNum" sz="quarter" idx="12"/>
           </p:nvPr>
         </p:nvSpPr>
-        <p:spPr/>
+        <p:spPr>
+          <a:xfrm>
+            <a:off x="10951856" y="5867131"/>
+            <a:ext cx="551167" cy="365125"/>
+          </a:xfrm>
+        </p:spPr>
         <p:txBody>
           <a:bodyPr/>
           <a:lstStyle/>
@@ -3565,7 +3517,7 @@
     </p:spTree>
     <p:extLst>
       <p:ext uri="{BB962C8B-B14F-4D97-AF65-F5344CB8AC3E}">
-        <p14:creationId xmlns:p14="http://schemas.microsoft.com/office/powerpoint/2010/main" val="3258690347"/>
+        <p14:creationId xmlns:p14="http://schemas.microsoft.com/office/powerpoint/2010/main" val="2370328395"/>
       </p:ext>
     </p:extLst>
   </p:cSld>
@@ -3604,14 +3556,14 @@
         </p:nvSpPr>
         <p:spPr>
           <a:xfrm>
-            <a:off x="1295401" y="1761067"/>
-            <a:ext cx="9590550" cy="1828813"/>
+            <a:off x="2572279" y="2666999"/>
+            <a:ext cx="8930747" cy="2110382"/>
           </a:xfrm>
         </p:spPr>
         <p:txBody>
           <a:bodyPr anchor="b"/>
           <a:lstStyle>
-            <a:lvl1pPr algn="ctr">
+            <a:lvl1pPr algn="r">
               <a:defRPr sz="4000" b="0" cap="none"/>
             </a:lvl1pPr>
           </a:lstStyle>
@@ -3636,14 +3588,16 @@
         </p:nvSpPr>
         <p:spPr>
           <a:xfrm>
-            <a:off x="1295401" y="3589879"/>
-            <a:ext cx="9590550" cy="1507054"/>
+            <a:off x="2572278" y="4777381"/>
+            <a:ext cx="8930748" cy="860400"/>
           </a:xfrm>
         </p:spPr>
         <p:txBody>
-          <a:bodyPr anchor="t"/>
+          <a:bodyPr anchor="t">
+            <a:normAutofit/>
+          </a:bodyPr>
           <a:lstStyle>
-            <a:lvl1pPr marL="0" indent="0" algn="ctr">
+            <a:lvl1pPr marL="0" indent="0" algn="r">
               <a:buNone/>
               <a:defRPr sz="2000">
                 <a:solidFill>
@@ -3759,7 +3713,7 @@
             <a:fld id="{B61BEF0D-F0BB-DE4B-95CE-6DB70DBA9567}" type="datetimeFigureOut">
               <a:rPr lang="en-US" smtClean="0"/>
               <a:pPr/>
-              <a:t>4/1/2017</a:t>
+              <a:t>4/2/2017</a:t>
             </a:fld>
             <a:endParaRPr lang="en-US" dirty="0"/>
           </a:p>
@@ -3811,7 +3765,7 @@
     </p:spTree>
     <p:extLst>
       <p:ext uri="{BB962C8B-B14F-4D97-AF65-F5344CB8AC3E}">
-        <p14:creationId xmlns:p14="http://schemas.microsoft.com/office/powerpoint/2010/main" val="577565876"/>
+        <p14:creationId xmlns:p14="http://schemas.microsoft.com/office/powerpoint/2010/main" val="348331836"/>
       </p:ext>
     </p:extLst>
   </p:cSld>
@@ -3848,7 +3802,12 @@
             <p:ph type="title"/>
           </p:nvPr>
         </p:nvSpPr>
-        <p:spPr/>
+        <p:spPr>
+          <a:xfrm>
+            <a:off x="1484311" y="685800"/>
+            <a:ext cx="10018713" cy="1752599"/>
+          </a:xfrm>
+        </p:spPr>
         <p:txBody>
           <a:bodyPr/>
           <a:lstStyle/>
@@ -3873,15 +3832,68 @@
         </p:nvSpPr>
         <p:spPr>
           <a:xfrm>
-            <a:off x="913795" y="1732449"/>
-            <a:ext cx="5060497" cy="4058750"/>
+            <a:off x="1484312" y="2666999"/>
+            <a:ext cx="4895055" cy="3124201"/>
           </a:xfrm>
         </p:spPr>
         <p:txBody>
-          <a:bodyPr anchor="t">
+          <a:bodyPr>
             <a:normAutofit/>
           </a:bodyPr>
-          <a:lstStyle/>
+          <a:lstStyle>
+            <a:lvl1pPr>
+              <a:buClr>
+                <a:schemeClr val="accent1">
+                  <a:lumMod val="75000"/>
+                </a:schemeClr>
+              </a:buClr>
+              <a:defRPr sz="1800"/>
+            </a:lvl1pPr>
+            <a:lvl2pPr>
+              <a:buClr>
+                <a:schemeClr val="accent1">
+                  <a:lumMod val="75000"/>
+                </a:schemeClr>
+              </a:buClr>
+              <a:defRPr sz="1600"/>
+            </a:lvl2pPr>
+            <a:lvl3pPr>
+              <a:buClr>
+                <a:schemeClr val="accent1">
+                  <a:lumMod val="75000"/>
+                </a:schemeClr>
+              </a:buClr>
+              <a:defRPr sz="1400"/>
+            </a:lvl3pPr>
+            <a:lvl4pPr>
+              <a:buClr>
+                <a:schemeClr val="accent1">
+                  <a:lumMod val="75000"/>
+                </a:schemeClr>
+              </a:buClr>
+              <a:defRPr sz="1200"/>
+            </a:lvl4pPr>
+            <a:lvl5pPr>
+              <a:buClr>
+                <a:schemeClr val="accent1">
+                  <a:lumMod val="75000"/>
+                </a:schemeClr>
+              </a:buClr>
+              <a:defRPr sz="1200"/>
+            </a:lvl5pPr>
+            <a:lvl6pPr>
+              <a:defRPr sz="1200"/>
+            </a:lvl6pPr>
+            <a:lvl7pPr>
+              <a:defRPr sz="1200"/>
+            </a:lvl7pPr>
+            <a:lvl8pPr>
+              <a:defRPr sz="1200"/>
+            </a:lvl8pPr>
+            <a:lvl9pPr>
+              <a:defRPr sz="1200"/>
+            </a:lvl9pPr>
+          </a:lstStyle>
           <a:p>
             <a:pPr lvl="0"/>
             <a:r>
@@ -3964,15 +3976,68 @@
         </p:nvSpPr>
         <p:spPr>
           <a:xfrm>
-            <a:off x="6202892" y="1732449"/>
-            <a:ext cx="5064665" cy="4058751"/>
+            <a:off x="6607967" y="2667000"/>
+            <a:ext cx="4895056" cy="3124200"/>
           </a:xfrm>
         </p:spPr>
         <p:txBody>
-          <a:bodyPr anchor="t">
+          <a:bodyPr>
             <a:normAutofit/>
           </a:bodyPr>
-          <a:lstStyle/>
+          <a:lstStyle>
+            <a:lvl1pPr>
+              <a:buClr>
+                <a:schemeClr val="accent1">
+                  <a:lumMod val="75000"/>
+                </a:schemeClr>
+              </a:buClr>
+              <a:defRPr sz="1800"/>
+            </a:lvl1pPr>
+            <a:lvl2pPr>
+              <a:buClr>
+                <a:schemeClr val="accent1">
+                  <a:lumMod val="75000"/>
+                </a:schemeClr>
+              </a:buClr>
+              <a:defRPr sz="1600"/>
+            </a:lvl2pPr>
+            <a:lvl3pPr>
+              <a:buClr>
+                <a:schemeClr val="accent1">
+                  <a:lumMod val="75000"/>
+                </a:schemeClr>
+              </a:buClr>
+              <a:defRPr sz="1400"/>
+            </a:lvl3pPr>
+            <a:lvl4pPr>
+              <a:buClr>
+                <a:schemeClr val="accent1">
+                  <a:lumMod val="75000"/>
+                </a:schemeClr>
+              </a:buClr>
+              <a:defRPr sz="1200"/>
+            </a:lvl4pPr>
+            <a:lvl5pPr>
+              <a:buClr>
+                <a:schemeClr val="accent1">
+                  <a:lumMod val="75000"/>
+                </a:schemeClr>
+              </a:buClr>
+              <a:defRPr sz="1200"/>
+            </a:lvl5pPr>
+            <a:lvl6pPr>
+              <a:defRPr sz="1200"/>
+            </a:lvl6pPr>
+            <a:lvl7pPr>
+              <a:defRPr sz="1200"/>
+            </a:lvl7pPr>
+            <a:lvl8pPr>
+              <a:defRPr sz="1200"/>
+            </a:lvl8pPr>
+            <a:lvl9pPr>
+              <a:defRPr sz="1200"/>
+            </a:lvl9pPr>
+          </a:lstStyle>
           <a:p>
             <a:pPr lvl="0"/>
             <a:r>
@@ -4061,7 +4126,7 @@
             <a:fld id="{B61BEF0D-F0BB-DE4B-95CE-6DB70DBA9567}" type="datetimeFigureOut">
               <a:rPr lang="en-US" smtClean="0"/>
               <a:pPr/>
-              <a:t>4/1/2017</a:t>
+              <a:t>4/2/2017</a:t>
             </a:fld>
             <a:endParaRPr lang="en-US" dirty="0"/>
           </a:p>
@@ -4113,7 +4178,7 @@
     </p:spTree>
     <p:extLst>
       <p:ext uri="{BB962C8B-B14F-4D97-AF65-F5344CB8AC3E}">
-        <p14:creationId xmlns:p14="http://schemas.microsoft.com/office/powerpoint/2010/main" val="1863934702"/>
+        <p14:creationId xmlns:p14="http://schemas.microsoft.com/office/powerpoint/2010/main" val="1901392036"/>
       </p:ext>
     </p:extLst>
   </p:cSld>
@@ -4140,66 +4205,6 @@
           <a:chExt cx="0" cy="0"/>
         </a:xfrm>
       </p:grpSpPr>
-      <p:pic>
-        <p:nvPicPr>
-          <p:cNvPr id="20" name="Picture 19" descr="Slate-V2-HD-compPhotoInset.png"/>
-          <p:cNvPicPr>
-            <a:picLocks noChangeAspect="1"/>
-          </p:cNvPicPr>
-          <p:nvPr/>
-        </p:nvPicPr>
-        <p:blipFill>
-          <a:blip r:embed="rId2">
-            <a:extLst>
-              <a:ext uri="{28A0092B-C50C-407E-A947-70E740481C1C}">
-                <a14:useLocalDpi xmlns:a14="http://schemas.microsoft.com/office/drawing/2010/main" val="0"/>
-              </a:ext>
-            </a:extLst>
-          </a:blip>
-          <a:stretch>
-            <a:fillRect/>
-          </a:stretch>
-        </p:blipFill>
-        <p:spPr>
-          <a:xfrm>
-            <a:off x="913795" y="1734506"/>
-            <a:ext cx="5089072" cy="4148769"/>
-          </a:xfrm>
-          <a:prstGeom prst="rect">
-            <a:avLst/>
-          </a:prstGeom>
-        </p:spPr>
-      </p:pic>
-      <p:pic>
-        <p:nvPicPr>
-          <p:cNvPr id="21" name="Picture 20" descr="Slate-V2-HD-compPhotoInset.png"/>
-          <p:cNvPicPr>
-            <a:picLocks noChangeAspect="1"/>
-          </p:cNvPicPr>
-          <p:nvPr/>
-        </p:nvPicPr>
-        <p:blipFill>
-          <a:blip r:embed="rId2">
-            <a:extLst>
-              <a:ext uri="{28A0092B-C50C-407E-A947-70E740481C1C}">
-                <a14:useLocalDpi xmlns:a14="http://schemas.microsoft.com/office/drawing/2010/main" val="0"/>
-              </a:ext>
-            </a:extLst>
-          </a:blip>
-          <a:stretch>
-            <a:fillRect/>
-          </a:stretch>
-        </p:blipFill>
-        <p:spPr>
-          <a:xfrm>
-            <a:off x="6178485" y="1734506"/>
-            <a:ext cx="5089072" cy="4148769"/>
-          </a:xfrm>
-          <a:prstGeom prst="rect">
-            <a:avLst/>
-          </a:prstGeom>
-        </p:spPr>
-      </p:pic>
       <p:sp>
         <p:nvSpPr>
           <p:cNvPr id="2" name="Title 1"/>
@@ -4239,8 +4244,8 @@
         </p:nvSpPr>
         <p:spPr>
           <a:xfrm>
-            <a:off x="1005872" y="1835254"/>
-            <a:ext cx="4876344" cy="544884"/>
+            <a:off x="1772179" y="2658533"/>
+            <a:ext cx="4607188" cy="576262"/>
           </a:xfrm>
         </p:spPr>
         <p:txBody>
@@ -4248,9 +4253,15 @@
             <a:noAutofit/>
           </a:bodyPr>
           <a:lstStyle>
-            <a:lvl1pPr marL="0" indent="0" algn="ctr">
-              <a:buNone/>
-              <a:defRPr sz="2400" b="0"/>
+            <a:lvl1pPr marL="0" indent="0">
+              <a:buNone/>
+              <a:defRPr sz="2800" b="0">
+                <a:solidFill>
+                  <a:schemeClr val="accent1">
+                    <a:lumMod val="75000"/>
+                  </a:schemeClr>
+                </a:solidFill>
+              </a:defRPr>
             </a:lvl1pPr>
             <a:lvl2pPr marL="457200" indent="0">
               <a:buNone/>
@@ -4306,8 +4317,8 @@
         </p:nvSpPr>
         <p:spPr>
           <a:xfrm>
-            <a:off x="1005872" y="2380137"/>
-            <a:ext cx="4876344" cy="3411063"/>
+            <a:off x="1484311" y="3335337"/>
+            <a:ext cx="4895056" cy="2455862"/>
           </a:xfrm>
         </p:spPr>
         <p:txBody>
@@ -4316,20 +4327,57 @@
           </a:bodyPr>
           <a:lstStyle>
             <a:lvl1pPr>
+              <a:buClr>
+                <a:schemeClr val="accent1">
+                  <a:lumMod val="75000"/>
+                </a:schemeClr>
+              </a:buClr>
               <a:defRPr sz="1800"/>
             </a:lvl1pPr>
             <a:lvl2pPr>
+              <a:buClr>
+                <a:schemeClr val="accent1">
+                  <a:lumMod val="75000"/>
+                </a:schemeClr>
+              </a:buClr>
               <a:defRPr sz="1600"/>
             </a:lvl2pPr>
             <a:lvl3pPr>
+              <a:buClr>
+                <a:schemeClr val="accent1">
+                  <a:lumMod val="75000"/>
+                </a:schemeClr>
+              </a:buClr>
               <a:defRPr sz="1400"/>
             </a:lvl3pPr>
             <a:lvl4pPr>
+              <a:buClr>
+                <a:schemeClr val="accent1">
+                  <a:lumMod val="75000"/>
+                </a:schemeClr>
+              </a:buClr>
               <a:defRPr sz="1200"/>
             </a:lvl4pPr>
             <a:lvl5pPr>
+              <a:buClr>
+                <a:schemeClr val="accent1">
+                  <a:lumMod val="75000"/>
+                </a:schemeClr>
+              </a:buClr>
               <a:defRPr sz="1200"/>
             </a:lvl5pPr>
+            <a:lvl6pPr>
+              <a:defRPr sz="1200"/>
+            </a:lvl6pPr>
+            <a:lvl7pPr>
+              <a:defRPr sz="1200"/>
+            </a:lvl7pPr>
+            <a:lvl8pPr>
+              <a:defRPr sz="1200"/>
+            </a:lvl8pPr>
+            <a:lvl9pPr>
+              <a:defRPr sz="1200"/>
+            </a:lvl9pPr>
           </a:lstStyle>
           <a:p>
             <a:pPr lvl="0"/>
@@ -4413,8 +4461,8 @@
         </p:nvSpPr>
         <p:spPr>
           <a:xfrm>
-            <a:off x="6294967" y="1835254"/>
-            <a:ext cx="4895330" cy="544883"/>
+            <a:off x="6880487" y="2667000"/>
+            <a:ext cx="4622537" cy="576262"/>
           </a:xfrm>
         </p:spPr>
         <p:txBody>
@@ -4422,9 +4470,15 @@
             <a:noAutofit/>
           </a:bodyPr>
           <a:lstStyle>
-            <a:lvl1pPr marL="0" indent="0" algn="ctr">
-              <a:buNone/>
-              <a:defRPr sz="2400" b="0"/>
+            <a:lvl1pPr marL="0" indent="0">
+              <a:buNone/>
+              <a:defRPr sz="2800" b="0">
+                <a:solidFill>
+                  <a:schemeClr val="accent1">
+                    <a:lumMod val="75000"/>
+                  </a:schemeClr>
+                </a:solidFill>
+              </a:defRPr>
             </a:lvl1pPr>
             <a:lvl2pPr marL="457200" indent="0">
               <a:buNone/>
@@ -4480,8 +4534,8 @@
         </p:nvSpPr>
         <p:spPr>
           <a:xfrm>
-            <a:off x="6294967" y="2380137"/>
-            <a:ext cx="4895330" cy="3411063"/>
+            <a:off x="6607967" y="3335337"/>
+            <a:ext cx="4895056" cy="2455862"/>
           </a:xfrm>
         </p:spPr>
         <p:txBody>
@@ -4490,20 +4544,57 @@
           </a:bodyPr>
           <a:lstStyle>
             <a:lvl1pPr>
+              <a:buClr>
+                <a:schemeClr val="accent1">
+                  <a:lumMod val="75000"/>
+                </a:schemeClr>
+              </a:buClr>
               <a:defRPr sz="1800"/>
             </a:lvl1pPr>
             <a:lvl2pPr>
+              <a:buClr>
+                <a:schemeClr val="accent1">
+                  <a:lumMod val="75000"/>
+                </a:schemeClr>
+              </a:buClr>
               <a:defRPr sz="1600"/>
             </a:lvl2pPr>
             <a:lvl3pPr>
+              <a:buClr>
+                <a:schemeClr val="accent1">
+                  <a:lumMod val="75000"/>
+                </a:schemeClr>
+              </a:buClr>
               <a:defRPr sz="1400"/>
             </a:lvl3pPr>
             <a:lvl4pPr>
+              <a:buClr>
+                <a:schemeClr val="accent1">
+                  <a:lumMod val="75000"/>
+                </a:schemeClr>
+              </a:buClr>
               <a:defRPr sz="1200"/>
             </a:lvl4pPr>
             <a:lvl5pPr>
+              <a:buClr>
+                <a:schemeClr val="accent1">
+                  <a:lumMod val="75000"/>
+                </a:schemeClr>
+              </a:buClr>
               <a:defRPr sz="1200"/>
             </a:lvl5pPr>
+            <a:lvl6pPr>
+              <a:defRPr sz="1200"/>
+            </a:lvl6pPr>
+            <a:lvl7pPr>
+              <a:defRPr sz="1200"/>
+            </a:lvl7pPr>
+            <a:lvl8pPr>
+              <a:defRPr sz="1200"/>
+            </a:lvl8pPr>
+            <a:lvl9pPr>
+              <a:defRPr sz="1200"/>
+            </a:lvl9pPr>
           </a:lstStyle>
           <a:p>
             <a:pPr lvl="0"/>
@@ -4593,7 +4684,7 @@
             <a:fld id="{B61BEF0D-F0BB-DE4B-95CE-6DB70DBA9567}" type="datetimeFigureOut">
               <a:rPr lang="en-US" smtClean="0"/>
               <a:pPr/>
-              <a:t>4/1/2017</a:t>
+              <a:t>4/2/2017</a:t>
             </a:fld>
             <a:endParaRPr lang="en-US" dirty="0"/>
           </a:p>
@@ -4645,7 +4736,7 @@
     </p:spTree>
     <p:extLst>
       <p:ext uri="{BB962C8B-B14F-4D97-AF65-F5344CB8AC3E}">
-        <p14:creationId xmlns:p14="http://schemas.microsoft.com/office/powerpoint/2010/main" val="3832282466"/>
+        <p14:creationId xmlns:p14="http://schemas.microsoft.com/office/powerpoint/2010/main" val="210130839"/>
       </p:ext>
     </p:extLst>
   </p:cSld>
@@ -4713,7 +4804,7 @@
             <a:fld id="{B61BEF0D-F0BB-DE4B-95CE-6DB70DBA9567}" type="datetimeFigureOut">
               <a:rPr lang="en-US" smtClean="0"/>
               <a:pPr/>
-              <a:t>4/1/2017</a:t>
+              <a:t>4/2/2017</a:t>
             </a:fld>
             <a:endParaRPr lang="en-US" dirty="0"/>
           </a:p>
@@ -4765,7 +4856,7 @@
     </p:spTree>
     <p:extLst>
       <p:ext uri="{BB962C8B-B14F-4D97-AF65-F5344CB8AC3E}">
-        <p14:creationId xmlns:p14="http://schemas.microsoft.com/office/powerpoint/2010/main" val="2978406061"/>
+        <p14:creationId xmlns:p14="http://schemas.microsoft.com/office/powerpoint/2010/main" val="3183962039"/>
       </p:ext>
     </p:extLst>
   </p:cSld>
@@ -4810,7 +4901,7 @@
             <a:fld id="{B61BEF0D-F0BB-DE4B-95CE-6DB70DBA9567}" type="datetimeFigureOut">
               <a:rPr lang="en-US" smtClean="0"/>
               <a:pPr/>
-              <a:t>4/1/2017</a:t>
+              <a:t>4/2/2017</a:t>
             </a:fld>
             <a:endParaRPr lang="en-US" dirty="0"/>
           </a:p>
@@ -4862,7 +4953,7 @@
     </p:spTree>
     <p:extLst>
       <p:ext uri="{BB962C8B-B14F-4D97-AF65-F5344CB8AC3E}">
-        <p14:creationId xmlns:p14="http://schemas.microsoft.com/office/powerpoint/2010/main" val="944951289"/>
+        <p14:creationId xmlns:p14="http://schemas.microsoft.com/office/powerpoint/2010/main" val="1400247719"/>
       </p:ext>
     </p:extLst>
   </p:cSld>
@@ -4901,8 +4992,8 @@
         </p:nvSpPr>
         <p:spPr>
           <a:xfrm>
-            <a:off x="913795" y="609600"/>
-            <a:ext cx="3706889" cy="1821918"/>
+            <a:off x="1484312" y="1600200"/>
+            <a:ext cx="3549121" cy="1371600"/>
           </a:xfrm>
         </p:spPr>
         <p:txBody>
@@ -4935,15 +5026,43 @@
         </p:nvSpPr>
         <p:spPr>
           <a:xfrm>
-            <a:off x="4855633" y="609600"/>
-            <a:ext cx="6411924" cy="5181600"/>
+            <a:off x="5262033" y="685799"/>
+            <a:ext cx="6240990" cy="5105401"/>
           </a:xfrm>
         </p:spPr>
         <p:txBody>
-          <a:bodyPr>
+          <a:bodyPr anchor="ctr">
             <a:normAutofit/>
           </a:bodyPr>
-          <a:lstStyle/>
+          <a:lstStyle>
+            <a:lvl1pPr>
+              <a:defRPr sz="2000"/>
+            </a:lvl1pPr>
+            <a:lvl2pPr>
+              <a:defRPr sz="1800"/>
+            </a:lvl2pPr>
+            <a:lvl3pPr>
+              <a:defRPr sz="1600"/>
+            </a:lvl3pPr>
+            <a:lvl4pPr>
+              <a:defRPr sz="1400"/>
+            </a:lvl4pPr>
+            <a:lvl5pPr>
+              <a:defRPr sz="1400"/>
+            </a:lvl5pPr>
+            <a:lvl6pPr>
+              <a:defRPr sz="1400"/>
+            </a:lvl6pPr>
+            <a:lvl7pPr>
+              <a:defRPr sz="1400"/>
+            </a:lvl7pPr>
+            <a:lvl8pPr>
+              <a:defRPr sz="1400"/>
+            </a:lvl8pPr>
+            <a:lvl9pPr>
+              <a:defRPr sz="1400"/>
+            </a:lvl9pPr>
+          </a:lstStyle>
           <a:p>
             <a:pPr lvl="0"/>
             <a:r>
@@ -5026,12 +5145,12 @@
         </p:nvSpPr>
         <p:spPr>
           <a:xfrm>
-            <a:off x="913795" y="2431518"/>
-            <a:ext cx="3706889" cy="3359681"/>
+            <a:off x="1484312" y="2971800"/>
+            <a:ext cx="3549121" cy="1828800"/>
           </a:xfrm>
         </p:spPr>
         <p:txBody>
-          <a:bodyPr anchor="t">
+          <a:bodyPr>
             <a:normAutofit/>
           </a:bodyPr>
           <a:lstStyle>
@@ -5099,7 +5218,7 @@
             <a:fld id="{B61BEF0D-F0BB-DE4B-95CE-6DB70DBA9567}" type="datetimeFigureOut">
               <a:rPr lang="en-US" smtClean="0"/>
               <a:pPr/>
-              <a:t>4/1/2017</a:t>
+              <a:t>4/2/2017</a:t>
             </a:fld>
             <a:endParaRPr lang="en-US" dirty="0"/>
           </a:p>
@@ -5151,7 +5270,7 @@
     </p:spTree>
     <p:extLst>
       <p:ext uri="{BB962C8B-B14F-4D97-AF65-F5344CB8AC3E}">
-        <p14:creationId xmlns:p14="http://schemas.microsoft.com/office/powerpoint/2010/main" val="1711086253"/>
+        <p14:creationId xmlns:p14="http://schemas.microsoft.com/office/powerpoint/2010/main" val="3333482116"/>
       </p:ext>
     </p:extLst>
   </p:cSld>
@@ -5178,59 +5297,29 @@
           <a:chExt cx="0" cy="0"/>
         </a:xfrm>
       </p:grpSpPr>
-      <p:pic>
-        <p:nvPicPr>
-          <p:cNvPr id="22" name="Picture 21" descr="Slate-V2-HD-vertPhotoInset.png"/>
-          <p:cNvPicPr>
-            <a:picLocks noChangeAspect="1"/>
-          </p:cNvPicPr>
-          <p:nvPr/>
-        </p:nvPicPr>
-        <p:blipFill>
-          <a:blip r:embed="rId2">
-            <a:extLst>
-              <a:ext uri="{28A0092B-C50C-407E-A947-70E740481C1C}">
-                <a14:useLocalDpi xmlns:a14="http://schemas.microsoft.com/office/drawing/2010/main" val="0"/>
-              </a:ext>
-            </a:extLst>
-          </a:blip>
-          <a:stretch>
-            <a:fillRect/>
-          </a:stretch>
-        </p:blipFill>
+      <p:sp>
+        <p:nvSpPr>
+          <p:cNvPr id="2" name="Title 1"/>
+          <p:cNvSpPr>
+            <a:spLocks noGrp="1"/>
+          </p:cNvSpPr>
+          <p:nvPr>
+            <p:ph type="title"/>
+          </p:nvPr>
+        </p:nvSpPr>
         <p:spPr>
           <a:xfrm>
-            <a:off x="7293665" y="609600"/>
-            <a:ext cx="3584166" cy="5204832"/>
-          </a:xfrm>
-          <a:prstGeom prst="rect">
-            <a:avLst/>
-          </a:prstGeom>
-        </p:spPr>
-      </p:pic>
-      <p:sp>
-        <p:nvSpPr>
-          <p:cNvPr id="2" name="Title 1"/>
-          <p:cNvSpPr>
-            <a:spLocks noGrp="1"/>
-          </p:cNvSpPr>
-          <p:nvPr>
-            <p:ph type="title"/>
-          </p:nvPr>
-        </p:nvSpPr>
-        <p:spPr>
-          <a:xfrm>
-            <a:off x="913795" y="609923"/>
-            <a:ext cx="5934949" cy="1829338"/>
+            <a:off x="1482724" y="1752599"/>
+            <a:ext cx="5426158" cy="1371600"/>
           </a:xfrm>
         </p:spPr>
         <p:txBody>
           <a:bodyPr anchor="b">
-            <a:noAutofit/>
+            <a:normAutofit/>
           </a:bodyPr>
           <a:lstStyle>
             <a:lvl1pPr algn="ctr">
-              <a:defRPr sz="3200" b="0"/>
+              <a:defRPr sz="2800" b="0"/>
             </a:lvl1pPr>
           </a:lstStyle>
           <a:p>
@@ -5244,7 +5333,7 @@
       </p:sp>
       <p:sp>
         <p:nvSpPr>
-          <p:cNvPr id="3" name="Picture Placeholder 2"/>
+          <p:cNvPr id="14" name="Picture Placeholder 2"/>
           <p:cNvSpPr>
             <a:spLocks noGrp="1" noChangeAspect="1"/>
           </p:cNvSpPr>
@@ -5254,15 +5343,36 @@
         </p:nvSpPr>
         <p:spPr>
           <a:xfrm>
-            <a:off x="7442551" y="763702"/>
-            <a:ext cx="3275751" cy="4912822"/>
+            <a:off x="7594682" y="914400"/>
+            <a:ext cx="3280974" cy="4572000"/>
           </a:xfrm>
+          <a:prstGeom prst="roundRect">
+            <a:avLst>
+              <a:gd name="adj" fmla="val 4280"/>
+            </a:avLst>
+          </a:prstGeom>
+          <a:ln w="38100">
+            <a:gradFill flip="none" rotWithShape="1">
+              <a:gsLst>
+                <a:gs pos="0">
+                  <a:schemeClr val="bg2"/>
+                </a:gs>
+                <a:gs pos="100000">
+                  <a:schemeClr val="bg2">
+                    <a:lumMod val="75000"/>
+                  </a:schemeClr>
+                </a:gs>
+              </a:gsLst>
+              <a:lin ang="5400000" scaled="0"/>
+              <a:tileRect/>
+            </a:gradFill>
+          </a:ln>
           <a:effectLst>
-            <a:outerShdw blurRad="38100" dist="25400" dir="4440000">
+            <a:innerShdw blurRad="57150" dist="38100" dir="14460000">
               <a:srgbClr val="000000">
-                <a:alpha val="36000"/>
+                <a:alpha val="70000"/>
               </a:srgbClr>
-            </a:outerShdw>
+            </a:innerShdw>
           </a:effectLst>
         </p:spPr>
         <p:txBody>
@@ -5328,18 +5438,18 @@
         </p:nvSpPr>
         <p:spPr>
           <a:xfrm>
-            <a:off x="913795" y="2439261"/>
-            <a:ext cx="5934949" cy="3376134"/>
+            <a:off x="1482724" y="3124199"/>
+            <a:ext cx="5426158" cy="1828800"/>
           </a:xfrm>
         </p:spPr>
         <p:txBody>
-          <a:bodyPr anchor="t">
+          <a:bodyPr>
             <a:normAutofit/>
           </a:bodyPr>
           <a:lstStyle>
             <a:lvl1pPr marL="0" indent="0" algn="ctr">
               <a:buNone/>
-              <a:defRPr sz="1600"/>
+              <a:defRPr sz="1800"/>
             </a:lvl1pPr>
             <a:lvl2pPr marL="457200" indent="0">
               <a:buNone/>
@@ -5401,7 +5511,7 @@
             <a:fld id="{B61BEF0D-F0BB-DE4B-95CE-6DB70DBA9567}" type="datetimeFigureOut">
               <a:rPr lang="en-US" smtClean="0"/>
               <a:pPr/>
-              <a:t>4/1/2017</a:t>
+              <a:t>4/2/2017</a:t>
             </a:fld>
             <a:endParaRPr lang="en-US" dirty="0"/>
           </a:p>
@@ -5453,7 +5563,7 @@
     </p:spTree>
     <p:extLst>
       <p:ext uri="{BB962C8B-B14F-4D97-AF65-F5344CB8AC3E}">
-        <p14:creationId xmlns:p14="http://schemas.microsoft.com/office/powerpoint/2010/main" val="2536807291"/>
+        <p14:creationId xmlns:p14="http://schemas.microsoft.com/office/powerpoint/2010/main" val="1346104899"/>
       </p:ext>
     </p:extLst>
   </p:cSld>
@@ -5485,6 +5595,322 @@
           <a:chExt cx="0" cy="0"/>
         </a:xfrm>
       </p:grpSpPr>
+      <p:grpSp>
+        <p:nvGrpSpPr>
+          <p:cNvPr id="7" name="Group 6"/>
+          <p:cNvGrpSpPr/>
+          <p:nvPr/>
+        </p:nvGrpSpPr>
+        <p:grpSpPr>
+          <a:xfrm>
+            <a:off x="150812" y="0"/>
+            <a:ext cx="2436813" cy="6858001"/>
+            <a:chOff x="1320800" y="0"/>
+            <a:chExt cx="2436813" cy="6858001"/>
+          </a:xfrm>
+        </p:grpSpPr>
+        <p:sp>
+          <p:nvSpPr>
+            <p:cNvPr id="8" name="Freeform 6"/>
+            <p:cNvSpPr/>
+            <p:nvPr/>
+          </p:nvSpPr>
+          <p:spPr bwMode="auto">
+            <a:xfrm>
+              <a:off x="1627188" y="0"/>
+              <a:ext cx="1122363" cy="5329238"/>
+            </a:xfrm>
+            <a:custGeom>
+              <a:avLst/>
+              <a:gdLst/>
+              <a:ahLst/>
+              <a:cxnLst/>
+              <a:rect l="0" t="0" r="r" b="b"/>
+              <a:pathLst>
+                <a:path w="707" h="3357">
+                  <a:moveTo>
+                    <a:pt x="0" y="3330"/>
+                  </a:moveTo>
+                  <a:lnTo>
+                    <a:pt x="156" y="3357"/>
+                  </a:lnTo>
+                  <a:lnTo>
+                    <a:pt x="707" y="0"/>
+                  </a:lnTo>
+                  <a:lnTo>
+                    <a:pt x="547" y="0"/>
+                  </a:lnTo>
+                  <a:lnTo>
+                    <a:pt x="0" y="3330"/>
+                  </a:lnTo>
+                  <a:close/>
+                </a:path>
+              </a:pathLst>
+            </a:custGeom>
+            <a:solidFill>
+              <a:schemeClr val="accent1"/>
+            </a:solidFill>
+            <a:ln>
+              <a:noFill/>
+            </a:ln>
+          </p:spPr>
+        </p:sp>
+        <p:sp>
+          <p:nvSpPr>
+            <p:cNvPr id="9" name="Freeform 7"/>
+            <p:cNvSpPr/>
+            <p:nvPr/>
+          </p:nvSpPr>
+          <p:spPr bwMode="auto">
+            <a:xfrm>
+              <a:off x="1320800" y="0"/>
+              <a:ext cx="1117600" cy="5276850"/>
+            </a:xfrm>
+            <a:custGeom>
+              <a:avLst/>
+              <a:gdLst/>
+              <a:ahLst/>
+              <a:cxnLst/>
+              <a:rect l="0" t="0" r="r" b="b"/>
+              <a:pathLst>
+                <a:path w="704" h="3324">
+                  <a:moveTo>
+                    <a:pt x="704" y="0"/>
+                  </a:moveTo>
+                  <a:lnTo>
+                    <a:pt x="545" y="0"/>
+                  </a:lnTo>
+                  <a:lnTo>
+                    <a:pt x="0" y="3300"/>
+                  </a:lnTo>
+                  <a:lnTo>
+                    <a:pt x="157" y="3324"/>
+                  </a:lnTo>
+                  <a:lnTo>
+                    <a:pt x="704" y="0"/>
+                  </a:lnTo>
+                  <a:close/>
+                </a:path>
+              </a:pathLst>
+            </a:custGeom>
+            <a:solidFill>
+              <a:schemeClr val="tx1">
+                <a:lumMod val="65000"/>
+                <a:lumOff val="35000"/>
+              </a:schemeClr>
+            </a:solidFill>
+            <a:ln>
+              <a:noFill/>
+            </a:ln>
+          </p:spPr>
+        </p:sp>
+        <p:sp>
+          <p:nvSpPr>
+            <p:cNvPr id="10" name="Freeform 8"/>
+            <p:cNvSpPr/>
+            <p:nvPr/>
+          </p:nvSpPr>
+          <p:spPr bwMode="auto">
+            <a:xfrm>
+              <a:off x="1320800" y="5238750"/>
+              <a:ext cx="1228725" cy="1619250"/>
+            </a:xfrm>
+            <a:custGeom>
+              <a:avLst/>
+              <a:gdLst/>
+              <a:ahLst/>
+              <a:cxnLst/>
+              <a:rect l="0" t="0" r="r" b="b"/>
+              <a:pathLst>
+                <a:path w="774" h="1020">
+                  <a:moveTo>
+                    <a:pt x="0" y="0"/>
+                  </a:moveTo>
+                  <a:lnTo>
+                    <a:pt x="740" y="1020"/>
+                  </a:lnTo>
+                  <a:lnTo>
+                    <a:pt x="774" y="1020"/>
+                  </a:lnTo>
+                  <a:lnTo>
+                    <a:pt x="0" y="0"/>
+                  </a:lnTo>
+                  <a:close/>
+                </a:path>
+              </a:pathLst>
+            </a:custGeom>
+            <a:solidFill>
+              <a:schemeClr val="tx1">
+                <a:lumMod val="85000"/>
+                <a:lumOff val="15000"/>
+              </a:schemeClr>
+            </a:solidFill>
+            <a:ln>
+              <a:noFill/>
+            </a:ln>
+          </p:spPr>
+        </p:sp>
+        <p:sp>
+          <p:nvSpPr>
+            <p:cNvPr id="11" name="Freeform 9"/>
+            <p:cNvSpPr/>
+            <p:nvPr/>
+          </p:nvSpPr>
+          <p:spPr bwMode="auto">
+            <a:xfrm>
+              <a:off x="1627188" y="5291138"/>
+              <a:ext cx="1495425" cy="1566863"/>
+            </a:xfrm>
+            <a:custGeom>
+              <a:avLst/>
+              <a:gdLst/>
+              <a:ahLst/>
+              <a:cxnLst/>
+              <a:rect l="0" t="0" r="r" b="b"/>
+              <a:pathLst>
+                <a:path w="942" h="987">
+                  <a:moveTo>
+                    <a:pt x="0" y="0"/>
+                  </a:moveTo>
+                  <a:lnTo>
+                    <a:pt x="909" y="987"/>
+                  </a:lnTo>
+                  <a:lnTo>
+                    <a:pt x="942" y="987"/>
+                  </a:lnTo>
+                  <a:lnTo>
+                    <a:pt x="0" y="0"/>
+                  </a:lnTo>
+                  <a:close/>
+                </a:path>
+              </a:pathLst>
+            </a:custGeom>
+            <a:solidFill>
+              <a:schemeClr val="accent1">
+                <a:lumMod val="50000"/>
+              </a:schemeClr>
+            </a:solidFill>
+            <a:ln>
+              <a:noFill/>
+            </a:ln>
+          </p:spPr>
+        </p:sp>
+        <p:sp>
+          <p:nvSpPr>
+            <p:cNvPr id="12" name="Freeform 10"/>
+            <p:cNvSpPr/>
+            <p:nvPr/>
+          </p:nvSpPr>
+          <p:spPr bwMode="auto">
+            <a:xfrm>
+              <a:off x="1627188" y="5286375"/>
+              <a:ext cx="2130425" cy="1571625"/>
+            </a:xfrm>
+            <a:custGeom>
+              <a:avLst/>
+              <a:gdLst/>
+              <a:ahLst/>
+              <a:cxnLst/>
+              <a:rect l="0" t="0" r="r" b="b"/>
+              <a:pathLst>
+                <a:path w="1342" h="990">
+                  <a:moveTo>
+                    <a:pt x="0" y="3"/>
+                  </a:moveTo>
+                  <a:lnTo>
+                    <a:pt x="942" y="990"/>
+                  </a:lnTo>
+                  <a:lnTo>
+                    <a:pt x="1342" y="990"/>
+                  </a:lnTo>
+                  <a:lnTo>
+                    <a:pt x="156" y="27"/>
+                  </a:lnTo>
+                  <a:lnTo>
+                    <a:pt x="0" y="0"/>
+                  </a:lnTo>
+                  <a:lnTo>
+                    <a:pt x="0" y="3"/>
+                  </a:lnTo>
+                  <a:close/>
+                </a:path>
+              </a:pathLst>
+            </a:custGeom>
+            <a:solidFill>
+              <a:schemeClr val="accent1">
+                <a:lumMod val="75000"/>
+              </a:schemeClr>
+            </a:solidFill>
+            <a:ln>
+              <a:noFill/>
+            </a:ln>
+          </p:spPr>
+        </p:sp>
+        <p:sp>
+          <p:nvSpPr>
+            <p:cNvPr id="13" name="Freeform 11"/>
+            <p:cNvSpPr/>
+            <p:nvPr/>
+          </p:nvSpPr>
+          <p:spPr bwMode="auto">
+            <a:xfrm>
+              <a:off x="1320800" y="5238750"/>
+              <a:ext cx="1695450" cy="1619250"/>
+            </a:xfrm>
+            <a:custGeom>
+              <a:avLst/>
+              <a:gdLst/>
+              <a:ahLst/>
+              <a:cxnLst/>
+              <a:rect l="0" t="0" r="r" b="b"/>
+              <a:pathLst>
+                <a:path w="1068" h="1020">
+                  <a:moveTo>
+                    <a:pt x="1068" y="1020"/>
+                  </a:moveTo>
+                  <a:lnTo>
+                    <a:pt x="184" y="60"/>
+                  </a:lnTo>
+                  <a:lnTo>
+                    <a:pt x="154" y="27"/>
+                  </a:lnTo>
+                  <a:lnTo>
+                    <a:pt x="157" y="27"/>
+                  </a:lnTo>
+                  <a:lnTo>
+                    <a:pt x="157" y="24"/>
+                  </a:lnTo>
+                  <a:lnTo>
+                    <a:pt x="154" y="24"/>
+                  </a:lnTo>
+                  <a:lnTo>
+                    <a:pt x="0" y="0"/>
+                  </a:lnTo>
+                  <a:lnTo>
+                    <a:pt x="0" y="0"/>
+                  </a:lnTo>
+                  <a:lnTo>
+                    <a:pt x="774" y="1020"/>
+                  </a:lnTo>
+                  <a:lnTo>
+                    <a:pt x="1068" y="1020"/>
+                  </a:lnTo>
+                  <a:close/>
+                </a:path>
+              </a:pathLst>
+            </a:custGeom>
+            <a:solidFill>
+              <a:schemeClr val="tx1">
+                <a:lumMod val="75000"/>
+                <a:lumOff val="25000"/>
+              </a:schemeClr>
+            </a:solidFill>
+            <a:ln>
+              <a:noFill/>
+            </a:ln>
+          </p:spPr>
+        </p:sp>
+      </p:grpSp>
       <p:sp>
         <p:nvSpPr>
           <p:cNvPr id="2" name="Title Placeholder 1"/>
@@ -5497,19 +5923,13 @@
         </p:nvSpPr>
         <p:spPr>
           <a:xfrm>
-            <a:off x="913795" y="609600"/>
-            <a:ext cx="10353762" cy="970450"/>
+            <a:off x="1484311" y="685800"/>
+            <a:ext cx="10018713" cy="1752599"/>
           </a:xfrm>
           <a:prstGeom prst="rect">
             <a:avLst/>
           </a:prstGeom>
-          <a:effectLst>
-            <a:outerShdw blurRad="25400" dir="17880000">
-              <a:srgbClr val="000000">
-                <a:alpha val="46000"/>
-              </a:srgbClr>
-            </a:outerShdw>
-          </a:effectLst>
+          <a:effectLst/>
         </p:spPr>
         <p:txBody>
           <a:bodyPr vert="horz" lIns="91440" tIns="45720" rIns="91440" bIns="45720" rtlCol="0" anchor="ctr">
@@ -5537,158 +5957,102 @@
         </p:nvSpPr>
         <p:spPr>
           <a:xfrm>
-            <a:off x="913795" y="1732449"/>
-            <a:ext cx="10353762" cy="4058751"/>
-          </a:xfrm>
-          <a:prstGeom prst="rect">
-            <a:avLst/>
-          </a:prstGeom>
-          <a:effectLst>
-            <a:outerShdw blurRad="25400" dir="17880000">
-              <a:srgbClr val="000000">
-                <a:alpha val="46000"/>
-              </a:srgbClr>
-            </a:outerShdw>
-          </a:effectLst>
-        </p:spPr>
-        <p:txBody>
-          <a:bodyPr vert="horz" lIns="91440" tIns="45720" rIns="91440" bIns="45720" rtlCol="0" anchor="t">
-            <a:normAutofit/>
-          </a:bodyPr>
-          <a:lstStyle/>
-          <a:p>
-            <a:pPr lvl="0"/>
-            <a:r>
-              <a:rPr lang="ja-JP" altLang="en-US" smtClean="0"/>
-              <a:t>マスター テキストの書式設定</a:t>
-            </a:r>
-          </a:p>
-          <a:p>
-            <a:pPr lvl="1"/>
-            <a:r>
-              <a:rPr lang="ja-JP" altLang="en-US" smtClean="0"/>
-              <a:t>第 </a:t>
-            </a:r>
-            <a:r>
-              <a:rPr lang="en-US" altLang="ja-JP" smtClean="0"/>
-              <a:t>2 </a:t>
-            </a:r>
-            <a:r>
-              <a:rPr lang="ja-JP" altLang="en-US" smtClean="0"/>
-              <a:t>レベル</a:t>
-            </a:r>
-          </a:p>
-          <a:p>
-            <a:pPr lvl="2"/>
-            <a:r>
-              <a:rPr lang="ja-JP" altLang="en-US" smtClean="0"/>
-              <a:t>第 </a:t>
-            </a:r>
-            <a:r>
-              <a:rPr lang="en-US" altLang="ja-JP" smtClean="0"/>
-              <a:t>3 </a:t>
-            </a:r>
-            <a:r>
-              <a:rPr lang="ja-JP" altLang="en-US" smtClean="0"/>
-              <a:t>レベル</a:t>
-            </a:r>
-          </a:p>
-          <a:p>
-            <a:pPr lvl="3"/>
-            <a:r>
-              <a:rPr lang="ja-JP" altLang="en-US" smtClean="0"/>
-              <a:t>第 </a:t>
-            </a:r>
-            <a:r>
-              <a:rPr lang="en-US" altLang="ja-JP" smtClean="0"/>
-              <a:t>4 </a:t>
-            </a:r>
-            <a:r>
-              <a:rPr lang="ja-JP" altLang="en-US" smtClean="0"/>
-              <a:t>レベル</a:t>
-            </a:r>
-          </a:p>
-          <a:p>
-            <a:pPr lvl="4"/>
-            <a:r>
-              <a:rPr lang="ja-JP" altLang="en-US" smtClean="0"/>
-              <a:t>第 </a:t>
-            </a:r>
-            <a:r>
-              <a:rPr lang="en-US" altLang="ja-JP" smtClean="0"/>
-              <a:t>5 </a:t>
-            </a:r>
-            <a:r>
-              <a:rPr lang="ja-JP" altLang="en-US" smtClean="0"/>
-              <a:t>レベル</a:t>
-            </a:r>
-            <a:endParaRPr lang="en-US" dirty="0"/>
-          </a:p>
-        </p:txBody>
-      </p:sp>
-      <p:sp>
-        <p:nvSpPr>
-          <p:cNvPr id="4" name="Date Placeholder 3"/>
-          <p:cNvSpPr>
-            <a:spLocks noGrp="1"/>
-          </p:cNvSpPr>
-          <p:nvPr>
-            <p:ph type="dt" sz="half" idx="2"/>
-          </p:nvPr>
-        </p:nvSpPr>
-        <p:spPr>
-          <a:xfrm>
-            <a:off x="7678736" y="5883275"/>
-            <a:ext cx="2743200" cy="365125"/>
+            <a:off x="1484310" y="2666999"/>
+            <a:ext cx="10018713" cy="3124201"/>
           </a:xfrm>
           <a:prstGeom prst="rect">
             <a:avLst/>
           </a:prstGeom>
         </p:spPr>
         <p:txBody>
-          <a:bodyPr vert="horz" lIns="91440" tIns="45720" rIns="91440" bIns="45720" rtlCol="0" anchor="ctr"/>
-          <a:lstStyle>
-            <a:lvl1pPr algn="r">
-              <a:defRPr sz="1000">
-                <a:solidFill>
-                  <a:schemeClr val="tx1">
-                    <a:lumMod val="95000"/>
-                  </a:schemeClr>
-                </a:solidFill>
-                <a:effectLst>
-                  <a:outerShdw blurRad="50800" dist="38100" dir="2700000" algn="tl" rotWithShape="0">
-                    <a:schemeClr val="bg1">
-                      <a:alpha val="43000"/>
-                    </a:schemeClr>
-                  </a:outerShdw>
-                </a:effectLst>
-              </a:defRPr>
-            </a:lvl1pPr>
-          </a:lstStyle>
-          <a:p>
-            <a:fld id="{B61BEF0D-F0BB-DE4B-95CE-6DB70DBA9567}" type="datetimeFigureOut">
-              <a:rPr lang="en-US" smtClean="0"/>
-              <a:pPr/>
-              <a:t>4/1/2017</a:t>
-            </a:fld>
-            <a:endParaRPr lang="en-US" dirty="0"/>
-          </a:p>
-        </p:txBody>
-      </p:sp>
-      <p:sp>
-        <p:nvSpPr>
-          <p:cNvPr id="5" name="Footer Placeholder 4"/>
-          <p:cNvSpPr>
-            <a:spLocks noGrp="1"/>
-          </p:cNvSpPr>
-          <p:nvPr>
-            <p:ph type="ftr" sz="quarter" idx="3"/>
+          <a:bodyPr vert="horz" lIns="91440" tIns="45720" rIns="91440" bIns="45720" rtlCol="0" anchor="ctr">
+            <a:normAutofit/>
+          </a:bodyPr>
+          <a:lstStyle/>
+          <a:p>
+            <a:pPr lvl="0"/>
+            <a:r>
+              <a:rPr lang="ja-JP" altLang="en-US" smtClean="0"/>
+              <a:t>マスター テキストの書式設定</a:t>
+            </a:r>
+          </a:p>
+          <a:p>
+            <a:pPr lvl="1"/>
+            <a:r>
+              <a:rPr lang="ja-JP" altLang="en-US" smtClean="0"/>
+              <a:t>第 </a:t>
+            </a:r>
+            <a:r>
+              <a:rPr lang="en-US" altLang="ja-JP" smtClean="0"/>
+              <a:t>2 </a:t>
+            </a:r>
+            <a:r>
+              <a:rPr lang="ja-JP" altLang="en-US" smtClean="0"/>
+              <a:t>レベル</a:t>
+            </a:r>
+          </a:p>
+          <a:p>
+            <a:pPr lvl="2"/>
+            <a:r>
+              <a:rPr lang="ja-JP" altLang="en-US" smtClean="0"/>
+              <a:t>第 </a:t>
+            </a:r>
+            <a:r>
+              <a:rPr lang="en-US" altLang="ja-JP" smtClean="0"/>
+              <a:t>3 </a:t>
+            </a:r>
+            <a:r>
+              <a:rPr lang="ja-JP" altLang="en-US" smtClean="0"/>
+              <a:t>レベル</a:t>
+            </a:r>
+          </a:p>
+          <a:p>
+            <a:pPr lvl="3"/>
+            <a:r>
+              <a:rPr lang="ja-JP" altLang="en-US" smtClean="0"/>
+              <a:t>第 </a:t>
+            </a:r>
+            <a:r>
+              <a:rPr lang="en-US" altLang="ja-JP" smtClean="0"/>
+              <a:t>4 </a:t>
+            </a:r>
+            <a:r>
+              <a:rPr lang="ja-JP" altLang="en-US" smtClean="0"/>
+              <a:t>レベル</a:t>
+            </a:r>
+          </a:p>
+          <a:p>
+            <a:pPr lvl="4"/>
+            <a:r>
+              <a:rPr lang="ja-JP" altLang="en-US" smtClean="0"/>
+              <a:t>第 </a:t>
+            </a:r>
+            <a:r>
+              <a:rPr lang="en-US" altLang="ja-JP" smtClean="0"/>
+              <a:t>5 </a:t>
+            </a:r>
+            <a:r>
+              <a:rPr lang="ja-JP" altLang="en-US" smtClean="0"/>
+              <a:t>レベル</a:t>
+            </a:r>
+            <a:endParaRPr lang="en-US" dirty="0"/>
+          </a:p>
+        </p:txBody>
+      </p:sp>
+      <p:sp>
+        <p:nvSpPr>
+          <p:cNvPr id="4" name="Date Placeholder 3"/>
+          <p:cNvSpPr>
+            <a:spLocks noGrp="1"/>
+          </p:cNvSpPr>
+          <p:nvPr>
+            <p:ph type="dt" sz="half" idx="2"/>
           </p:nvPr>
         </p:nvSpPr>
         <p:spPr>
           <a:xfrm>
-            <a:off x="913795" y="5883275"/>
-            <a:ext cx="6672865" cy="365125"/>
+            <a:off x="9732656" y="5883275"/>
+            <a:ext cx="1143000" cy="365125"/>
           </a:xfrm>
           <a:prstGeom prst="rect">
             <a:avLst/>
@@ -5697,42 +6061,40 @@
         <p:txBody>
           <a:bodyPr vert="horz" lIns="91440" tIns="45720" rIns="91440" bIns="45720" rtlCol="0" anchor="ctr"/>
           <a:lstStyle>
-            <a:lvl1pPr algn="l">
-              <a:defRPr sz="1000">
-                <a:solidFill>
-                  <a:schemeClr val="tx1">
-                    <a:lumMod val="95000"/>
-                  </a:schemeClr>
-                </a:solidFill>
-                <a:effectLst>
-                  <a:outerShdw blurRad="50800" dist="38100" dir="2700000" algn="tl" rotWithShape="0">
-                    <a:schemeClr val="bg1">
-                      <a:alpha val="43000"/>
-                    </a:schemeClr>
-                  </a:outerShdw>
-                </a:effectLst>
+            <a:lvl1pPr algn="r">
+              <a:defRPr sz="1000" b="0" i="0">
+                <a:solidFill>
+                  <a:schemeClr val="tx1"/>
+                </a:solidFill>
+                <a:effectLst/>
+                <a:latin typeface="+mn-lt"/>
               </a:defRPr>
             </a:lvl1pPr>
           </a:lstStyle>
           <a:p>
-            <a:endParaRPr lang="en-US" dirty="0"/>
-          </a:p>
-        </p:txBody>
-      </p:sp>
-      <p:sp>
-        <p:nvSpPr>
-          <p:cNvPr id="6" name="Slide Number Placeholder 5"/>
-          <p:cNvSpPr>
-            <a:spLocks noGrp="1"/>
-          </p:cNvSpPr>
-          <p:nvPr>
-            <p:ph type="sldNum" sz="quarter" idx="4"/>
+            <a:fld id="{B61BEF0D-F0BB-DE4B-95CE-6DB70DBA9567}" type="datetimeFigureOut">
+              <a:rPr lang="en-US" smtClean="0"/>
+              <a:pPr/>
+              <a:t>4/2/2017</a:t>
+            </a:fld>
+            <a:endParaRPr lang="en-US" dirty="0"/>
+          </a:p>
+        </p:txBody>
+      </p:sp>
+      <p:sp>
+        <p:nvSpPr>
+          <p:cNvPr id="5" name="Footer Placeholder 4"/>
+          <p:cNvSpPr>
+            <a:spLocks noGrp="1"/>
+          </p:cNvSpPr>
+          <p:nvPr>
+            <p:ph type="ftr" sz="quarter" idx="3"/>
           </p:nvPr>
         </p:nvSpPr>
         <p:spPr>
           <a:xfrm>
-            <a:off x="10514011" y="5883275"/>
-            <a:ext cx="753545" cy="365125"/>
+            <a:off x="2572279" y="5883275"/>
+            <a:ext cx="7084177" cy="365125"/>
           </a:xfrm>
           <a:prstGeom prst="rect">
             <a:avLst/>
@@ -5741,20 +6103,50 @@
         <p:txBody>
           <a:bodyPr vert="horz" lIns="91440" tIns="45720" rIns="91440" bIns="45720" rtlCol="0" anchor="ctr"/>
           <a:lstStyle>
+            <a:lvl1pPr algn="l">
+              <a:defRPr sz="1000" b="0" i="0">
+                <a:solidFill>
+                  <a:schemeClr val="tx1"/>
+                </a:solidFill>
+                <a:effectLst/>
+                <a:latin typeface="+mn-lt"/>
+              </a:defRPr>
+            </a:lvl1pPr>
+          </a:lstStyle>
+          <a:p>
+            <a:endParaRPr lang="en-US" dirty="0"/>
+          </a:p>
+        </p:txBody>
+      </p:sp>
+      <p:sp>
+        <p:nvSpPr>
+          <p:cNvPr id="6" name="Slide Number Placeholder 5"/>
+          <p:cNvSpPr>
+            <a:spLocks noGrp="1"/>
+          </p:cNvSpPr>
+          <p:nvPr>
+            <p:ph type="sldNum" sz="quarter" idx="4"/>
+          </p:nvPr>
+        </p:nvSpPr>
+        <p:spPr>
+          <a:xfrm>
+            <a:off x="10951856" y="5883275"/>
+            <a:ext cx="551167" cy="365125"/>
+          </a:xfrm>
+          <a:prstGeom prst="rect">
+            <a:avLst/>
+          </a:prstGeom>
+        </p:spPr>
+        <p:txBody>
+          <a:bodyPr vert="horz" lIns="91440" tIns="45720" rIns="91440" bIns="45720" rtlCol="0" anchor="ctr"/>
+          <a:lstStyle>
             <a:lvl1pPr algn="r">
-              <a:defRPr sz="1000">
-                <a:solidFill>
-                  <a:schemeClr val="tx1">
-                    <a:lumMod val="95000"/>
-                  </a:schemeClr>
-                </a:solidFill>
-                <a:effectLst>
-                  <a:outerShdw blurRad="50800" dist="38100" dir="2700000" algn="tl" rotWithShape="0">
-                    <a:schemeClr val="bg1">
-                      <a:alpha val="43000"/>
-                    </a:schemeClr>
-                  </a:outerShdw>
-                </a:effectLst>
+              <a:defRPr sz="1000" b="0" i="0">
+                <a:solidFill>
+                  <a:schemeClr val="tx1"/>
+                </a:solidFill>
+                <a:effectLst/>
+                <a:latin typeface="+mn-lt"/>
               </a:defRPr>
             </a:lvl1pPr>
           </a:lstStyle>
@@ -5771,29 +6163,29 @@
     </p:spTree>
     <p:extLst>
       <p:ext uri="{BB962C8B-B14F-4D97-AF65-F5344CB8AC3E}">
-        <p14:creationId xmlns:p14="http://schemas.microsoft.com/office/powerpoint/2010/main" val="2544987284"/>
+        <p14:creationId xmlns:p14="http://schemas.microsoft.com/office/powerpoint/2010/main" val="3233772729"/>
       </p:ext>
     </p:extLst>
   </p:cSld>
-  <p:clrMap bg1="dk1" tx1="lt1" bg2="dk2" tx2="lt2" accent1="accent1" accent2="accent2" accent3="accent3" accent4="accent4" accent5="accent5" accent6="accent6" hlink="hlink" folHlink="folHlink"/>
+  <p:clrMap bg1="lt1" tx1="dk1" bg2="lt2" tx2="dk2" accent1="accent1" accent2="accent2" accent3="accent3" accent4="accent4" accent5="accent5" accent6="accent6" hlink="hlink" folHlink="folHlink"/>
   <p:sldLayoutIdLst>
-    <p:sldLayoutId id="2147483687" r:id="rId1"/>
-    <p:sldLayoutId id="2147483688" r:id="rId2"/>
-    <p:sldLayoutId id="2147483689" r:id="rId3"/>
-    <p:sldLayoutId id="2147483690" r:id="rId4"/>
-    <p:sldLayoutId id="2147483691" r:id="rId5"/>
-    <p:sldLayoutId id="2147483692" r:id="rId6"/>
-    <p:sldLayoutId id="2147483693" r:id="rId7"/>
-    <p:sldLayoutId id="2147483694" r:id="rId8"/>
-    <p:sldLayoutId id="2147483695" r:id="rId9"/>
-    <p:sldLayoutId id="2147483696" r:id="rId10"/>
-    <p:sldLayoutId id="2147483697" r:id="rId11"/>
-    <p:sldLayoutId id="2147483698" r:id="rId12"/>
-    <p:sldLayoutId id="2147483699" r:id="rId13"/>
-    <p:sldLayoutId id="2147483700" r:id="rId14"/>
-    <p:sldLayoutId id="2147483701" r:id="rId15"/>
-    <p:sldLayoutId id="2147483702" r:id="rId16"/>
-    <p:sldLayoutId id="2147483703" r:id="rId17"/>
+    <p:sldLayoutId id="2147483723" r:id="rId1"/>
+    <p:sldLayoutId id="2147483724" r:id="rId2"/>
+    <p:sldLayoutId id="2147483725" r:id="rId3"/>
+    <p:sldLayoutId id="2147483726" r:id="rId4"/>
+    <p:sldLayoutId id="2147483727" r:id="rId5"/>
+    <p:sldLayoutId id="2147483728" r:id="rId6"/>
+    <p:sldLayoutId id="2147483729" r:id="rId7"/>
+    <p:sldLayoutId id="2147483730" r:id="rId8"/>
+    <p:sldLayoutId id="2147483731" r:id="rId9"/>
+    <p:sldLayoutId id="2147483732" r:id="rId10"/>
+    <p:sldLayoutId id="2147483733" r:id="rId11"/>
+    <p:sldLayoutId id="2147483734" r:id="rId12"/>
+    <p:sldLayoutId id="2147483735" r:id="rId13"/>
+    <p:sldLayoutId id="2147483736" r:id="rId14"/>
+    <p:sldLayoutId id="2147483737" r:id="rId15"/>
+    <p:sldLayoutId id="2147483738" r:id="rId16"/>
+    <p:sldLayoutId id="2147483739" r:id="rId17"/>
   </p:sldLayoutIdLst>
   <p:txStyles>
     <p:titleStyle>
@@ -5802,29 +6194,17 @@
           <a:spcPct val="0"/>
         </a:spcBef>
         <a:buNone/>
-        <a:defRPr kumimoji="1" sz="4000" kern="1200">
-          <a:ln>
-            <a:solidFill>
-              <a:schemeClr val="bg1">
-                <a:lumMod val="75000"/>
-                <a:lumOff val="25000"/>
-                <a:alpha val="10000"/>
-              </a:schemeClr>
-            </a:solidFill>
+        <a:defRPr kumimoji="1" sz="4000" kern="1200" cap="none">
+          <a:ln w="3175" cmpd="sng">
+            <a:noFill/>
           </a:ln>
           <a:solidFill>
-            <a:schemeClr val="tx2"/>
+            <a:schemeClr val="tx1"/>
           </a:solidFill>
-          <a:effectLst>
-            <a:outerShdw blurRad="9525" dist="25400" dir="14640000" algn="tl" rotWithShape="0">
-              <a:schemeClr val="bg1">
-                <a:alpha val="30000"/>
-              </a:schemeClr>
-            </a:outerShdw>
-          </a:effectLst>
+          <a:effectLst/>
           <a:latin typeface="+mj-lt"/>
           <a:ea typeface="+mj-ea"/>
-          <a:cs typeface="Trebuchet MS"/>
+          <a:cs typeface="+mj-cs"/>
         </a:defRPr>
       </a:lvl1pPr>
       <a:lvl2pPr eaLnBrk="1" hangingPunct="1">
@@ -5885,7 +6265,7 @@
       </a:lvl9pPr>
     </p:titleStyle>
     <p:bodyStyle>
-      <a:lvl1pPr marL="342900" indent="-306000" algn="l" defTabSz="457200" rtl="0" eaLnBrk="1" latinLnBrk="0" hangingPunct="1">
+      <a:lvl1pPr marL="285750" indent="-285750" algn="l" defTabSz="457200" rtl="0" eaLnBrk="1" latinLnBrk="0" hangingPunct="1">
         <a:spcBef>
           <a:spcPct val="20000"/>
         </a:spcBef>
@@ -5893,37 +6273,24 @@
           <a:spcPts val="600"/>
         </a:spcAft>
         <a:buClr>
-          <a:schemeClr val="tx2"/>
+          <a:schemeClr val="accent1">
+            <a:lumMod val="75000"/>
+          </a:schemeClr>
         </a:buClr>
-        <a:buSzPct val="70000"/>
-        <a:buFont typeface="Wingdings 2" charset="2"/>
-        <a:buChar char=""/>
-        <a:defRPr kumimoji="1" sz="2000" kern="1200">
-          <a:ln>
-            <a:solidFill>
-              <a:schemeClr val="bg1">
-                <a:lumMod val="75000"/>
-                <a:lumOff val="25000"/>
-                <a:alpha val="10000"/>
-              </a:schemeClr>
-            </a:solidFill>
-          </a:ln>
+        <a:buSzPct val="145000"/>
+        <a:buFont typeface="Arial"/>
+        <a:buChar char="•"/>
+        <a:defRPr kumimoji="1" sz="2400" kern="1200" cap="none">
           <a:solidFill>
-            <a:schemeClr val="tx2"/>
+            <a:schemeClr val="tx1"/>
           </a:solidFill>
-          <a:effectLst>
-            <a:outerShdw blurRad="9525" dist="25400" dir="14640000" algn="tl" rotWithShape="0">
-              <a:schemeClr val="bg1">
-                <a:alpha val="30000"/>
-              </a:schemeClr>
-            </a:outerShdw>
-          </a:effectLst>
+          <a:effectLst/>
           <a:latin typeface="+mn-lt"/>
           <a:ea typeface="+mn-ea"/>
           <a:cs typeface="+mn-cs"/>
         </a:defRPr>
       </a:lvl1pPr>
-      <a:lvl2pPr marL="720000" indent="-270000" algn="l" defTabSz="457200" rtl="0" eaLnBrk="1" latinLnBrk="0" hangingPunct="1">
+      <a:lvl2pPr marL="742950" indent="-285750" algn="l" defTabSz="457200" rtl="0" eaLnBrk="1" latinLnBrk="0" hangingPunct="1">
         <a:spcBef>
           <a:spcPct val="20000"/>
         </a:spcBef>
@@ -5931,37 +6298,24 @@
           <a:spcPts val="600"/>
         </a:spcAft>
         <a:buClr>
-          <a:schemeClr val="tx2"/>
+          <a:schemeClr val="accent1">
+            <a:lumMod val="75000"/>
+          </a:schemeClr>
         </a:buClr>
-        <a:buSzPct val="70000"/>
-        <a:buFont typeface="Wingdings 2" charset="2"/>
-        <a:buChar char=""/>
-        <a:defRPr kumimoji="1" sz="1800" kern="1200">
-          <a:ln>
-            <a:solidFill>
-              <a:schemeClr val="bg1">
-                <a:lumMod val="75000"/>
-                <a:lumOff val="25000"/>
-                <a:alpha val="10000"/>
-              </a:schemeClr>
-            </a:solidFill>
-          </a:ln>
+        <a:buSzPct val="145000"/>
+        <a:buFont typeface="Arial"/>
+        <a:buChar char="•"/>
+        <a:defRPr kumimoji="1" sz="2000" kern="1200" cap="none">
           <a:solidFill>
-            <a:schemeClr val="tx2"/>
+            <a:schemeClr val="tx1"/>
           </a:solidFill>
-          <a:effectLst>
-            <a:outerShdw blurRad="9525" dist="25400" dir="14640000" algn="tl" rotWithShape="0">
-              <a:schemeClr val="bg1">
-                <a:alpha val="30000"/>
-              </a:schemeClr>
-            </a:outerShdw>
-          </a:effectLst>
+          <a:effectLst/>
           <a:latin typeface="+mn-lt"/>
           <a:ea typeface="+mn-ea"/>
           <a:cs typeface="+mn-cs"/>
         </a:defRPr>
       </a:lvl2pPr>
-      <a:lvl3pPr marL="1026000" indent="-216000" algn="l" defTabSz="457200" rtl="0" eaLnBrk="1" latinLnBrk="0" hangingPunct="1">
+      <a:lvl3pPr marL="1200150" indent="-285750" algn="l" defTabSz="457200" rtl="0" eaLnBrk="1" latinLnBrk="0" hangingPunct="1">
         <a:spcBef>
           <a:spcPct val="20000"/>
         </a:spcBef>
@@ -5969,37 +6323,24 @@
           <a:spcPts val="600"/>
         </a:spcAft>
         <a:buClr>
-          <a:schemeClr val="tx2"/>
+          <a:schemeClr val="accent1">
+            <a:lumMod val="75000"/>
+          </a:schemeClr>
         </a:buClr>
-        <a:buSzPct val="70000"/>
-        <a:buFont typeface="Wingdings 2" charset="2"/>
-        <a:buChar char=""/>
-        <a:defRPr kumimoji="1" sz="1600" kern="1200">
-          <a:ln>
-            <a:solidFill>
-              <a:schemeClr val="bg1">
-                <a:lumMod val="75000"/>
-                <a:lumOff val="25000"/>
-                <a:alpha val="10000"/>
-              </a:schemeClr>
-            </a:solidFill>
-          </a:ln>
+        <a:buSzPct val="145000"/>
+        <a:buFont typeface="Arial"/>
+        <a:buChar char="•"/>
+        <a:defRPr kumimoji="1" sz="1800" kern="1200" cap="none">
           <a:solidFill>
-            <a:schemeClr val="tx2"/>
+            <a:schemeClr val="tx1"/>
           </a:solidFill>
-          <a:effectLst>
-            <a:outerShdw blurRad="9525" dist="25400" dir="14640000" algn="tl" rotWithShape="0">
-              <a:schemeClr val="bg1">
-                <a:alpha val="30000"/>
-              </a:schemeClr>
-            </a:outerShdw>
-          </a:effectLst>
+          <a:effectLst/>
           <a:latin typeface="+mn-lt"/>
           <a:ea typeface="+mn-ea"/>
           <a:cs typeface="+mn-cs"/>
         </a:defRPr>
       </a:lvl3pPr>
-      <a:lvl4pPr marL="1386000" indent="-216000" algn="l" defTabSz="457200" rtl="0" eaLnBrk="1" latinLnBrk="0" hangingPunct="1">
+      <a:lvl4pPr marL="1543050" indent="-171450" algn="l" defTabSz="457200" rtl="0" eaLnBrk="1" latinLnBrk="0" hangingPunct="1">
         <a:spcBef>
           <a:spcPct val="20000"/>
         </a:spcBef>
@@ -6007,37 +6348,24 @@
           <a:spcPts val="600"/>
         </a:spcAft>
         <a:buClr>
-          <a:schemeClr val="tx2"/>
+          <a:schemeClr val="accent1">
+            <a:lumMod val="75000"/>
+          </a:schemeClr>
         </a:buClr>
-        <a:buSzPct val="70000"/>
-        <a:buFont typeface="Wingdings 2" charset="2"/>
-        <a:buChar char=""/>
-        <a:defRPr kumimoji="1" sz="1400" kern="1200">
-          <a:ln>
-            <a:solidFill>
-              <a:schemeClr val="bg1">
-                <a:lumMod val="75000"/>
-                <a:lumOff val="25000"/>
-                <a:alpha val="10000"/>
-              </a:schemeClr>
-            </a:solidFill>
-          </a:ln>
+        <a:buSzPct val="145000"/>
+        <a:buFont typeface="Arial"/>
+        <a:buChar char="•"/>
+        <a:defRPr kumimoji="1" sz="1600" kern="1200" cap="none">
           <a:solidFill>
-            <a:schemeClr val="tx2"/>
+            <a:schemeClr val="tx1"/>
           </a:solidFill>
-          <a:effectLst>
-            <a:outerShdw blurRad="9525" dist="25400" dir="14640000" algn="tl" rotWithShape="0">
-              <a:schemeClr val="bg1">
-                <a:alpha val="30000"/>
-              </a:schemeClr>
-            </a:outerShdw>
-          </a:effectLst>
+          <a:effectLst/>
           <a:latin typeface="+mn-lt"/>
           <a:ea typeface="+mn-ea"/>
           <a:cs typeface="+mn-cs"/>
         </a:defRPr>
       </a:lvl4pPr>
-      <a:lvl5pPr marL="1674000" indent="-216000" algn="l" defTabSz="457200" rtl="0" eaLnBrk="1" latinLnBrk="0" hangingPunct="1">
+      <a:lvl5pPr marL="2000250" indent="-171450" algn="l" defTabSz="457200" rtl="0" eaLnBrk="1" latinLnBrk="0" hangingPunct="1">
         <a:spcBef>
           <a:spcPct val="20000"/>
         </a:spcBef>
@@ -6045,37 +6373,24 @@
           <a:spcPts val="600"/>
         </a:spcAft>
         <a:buClr>
-          <a:schemeClr val="tx2"/>
+          <a:schemeClr val="accent1">
+            <a:lumMod val="75000"/>
+          </a:schemeClr>
         </a:buClr>
-        <a:buSzPct val="70000"/>
-        <a:buFont typeface="Wingdings 2" charset="2"/>
-        <a:buChar char=""/>
-        <a:defRPr kumimoji="1" sz="1400" kern="1200">
-          <a:ln>
-            <a:solidFill>
-              <a:schemeClr val="bg1">
-                <a:lumMod val="75000"/>
-                <a:lumOff val="25000"/>
-                <a:alpha val="10000"/>
-              </a:schemeClr>
-            </a:solidFill>
-          </a:ln>
+        <a:buSzPct val="145000"/>
+        <a:buFont typeface="Arial"/>
+        <a:buChar char="•"/>
+        <a:defRPr kumimoji="1" sz="1400" kern="1200" cap="none">
           <a:solidFill>
-            <a:schemeClr val="tx2"/>
+            <a:schemeClr val="tx1"/>
           </a:solidFill>
-          <a:effectLst>
-            <a:outerShdw blurRad="9525" dist="25400" dir="14640000" algn="tl" rotWithShape="0">
-              <a:schemeClr val="bg1">
-                <a:alpha val="30000"/>
-              </a:schemeClr>
-            </a:outerShdw>
-          </a:effectLst>
+          <a:effectLst/>
           <a:latin typeface="+mn-lt"/>
           <a:ea typeface="+mn-ea"/>
           <a:cs typeface="+mn-cs"/>
         </a:defRPr>
       </a:lvl5pPr>
-      <a:lvl6pPr marL="2014600" indent="-228600" algn="l" defTabSz="457200" rtl="0" eaLnBrk="1" latinLnBrk="0" hangingPunct="1">
+      <a:lvl6pPr marL="2514600" indent="-228600" algn="l" defTabSz="457200" rtl="0" eaLnBrk="1" latinLnBrk="0" hangingPunct="1">
         <a:spcBef>
           <a:spcPct val="20000"/>
         </a:spcBef>
@@ -6083,37 +6398,24 @@
           <a:spcPts val="600"/>
         </a:spcAft>
         <a:buClr>
-          <a:schemeClr val="tx2"/>
+          <a:schemeClr val="accent1">
+            <a:lumMod val="75000"/>
+          </a:schemeClr>
         </a:buClr>
-        <a:buSzPct val="70000"/>
-        <a:buFont typeface="Wingdings 2" charset="2"/>
-        <a:buChar char=""/>
-        <a:defRPr kumimoji="1" sz="1400" kern="1200">
-          <a:ln>
-            <a:solidFill>
-              <a:schemeClr val="bg1">
-                <a:lumMod val="75000"/>
-                <a:lumOff val="25000"/>
-                <a:alpha val="10000"/>
-              </a:schemeClr>
-            </a:solidFill>
-          </a:ln>
+        <a:buSzPct val="145000"/>
+        <a:buFont typeface="Arial"/>
+        <a:buChar char="•"/>
+        <a:defRPr kumimoji="1" sz="1400" kern="1200" cap="none">
           <a:solidFill>
-            <a:schemeClr val="tx2"/>
+            <a:schemeClr val="tx1"/>
           </a:solidFill>
-          <a:effectLst>
-            <a:outerShdw blurRad="9525" dist="25400" dir="14640000" algn="tl" rotWithShape="0">
-              <a:schemeClr val="bg1">
-                <a:alpha val="30000"/>
-              </a:schemeClr>
-            </a:outerShdw>
-          </a:effectLst>
+          <a:effectLst/>
           <a:latin typeface="+mn-lt"/>
           <a:ea typeface="+mn-ea"/>
           <a:cs typeface="+mn-cs"/>
         </a:defRPr>
       </a:lvl6pPr>
-      <a:lvl7pPr marL="2401800" indent="-228600" algn="l" defTabSz="457200" rtl="0" eaLnBrk="1" latinLnBrk="0" hangingPunct="1">
+      <a:lvl7pPr marL="2971800" indent="-228600" algn="l" defTabSz="457200" rtl="0" eaLnBrk="1" latinLnBrk="0" hangingPunct="1">
         <a:spcBef>
           <a:spcPct val="20000"/>
         </a:spcBef>
@@ -6121,37 +6423,24 @@
           <a:spcPts val="600"/>
         </a:spcAft>
         <a:buClr>
-          <a:schemeClr val="tx2"/>
+          <a:schemeClr val="accent1">
+            <a:lumMod val="75000"/>
+          </a:schemeClr>
         </a:buClr>
-        <a:buSzPct val="70000"/>
-        <a:buFont typeface="Wingdings 2" charset="2"/>
-        <a:buChar char=""/>
-        <a:defRPr kumimoji="1" sz="1400" kern="1200">
-          <a:ln>
-            <a:solidFill>
-              <a:schemeClr val="bg1">
-                <a:lumMod val="75000"/>
-                <a:lumOff val="25000"/>
-                <a:alpha val="10000"/>
-              </a:schemeClr>
-            </a:solidFill>
-          </a:ln>
+        <a:buSzPct val="145000"/>
+        <a:buFont typeface="Arial"/>
+        <a:buChar char="•"/>
+        <a:defRPr kumimoji="1" sz="1400" kern="1200" cap="none">
           <a:solidFill>
-            <a:schemeClr val="tx2"/>
+            <a:schemeClr val="tx1"/>
           </a:solidFill>
-          <a:effectLst>
-            <a:outerShdw blurRad="9525" dist="25400" dir="14640000" algn="tl" rotWithShape="0">
-              <a:schemeClr val="bg1">
-                <a:alpha val="30000"/>
-              </a:schemeClr>
-            </a:outerShdw>
-          </a:effectLst>
+          <a:effectLst/>
           <a:latin typeface="+mn-lt"/>
           <a:ea typeface="+mn-ea"/>
           <a:cs typeface="+mn-cs"/>
         </a:defRPr>
       </a:lvl7pPr>
-      <a:lvl8pPr marL="2789000" indent="-228600" algn="l" defTabSz="457200" rtl="0" eaLnBrk="1" latinLnBrk="0" hangingPunct="1">
+      <a:lvl8pPr marL="3429000" indent="-228600" algn="l" defTabSz="457200" rtl="0" eaLnBrk="1" latinLnBrk="0" hangingPunct="1">
         <a:spcBef>
           <a:spcPct val="20000"/>
         </a:spcBef>
@@ -6159,37 +6448,24 @@
           <a:spcPts val="600"/>
         </a:spcAft>
         <a:buClr>
-          <a:schemeClr val="tx2"/>
+          <a:schemeClr val="accent1">
+            <a:lumMod val="75000"/>
+          </a:schemeClr>
         </a:buClr>
-        <a:buSzPct val="70000"/>
-        <a:buFont typeface="Wingdings 2" charset="2"/>
-        <a:buChar char=""/>
-        <a:defRPr kumimoji="1" sz="1400" kern="1200">
-          <a:ln>
-            <a:solidFill>
-              <a:schemeClr val="bg1">
-                <a:lumMod val="75000"/>
-                <a:lumOff val="25000"/>
-                <a:alpha val="10000"/>
-              </a:schemeClr>
-            </a:solidFill>
-          </a:ln>
+        <a:buSzPct val="145000"/>
+        <a:buFont typeface="Arial"/>
+        <a:buChar char="•"/>
+        <a:defRPr kumimoji="1" sz="1400" kern="1200" cap="none">
           <a:solidFill>
-            <a:schemeClr val="tx2"/>
+            <a:schemeClr val="tx1"/>
           </a:solidFill>
-          <a:effectLst>
-            <a:outerShdw blurRad="9525" dist="25400" dir="14640000" algn="tl" rotWithShape="0">
-              <a:schemeClr val="bg1">
-                <a:alpha val="30000"/>
-              </a:schemeClr>
-            </a:outerShdw>
-          </a:effectLst>
+          <a:effectLst/>
           <a:latin typeface="+mn-lt"/>
           <a:ea typeface="+mn-ea"/>
           <a:cs typeface="+mn-cs"/>
         </a:defRPr>
       </a:lvl8pPr>
-      <a:lvl9pPr marL="3106200" indent="-228600" algn="l" defTabSz="457200" rtl="0" eaLnBrk="1" latinLnBrk="0" hangingPunct="1">
+      <a:lvl9pPr marL="3886200" indent="-228600" algn="l" defTabSz="457200" rtl="0" eaLnBrk="1" latinLnBrk="0" hangingPunct="1">
         <a:spcBef>
           <a:spcPct val="20000"/>
         </a:spcBef>
@@ -6197,31 +6473,18 @@
           <a:spcPts val="600"/>
         </a:spcAft>
         <a:buClr>
-          <a:schemeClr val="tx2"/>
+          <a:schemeClr val="accent1">
+            <a:lumMod val="75000"/>
+          </a:schemeClr>
         </a:buClr>
-        <a:buSzPct val="70000"/>
-        <a:buFont typeface="Wingdings 2" charset="2"/>
-        <a:buChar char=""/>
-        <a:defRPr kumimoji="1" sz="1400" kern="1200">
-          <a:ln>
-            <a:solidFill>
-              <a:schemeClr val="bg1">
-                <a:lumMod val="75000"/>
-                <a:lumOff val="25000"/>
-                <a:alpha val="10000"/>
-              </a:schemeClr>
-            </a:solidFill>
-          </a:ln>
+        <a:buSzPct val="145000"/>
+        <a:buFont typeface="Arial"/>
+        <a:buChar char="•"/>
+        <a:defRPr kumimoji="1" sz="1400" kern="1200" cap="none">
           <a:solidFill>
-            <a:schemeClr val="tx2"/>
+            <a:schemeClr val="tx1"/>
           </a:solidFill>
-          <a:effectLst>
-            <a:outerShdw blurRad="9525" dist="25400" dir="14640000" algn="tl" rotWithShape="0">
-              <a:schemeClr val="bg1">
-                <a:alpha val="30000"/>
-              </a:schemeClr>
-            </a:outerShdw>
-          </a:effectLst>
+          <a:effectLst/>
           <a:latin typeface="+mn-lt"/>
           <a:ea typeface="+mn-ea"/>
           <a:cs typeface="+mn-cs"/>
@@ -6330,6 +6593,16 @@
 <file path=ppt/slides/slide1.xml><?xml version="1.0" encoding="utf-8"?>
 <p:sld xmlns:a="http://schemas.openxmlformats.org/drawingml/2006/main" xmlns:r="http://schemas.openxmlformats.org/officeDocument/2006/relationships" xmlns:p="http://schemas.openxmlformats.org/presentationml/2006/main">
   <p:cSld>
+    <p:bg>
+      <p:bgPr>
+        <a:solidFill>
+          <a:schemeClr val="tx1">
+            <a:lumMod val="95000"/>
+          </a:schemeClr>
+        </a:solidFill>
+        <a:effectLst/>
+      </p:bgPr>
+    </p:bg>
     <p:spTree>
       <p:nvGrpSpPr>
         <p:cNvPr id="1" name=""/>
@@ -6346,18 +6619,110 @@
       </p:grpSpPr>
       <p:sp>
         <p:nvSpPr>
-          <p:cNvPr id="2" name="タイトル 1"/>
-          <p:cNvSpPr>
-            <a:spLocks noGrp="1"/>
-          </p:cNvSpPr>
-          <p:nvPr>
-            <p:ph type="ctrTitle"/>
-          </p:nvPr>
+          <p:cNvPr id="5" name="正方形/長方形 4"/>
+          <p:cNvSpPr/>
+          <p:nvPr/>
         </p:nvSpPr>
         <p:spPr>
           <a:xfrm>
-            <a:off x="1246002" y="1721963"/>
-            <a:ext cx="9440034" cy="2567563"/>
+            <a:off x="0" y="0"/>
+            <a:ext cx="4234543" cy="5410200"/>
+          </a:xfrm>
+          <a:prstGeom prst="rect">
+            <a:avLst/>
+          </a:prstGeom>
+          <a:solidFill>
+            <a:schemeClr val="tx1"/>
+          </a:solidFill>
+          <a:ln>
+            <a:noFill/>
+          </a:ln>
+        </p:spPr>
+        <p:style>
+          <a:lnRef idx="2">
+            <a:schemeClr val="accent1">
+              <a:shade val="50000"/>
+            </a:schemeClr>
+          </a:lnRef>
+          <a:fillRef idx="1">
+            <a:schemeClr val="accent1"/>
+          </a:fillRef>
+          <a:effectRef idx="0">
+            <a:schemeClr val="accent1"/>
+          </a:effectRef>
+          <a:fontRef idx="minor">
+            <a:schemeClr val="lt1"/>
+          </a:fontRef>
+        </p:style>
+        <p:txBody>
+          <a:bodyPr rtlCol="0" anchor="ctr"/>
+          <a:lstStyle/>
+          <a:p>
+            <a:pPr algn="ctr"/>
+            <a:endParaRPr kumimoji="1" lang="ja-JP" altLang="en-US"/>
+          </a:p>
+        </p:txBody>
+      </p:sp>
+      <p:sp>
+        <p:nvSpPr>
+          <p:cNvPr id="4" name="正方形/長方形 3"/>
+          <p:cNvSpPr/>
+          <p:nvPr/>
+        </p:nvSpPr>
+        <p:spPr>
+          <a:xfrm>
+            <a:off x="0" y="3603172"/>
+            <a:ext cx="6618514" cy="3254828"/>
+          </a:xfrm>
+          <a:prstGeom prst="rect">
+            <a:avLst/>
+          </a:prstGeom>
+          <a:solidFill>
+            <a:schemeClr val="tx1"/>
+          </a:solidFill>
+          <a:ln>
+            <a:noFill/>
+          </a:ln>
+        </p:spPr>
+        <p:style>
+          <a:lnRef idx="2">
+            <a:schemeClr val="accent1">
+              <a:shade val="50000"/>
+            </a:schemeClr>
+          </a:lnRef>
+          <a:fillRef idx="1">
+            <a:schemeClr val="accent1"/>
+          </a:fillRef>
+          <a:effectRef idx="0">
+            <a:schemeClr val="accent1"/>
+          </a:effectRef>
+          <a:fontRef idx="minor">
+            <a:schemeClr val="lt1"/>
+          </a:fontRef>
+        </p:style>
+        <p:txBody>
+          <a:bodyPr rtlCol="0" anchor="ctr"/>
+          <a:lstStyle/>
+          <a:p>
+            <a:pPr algn="ctr"/>
+            <a:endParaRPr kumimoji="1" lang="ja-JP" altLang="en-US"/>
+          </a:p>
+        </p:txBody>
+      </p:sp>
+      <p:sp>
+        <p:nvSpPr>
+          <p:cNvPr id="2" name="タイトル 1"/>
+          <p:cNvSpPr>
+            <a:spLocks noGrp="1"/>
+          </p:cNvSpPr>
+          <p:nvPr>
+            <p:ph type="ctrTitle"/>
+          </p:nvPr>
+        </p:nvSpPr>
+        <p:spPr>
+          <a:xfrm>
+            <a:off x="2721428" y="1792770"/>
+            <a:ext cx="6418835" cy="2567563"/>
           </a:xfrm>
           <a:ln w="66675" cmpd="dbl">
             <a:noFill/>
@@ -6372,7 +6737,7 @@
             <a:r>
               <a:rPr kumimoji="1" lang="en-US" altLang="ja-JP" sz="21500" dirty="0" smtClean="0">
                 <a:solidFill>
-                  <a:schemeClr val="tx1"/>
+                  <a:schemeClr val="bg1"/>
                 </a:solidFill>
                 <a:latin typeface="Agency FB" panose="020B0503020202020204" pitchFamily="34" charset="0"/>
                 <a:cs typeface="Courier New" panose="02070309020205020404" pitchFamily="49" charset="0"/>
@@ -6395,7 +6760,7 @@
             <a:r>
               <a:rPr lang="en-US" altLang="ja-JP" sz="21500" dirty="0">
                 <a:solidFill>
-                  <a:schemeClr val="tx1"/>
+                  <a:schemeClr val="bg1"/>
                 </a:solidFill>
                 <a:latin typeface="Agency FB" panose="020B0503020202020204" pitchFamily="34" charset="0"/>
                 <a:cs typeface="Courier New" panose="02070309020205020404" pitchFamily="49" charset="0"/>
@@ -6405,7 +6770,7 @@
             <a:r>
               <a:rPr kumimoji="1" lang="en-US" altLang="ja-JP" sz="21500" dirty="0" smtClean="0">
                 <a:solidFill>
-                  <a:schemeClr val="tx1"/>
+                  <a:schemeClr val="bg1"/>
                 </a:solidFill>
                 <a:latin typeface="Agency FB" panose="020B0503020202020204" pitchFamily="34" charset="0"/>
                 <a:cs typeface="Courier New" panose="02070309020205020404" pitchFamily="49" charset="0"/>
@@ -6414,7 +6779,7 @@
             </a:r>
             <a:endParaRPr kumimoji="1" lang="ja-JP" altLang="en-US" sz="11500" dirty="0">
               <a:solidFill>
-                <a:schemeClr val="tx1"/>
+                <a:schemeClr val="bg1"/>
               </a:solidFill>
               <a:latin typeface="Agency FB" panose="020B0503020202020204" pitchFamily="34" charset="0"/>
               <a:cs typeface="Courier New" panose="02070309020205020404" pitchFamily="49" charset="0"/>
@@ -6446,6 +6811,9 @@
           <a:p>
             <a:r>
               <a:rPr kumimoji="1" lang="en-US" altLang="ja-JP" sz="4800" dirty="0" smtClean="0">
+                <a:solidFill>
+                  <a:schemeClr val="bg1"/>
+                </a:solidFill>
                 <a:latin typeface="Arial" panose="020B0604020202020204" pitchFamily="34" charset="0"/>
                 <a:cs typeface="Arial" panose="020B0604020202020204" pitchFamily="34" charset="0"/>
               </a:rPr>
@@ -6453,6 +6821,9 @@
             </a:r>
             <a:r>
               <a:rPr kumimoji="1" lang="en-US" altLang="ja-JP" sz="2800" dirty="0" smtClean="0">
+                <a:solidFill>
+                  <a:schemeClr val="bg1"/>
+                </a:solidFill>
                 <a:latin typeface="Arial" panose="020B0604020202020204" pitchFamily="34" charset="0"/>
                 <a:cs typeface="Arial" panose="020B0604020202020204" pitchFamily="34" charset="0"/>
               </a:rPr>
@@ -6460,6 +6831,9 @@
             </a:r>
             <a:r>
               <a:rPr kumimoji="1" lang="en-US" altLang="ja-JP" sz="4800" dirty="0" smtClean="0">
+                <a:solidFill>
+                  <a:schemeClr val="bg1"/>
+                </a:solidFill>
                 <a:latin typeface="Arial" panose="020B0604020202020204" pitchFamily="34" charset="0"/>
                 <a:cs typeface="Arial" panose="020B0604020202020204" pitchFamily="34" charset="0"/>
               </a:rPr>
@@ -6467,6 +6841,9 @@
             </a:r>
             <a:r>
               <a:rPr kumimoji="1" lang="en-US" altLang="ja-JP" sz="2800" dirty="0" smtClean="0">
+                <a:solidFill>
+                  <a:schemeClr val="bg1"/>
+                </a:solidFill>
                 <a:latin typeface="Arial" panose="020B0604020202020204" pitchFamily="34" charset="0"/>
                 <a:cs typeface="Arial" panose="020B0604020202020204" pitchFamily="34" charset="0"/>
               </a:rPr>
@@ -6491,6 +6868,9 @@
             </a:r>
             <a:r>
               <a:rPr kumimoji="1" lang="en-US" altLang="ja-JP" sz="2800" dirty="0" smtClean="0">
+                <a:solidFill>
+                  <a:schemeClr val="bg1"/>
+                </a:solidFill>
                 <a:latin typeface="Arial" panose="020B0604020202020204" pitchFamily="34" charset="0"/>
                 <a:cs typeface="Arial" panose="020B0604020202020204" pitchFamily="34" charset="0"/>
               </a:rPr>
@@ -6498,6 +6878,9 @@
             </a:r>
             <a:r>
               <a:rPr kumimoji="1" lang="en-US" altLang="ja-JP" sz="4400" dirty="0" smtClean="0">
+                <a:solidFill>
+                  <a:schemeClr val="bg1"/>
+                </a:solidFill>
                 <a:latin typeface="Arial" panose="020B0604020202020204" pitchFamily="34" charset="0"/>
                 <a:cs typeface="Arial" panose="020B0604020202020204" pitchFamily="34" charset="0"/>
               </a:rPr>
@@ -6505,6 +6888,9 @@
             </a:r>
             <a:r>
               <a:rPr kumimoji="1" lang="en-US" altLang="ja-JP" sz="2800" dirty="0" smtClean="0">
+                <a:solidFill>
+                  <a:schemeClr val="bg1"/>
+                </a:solidFill>
                 <a:latin typeface="Arial" panose="020B0604020202020204" pitchFamily="34" charset="0"/>
                 <a:cs typeface="Arial" panose="020B0604020202020204" pitchFamily="34" charset="0"/>
               </a:rPr>
@@ -6512,6 +6898,9 @@
             </a:r>
             <a:r>
               <a:rPr kumimoji="1" lang="en-US" altLang="ja-JP" sz="4400" dirty="0" smtClean="0">
+                <a:solidFill>
+                  <a:schemeClr val="bg1"/>
+                </a:solidFill>
                 <a:latin typeface="Arial" panose="020B0604020202020204" pitchFamily="34" charset="0"/>
                 <a:cs typeface="Arial" panose="020B0604020202020204" pitchFamily="34" charset="0"/>
               </a:rPr>
@@ -6519,6 +6908,9 @@
             </a:r>
             <a:r>
               <a:rPr kumimoji="1" lang="en-US" altLang="ja-JP" sz="2800" dirty="0" smtClean="0">
+                <a:solidFill>
+                  <a:schemeClr val="bg1"/>
+                </a:solidFill>
                 <a:latin typeface="Arial" panose="020B0604020202020204" pitchFamily="34" charset="0"/>
                 <a:cs typeface="Arial" panose="020B0604020202020204" pitchFamily="34" charset="0"/>
               </a:rPr>
@@ -6526,6 +6918,9 @@
             </a:r>
             <a:r>
               <a:rPr kumimoji="1" lang="en-US" altLang="ja-JP" sz="4800" dirty="0" smtClean="0">
+                <a:solidFill>
+                  <a:schemeClr val="bg1"/>
+                </a:solidFill>
                 <a:latin typeface="Arial" panose="020B0604020202020204" pitchFamily="34" charset="0"/>
                 <a:cs typeface="Arial" panose="020B0604020202020204" pitchFamily="34" charset="0"/>
               </a:rPr>
@@ -6533,12 +6928,18 @@
             </a:r>
             <a:r>
               <a:rPr kumimoji="1" lang="en-US" altLang="ja-JP" sz="2800" dirty="0" smtClean="0">
+                <a:solidFill>
+                  <a:schemeClr val="bg1"/>
+                </a:solidFill>
                 <a:latin typeface="Arial" panose="020B0604020202020204" pitchFamily="34" charset="0"/>
                 <a:cs typeface="Arial" panose="020B0604020202020204" pitchFamily="34" charset="0"/>
               </a:rPr>
               <a:t>echnology</a:t>
             </a:r>
             <a:endParaRPr kumimoji="1" lang="ja-JP" altLang="en-US" sz="2800" dirty="0">
+              <a:solidFill>
+                <a:schemeClr val="bg1"/>
+              </a:solidFill>
               <a:latin typeface="Arial" panose="020B0604020202020204" pitchFamily="34" charset="0"/>
               <a:cs typeface="Arial" panose="020B0604020202020204" pitchFamily="34" charset="0"/>
             </a:endParaRPr>
@@ -6592,12 +6993,36 @@
             <p:ph type="title"/>
           </p:nvPr>
         </p:nvSpPr>
-        <p:spPr/>
-        <p:txBody>
-          <a:bodyPr/>
+        <p:spPr>
+          <a:xfrm>
+            <a:off x="-419820" y="0"/>
+            <a:ext cx="10041147" cy="1752599"/>
+          </a:xfrm>
+        </p:spPr>
+        <p:txBody>
+          <a:bodyPr>
+            <a:normAutofit/>
+          </a:bodyPr>
           <a:lstStyle/>
           <a:p>
-            <a:endParaRPr kumimoji="1" lang="ja-JP" altLang="en-US"/>
+            <a:r>
+              <a:rPr kumimoji="1" lang="en-US" altLang="ja-JP" sz="8000" b="1" dirty="0" smtClean="0">
+                <a:latin typeface="Segoe UI" panose="020B0502040204020203" pitchFamily="34" charset="0"/>
+                <a:cs typeface="Segoe UI" panose="020B0502040204020203" pitchFamily="34" charset="0"/>
+              </a:rPr>
+              <a:t>CIR-KIT</a:t>
+            </a:r>
+            <a:r>
+              <a:rPr kumimoji="1" lang="ja-JP" altLang="en-US" sz="6000" b="1" dirty="0" smtClean="0">
+                <a:latin typeface="メイリオ" panose="020B0604030504040204" pitchFamily="50" charset="-128"/>
+                <a:ea typeface="メイリオ" panose="020B0604030504040204" pitchFamily="50" charset="-128"/>
+              </a:rPr>
+              <a:t>とは</a:t>
+            </a:r>
+            <a:endParaRPr kumimoji="1" lang="ja-JP" altLang="en-US" sz="6000" b="1" dirty="0">
+              <a:latin typeface="メイリオ" panose="020B0604030504040204" pitchFamily="50" charset="-128"/>
+              <a:ea typeface="メイリオ" panose="020B0604030504040204" pitchFamily="50" charset="-128"/>
+            </a:endParaRPr>
           </a:p>
         </p:txBody>
       </p:sp>
@@ -6611,19 +7036,752 @@
             <p:ph idx="1"/>
           </p:nvPr>
         </p:nvSpPr>
-        <p:spPr/>
-        <p:txBody>
-          <a:bodyPr/>
+        <p:spPr>
+          <a:xfrm>
+            <a:off x="3203902" y="1480454"/>
+            <a:ext cx="8759241" cy="1338349"/>
+          </a:xfrm>
+        </p:spPr>
+        <p:txBody>
+          <a:bodyPr>
+            <a:normAutofit fontScale="25000" lnSpcReduction="20000"/>
+          </a:bodyPr>
           <a:lstStyle/>
           <a:p>
-            <a:endParaRPr kumimoji="1" lang="ja-JP" altLang="en-US"/>
+            <a:pPr marL="0" indent="0">
+              <a:buNone/>
+            </a:pPr>
+            <a:r>
+              <a:rPr lang="ja-JP" altLang="en-US" sz="17600" b="1" dirty="0" smtClean="0">
+                <a:latin typeface="メイリオ" panose="020B0604030504040204" pitchFamily="50" charset="-128"/>
+                <a:ea typeface="メイリオ" panose="020B0604030504040204" pitchFamily="50" charset="-128"/>
+              </a:rPr>
+              <a:t>ロボット</a:t>
+            </a:r>
+            <a:r>
+              <a:rPr lang="ja-JP" altLang="en-US" sz="17600" dirty="0" smtClean="0">
+                <a:latin typeface="メイリオ" panose="020B0604030504040204" pitchFamily="50" charset="-128"/>
+                <a:ea typeface="メイリオ" panose="020B0604030504040204" pitchFamily="50" charset="-128"/>
+              </a:rPr>
+              <a:t>の開発をしている団体</a:t>
+            </a:r>
+            <a:endParaRPr lang="en-US" altLang="ja-JP" sz="17600" dirty="0" smtClean="0">
+              <a:latin typeface="メイリオ" panose="020B0604030504040204" pitchFamily="50" charset="-128"/>
+              <a:ea typeface="メイリオ" panose="020B0604030504040204" pitchFamily="50" charset="-128"/>
+            </a:endParaRPr>
+          </a:p>
+          <a:p>
+            <a:pPr>
+              <a:buFont typeface="Wingdings" panose="05000000000000000000" pitchFamily="2" charset="2"/>
+              <a:buChar char="Ø"/>
+            </a:pPr>
+            <a:endParaRPr kumimoji="1" lang="ja-JP" altLang="en-US" dirty="0"/>
+          </a:p>
+        </p:txBody>
+      </p:sp>
+      <p:sp>
+        <p:nvSpPr>
+          <p:cNvPr id="5" name="テキスト ボックス 4"/>
+          <p:cNvSpPr txBox="1"/>
+          <p:nvPr/>
+        </p:nvSpPr>
+        <p:spPr>
+          <a:xfrm>
+            <a:off x="2909988" y="3025632"/>
+            <a:ext cx="7181069" cy="2185214"/>
+          </a:xfrm>
+          <a:prstGeom prst="rect">
+            <a:avLst/>
+          </a:prstGeom>
+          <a:noFill/>
+        </p:spPr>
+        <p:txBody>
+          <a:bodyPr wrap="square" rtlCol="0">
+            <a:spAutoFit/>
+          </a:bodyPr>
+          <a:lstStyle/>
+          <a:p>
+            <a:r>
+              <a:rPr kumimoji="1" lang="ja-JP" altLang="en-US" sz="4400" dirty="0" smtClean="0"/>
+              <a:t>活動日時：個人の</a:t>
+            </a:r>
+            <a:r>
+              <a:rPr kumimoji="1" lang="ja-JP" altLang="en-US" sz="4800" b="1" dirty="0" smtClean="0">
+                <a:solidFill>
+                  <a:srgbClr val="C00000"/>
+                </a:solidFill>
+              </a:rPr>
+              <a:t>自由</a:t>
+            </a:r>
+            <a:r>
+              <a:rPr kumimoji="1" lang="ja-JP" altLang="en-US" sz="4400" dirty="0" smtClean="0"/>
+              <a:t>！</a:t>
+            </a:r>
+            <a:endParaRPr kumimoji="1" lang="en-US" altLang="ja-JP" sz="4400" dirty="0" smtClean="0"/>
+          </a:p>
+          <a:p>
+            <a:r>
+              <a:rPr kumimoji="1" lang="ja-JP" altLang="en-US" sz="4400" dirty="0" smtClean="0"/>
+              <a:t>メンバー：学部生が中心</a:t>
+            </a:r>
+            <a:endParaRPr kumimoji="1" lang="en-US" altLang="ja-JP" sz="4400" dirty="0" smtClean="0"/>
+          </a:p>
+          <a:p>
+            <a:r>
+              <a:rPr kumimoji="1" lang="ja-JP" altLang="en-US" sz="4400" dirty="0" smtClean="0"/>
+              <a:t>　場所　：ものつくり工房</a:t>
+            </a:r>
+            <a:endParaRPr kumimoji="1" lang="ja-JP" altLang="en-US" sz="4400" dirty="0"/>
           </a:p>
         </p:txBody>
       </p:sp>
     </p:spTree>
     <p:extLst>
       <p:ext uri="{BB962C8B-B14F-4D97-AF65-F5344CB8AC3E}">
-        <p14:creationId xmlns:p14="http://schemas.microsoft.com/office/powerpoint/2010/main" val="681817003"/>
+        <p14:creationId xmlns:p14="http://schemas.microsoft.com/office/powerpoint/2010/main" val="4188703932"/>
+      </p:ext>
+    </p:extLst>
+  </p:cSld>
+  <p:clrMapOvr>
+    <a:masterClrMapping/>
+  </p:clrMapOvr>
+  <p:timing>
+    <p:tnLst>
+      <p:par>
+        <p:cTn id="1" dur="indefinite" restart="never" nodeType="tmRoot"/>
+      </p:par>
+    </p:tnLst>
+  </p:timing>
+</p:sld>
+</file>
+
+<file path=ppt/slides/slide3.xml><?xml version="1.0" encoding="utf-8"?>
+<p:sld xmlns:a="http://schemas.openxmlformats.org/drawingml/2006/main" xmlns:r="http://schemas.openxmlformats.org/officeDocument/2006/relationships" xmlns:p="http://schemas.openxmlformats.org/presentationml/2006/main">
+  <p:cSld>
+    <p:spTree>
+      <p:nvGrpSpPr>
+        <p:cNvPr id="1" name=""/>
+        <p:cNvGrpSpPr/>
+        <p:nvPr/>
+      </p:nvGrpSpPr>
+      <p:grpSpPr>
+        <a:xfrm>
+          <a:off x="0" y="0"/>
+          <a:ext cx="0" cy="0"/>
+          <a:chOff x="0" y="0"/>
+          <a:chExt cx="0" cy="0"/>
+        </a:xfrm>
+      </p:grpSpPr>
+      <p:sp>
+        <p:nvSpPr>
+          <p:cNvPr id="2" name="タイトル 1"/>
+          <p:cNvSpPr>
+            <a:spLocks noGrp="1"/>
+          </p:cNvSpPr>
+          <p:nvPr>
+            <p:ph type="title"/>
+          </p:nvPr>
+        </p:nvSpPr>
+        <p:spPr>
+          <a:xfrm>
+            <a:off x="0" y="217714"/>
+            <a:ext cx="10018713" cy="1752599"/>
+          </a:xfrm>
+        </p:spPr>
+        <p:txBody>
+          <a:bodyPr>
+            <a:normAutofit/>
+          </a:bodyPr>
+          <a:lstStyle/>
+          <a:p>
+            <a:r>
+              <a:rPr kumimoji="1" lang="ja-JP" altLang="en-US" sz="6600" b="1" dirty="0" smtClean="0">
+                <a:latin typeface="メイリオ" panose="020B0604030504040204" pitchFamily="50" charset="-128"/>
+                <a:ea typeface="メイリオ" panose="020B0604030504040204" pitchFamily="50" charset="-128"/>
+              </a:rPr>
+              <a:t>普段</a:t>
+            </a:r>
+            <a:r>
+              <a:rPr kumimoji="1" lang="ja-JP" altLang="en-US" sz="6600" dirty="0" smtClean="0">
+                <a:latin typeface="メイリオ" panose="020B0604030504040204" pitchFamily="50" charset="-128"/>
+                <a:ea typeface="メイリオ" panose="020B0604030504040204" pitchFamily="50" charset="-128"/>
+              </a:rPr>
+              <a:t>の活動内容</a:t>
+            </a:r>
+            <a:endParaRPr kumimoji="1" lang="ja-JP" altLang="en-US" sz="6600" dirty="0">
+              <a:latin typeface="メイリオ" panose="020B0604030504040204" pitchFamily="50" charset="-128"/>
+              <a:ea typeface="メイリオ" panose="020B0604030504040204" pitchFamily="50" charset="-128"/>
+            </a:endParaRPr>
+          </a:p>
+        </p:txBody>
+      </p:sp>
+      <p:sp>
+        <p:nvSpPr>
+          <p:cNvPr id="3" name="コンテンツ プレースホルダー 2"/>
+          <p:cNvSpPr>
+            <a:spLocks noGrp="1"/>
+          </p:cNvSpPr>
+          <p:nvPr>
+            <p:ph idx="1"/>
+          </p:nvPr>
+        </p:nvSpPr>
+        <p:spPr>
+          <a:xfrm>
+            <a:off x="2717573" y="2340427"/>
+            <a:ext cx="10018713" cy="3124201"/>
+          </a:xfrm>
+        </p:spPr>
+        <p:txBody>
+          <a:bodyPr>
+            <a:noAutofit/>
+          </a:bodyPr>
+          <a:lstStyle/>
+          <a:p>
+            <a:r>
+              <a:rPr kumimoji="1" lang="ja-JP" altLang="en-US" sz="4000" dirty="0" smtClean="0">
+                <a:latin typeface="メイリオ" panose="020B0604030504040204" pitchFamily="50" charset="-128"/>
+                <a:ea typeface="メイリオ" panose="020B0604030504040204" pitchFamily="50" charset="-128"/>
+              </a:rPr>
+              <a:t>正規のプロジェクト開発</a:t>
+            </a:r>
+            <a:endParaRPr kumimoji="1" lang="en-US" altLang="ja-JP" sz="4000" dirty="0" smtClean="0">
+              <a:latin typeface="メイリオ" panose="020B0604030504040204" pitchFamily="50" charset="-128"/>
+              <a:ea typeface="メイリオ" panose="020B0604030504040204" pitchFamily="50" charset="-128"/>
+            </a:endParaRPr>
+          </a:p>
+          <a:p>
+            <a:r>
+              <a:rPr kumimoji="1" lang="ja-JP" altLang="en-US" sz="4000" dirty="0" smtClean="0">
+                <a:latin typeface="メイリオ" panose="020B0604030504040204" pitchFamily="50" charset="-128"/>
+                <a:ea typeface="メイリオ" panose="020B0604030504040204" pitchFamily="50" charset="-128"/>
+              </a:rPr>
+              <a:t>各個人の自由課題</a:t>
+            </a:r>
+            <a:endParaRPr kumimoji="1" lang="en-US" altLang="ja-JP" sz="4000" dirty="0" smtClean="0">
+              <a:latin typeface="メイリオ" panose="020B0604030504040204" pitchFamily="50" charset="-128"/>
+              <a:ea typeface="メイリオ" panose="020B0604030504040204" pitchFamily="50" charset="-128"/>
+            </a:endParaRPr>
+          </a:p>
+          <a:p>
+            <a:r>
+              <a:rPr kumimoji="1" lang="ja-JP" altLang="en-US" sz="4000" dirty="0" smtClean="0">
+                <a:latin typeface="メイリオ" panose="020B0604030504040204" pitchFamily="50" charset="-128"/>
+                <a:ea typeface="メイリオ" panose="020B0604030504040204" pitchFamily="50" charset="-128"/>
+              </a:rPr>
+              <a:t>新人教育</a:t>
+            </a:r>
+            <a:endParaRPr kumimoji="1" lang="ja-JP" altLang="en-US" sz="4000" dirty="0">
+              <a:latin typeface="メイリオ" panose="020B0604030504040204" pitchFamily="50" charset="-128"/>
+              <a:ea typeface="メイリオ" panose="020B0604030504040204" pitchFamily="50" charset="-128"/>
+            </a:endParaRPr>
+          </a:p>
+        </p:txBody>
+      </p:sp>
+    </p:spTree>
+    <p:extLst>
+      <p:ext uri="{BB962C8B-B14F-4D97-AF65-F5344CB8AC3E}">
+        <p14:creationId xmlns:p14="http://schemas.microsoft.com/office/powerpoint/2010/main" val="1858406821"/>
+      </p:ext>
+    </p:extLst>
+  </p:cSld>
+  <p:clrMapOvr>
+    <a:masterClrMapping/>
+  </p:clrMapOvr>
+  <p:timing>
+    <p:tnLst>
+      <p:par>
+        <p:cTn id="1" dur="indefinite" restart="never" nodeType="tmRoot"/>
+      </p:par>
+    </p:tnLst>
+  </p:timing>
+</p:sld>
+</file>
+
+<file path=ppt/slides/slide4.xml><?xml version="1.0" encoding="utf-8"?>
+<p:sld xmlns:a="http://schemas.openxmlformats.org/drawingml/2006/main" xmlns:r="http://schemas.openxmlformats.org/officeDocument/2006/relationships" xmlns:p="http://schemas.openxmlformats.org/presentationml/2006/main">
+  <p:cSld>
+    <p:spTree>
+      <p:nvGrpSpPr>
+        <p:cNvPr id="1" name=""/>
+        <p:cNvGrpSpPr/>
+        <p:nvPr/>
+      </p:nvGrpSpPr>
+      <p:grpSpPr>
+        <a:xfrm>
+          <a:off x="0" y="0"/>
+          <a:ext cx="0" cy="0"/>
+          <a:chOff x="0" y="0"/>
+          <a:chExt cx="0" cy="0"/>
+        </a:xfrm>
+      </p:grpSpPr>
+      <p:sp>
+        <p:nvSpPr>
+          <p:cNvPr id="2" name="タイトル 1"/>
+          <p:cNvSpPr>
+            <a:spLocks noGrp="1"/>
+          </p:cNvSpPr>
+          <p:nvPr>
+            <p:ph type="title"/>
+          </p:nvPr>
+        </p:nvSpPr>
+        <p:spPr>
+          <a:xfrm>
+            <a:off x="297768" y="0"/>
+            <a:ext cx="10018713" cy="1752599"/>
+          </a:xfrm>
+        </p:spPr>
+        <p:txBody>
+          <a:bodyPr>
+            <a:normAutofit/>
+          </a:bodyPr>
+          <a:lstStyle/>
+          <a:p>
+            <a:r>
+              <a:rPr kumimoji="1" lang="ja-JP" altLang="en-US" sz="6600" dirty="0" smtClean="0">
+                <a:latin typeface="メイリオ" panose="020B0604030504040204" pitchFamily="50" charset="-128"/>
+                <a:ea typeface="メイリオ" panose="020B0604030504040204" pitchFamily="50" charset="-128"/>
+              </a:rPr>
+              <a:t>昨年度の</a:t>
+            </a:r>
+            <a:r>
+              <a:rPr kumimoji="1" lang="ja-JP" altLang="en-US" sz="6600" b="1" dirty="0" smtClean="0">
+                <a:latin typeface="メイリオ" panose="020B0604030504040204" pitchFamily="50" charset="-128"/>
+                <a:ea typeface="メイリオ" panose="020B0604030504040204" pitchFamily="50" charset="-128"/>
+              </a:rPr>
+              <a:t>活動成果</a:t>
+            </a:r>
+            <a:endParaRPr kumimoji="1" lang="ja-JP" altLang="en-US" sz="6600" b="1" dirty="0">
+              <a:latin typeface="メイリオ" panose="020B0604030504040204" pitchFamily="50" charset="-128"/>
+              <a:ea typeface="メイリオ" panose="020B0604030504040204" pitchFamily="50" charset="-128"/>
+            </a:endParaRPr>
+          </a:p>
+        </p:txBody>
+      </p:sp>
+      <p:sp>
+        <p:nvSpPr>
+          <p:cNvPr id="3" name="コンテンツ プレースホルダー 2"/>
+          <p:cNvSpPr>
+            <a:spLocks noGrp="1"/>
+          </p:cNvSpPr>
+          <p:nvPr>
+            <p:ph idx="1"/>
+          </p:nvPr>
+        </p:nvSpPr>
+        <p:spPr/>
+        <p:txBody>
+          <a:bodyPr/>
+          <a:lstStyle/>
+          <a:p>
+            <a:r>
+              <a:rPr kumimoji="1" lang="ja-JP" altLang="en-US" dirty="0" smtClean="0"/>
+              <a:t>つくばチャレンジ</a:t>
+            </a:r>
+            <a:endParaRPr kumimoji="1" lang="ja-JP" altLang="en-US" dirty="0"/>
+          </a:p>
+        </p:txBody>
+      </p:sp>
+    </p:spTree>
+    <p:extLst>
+      <p:ext uri="{BB962C8B-B14F-4D97-AF65-F5344CB8AC3E}">
+        <p14:creationId xmlns:p14="http://schemas.microsoft.com/office/powerpoint/2010/main" val="901981018"/>
+      </p:ext>
+    </p:extLst>
+  </p:cSld>
+  <p:clrMapOvr>
+    <a:masterClrMapping/>
+  </p:clrMapOvr>
+  <p:timing>
+    <p:tnLst>
+      <p:par>
+        <p:cTn id="1" dur="indefinite" restart="never" nodeType="tmRoot"/>
+      </p:par>
+    </p:tnLst>
+  </p:timing>
+</p:sld>
+</file>
+
+<file path=ppt/slides/slide5.xml><?xml version="1.0" encoding="utf-8"?>
+<p:sld xmlns:a="http://schemas.openxmlformats.org/drawingml/2006/main" xmlns:r="http://schemas.openxmlformats.org/officeDocument/2006/relationships" xmlns:p="http://schemas.openxmlformats.org/presentationml/2006/main">
+  <p:cSld>
+    <p:spTree>
+      <p:nvGrpSpPr>
+        <p:cNvPr id="1" name=""/>
+        <p:cNvGrpSpPr/>
+        <p:nvPr/>
+      </p:nvGrpSpPr>
+      <p:grpSpPr>
+        <a:xfrm>
+          <a:off x="0" y="0"/>
+          <a:ext cx="0" cy="0"/>
+          <a:chOff x="0" y="0"/>
+          <a:chExt cx="0" cy="0"/>
+        </a:xfrm>
+      </p:grpSpPr>
+      <p:sp>
+        <p:nvSpPr>
+          <p:cNvPr id="2" name="タイトル 1"/>
+          <p:cNvSpPr>
+            <a:spLocks noGrp="1"/>
+          </p:cNvSpPr>
+          <p:nvPr>
+            <p:ph type="title"/>
+          </p:nvPr>
+        </p:nvSpPr>
+        <p:spPr>
+          <a:xfrm>
+            <a:off x="341311" y="0"/>
+            <a:ext cx="10018713" cy="1752599"/>
+          </a:xfrm>
+        </p:spPr>
+        <p:txBody>
+          <a:bodyPr>
+            <a:normAutofit/>
+          </a:bodyPr>
+          <a:lstStyle/>
+          <a:p>
+            <a:r>
+              <a:rPr lang="ja-JP" altLang="en-US" sz="6600" b="1" dirty="0">
+                <a:latin typeface="メイリオ" panose="020B0604030504040204" pitchFamily="50" charset="-128"/>
+                <a:ea typeface="メイリオ" panose="020B0604030504040204" pitchFamily="50" charset="-128"/>
+              </a:rPr>
+              <a:t>一</a:t>
+            </a:r>
+            <a:r>
+              <a:rPr kumimoji="1" lang="ja-JP" altLang="en-US" sz="6600" b="1" dirty="0" smtClean="0">
+                <a:latin typeface="メイリオ" panose="020B0604030504040204" pitchFamily="50" charset="-128"/>
+                <a:ea typeface="メイリオ" panose="020B0604030504040204" pitchFamily="50" charset="-128"/>
+              </a:rPr>
+              <a:t>年生</a:t>
+            </a:r>
+            <a:r>
+              <a:rPr kumimoji="1" lang="ja-JP" altLang="en-US" sz="6600" dirty="0" smtClean="0">
+                <a:latin typeface="メイリオ" panose="020B0604030504040204" pitchFamily="50" charset="-128"/>
+                <a:ea typeface="メイリオ" panose="020B0604030504040204" pitchFamily="50" charset="-128"/>
+              </a:rPr>
+              <a:t>の活動内容</a:t>
+            </a:r>
+            <a:endParaRPr kumimoji="1" lang="ja-JP" altLang="en-US" sz="6600" dirty="0">
+              <a:latin typeface="メイリオ" panose="020B0604030504040204" pitchFamily="50" charset="-128"/>
+              <a:ea typeface="メイリオ" panose="020B0604030504040204" pitchFamily="50" charset="-128"/>
+            </a:endParaRPr>
+          </a:p>
+        </p:txBody>
+      </p:sp>
+      <p:sp>
+        <p:nvSpPr>
+          <p:cNvPr id="3" name="コンテンツ プレースホルダー 2"/>
+          <p:cNvSpPr>
+            <a:spLocks noGrp="1"/>
+          </p:cNvSpPr>
+          <p:nvPr>
+            <p:ph idx="1"/>
+          </p:nvPr>
+        </p:nvSpPr>
+        <p:spPr>
+          <a:xfrm>
+            <a:off x="2899451" y="2242456"/>
+            <a:ext cx="11099576" cy="2743201"/>
+          </a:xfrm>
+        </p:spPr>
+        <p:txBody>
+          <a:bodyPr>
+            <a:noAutofit/>
+          </a:bodyPr>
+          <a:lstStyle/>
+          <a:p>
+            <a:endParaRPr kumimoji="1" lang="en-US" altLang="ja-JP" sz="3600" dirty="0" smtClean="0">
+              <a:latin typeface="メイリオ" panose="020B0604030504040204" pitchFamily="50" charset="-128"/>
+              <a:ea typeface="メイリオ" panose="020B0604030504040204" pitchFamily="50" charset="-128"/>
+            </a:endParaRPr>
+          </a:p>
+          <a:p>
+            <a:r>
+              <a:rPr lang="ja-JP" altLang="en-US" sz="3600" b="1" dirty="0" smtClean="0">
+                <a:latin typeface="メイリオ" panose="020B0604030504040204" pitchFamily="50" charset="-128"/>
+                <a:ea typeface="メイリオ" panose="020B0604030504040204" pitchFamily="50" charset="-128"/>
+              </a:rPr>
+              <a:t>プログ</a:t>
+            </a:r>
+            <a:r>
+              <a:rPr kumimoji="1" lang="ja-JP" altLang="en-US" sz="3600" b="1" dirty="0" smtClean="0">
+                <a:latin typeface="メイリオ" panose="020B0604030504040204" pitchFamily="50" charset="-128"/>
+                <a:ea typeface="メイリオ" panose="020B0604030504040204" pitchFamily="50" charset="-128"/>
+              </a:rPr>
+              <a:t>ラミング</a:t>
+            </a:r>
+            <a:r>
+              <a:rPr lang="ja-JP" altLang="en-US" sz="3600" dirty="0" smtClean="0">
+                <a:latin typeface="メイリオ" panose="020B0604030504040204" pitchFamily="50" charset="-128"/>
+                <a:ea typeface="メイリオ" panose="020B0604030504040204" pitchFamily="50" charset="-128"/>
+              </a:rPr>
+              <a:t>に</a:t>
+            </a:r>
+            <a:r>
+              <a:rPr lang="ja-JP" altLang="en-US" sz="3600" dirty="0">
+                <a:latin typeface="メイリオ" panose="020B0604030504040204" pitchFamily="50" charset="-128"/>
+                <a:ea typeface="メイリオ" panose="020B0604030504040204" pitchFamily="50" charset="-128"/>
+              </a:rPr>
+              <a:t>慣れる</a:t>
+            </a:r>
+            <a:endParaRPr kumimoji="1" lang="en-US" altLang="ja-JP" sz="3600" dirty="0" smtClean="0">
+              <a:latin typeface="メイリオ" panose="020B0604030504040204" pitchFamily="50" charset="-128"/>
+              <a:ea typeface="メイリオ" panose="020B0604030504040204" pitchFamily="50" charset="-128"/>
+            </a:endParaRPr>
+          </a:p>
+          <a:p>
+            <a:pPr marL="0" indent="0">
+              <a:buNone/>
+            </a:pPr>
+            <a:r>
+              <a:rPr lang="en-US" altLang="ja-JP" sz="3600" dirty="0">
+                <a:latin typeface="メイリオ" panose="020B0604030504040204" pitchFamily="50" charset="-128"/>
+                <a:ea typeface="メイリオ" panose="020B0604030504040204" pitchFamily="50" charset="-128"/>
+              </a:rPr>
+              <a:t>	</a:t>
+            </a:r>
+            <a:r>
+              <a:rPr lang="en-US" altLang="ja-JP" sz="3600" dirty="0" smtClean="0">
+                <a:latin typeface="メイリオ" panose="020B0604030504040204" pitchFamily="50" charset="-128"/>
+                <a:ea typeface="メイリオ" panose="020B0604030504040204" pitchFamily="50" charset="-128"/>
+              </a:rPr>
+              <a:t>ex) </a:t>
+            </a:r>
+            <a:r>
+              <a:rPr lang="ja-JP" altLang="en-US" sz="3600" dirty="0" smtClean="0">
+                <a:latin typeface="メイリオ" panose="020B0604030504040204" pitchFamily="50" charset="-128"/>
+                <a:ea typeface="メイリオ" panose="020B0604030504040204" pitchFamily="50" charset="-128"/>
+              </a:rPr>
+              <a:t>ライントレース、じゃんけんゲーム</a:t>
+            </a:r>
+            <a:endParaRPr lang="en-US" altLang="ja-JP" sz="3600" dirty="0" smtClean="0">
+              <a:latin typeface="メイリオ" panose="020B0604030504040204" pitchFamily="50" charset="-128"/>
+              <a:ea typeface="メイリオ" panose="020B0604030504040204" pitchFamily="50" charset="-128"/>
+            </a:endParaRPr>
+          </a:p>
+          <a:p>
+            <a:pPr marL="0" indent="0">
+              <a:buNone/>
+            </a:pPr>
+            <a:endParaRPr lang="en-US" altLang="ja-JP" sz="3600" dirty="0" smtClean="0">
+              <a:latin typeface="メイリオ" panose="020B0604030504040204" pitchFamily="50" charset="-128"/>
+              <a:ea typeface="メイリオ" panose="020B0604030504040204" pitchFamily="50" charset="-128"/>
+            </a:endParaRPr>
+          </a:p>
+          <a:p>
+            <a:r>
+              <a:rPr lang="ja-JP" altLang="en-US" sz="3600" b="1" dirty="0" smtClean="0">
+                <a:latin typeface="メイリオ" panose="020B0604030504040204" pitchFamily="50" charset="-128"/>
+                <a:ea typeface="メイリオ" panose="020B0604030504040204" pitchFamily="50" charset="-128"/>
+              </a:rPr>
+              <a:t>ハードウェア</a:t>
+            </a:r>
+            <a:r>
+              <a:rPr lang="ja-JP" altLang="en-US" sz="3600" dirty="0" smtClean="0">
+                <a:latin typeface="メイリオ" panose="020B0604030504040204" pitchFamily="50" charset="-128"/>
+                <a:ea typeface="メイリオ" panose="020B0604030504040204" pitchFamily="50" charset="-128"/>
+              </a:rPr>
+              <a:t>開発学習</a:t>
+            </a:r>
+            <a:endParaRPr lang="en-US" altLang="ja-JP" sz="3600" dirty="0" smtClean="0">
+              <a:latin typeface="メイリオ" panose="020B0604030504040204" pitchFamily="50" charset="-128"/>
+              <a:ea typeface="メイリオ" panose="020B0604030504040204" pitchFamily="50" charset="-128"/>
+            </a:endParaRPr>
+          </a:p>
+          <a:p>
+            <a:endParaRPr lang="en-US" altLang="ja-JP" sz="3600" b="1" dirty="0" smtClean="0">
+              <a:latin typeface="メイリオ" panose="020B0604030504040204" pitchFamily="50" charset="-128"/>
+              <a:ea typeface="メイリオ" panose="020B0604030504040204" pitchFamily="50" charset="-128"/>
+            </a:endParaRPr>
+          </a:p>
+          <a:p>
+            <a:r>
+              <a:rPr lang="ja-JP" altLang="en-US" sz="3600" b="1" dirty="0" smtClean="0">
+                <a:latin typeface="メイリオ" panose="020B0604030504040204" pitchFamily="50" charset="-128"/>
+                <a:ea typeface="メイリオ" panose="020B0604030504040204" pitchFamily="50" charset="-128"/>
+              </a:rPr>
+              <a:t>正規のプロジェクト</a:t>
+            </a:r>
+            <a:r>
+              <a:rPr lang="ja-JP" altLang="en-US" sz="3600" dirty="0" smtClean="0">
+                <a:latin typeface="メイリオ" panose="020B0604030504040204" pitchFamily="50" charset="-128"/>
+                <a:ea typeface="メイリオ" panose="020B0604030504040204" pitchFamily="50" charset="-128"/>
+              </a:rPr>
+              <a:t>への参加</a:t>
+            </a:r>
+            <a:endParaRPr kumimoji="1" lang="ja-JP" altLang="en-US" sz="3600" dirty="0">
+              <a:latin typeface="メイリオ" panose="020B0604030504040204" pitchFamily="50" charset="-128"/>
+              <a:ea typeface="メイリオ" panose="020B0604030504040204" pitchFamily="50" charset="-128"/>
+            </a:endParaRPr>
+          </a:p>
+        </p:txBody>
+      </p:sp>
+    </p:spTree>
+    <p:extLst>
+      <p:ext uri="{BB962C8B-B14F-4D97-AF65-F5344CB8AC3E}">
+        <p14:creationId xmlns:p14="http://schemas.microsoft.com/office/powerpoint/2010/main" val="2690250339"/>
+      </p:ext>
+    </p:extLst>
+  </p:cSld>
+  <p:clrMapOvr>
+    <a:masterClrMapping/>
+  </p:clrMapOvr>
+  <p:timing>
+    <p:tnLst>
+      <p:par>
+        <p:cTn id="1" dur="indefinite" restart="never" nodeType="tmRoot"/>
+      </p:par>
+    </p:tnLst>
+  </p:timing>
+</p:sld>
+</file>
+
+<file path=ppt/slides/slide6.xml><?xml version="1.0" encoding="utf-8"?>
+<p:sld xmlns:a="http://schemas.openxmlformats.org/drawingml/2006/main" xmlns:r="http://schemas.openxmlformats.org/officeDocument/2006/relationships" xmlns:p="http://schemas.openxmlformats.org/presentationml/2006/main">
+  <p:cSld>
+    <p:spTree>
+      <p:nvGrpSpPr>
+        <p:cNvPr id="1" name=""/>
+        <p:cNvGrpSpPr/>
+        <p:nvPr/>
+      </p:nvGrpSpPr>
+      <p:grpSpPr>
+        <a:xfrm>
+          <a:off x="0" y="0"/>
+          <a:ext cx="0" cy="0"/>
+          <a:chOff x="0" y="0"/>
+          <a:chExt cx="0" cy="0"/>
+        </a:xfrm>
+      </p:grpSpPr>
+      <p:sp>
+        <p:nvSpPr>
+          <p:cNvPr id="2" name="タイトル 1"/>
+          <p:cNvSpPr>
+            <a:spLocks noGrp="1"/>
+          </p:cNvSpPr>
+          <p:nvPr>
+            <p:ph type="title"/>
+          </p:nvPr>
+        </p:nvSpPr>
+        <p:spPr>
+          <a:xfrm>
+            <a:off x="0" y="0"/>
+            <a:ext cx="10018713" cy="1752599"/>
+          </a:xfrm>
+        </p:spPr>
+        <p:txBody>
+          <a:bodyPr>
+            <a:normAutofit/>
+          </a:bodyPr>
+          <a:lstStyle/>
+          <a:p>
+            <a:r>
+              <a:rPr kumimoji="1" lang="ja-JP" altLang="en-US" sz="6000" b="1" dirty="0" smtClean="0">
+                <a:latin typeface="メイリオ" panose="020B0604030504040204" pitchFamily="50" charset="-128"/>
+                <a:ea typeface="メイリオ" panose="020B0604030504040204" pitchFamily="50" charset="-128"/>
+              </a:rPr>
+              <a:t>今年度</a:t>
+            </a:r>
+            <a:r>
+              <a:rPr kumimoji="1" lang="ja-JP" altLang="en-US" sz="6000" dirty="0" smtClean="0">
+                <a:latin typeface="メイリオ" panose="020B0604030504040204" pitchFamily="50" charset="-128"/>
+                <a:ea typeface="メイリオ" panose="020B0604030504040204" pitchFamily="50" charset="-128"/>
+              </a:rPr>
+              <a:t>の活動予定</a:t>
+            </a:r>
+            <a:endParaRPr kumimoji="1" lang="ja-JP" altLang="en-US" sz="6000" dirty="0">
+              <a:latin typeface="メイリオ" panose="020B0604030504040204" pitchFamily="50" charset="-128"/>
+              <a:ea typeface="メイリオ" panose="020B0604030504040204" pitchFamily="50" charset="-128"/>
+            </a:endParaRPr>
+          </a:p>
+        </p:txBody>
+      </p:sp>
+      <p:sp>
+        <p:nvSpPr>
+          <p:cNvPr id="3" name="コンテンツ プレースホルダー 2"/>
+          <p:cNvSpPr>
+            <a:spLocks noGrp="1"/>
+          </p:cNvSpPr>
+          <p:nvPr>
+            <p:ph idx="1"/>
+          </p:nvPr>
+        </p:nvSpPr>
+        <p:spPr>
+          <a:xfrm>
+            <a:off x="2684915" y="2090056"/>
+            <a:ext cx="10018713" cy="3124201"/>
+          </a:xfrm>
+        </p:spPr>
+        <p:txBody>
+          <a:bodyPr/>
+          <a:lstStyle/>
+          <a:p>
+            <a:pPr>
+              <a:buFont typeface="Wingdings" panose="05000000000000000000" pitchFamily="2" charset="2"/>
+              <a:buChar char="Ø"/>
+            </a:pPr>
+            <a:r>
+              <a:rPr kumimoji="1" lang="ja-JP" altLang="en-US" sz="4400" b="1" dirty="0" smtClean="0">
+                <a:latin typeface="メイリオ" panose="020B0604030504040204" pitchFamily="50" charset="-128"/>
+                <a:ea typeface="メイリオ" panose="020B0604030504040204" pitchFamily="50" charset="-128"/>
+              </a:rPr>
+              <a:t>つくばチャレンジ</a:t>
+            </a:r>
+            <a:r>
+              <a:rPr kumimoji="1" lang="ja-JP" altLang="en-US" sz="4400" dirty="0" smtClean="0">
+                <a:latin typeface="メイリオ" panose="020B0604030504040204" pitchFamily="50" charset="-128"/>
+                <a:ea typeface="メイリオ" panose="020B0604030504040204" pitchFamily="50" charset="-128"/>
+              </a:rPr>
+              <a:t>への参加</a:t>
+            </a:r>
+            <a:endParaRPr kumimoji="1" lang="en-US" altLang="ja-JP" sz="4400" dirty="0" smtClean="0">
+              <a:latin typeface="メイリオ" panose="020B0604030504040204" pitchFamily="50" charset="-128"/>
+              <a:ea typeface="メイリオ" panose="020B0604030504040204" pitchFamily="50" charset="-128"/>
+            </a:endParaRPr>
+          </a:p>
+          <a:p>
+            <a:pPr>
+              <a:buFont typeface="Wingdings" panose="05000000000000000000" pitchFamily="2" charset="2"/>
+              <a:buChar char="Ø"/>
+            </a:pPr>
+            <a:r>
+              <a:rPr lang="ja-JP" altLang="en-US" sz="4400" b="1" dirty="0">
+                <a:latin typeface="メイリオ" panose="020B0604030504040204" pitchFamily="50" charset="-128"/>
+                <a:ea typeface="メイリオ" panose="020B0604030504040204" pitchFamily="50" charset="-128"/>
+              </a:rPr>
+              <a:t>学内案内</a:t>
+            </a:r>
+            <a:r>
+              <a:rPr lang="ja-JP" altLang="en-US" sz="4400" b="1" dirty="0" smtClean="0">
+                <a:latin typeface="メイリオ" panose="020B0604030504040204" pitchFamily="50" charset="-128"/>
+                <a:ea typeface="メイリオ" panose="020B0604030504040204" pitchFamily="50" charset="-128"/>
+              </a:rPr>
+              <a:t>ロボット</a:t>
+            </a:r>
+            <a:r>
+              <a:rPr lang="ja-JP" altLang="en-US" sz="4400" dirty="0" smtClean="0">
+                <a:latin typeface="メイリオ" panose="020B0604030504040204" pitchFamily="50" charset="-128"/>
+                <a:ea typeface="メイリオ" panose="020B0604030504040204" pitchFamily="50" charset="-128"/>
+              </a:rPr>
+              <a:t>の開発</a:t>
+            </a:r>
+            <a:endParaRPr lang="en-US" altLang="ja-JP" sz="4400" dirty="0" smtClean="0">
+              <a:latin typeface="メイリオ" panose="020B0604030504040204" pitchFamily="50" charset="-128"/>
+              <a:ea typeface="メイリオ" panose="020B0604030504040204" pitchFamily="50" charset="-128"/>
+            </a:endParaRPr>
+          </a:p>
+          <a:p>
+            <a:pPr>
+              <a:buFont typeface="Wingdings" panose="05000000000000000000" pitchFamily="2" charset="2"/>
+              <a:buChar char="Ø"/>
+            </a:pPr>
+            <a:endParaRPr kumimoji="1" lang="ja-JP" altLang="en-US" dirty="0"/>
+          </a:p>
+        </p:txBody>
+      </p:sp>
+    </p:spTree>
+    <p:extLst>
+      <p:ext uri="{BB962C8B-B14F-4D97-AF65-F5344CB8AC3E}">
+        <p14:creationId xmlns:p14="http://schemas.microsoft.com/office/powerpoint/2010/main" val="1977622066"/>
       </p:ext>
     </p:extLst>
   </p:cSld>
@@ -6641,9 +7799,9 @@
 </file>
 
 <file path=ppt/theme/theme1.xml><?xml version="1.0" encoding="utf-8"?>
-<a:theme xmlns:a="http://schemas.openxmlformats.org/drawingml/2006/main" name="石版">
+<a:theme xmlns:a="http://schemas.openxmlformats.org/drawingml/2006/main" name="視差">
   <a:themeElements>
-    <a:clrScheme name="石版">
+    <a:clrScheme name="視差">
       <a:dk1>
         <a:sysClr val="windowText" lastClr="000000"/>
       </a:dk1>
@@ -6651,49 +7809,109 @@
         <a:sysClr val="window" lastClr="FFFFFF"/>
       </a:lt1>
       <a:dk2>
-        <a:srgbClr val="212123"/>
+        <a:srgbClr val="212121"/>
       </a:dk2>
       <a:lt2>
-        <a:srgbClr val="DADADA"/>
+        <a:srgbClr val="CDD0D1"/>
       </a:lt2>
       <a:accent1>
-        <a:srgbClr val="BC451B"/>
+        <a:srgbClr val="EB8F22"/>
       </a:accent1>
       <a:accent2>
-        <a:srgbClr val="D3BA68"/>
+        <a:srgbClr val="CD4223"/>
       </a:accent2>
       <a:accent3>
-        <a:srgbClr val="BB8640"/>
+        <a:srgbClr val="A89374"/>
       </a:accent3>
       <a:accent4>
-        <a:srgbClr val="AD9277"/>
+        <a:srgbClr val="83AA67"/>
       </a:accent4>
       <a:accent5>
-        <a:srgbClr val="A55A43"/>
+        <a:srgbClr val="4FA9C1"/>
       </a:accent5>
       <a:accent6>
-        <a:srgbClr val="AD9D7B"/>
+        <a:srgbClr val="9390AF"/>
       </a:accent6>
       <a:hlink>
-        <a:srgbClr val="E98052"/>
+        <a:srgbClr val="EC7220"/>
       </a:hlink>
       <a:folHlink>
-        <a:srgbClr val="F4B69B"/>
+        <a:srgbClr val="F09355"/>
       </a:folHlink>
     </a:clrScheme>
-    <a:fontScheme name="ユーザー定義 2">
+    <a:fontScheme name="視差">
       <a:majorFont>
-        <a:latin typeface="Segoe UI"/>
-        <a:ea typeface="メイリオ"/>
+        <a:latin typeface="Corbel" panose="020B0503020204020204"/>
+        <a:ea typeface=""/>
         <a:cs typeface=""/>
+        <a:font script="Jpan" typeface="HGｺﾞｼｯｸM"/>
+        <a:font script="Hang" typeface="HY엽서L"/>
+        <a:font script="Hans" typeface="华文楷体"/>
+        <a:font script="Hant" typeface="新細明體"/>
+        <a:font script="Arab" typeface="Tahoma"/>
+        <a:font script="Hebr" typeface="Miriam"/>
+        <a:font script="Thai" typeface="DilleniaUPC"/>
+        <a:font script="Ethi" typeface="Nyala"/>
+        <a:font script="Beng" typeface="Vrinda"/>
+        <a:font script="Gujr" typeface="Shruti"/>
+        <a:font script="Khmr" typeface="DaunPenh"/>
+        <a:font script="Knda" typeface="Tunga"/>
+        <a:font script="Guru" typeface="Raavi"/>
+        <a:font script="Cans" typeface="Euphemia"/>
+        <a:font script="Cher" typeface="Plantagenet Cherokee"/>
+        <a:font script="Yiii" typeface="Microsoft Yi Baiti"/>
+        <a:font script="Tibt" typeface="Microsoft Himalaya"/>
+        <a:font script="Thaa" typeface="MV Boli"/>
+        <a:font script="Deva" typeface="Mangal"/>
+        <a:font script="Telu" typeface="Gautami"/>
+        <a:font script="Taml" typeface="Latha"/>
+        <a:font script="Syrc" typeface="Estrangelo Edessa"/>
+        <a:font script="Orya" typeface="Kalinga"/>
+        <a:font script="Mlym" typeface="Kartika"/>
+        <a:font script="Laoo" typeface="DokChampa"/>
+        <a:font script="Sinh" typeface="Iskoola Pota"/>
+        <a:font script="Mong" typeface="Mongolian Baiti"/>
+        <a:font script="Viet" typeface="Arial"/>
+        <a:font script="Uigh" typeface="Microsoft Uighur"/>
+        <a:font script="Geor" typeface="Sylfaen"/>
       </a:majorFont>
       <a:minorFont>
-        <a:latin typeface="Segoe UI"/>
-        <a:ea typeface="メイリオ"/>
+        <a:latin typeface="Corbel" panose="020B0503020204020204"/>
+        <a:ea typeface=""/>
         <a:cs typeface=""/>
+        <a:font script="Jpan" typeface="HGｺﾞｼｯｸM"/>
+        <a:font script="Hang" typeface="HY엽서L"/>
+        <a:font script="Hans" typeface="华文楷体"/>
+        <a:font script="Hant" typeface="新細明體"/>
+        <a:font script="Arab" typeface="Tahoma"/>
+        <a:font script="Hebr" typeface="Miriam"/>
+        <a:font script="Thai" typeface="DilleniaUPC"/>
+        <a:font script="Ethi" typeface="Nyala"/>
+        <a:font script="Beng" typeface="Vrinda"/>
+        <a:font script="Gujr" typeface="Shruti"/>
+        <a:font script="Khmr" typeface="DaunPenh"/>
+        <a:font script="Knda" typeface="Tunga"/>
+        <a:font script="Guru" typeface="Raavi"/>
+        <a:font script="Cans" typeface="Euphemia"/>
+        <a:font script="Cher" typeface="Plantagenet Cherokee"/>
+        <a:font script="Yiii" typeface="Microsoft Yi Baiti"/>
+        <a:font script="Tibt" typeface="Microsoft Himalaya"/>
+        <a:font script="Thaa" typeface="MV Boli"/>
+        <a:font script="Deva" typeface="Mangal"/>
+        <a:font script="Telu" typeface="Gautami"/>
+        <a:font script="Taml" typeface="Latha"/>
+        <a:font script="Syrc" typeface="Estrangelo Edessa"/>
+        <a:font script="Orya" typeface="Kalinga"/>
+        <a:font script="Mlym" typeface="Kartika"/>
+        <a:font script="Laoo" typeface="DokChampa"/>
+        <a:font script="Sinh" typeface="Iskoola Pota"/>
+        <a:font script="Mong" typeface="Mongolian Baiti"/>
+        <a:font script="Viet" typeface="Arial"/>
+        <a:font script="Uigh" typeface="Microsoft Uighur"/>
+        <a:font script="Geor" typeface="Sylfaen"/>
       </a:minorFont>
     </a:fontScheme>
-    <a:fmtScheme name="石版">
+    <a:fmtScheme name="視差">
       <a:fillStyleLst>
         <a:solidFill>
           <a:schemeClr val="phClr"/>
@@ -6703,12 +7921,12 @@
             <a:gs pos="0">
               <a:schemeClr val="phClr">
                 <a:tint val="60000"/>
-                <a:lumMod val="110000"/>
+                <a:lumMod val="104000"/>
               </a:schemeClr>
             </a:gs>
             <a:gs pos="100000">
               <a:schemeClr val="phClr">
-                <a:tint val="88000"/>
+                <a:tint val="84000"/>
               </a:schemeClr>
             </a:gs>
           </a:gsLst>
@@ -6719,24 +7937,26 @@
             <a:gs pos="0">
               <a:schemeClr val="phClr">
                 <a:tint val="96000"/>
-                <a:lumMod val="104000"/>
+                <a:lumMod val="102000"/>
               </a:schemeClr>
             </a:gs>
             <a:gs pos="100000">
               <a:schemeClr val="phClr">
-                <a:shade val="90000"/>
-                <a:lumMod val="90000"/>
+                <a:shade val="88000"/>
+                <a:lumMod val="94000"/>
               </a:schemeClr>
             </a:gs>
           </a:gsLst>
-          <a:lin ang="5400000" scaled="0"/>
+          <a:path path="circle">
+            <a:fillToRect l="50000" t="100000" r="100000" b="50000"/>
+          </a:path>
         </a:gradFill>
       </a:fillStyleLst>
       <a:lnStyleLst>
         <a:ln w="9525" cap="rnd" cmpd="sng" algn="ctr">
           <a:solidFill>
             <a:schemeClr val="phClr">
-              <a:shade val="90000"/>
+              <a:tint val="60000"/>
             </a:schemeClr>
           </a:solidFill>
           <a:prstDash val="solid"/>
@@ -6747,7 +7967,7 @@
           </a:solidFill>
           <a:prstDash val="solid"/>
         </a:ln>
-        <a:ln w="25400" cap="rnd" cmpd="sng" algn="ctr">
+        <a:ln w="22225" cap="rnd" cmpd="sng" algn="ctr">
           <a:solidFill>
             <a:schemeClr val="phClr"/>
           </a:solidFill>
@@ -6760,18 +7980,14 @@
         </a:effectStyle>
         <a:effectStyle>
           <a:effectLst>
-            <a:outerShdw blurRad="63500" dist="25400" dir="5400000" rotWithShape="0">
-              <a:srgbClr val="000000">
-                <a:alpha val="60000"/>
-              </a:srgbClr>
-            </a:outerShdw>
+            <a:reflection blurRad="12700" stA="26000" endPos="32000" dist="12700" dir="5400000" sy="-100000" rotWithShape="0"/>
           </a:effectLst>
         </a:effectStyle>
         <a:effectStyle>
           <a:effectLst>
-            <a:outerShdw blurRad="76200" dist="38100" dir="5400000" rotWithShape="0">
+            <a:outerShdw blurRad="38100" dist="25400" dir="5400000" rotWithShape="0">
               <a:srgbClr val="000000">
-                <a:alpha val="75000"/>
+                <a:alpha val="64000"/>
               </a:srgbClr>
             </a:outerShdw>
           </a:effectLst>
@@ -6779,12 +7995,12 @@
             <a:camera prst="orthographicFront">
               <a:rot lat="0" lon="0" rev="0"/>
             </a:camera>
-            <a:lightRig rig="threePt" dir="t">
+            <a:lightRig rig="threePt" dir="tl">
               <a:rot lat="0" lon="0" rev="1200000"/>
             </a:lightRig>
           </a:scene3d>
           <a:sp3d>
-            <a:bevelT w="63500" h="25400" prst="hardEdge"/>
+            <a:bevelT w="25400" h="12700"/>
           </a:sp3d>
         </a:effectStyle>
       </a:effectStyleLst>
@@ -6792,18 +8008,34 @@
         <a:solidFill>
           <a:schemeClr val="phClr"/>
         </a:solidFill>
-        <a:solidFill>
-          <a:schemeClr val="phClr"/>
-        </a:solidFill>
+        <a:gradFill rotWithShape="1">
+          <a:gsLst>
+            <a:gs pos="0">
+              <a:schemeClr val="phClr">
+                <a:tint val="90000"/>
+                <a:lumMod val="110000"/>
+              </a:schemeClr>
+            </a:gs>
+            <a:gs pos="100000">
+              <a:schemeClr val="phClr">
+                <a:shade val="64000"/>
+                <a:lumMod val="98000"/>
+              </a:schemeClr>
+            </a:gs>
+          </a:gsLst>
+          <a:lin ang="5400000" scaled="0"/>
+        </a:gradFill>
         <a:blipFill rotWithShape="1">
           <a:blip xmlns:r="http://schemas.openxmlformats.org/officeDocument/2006/relationships" r:embed="rId1">
             <a:duotone>
               <a:schemeClr val="phClr">
-                <a:shade val="80000"/>
-                <a:lumMod val="80000"/>
+                <a:shade val="76000"/>
+                <a:satMod val="180000"/>
               </a:schemeClr>
               <a:schemeClr val="phClr">
-                <a:tint val="98000"/>
+                <a:tint val="80000"/>
+                <a:satMod val="120000"/>
+                <a:lumMod val="180000"/>
               </a:schemeClr>
             </a:duotone>
           </a:blip>
@@ -6816,7 +8048,7 @@
   <a:extraClrSchemeLst/>
   <a:extLst>
     <a:ext uri="{05A4C25C-085E-4340-85A3-A5531E510DB2}">
-      <thm15:themeFamily xmlns:thm15="http://schemas.microsoft.com/office/thememl/2012/main" name="Slate" id="{C3F70B94-7CE9-428E-ADC1-3269CC2C3385}" vid="{3F2DE9A5-64E6-437C-A389-CC4477E817E8}"/>
+      <thm15:themeFamily xmlns:thm15="http://schemas.microsoft.com/office/thememl/2012/main" name="Parallax" id="{3388167B-A2EB-4685-9635-1831D9AEF8C4}" vid="{EBEC8F79-A447-43FC-8E81-85E8468AF3F9}"/>
     </a:ext>
   </a:extLst>
 </a:theme>
